--- a/产品文档/图片资料/图例.pptx
+++ b/产品文档/图片资料/图例.pptx
@@ -6,6 +6,7 @@
   </p:sldMasterIdLst>
   <p:sldIdLst>
     <p:sldId id="256" r:id="rId2"/>
+    <p:sldId id="257" r:id="rId3"/>
   </p:sldIdLst>
   <p:sldSz cx="6858000" cy="9906000" type="A4"/>
   <p:notesSz cx="6858000" cy="9144000"/>
@@ -104,6 +105,11 @@
       </a:defRPr>
     </a:lvl9pPr>
   </p:defaultTextStyle>
+  <p:extLst>
+    <p:ext uri="{EFAFB233-063F-42B5-8137-9DF3F51BA10A}">
+      <p15:sldGuideLst xmlns:p15="http://schemas.microsoft.com/office/powerpoint/2012/main"/>
+    </p:ext>
+  </p:extLst>
 </p:presentation>
 </file>
 
@@ -238,7 +244,7 @@
           <a:p>
             <a:fld id="{29F8E05B-68B1-4543-B747-8A7C459D783B}" type="datetimeFigureOut">
               <a:rPr lang="zh-CN" altLang="en-US" smtClean="0"/>
-              <a:t>2023/4/14</a:t>
+              <a:t>2023/4/24</a:t>
             </a:fld>
             <a:endParaRPr lang="zh-CN" altLang="en-US"/>
           </a:p>
@@ -408,7 +414,7 @@
           <a:p>
             <a:fld id="{29F8E05B-68B1-4543-B747-8A7C459D783B}" type="datetimeFigureOut">
               <a:rPr lang="zh-CN" altLang="en-US" smtClean="0"/>
-              <a:t>2023/4/14</a:t>
+              <a:t>2023/4/24</a:t>
             </a:fld>
             <a:endParaRPr lang="zh-CN" altLang="en-US"/>
           </a:p>
@@ -588,7 +594,7 @@
           <a:p>
             <a:fld id="{29F8E05B-68B1-4543-B747-8A7C459D783B}" type="datetimeFigureOut">
               <a:rPr lang="zh-CN" altLang="en-US" smtClean="0"/>
-              <a:t>2023/4/14</a:t>
+              <a:t>2023/4/24</a:t>
             </a:fld>
             <a:endParaRPr lang="zh-CN" altLang="en-US"/>
           </a:p>
@@ -758,7 +764,7 @@
           <a:p>
             <a:fld id="{29F8E05B-68B1-4543-B747-8A7C459D783B}" type="datetimeFigureOut">
               <a:rPr lang="zh-CN" altLang="en-US" smtClean="0"/>
-              <a:t>2023/4/14</a:t>
+              <a:t>2023/4/24</a:t>
             </a:fld>
             <a:endParaRPr lang="zh-CN" altLang="en-US"/>
           </a:p>
@@ -1002,7 +1008,7 @@
           <a:p>
             <a:fld id="{29F8E05B-68B1-4543-B747-8A7C459D783B}" type="datetimeFigureOut">
               <a:rPr lang="zh-CN" altLang="en-US" smtClean="0"/>
-              <a:t>2023/4/14</a:t>
+              <a:t>2023/4/24</a:t>
             </a:fld>
             <a:endParaRPr lang="zh-CN" altLang="en-US"/>
           </a:p>
@@ -1234,7 +1240,7 @@
           <a:p>
             <a:fld id="{29F8E05B-68B1-4543-B747-8A7C459D783B}" type="datetimeFigureOut">
               <a:rPr lang="zh-CN" altLang="en-US" smtClean="0"/>
-              <a:t>2023/4/14</a:t>
+              <a:t>2023/4/24</a:t>
             </a:fld>
             <a:endParaRPr lang="zh-CN" altLang="en-US"/>
           </a:p>
@@ -1601,7 +1607,7 @@
           <a:p>
             <a:fld id="{29F8E05B-68B1-4543-B747-8A7C459D783B}" type="datetimeFigureOut">
               <a:rPr lang="zh-CN" altLang="en-US" smtClean="0"/>
-              <a:t>2023/4/14</a:t>
+              <a:t>2023/4/24</a:t>
             </a:fld>
             <a:endParaRPr lang="zh-CN" altLang="en-US"/>
           </a:p>
@@ -1719,7 +1725,7 @@
           <a:p>
             <a:fld id="{29F8E05B-68B1-4543-B747-8A7C459D783B}" type="datetimeFigureOut">
               <a:rPr lang="zh-CN" altLang="en-US" smtClean="0"/>
-              <a:t>2023/4/14</a:t>
+              <a:t>2023/4/24</a:t>
             </a:fld>
             <a:endParaRPr lang="zh-CN" altLang="en-US"/>
           </a:p>
@@ -1814,7 +1820,7 @@
           <a:p>
             <a:fld id="{29F8E05B-68B1-4543-B747-8A7C459D783B}" type="datetimeFigureOut">
               <a:rPr lang="zh-CN" altLang="en-US" smtClean="0"/>
-              <a:t>2023/4/14</a:t>
+              <a:t>2023/4/24</a:t>
             </a:fld>
             <a:endParaRPr lang="zh-CN" altLang="en-US"/>
           </a:p>
@@ -2091,7 +2097,7 @@
           <a:p>
             <a:fld id="{29F8E05B-68B1-4543-B747-8A7C459D783B}" type="datetimeFigureOut">
               <a:rPr lang="zh-CN" altLang="en-US" smtClean="0"/>
-              <a:t>2023/4/14</a:t>
+              <a:t>2023/4/24</a:t>
             </a:fld>
             <a:endParaRPr lang="zh-CN" altLang="en-US"/>
           </a:p>
@@ -2348,7 +2354,7 @@
           <a:p>
             <a:fld id="{29F8E05B-68B1-4543-B747-8A7C459D783B}" type="datetimeFigureOut">
               <a:rPr lang="zh-CN" altLang="en-US" smtClean="0"/>
-              <a:t>2023/4/14</a:t>
+              <a:t>2023/4/24</a:t>
             </a:fld>
             <a:endParaRPr lang="zh-CN" altLang="en-US"/>
           </a:p>
@@ -2561,7 +2567,7 @@
           <a:p>
             <a:fld id="{29F8E05B-68B1-4543-B747-8A7C459D783B}" type="datetimeFigureOut">
               <a:rPr lang="zh-CN" altLang="en-US" smtClean="0"/>
-              <a:t>2023/4/14</a:t>
+              <a:t>2023/4/24</a:t>
             </a:fld>
             <a:endParaRPr lang="zh-CN" altLang="en-US"/>
           </a:p>
@@ -5102,6 +5108,1673 @@
 </p:sld>
 </file>
 
+<file path=ppt/slides/slide2.xml><?xml version="1.0" encoding="utf-8"?>
+<p:sld xmlns:a="http://schemas.openxmlformats.org/drawingml/2006/main" xmlns:r="http://schemas.openxmlformats.org/officeDocument/2006/relationships" xmlns:p="http://schemas.openxmlformats.org/presentationml/2006/main">
+  <p:cSld>
+    <p:spTree>
+      <p:nvGrpSpPr>
+        <p:cNvPr id="1" name=""/>
+        <p:cNvGrpSpPr/>
+        <p:nvPr/>
+      </p:nvGrpSpPr>
+      <p:grpSpPr>
+        <a:xfrm>
+          <a:off x="0" y="0"/>
+          <a:ext cx="0" cy="0"/>
+          <a:chOff x="0" y="0"/>
+          <a:chExt cx="0" cy="0"/>
+        </a:xfrm>
+      </p:grpSpPr>
+      <p:grpSp>
+        <p:nvGrpSpPr>
+          <p:cNvPr id="4" name="组合 3">
+            <a:extLst>
+              <a:ext uri="{FF2B5EF4-FFF2-40B4-BE49-F238E27FC236}">
+                <a16:creationId xmlns:a16="http://schemas.microsoft.com/office/drawing/2014/main" id="{529879F5-4442-0A5D-B918-3E2EA829C952}"/>
+              </a:ext>
+            </a:extLst>
+          </p:cNvPr>
+          <p:cNvGrpSpPr/>
+          <p:nvPr/>
+        </p:nvGrpSpPr>
+        <p:grpSpPr>
+          <a:xfrm>
+            <a:off x="221843" y="666152"/>
+            <a:ext cx="5401261" cy="5537332"/>
+            <a:chOff x="1052871" y="3973830"/>
+            <a:chExt cx="5401261" cy="5537332"/>
+          </a:xfrm>
+        </p:grpSpPr>
+        <p:sp>
+          <p:nvSpPr>
+            <p:cNvPr id="5" name="文本框 4">
+              <a:extLst>
+                <a:ext uri="{FF2B5EF4-FFF2-40B4-BE49-F238E27FC236}">
+                  <a16:creationId xmlns:a16="http://schemas.microsoft.com/office/drawing/2014/main" id="{287FE80A-469B-97CD-29A1-C170D266CF14}"/>
+                </a:ext>
+              </a:extLst>
+            </p:cNvPr>
+            <p:cNvSpPr txBox="1"/>
+            <p:nvPr/>
+          </p:nvSpPr>
+          <p:spPr>
+            <a:xfrm>
+              <a:off x="2783207" y="5833753"/>
+              <a:ext cx="430529" cy="184666"/>
+            </a:xfrm>
+            <a:prstGeom prst="rect">
+              <a:avLst/>
+            </a:prstGeom>
+            <a:noFill/>
+          </p:spPr>
+          <p:txBody>
+            <a:bodyPr wrap="square" rtlCol="0">
+              <a:spAutoFit/>
+            </a:bodyPr>
+            <a:lstStyle/>
+            <a:p>
+              <a:r>
+                <a:rPr lang="zh-CN" altLang="en-US" sz="600" dirty="0"/>
+                <a:t>未登录</a:t>
+              </a:r>
+            </a:p>
+          </p:txBody>
+        </p:sp>
+        <p:grpSp>
+          <p:nvGrpSpPr>
+            <p:cNvPr id="6" name="组合 5">
+              <a:extLst>
+                <a:ext uri="{FF2B5EF4-FFF2-40B4-BE49-F238E27FC236}">
+                  <a16:creationId xmlns:a16="http://schemas.microsoft.com/office/drawing/2014/main" id="{7E904EE1-B200-1FFB-1606-FBEFCC22E41B}"/>
+                </a:ext>
+              </a:extLst>
+            </p:cNvPr>
+            <p:cNvGrpSpPr/>
+            <p:nvPr/>
+          </p:nvGrpSpPr>
+          <p:grpSpPr>
+            <a:xfrm>
+              <a:off x="1052871" y="3973830"/>
+              <a:ext cx="2320115" cy="3417027"/>
+              <a:chOff x="1053465" y="3973829"/>
+              <a:chExt cx="2929044" cy="4143680"/>
+            </a:xfrm>
+          </p:grpSpPr>
+          <p:sp>
+            <p:nvSpPr>
+              <p:cNvPr id="36" name="矩形 35">
+                <a:extLst>
+                  <a:ext uri="{FF2B5EF4-FFF2-40B4-BE49-F238E27FC236}">
+                    <a16:creationId xmlns:a16="http://schemas.microsoft.com/office/drawing/2014/main" id="{FF42EC8B-1C49-CEF2-679B-90240BFE4B81}"/>
+                  </a:ext>
+                </a:extLst>
+              </p:cNvPr>
+              <p:cNvSpPr/>
+              <p:nvPr/>
+            </p:nvSpPr>
+            <p:spPr>
+              <a:xfrm>
+                <a:off x="1386841" y="3973829"/>
+                <a:ext cx="1043935" cy="735329"/>
+              </a:xfrm>
+              <a:prstGeom prst="rect">
+                <a:avLst/>
+              </a:prstGeom>
+              <a:noFill/>
+              <a:ln>
+                <a:solidFill>
+                  <a:schemeClr val="tx1"/>
+                </a:solidFill>
+              </a:ln>
+            </p:spPr>
+            <p:style>
+              <a:lnRef idx="2">
+                <a:schemeClr val="accent1">
+                  <a:shade val="50000"/>
+                </a:schemeClr>
+              </a:lnRef>
+              <a:fillRef idx="1">
+                <a:schemeClr val="accent1"/>
+              </a:fillRef>
+              <a:effectRef idx="0">
+                <a:schemeClr val="accent1"/>
+              </a:effectRef>
+              <a:fontRef idx="minor">
+                <a:schemeClr val="lt1"/>
+              </a:fontRef>
+            </p:style>
+            <p:txBody>
+              <a:bodyPr rtlCol="0" anchor="ctr"/>
+              <a:lstStyle/>
+              <a:p>
+                <a:pPr algn="ctr"/>
+                <a:r>
+                  <a:rPr lang="zh-CN" altLang="en-US" sz="800" dirty="0">
+                    <a:solidFill>
+                      <a:schemeClr val="tx1"/>
+                    </a:solidFill>
+                  </a:rPr>
+                  <a:t>客户端发送页面访问请求（访问网址，基础模板页）</a:t>
+                </a:r>
+              </a:p>
+            </p:txBody>
+          </p:sp>
+          <p:sp>
+            <p:nvSpPr>
+              <p:cNvPr id="37" name="流程图: 决策 36">
+                <a:extLst>
+                  <a:ext uri="{FF2B5EF4-FFF2-40B4-BE49-F238E27FC236}">
+                    <a16:creationId xmlns:a16="http://schemas.microsoft.com/office/drawing/2014/main" id="{DE839DFA-E600-BE4A-F564-3F7417830B7C}"/>
+                  </a:ext>
+                </a:extLst>
+              </p:cNvPr>
+              <p:cNvSpPr/>
+              <p:nvPr/>
+            </p:nvSpPr>
+            <p:spPr>
+              <a:xfrm>
+                <a:off x="1053465" y="5932170"/>
+                <a:ext cx="2013306" cy="830580"/>
+              </a:xfrm>
+              <a:prstGeom prst="flowChartDecision">
+                <a:avLst/>
+              </a:prstGeom>
+              <a:noFill/>
+              <a:ln>
+                <a:solidFill>
+                  <a:schemeClr val="tx1"/>
+                </a:solidFill>
+              </a:ln>
+            </p:spPr>
+            <p:style>
+              <a:lnRef idx="2">
+                <a:schemeClr val="accent1">
+                  <a:shade val="50000"/>
+                </a:schemeClr>
+              </a:lnRef>
+              <a:fillRef idx="1">
+                <a:schemeClr val="accent1"/>
+              </a:fillRef>
+              <a:effectRef idx="0">
+                <a:schemeClr val="accent1"/>
+              </a:effectRef>
+              <a:fontRef idx="minor">
+                <a:schemeClr val="lt1"/>
+              </a:fontRef>
+            </p:style>
+            <p:txBody>
+              <a:bodyPr rtlCol="0" anchor="ctr"/>
+              <a:lstStyle/>
+              <a:p>
+                <a:pPr algn="ctr"/>
+                <a:r>
+                  <a:rPr lang="zh-CN" altLang="en-US" sz="900" dirty="0">
+                    <a:solidFill>
+                      <a:schemeClr val="tx1"/>
+                    </a:solidFill>
+                  </a:rPr>
+                  <a:t>检测客户端设备对应</a:t>
+                </a:r>
+                <a:r>
+                  <a:rPr lang="en-US" altLang="zh-CN" sz="900" dirty="0">
+                    <a:solidFill>
+                      <a:schemeClr val="tx1"/>
+                    </a:solidFill>
+                  </a:rPr>
+                  <a:t>IP</a:t>
+                </a:r>
+                <a:r>
+                  <a:rPr lang="zh-CN" altLang="en-US" sz="900" dirty="0">
+                    <a:solidFill>
+                      <a:schemeClr val="tx1"/>
+                    </a:solidFill>
+                  </a:rPr>
+                  <a:t>登录状态</a:t>
+                </a:r>
+              </a:p>
+            </p:txBody>
+          </p:sp>
+          <p:cxnSp>
+            <p:nvCxnSpPr>
+              <p:cNvPr id="38" name="直接箭头连接符 37">
+                <a:extLst>
+                  <a:ext uri="{FF2B5EF4-FFF2-40B4-BE49-F238E27FC236}">
+                    <a16:creationId xmlns:a16="http://schemas.microsoft.com/office/drawing/2014/main" id="{B0468829-9C52-967C-FB9F-8B795E505491}"/>
+                  </a:ext>
+                </a:extLst>
+              </p:cNvPr>
+              <p:cNvCxnSpPr>
+                <a:cxnSpLocks/>
+                <a:stCxn id="36" idx="2"/>
+              </p:cNvCxnSpPr>
+              <p:nvPr/>
+            </p:nvCxnSpPr>
+            <p:spPr>
+              <a:xfrm>
+                <a:off x="1908808" y="4709158"/>
+                <a:ext cx="1" cy="331472"/>
+              </a:xfrm>
+              <a:prstGeom prst="straightConnector1">
+                <a:avLst/>
+              </a:prstGeom>
+              <a:ln>
+                <a:solidFill>
+                  <a:schemeClr val="bg2">
+                    <a:lumMod val="10000"/>
+                  </a:schemeClr>
+                </a:solidFill>
+                <a:tailEnd type="triangle"/>
+              </a:ln>
+            </p:spPr>
+            <p:style>
+              <a:lnRef idx="1">
+                <a:schemeClr val="accent1"/>
+              </a:lnRef>
+              <a:fillRef idx="0">
+                <a:schemeClr val="accent1"/>
+              </a:fillRef>
+              <a:effectRef idx="0">
+                <a:schemeClr val="accent1"/>
+              </a:effectRef>
+              <a:fontRef idx="minor">
+                <a:schemeClr val="tx1"/>
+              </a:fontRef>
+            </p:style>
+          </p:cxnSp>
+          <p:sp>
+            <p:nvSpPr>
+              <p:cNvPr id="39" name="矩形 38">
+                <a:extLst>
+                  <a:ext uri="{FF2B5EF4-FFF2-40B4-BE49-F238E27FC236}">
+                    <a16:creationId xmlns:a16="http://schemas.microsoft.com/office/drawing/2014/main" id="{FB4C9C07-BE25-B8DE-4207-73D681A2FC92}"/>
+                  </a:ext>
+                </a:extLst>
+              </p:cNvPr>
+              <p:cNvSpPr/>
+              <p:nvPr/>
+            </p:nvSpPr>
+            <p:spPr>
+              <a:xfrm>
+                <a:off x="1386840" y="5040630"/>
+                <a:ext cx="1043940" cy="560070"/>
+              </a:xfrm>
+              <a:prstGeom prst="rect">
+                <a:avLst/>
+              </a:prstGeom>
+              <a:noFill/>
+              <a:ln>
+                <a:solidFill>
+                  <a:schemeClr val="tx1"/>
+                </a:solidFill>
+              </a:ln>
+            </p:spPr>
+            <p:style>
+              <a:lnRef idx="2">
+                <a:schemeClr val="accent1">
+                  <a:shade val="50000"/>
+                </a:schemeClr>
+              </a:lnRef>
+              <a:fillRef idx="1">
+                <a:schemeClr val="accent1"/>
+              </a:fillRef>
+              <a:effectRef idx="0">
+                <a:schemeClr val="accent1"/>
+              </a:effectRef>
+              <a:fontRef idx="minor">
+                <a:schemeClr val="lt1"/>
+              </a:fontRef>
+            </p:style>
+            <p:txBody>
+              <a:bodyPr rtlCol="0" anchor="ctr"/>
+              <a:lstStyle/>
+              <a:p>
+                <a:pPr algn="ctr"/>
+                <a:r>
+                  <a:rPr lang="zh-CN" altLang="en-US" sz="800" dirty="0">
+                    <a:solidFill>
+                      <a:schemeClr val="tx1"/>
+                    </a:solidFill>
+                  </a:rPr>
+                  <a:t>服务器接收访问请求</a:t>
+                </a:r>
+              </a:p>
+            </p:txBody>
+          </p:sp>
+          <p:cxnSp>
+            <p:nvCxnSpPr>
+              <p:cNvPr id="40" name="直接箭头连接符 39">
+                <a:extLst>
+                  <a:ext uri="{FF2B5EF4-FFF2-40B4-BE49-F238E27FC236}">
+                    <a16:creationId xmlns:a16="http://schemas.microsoft.com/office/drawing/2014/main" id="{80E810E9-DE6D-87DC-3E10-AE4CBAEEB159}"/>
+                  </a:ext>
+                </a:extLst>
+              </p:cNvPr>
+              <p:cNvCxnSpPr>
+                <a:cxnSpLocks/>
+                <a:endCxn id="37" idx="0"/>
+              </p:cNvCxnSpPr>
+              <p:nvPr/>
+            </p:nvCxnSpPr>
+            <p:spPr>
+              <a:xfrm>
+                <a:off x="1908810" y="5600700"/>
+                <a:ext cx="151309" cy="331470"/>
+              </a:xfrm>
+              <a:prstGeom prst="straightConnector1">
+                <a:avLst/>
+              </a:prstGeom>
+              <a:ln>
+                <a:solidFill>
+                  <a:schemeClr val="bg2">
+                    <a:lumMod val="10000"/>
+                  </a:schemeClr>
+                </a:solidFill>
+                <a:tailEnd type="triangle"/>
+              </a:ln>
+            </p:spPr>
+            <p:style>
+              <a:lnRef idx="1">
+                <a:schemeClr val="accent1"/>
+              </a:lnRef>
+              <a:fillRef idx="0">
+                <a:schemeClr val="accent1"/>
+              </a:fillRef>
+              <a:effectRef idx="0">
+                <a:schemeClr val="accent1"/>
+              </a:effectRef>
+              <a:fontRef idx="minor">
+                <a:schemeClr val="tx1"/>
+              </a:fontRef>
+            </p:style>
+          </p:cxnSp>
+          <p:cxnSp>
+            <p:nvCxnSpPr>
+              <p:cNvPr id="41" name="直接连接符 40">
+                <a:extLst>
+                  <a:ext uri="{FF2B5EF4-FFF2-40B4-BE49-F238E27FC236}">
+                    <a16:creationId xmlns:a16="http://schemas.microsoft.com/office/drawing/2014/main" id="{801549D3-5EDD-3999-A30C-15D9D289E925}"/>
+                  </a:ext>
+                </a:extLst>
+              </p:cNvPr>
+              <p:cNvCxnSpPr>
+                <a:cxnSpLocks/>
+              </p:cNvCxnSpPr>
+              <p:nvPr/>
+            </p:nvCxnSpPr>
+            <p:spPr>
+              <a:xfrm>
+                <a:off x="3066771" y="6341245"/>
+                <a:ext cx="230355" cy="0"/>
+              </a:xfrm>
+              <a:prstGeom prst="line">
+                <a:avLst/>
+              </a:prstGeom>
+              <a:ln>
+                <a:solidFill>
+                  <a:schemeClr val="tx1"/>
+                </a:solidFill>
+              </a:ln>
+            </p:spPr>
+            <p:style>
+              <a:lnRef idx="1">
+                <a:schemeClr val="accent1"/>
+              </a:lnRef>
+              <a:fillRef idx="0">
+                <a:schemeClr val="accent1"/>
+              </a:fillRef>
+              <a:effectRef idx="0">
+                <a:schemeClr val="accent1"/>
+              </a:effectRef>
+              <a:fontRef idx="minor">
+                <a:schemeClr val="tx1"/>
+              </a:fontRef>
+            </p:style>
+          </p:cxnSp>
+          <p:cxnSp>
+            <p:nvCxnSpPr>
+              <p:cNvPr id="42" name="连接符: 肘形 41">
+                <a:extLst>
+                  <a:ext uri="{FF2B5EF4-FFF2-40B4-BE49-F238E27FC236}">
+                    <a16:creationId xmlns:a16="http://schemas.microsoft.com/office/drawing/2014/main" id="{F3E72FD1-C345-1204-5637-CC0847A0B5F8}"/>
+                  </a:ext>
+                </a:extLst>
+              </p:cNvPr>
+              <p:cNvCxnSpPr>
+                <a:cxnSpLocks/>
+              </p:cNvCxnSpPr>
+              <p:nvPr/>
+            </p:nvCxnSpPr>
+            <p:spPr>
+              <a:xfrm>
+                <a:off x="3645412" y="6341245"/>
+                <a:ext cx="337097" cy="1"/>
+              </a:xfrm>
+              <a:prstGeom prst="bentConnector3">
+                <a:avLst>
+                  <a:gd name="adj1" fmla="val 50000"/>
+                </a:avLst>
+              </a:prstGeom>
+              <a:ln>
+                <a:solidFill>
+                  <a:schemeClr val="tx1"/>
+                </a:solidFill>
+                <a:tailEnd type="triangle"/>
+              </a:ln>
+            </p:spPr>
+            <p:style>
+              <a:lnRef idx="1">
+                <a:schemeClr val="accent1"/>
+              </a:lnRef>
+              <a:fillRef idx="0">
+                <a:schemeClr val="accent1"/>
+              </a:fillRef>
+              <a:effectRef idx="0">
+                <a:schemeClr val="accent1"/>
+              </a:effectRef>
+              <a:fontRef idx="minor">
+                <a:schemeClr val="tx1"/>
+              </a:fontRef>
+            </p:style>
+          </p:cxnSp>
+          <p:sp>
+            <p:nvSpPr>
+              <p:cNvPr id="43" name="矩形 42">
+                <a:extLst>
+                  <a:ext uri="{FF2B5EF4-FFF2-40B4-BE49-F238E27FC236}">
+                    <a16:creationId xmlns:a16="http://schemas.microsoft.com/office/drawing/2014/main" id="{4AE4AA27-0E90-A14B-0C34-32C20859743E}"/>
+                  </a:ext>
+                </a:extLst>
+              </p:cNvPr>
+              <p:cNvSpPr/>
+              <p:nvPr/>
+            </p:nvSpPr>
+            <p:spPr>
+              <a:xfrm>
+                <a:off x="1534559" y="7557439"/>
+                <a:ext cx="1043940" cy="560070"/>
+              </a:xfrm>
+              <a:prstGeom prst="rect">
+                <a:avLst/>
+              </a:prstGeom>
+              <a:noFill/>
+              <a:ln>
+                <a:solidFill>
+                  <a:schemeClr val="tx1"/>
+                </a:solidFill>
+              </a:ln>
+            </p:spPr>
+            <p:style>
+              <a:lnRef idx="2">
+                <a:schemeClr val="accent1">
+                  <a:shade val="50000"/>
+                </a:schemeClr>
+              </a:lnRef>
+              <a:fillRef idx="1">
+                <a:schemeClr val="accent1"/>
+              </a:fillRef>
+              <a:effectRef idx="0">
+                <a:schemeClr val="accent1"/>
+              </a:effectRef>
+              <a:fontRef idx="minor">
+                <a:schemeClr val="lt1"/>
+              </a:fontRef>
+            </p:style>
+            <p:txBody>
+              <a:bodyPr rtlCol="0" anchor="ctr"/>
+              <a:lstStyle/>
+              <a:p>
+                <a:pPr algn="ctr"/>
+                <a:r>
+                  <a:rPr lang="zh-CN" altLang="en-US" sz="600" dirty="0">
+                    <a:solidFill>
+                      <a:schemeClr val="tx1"/>
+                    </a:solidFill>
+                  </a:rPr>
+                  <a:t>显示宠物互动页面</a:t>
+                </a:r>
+                <a:endParaRPr lang="en-US" altLang="zh-CN" sz="600" dirty="0">
+                  <a:solidFill>
+                    <a:schemeClr val="tx1"/>
+                  </a:solidFill>
+                </a:endParaRPr>
+              </a:p>
+              <a:p>
+                <a:pPr algn="ctr"/>
+                <a:r>
+                  <a:rPr lang="zh-CN" altLang="en-US" sz="600">
+                    <a:solidFill>
+                      <a:schemeClr val="tx1"/>
+                    </a:solidFill>
+                  </a:rPr>
+                  <a:t>（页面跳转）</a:t>
+                </a:r>
+                <a:endParaRPr lang="zh-CN" altLang="en-US" sz="600" dirty="0">
+                  <a:solidFill>
+                    <a:schemeClr val="tx1"/>
+                  </a:solidFill>
+                </a:endParaRPr>
+              </a:p>
+            </p:txBody>
+          </p:sp>
+          <p:cxnSp>
+            <p:nvCxnSpPr>
+              <p:cNvPr id="44" name="直接箭头连接符 43">
+                <a:extLst>
+                  <a:ext uri="{FF2B5EF4-FFF2-40B4-BE49-F238E27FC236}">
+                    <a16:creationId xmlns:a16="http://schemas.microsoft.com/office/drawing/2014/main" id="{A817E84F-AC90-E7FC-38DB-2BE7DA7B3A9F}"/>
+                  </a:ext>
+                </a:extLst>
+              </p:cNvPr>
+              <p:cNvCxnSpPr>
+                <a:cxnSpLocks/>
+              </p:cNvCxnSpPr>
+              <p:nvPr/>
+            </p:nvCxnSpPr>
+            <p:spPr>
+              <a:xfrm>
+                <a:off x="2060639" y="7147099"/>
+                <a:ext cx="0" cy="246757"/>
+              </a:xfrm>
+              <a:prstGeom prst="straightConnector1">
+                <a:avLst/>
+              </a:prstGeom>
+              <a:ln>
+                <a:solidFill>
+                  <a:schemeClr val="bg2">
+                    <a:lumMod val="10000"/>
+                  </a:schemeClr>
+                </a:solidFill>
+                <a:tailEnd type="triangle"/>
+              </a:ln>
+            </p:spPr>
+            <p:style>
+              <a:lnRef idx="1">
+                <a:schemeClr val="accent1"/>
+              </a:lnRef>
+              <a:fillRef idx="0">
+                <a:schemeClr val="accent1"/>
+              </a:fillRef>
+              <a:effectRef idx="0">
+                <a:schemeClr val="accent1"/>
+              </a:effectRef>
+              <a:fontRef idx="minor">
+                <a:schemeClr val="tx1"/>
+              </a:fontRef>
+            </p:style>
+          </p:cxnSp>
+          <p:cxnSp>
+            <p:nvCxnSpPr>
+              <p:cNvPr id="45" name="直接连接符 44">
+                <a:extLst>
+                  <a:ext uri="{FF2B5EF4-FFF2-40B4-BE49-F238E27FC236}">
+                    <a16:creationId xmlns:a16="http://schemas.microsoft.com/office/drawing/2014/main" id="{E67F6BF7-D381-575E-8CFF-F2A6B741BF9F}"/>
+                  </a:ext>
+                </a:extLst>
+              </p:cNvPr>
+              <p:cNvCxnSpPr>
+                <a:cxnSpLocks/>
+              </p:cNvCxnSpPr>
+              <p:nvPr/>
+            </p:nvCxnSpPr>
+            <p:spPr>
+              <a:xfrm flipV="1">
+                <a:off x="2056531" y="6772397"/>
+                <a:ext cx="0" cy="152399"/>
+              </a:xfrm>
+              <a:prstGeom prst="line">
+                <a:avLst/>
+              </a:prstGeom>
+              <a:ln>
+                <a:solidFill>
+                  <a:schemeClr val="tx1"/>
+                </a:solidFill>
+              </a:ln>
+            </p:spPr>
+            <p:style>
+              <a:lnRef idx="1">
+                <a:schemeClr val="accent1"/>
+              </a:lnRef>
+              <a:fillRef idx="0">
+                <a:schemeClr val="accent1"/>
+              </a:fillRef>
+              <a:effectRef idx="0">
+                <a:schemeClr val="accent1"/>
+              </a:effectRef>
+              <a:fontRef idx="minor">
+                <a:schemeClr val="tx1"/>
+              </a:fontRef>
+            </p:style>
+          </p:cxnSp>
+          <p:sp>
+            <p:nvSpPr>
+              <p:cNvPr id="46" name="文本框 45">
+                <a:extLst>
+                  <a:ext uri="{FF2B5EF4-FFF2-40B4-BE49-F238E27FC236}">
+                    <a16:creationId xmlns:a16="http://schemas.microsoft.com/office/drawing/2014/main" id="{1184C42B-EC6B-5E48-63A2-987492A29356}"/>
+                  </a:ext>
+                </a:extLst>
+              </p:cNvPr>
+              <p:cNvSpPr txBox="1"/>
+              <p:nvPr/>
+            </p:nvSpPr>
+            <p:spPr>
+              <a:xfrm>
+                <a:off x="1733500" y="6916786"/>
+                <a:ext cx="646061" cy="223936"/>
+              </a:xfrm>
+              <a:prstGeom prst="rect">
+                <a:avLst/>
+              </a:prstGeom>
+              <a:noFill/>
+            </p:spPr>
+            <p:txBody>
+              <a:bodyPr wrap="square" rtlCol="0">
+                <a:spAutoFit/>
+              </a:bodyPr>
+              <a:lstStyle/>
+              <a:p>
+                <a:r>
+                  <a:rPr lang="zh-CN" altLang="en-US" sz="600" dirty="0"/>
+                  <a:t>  已登录</a:t>
+                </a:r>
+              </a:p>
+            </p:txBody>
+          </p:sp>
+        </p:grpSp>
+        <p:sp>
+          <p:nvSpPr>
+            <p:cNvPr id="8" name="矩形 7">
+              <a:extLst>
+                <a:ext uri="{FF2B5EF4-FFF2-40B4-BE49-F238E27FC236}">
+                  <a16:creationId xmlns:a16="http://schemas.microsoft.com/office/drawing/2014/main" id="{1C2D5BF4-1577-18D2-6E56-968A20B61BA5}"/>
+                </a:ext>
+              </a:extLst>
+            </p:cNvPr>
+            <p:cNvSpPr/>
+            <p:nvPr/>
+          </p:nvSpPr>
+          <p:spPr>
+            <a:xfrm>
+              <a:off x="3415466" y="5660659"/>
+              <a:ext cx="826911" cy="461854"/>
+            </a:xfrm>
+            <a:prstGeom prst="rect">
+              <a:avLst/>
+            </a:prstGeom>
+            <a:noFill/>
+            <a:ln>
+              <a:solidFill>
+                <a:schemeClr val="tx1"/>
+              </a:solidFill>
+            </a:ln>
+          </p:spPr>
+          <p:style>
+            <a:lnRef idx="2">
+              <a:schemeClr val="accent1">
+                <a:shade val="50000"/>
+              </a:schemeClr>
+            </a:lnRef>
+            <a:fillRef idx="1">
+              <a:schemeClr val="accent1"/>
+            </a:fillRef>
+            <a:effectRef idx="0">
+              <a:schemeClr val="accent1"/>
+            </a:effectRef>
+            <a:fontRef idx="minor">
+              <a:schemeClr val="lt1"/>
+            </a:fontRef>
+          </p:style>
+          <p:txBody>
+            <a:bodyPr rtlCol="0" anchor="ctr"/>
+            <a:lstStyle/>
+            <a:p>
+              <a:pPr algn="ctr"/>
+              <a:r>
+                <a:rPr lang="zh-CN" altLang="en-US" sz="800" dirty="0">
+                  <a:solidFill>
+                    <a:schemeClr val="tx1"/>
+                  </a:solidFill>
+                </a:rPr>
+                <a:t>跳转登录页</a:t>
+              </a:r>
+            </a:p>
+          </p:txBody>
+        </p:sp>
+        <p:sp>
+          <p:nvSpPr>
+            <p:cNvPr id="9" name="矩形 8">
+              <a:extLst>
+                <a:ext uri="{FF2B5EF4-FFF2-40B4-BE49-F238E27FC236}">
+                  <a16:creationId xmlns:a16="http://schemas.microsoft.com/office/drawing/2014/main" id="{7B554021-B0B0-7CD2-0855-1482D3AC0429}"/>
+                </a:ext>
+              </a:extLst>
+            </p:cNvPr>
+            <p:cNvSpPr/>
+            <p:nvPr/>
+          </p:nvSpPr>
+          <p:spPr>
+            <a:xfrm>
+              <a:off x="5432569" y="6078526"/>
+              <a:ext cx="1021563" cy="657554"/>
+            </a:xfrm>
+            <a:prstGeom prst="rect">
+              <a:avLst/>
+            </a:prstGeom>
+            <a:noFill/>
+            <a:ln>
+              <a:solidFill>
+                <a:schemeClr val="tx1"/>
+              </a:solidFill>
+            </a:ln>
+          </p:spPr>
+          <p:style>
+            <a:lnRef idx="2">
+              <a:schemeClr val="accent1">
+                <a:shade val="50000"/>
+              </a:schemeClr>
+            </a:lnRef>
+            <a:fillRef idx="1">
+              <a:schemeClr val="accent1"/>
+            </a:fillRef>
+            <a:effectRef idx="0">
+              <a:schemeClr val="accent1"/>
+            </a:effectRef>
+            <a:fontRef idx="minor">
+              <a:schemeClr val="lt1"/>
+            </a:fontRef>
+          </p:style>
+          <p:txBody>
+            <a:bodyPr rtlCol="0" anchor="ctr"/>
+            <a:lstStyle/>
+            <a:p>
+              <a:pPr algn="ctr"/>
+              <a:r>
+                <a:rPr lang="zh-CN" altLang="en-US" sz="800" dirty="0">
+                  <a:solidFill>
+                    <a:schemeClr val="tx1"/>
+                  </a:solidFill>
+                </a:rPr>
+                <a:t>弹出游戏性相关功能（切换地图、场景、其他用户的宠物界面等）</a:t>
+              </a:r>
+            </a:p>
+          </p:txBody>
+        </p:sp>
+        <p:sp>
+          <p:nvSpPr>
+            <p:cNvPr id="17" name="矩形 16">
+              <a:extLst>
+                <a:ext uri="{FF2B5EF4-FFF2-40B4-BE49-F238E27FC236}">
+                  <a16:creationId xmlns:a16="http://schemas.microsoft.com/office/drawing/2014/main" id="{6A72BAF8-48E3-D544-1734-57ADF0EC24CD}"/>
+                </a:ext>
+              </a:extLst>
+            </p:cNvPr>
+            <p:cNvSpPr/>
+            <p:nvPr/>
+          </p:nvSpPr>
+          <p:spPr>
+            <a:xfrm>
+              <a:off x="2907653" y="8333276"/>
+              <a:ext cx="826911" cy="461854"/>
+            </a:xfrm>
+            <a:prstGeom prst="rect">
+              <a:avLst/>
+            </a:prstGeom>
+            <a:noFill/>
+            <a:ln>
+              <a:solidFill>
+                <a:schemeClr val="tx1"/>
+              </a:solidFill>
+            </a:ln>
+          </p:spPr>
+          <p:style>
+            <a:lnRef idx="2">
+              <a:schemeClr val="accent1">
+                <a:shade val="50000"/>
+              </a:schemeClr>
+            </a:lnRef>
+            <a:fillRef idx="1">
+              <a:schemeClr val="accent1"/>
+            </a:fillRef>
+            <a:effectRef idx="0">
+              <a:schemeClr val="accent1"/>
+            </a:effectRef>
+            <a:fontRef idx="minor">
+              <a:schemeClr val="lt1"/>
+            </a:fontRef>
+          </p:style>
+          <p:txBody>
+            <a:bodyPr rtlCol="0" anchor="ctr"/>
+            <a:lstStyle/>
+            <a:p>
+              <a:pPr algn="ctr"/>
+              <a:r>
+                <a:rPr lang="zh-CN" altLang="en-US" sz="800" dirty="0">
+                  <a:solidFill>
+                    <a:schemeClr val="tx1"/>
+                  </a:solidFill>
+                </a:rPr>
+                <a:t>在用户聊天界面显示反馈文字</a:t>
+              </a:r>
+            </a:p>
+          </p:txBody>
+        </p:sp>
+        <p:cxnSp>
+          <p:nvCxnSpPr>
+            <p:cNvPr id="19" name="直接箭头连接符 18">
+              <a:extLst>
+                <a:ext uri="{FF2B5EF4-FFF2-40B4-BE49-F238E27FC236}">
+                  <a16:creationId xmlns:a16="http://schemas.microsoft.com/office/drawing/2014/main" id="{306BC333-517B-CCC9-0919-CEA33FB28F30}"/>
+                </a:ext>
+              </a:extLst>
+            </p:cNvPr>
+            <p:cNvCxnSpPr>
+              <a:cxnSpLocks/>
+              <a:endCxn id="17" idx="0"/>
+            </p:cNvCxnSpPr>
+            <p:nvPr/>
+          </p:nvCxnSpPr>
+          <p:spPr>
+            <a:xfrm>
+              <a:off x="3315378" y="8074383"/>
+              <a:ext cx="5731" cy="258893"/>
+            </a:xfrm>
+            <a:prstGeom prst="straightConnector1">
+              <a:avLst/>
+            </a:prstGeom>
+            <a:ln>
+              <a:solidFill>
+                <a:schemeClr val="bg2">
+                  <a:lumMod val="10000"/>
+                </a:schemeClr>
+              </a:solidFill>
+              <a:tailEnd type="triangle"/>
+            </a:ln>
+          </p:spPr>
+          <p:style>
+            <a:lnRef idx="1">
+              <a:schemeClr val="accent1"/>
+            </a:lnRef>
+            <a:fillRef idx="0">
+              <a:schemeClr val="accent1"/>
+            </a:fillRef>
+            <a:effectRef idx="0">
+              <a:schemeClr val="accent1"/>
+            </a:effectRef>
+            <a:fontRef idx="minor">
+              <a:schemeClr val="tx1"/>
+            </a:fontRef>
+          </p:style>
+        </p:cxnSp>
+        <p:cxnSp>
+          <p:nvCxnSpPr>
+            <p:cNvPr id="20" name="连接符: 肘形 19">
+              <a:extLst>
+                <a:ext uri="{FF2B5EF4-FFF2-40B4-BE49-F238E27FC236}">
+                  <a16:creationId xmlns:a16="http://schemas.microsoft.com/office/drawing/2014/main" id="{8821D1C7-4805-A1B8-ED32-6BD200282898}"/>
+                </a:ext>
+              </a:extLst>
+            </p:cNvPr>
+            <p:cNvCxnSpPr>
+              <a:cxnSpLocks/>
+              <a:endCxn id="8" idx="0"/>
+            </p:cNvCxnSpPr>
+            <p:nvPr/>
+          </p:nvCxnSpPr>
+          <p:spPr>
+            <a:xfrm rot="5400000">
+              <a:off x="3216436" y="5048171"/>
+              <a:ext cx="1224974" cy="2"/>
+            </a:xfrm>
+            <a:prstGeom prst="bentConnector3">
+              <a:avLst/>
+            </a:prstGeom>
+            <a:ln>
+              <a:solidFill>
+                <a:schemeClr val="tx1"/>
+              </a:solidFill>
+              <a:tailEnd type="triangle"/>
+            </a:ln>
+          </p:spPr>
+          <p:style>
+            <a:lnRef idx="1">
+              <a:schemeClr val="accent1"/>
+            </a:lnRef>
+            <a:fillRef idx="0">
+              <a:schemeClr val="accent1"/>
+            </a:fillRef>
+            <a:effectRef idx="0">
+              <a:schemeClr val="accent1"/>
+            </a:effectRef>
+            <a:fontRef idx="minor">
+              <a:schemeClr val="tx1"/>
+            </a:fontRef>
+          </p:style>
+        </p:cxnSp>
+        <p:sp>
+          <p:nvSpPr>
+            <p:cNvPr id="21" name="文本框 20">
+              <a:extLst>
+                <a:ext uri="{FF2B5EF4-FFF2-40B4-BE49-F238E27FC236}">
+                  <a16:creationId xmlns:a16="http://schemas.microsoft.com/office/drawing/2014/main" id="{ED364CA3-A7FF-7EB7-13A0-6D3C8E285DEB}"/>
+                </a:ext>
+              </a:extLst>
+            </p:cNvPr>
+            <p:cNvSpPr txBox="1"/>
+            <p:nvPr/>
+          </p:nvSpPr>
+          <p:spPr>
+            <a:xfrm>
+              <a:off x="4365365" y="5373304"/>
+              <a:ext cx="822677" cy="430887"/>
+            </a:xfrm>
+            <a:prstGeom prst="rect">
+              <a:avLst/>
+            </a:prstGeom>
+            <a:noFill/>
+          </p:spPr>
+          <p:txBody>
+            <a:bodyPr wrap="square" rtlCol="0">
+              <a:spAutoFit/>
+            </a:bodyPr>
+            <a:lstStyle/>
+            <a:p>
+              <a:r>
+                <a:rPr lang="zh-CN" altLang="en-US" sz="1050" dirty="0"/>
+                <a:t>选择培养功能</a:t>
+              </a:r>
+            </a:p>
+          </p:txBody>
+        </p:sp>
+        <p:cxnSp>
+          <p:nvCxnSpPr>
+            <p:cNvPr id="22" name="连接符: 肘形 21">
+              <a:extLst>
+                <a:ext uri="{FF2B5EF4-FFF2-40B4-BE49-F238E27FC236}">
+                  <a16:creationId xmlns:a16="http://schemas.microsoft.com/office/drawing/2014/main" id="{8B947E51-D998-586C-BBB4-A523A14C1DF9}"/>
+                </a:ext>
+              </a:extLst>
+            </p:cNvPr>
+            <p:cNvCxnSpPr>
+              <a:cxnSpLocks/>
+              <a:endCxn id="9" idx="0"/>
+            </p:cNvCxnSpPr>
+            <p:nvPr/>
+          </p:nvCxnSpPr>
+          <p:spPr>
+            <a:xfrm rot="16200000" flipH="1">
+              <a:off x="4716264" y="4851439"/>
+              <a:ext cx="1224974" cy="1229199"/>
+            </a:xfrm>
+            <a:prstGeom prst="bentConnector3">
+              <a:avLst>
+                <a:gd name="adj1" fmla="val 12677"/>
+              </a:avLst>
+            </a:prstGeom>
+            <a:ln>
+              <a:solidFill>
+                <a:schemeClr val="tx1"/>
+              </a:solidFill>
+              <a:tailEnd type="triangle"/>
+            </a:ln>
+          </p:spPr>
+          <p:style>
+            <a:lnRef idx="1">
+              <a:schemeClr val="accent1"/>
+            </a:lnRef>
+            <a:fillRef idx="0">
+              <a:schemeClr val="accent1"/>
+            </a:fillRef>
+            <a:effectRef idx="0">
+              <a:schemeClr val="accent1"/>
+            </a:effectRef>
+            <a:fontRef idx="minor">
+              <a:schemeClr val="tx1"/>
+            </a:fontRef>
+          </p:style>
+        </p:cxnSp>
+        <p:sp>
+          <p:nvSpPr>
+            <p:cNvPr id="23" name="文本框 22">
+              <a:extLst>
+                <a:ext uri="{FF2B5EF4-FFF2-40B4-BE49-F238E27FC236}">
+                  <a16:creationId xmlns:a16="http://schemas.microsoft.com/office/drawing/2014/main" id="{F63C1D82-D87E-BD86-03F6-00FA8E76AB48}"/>
+                </a:ext>
+              </a:extLst>
+            </p:cNvPr>
+            <p:cNvSpPr txBox="1"/>
+            <p:nvPr/>
+          </p:nvSpPr>
+          <p:spPr>
+            <a:xfrm>
+              <a:off x="5573159" y="5315364"/>
+              <a:ext cx="822677" cy="415498"/>
+            </a:xfrm>
+            <a:prstGeom prst="rect">
+              <a:avLst/>
+            </a:prstGeom>
+            <a:noFill/>
+          </p:spPr>
+          <p:txBody>
+            <a:bodyPr wrap="square" rtlCol="0">
+              <a:spAutoFit/>
+            </a:bodyPr>
+            <a:lstStyle/>
+            <a:p>
+              <a:r>
+                <a:rPr lang="zh-CN" altLang="en-US" sz="1050" dirty="0"/>
+                <a:t>选择游戏功能</a:t>
+              </a:r>
+            </a:p>
+          </p:txBody>
+        </p:sp>
+        <p:sp>
+          <p:nvSpPr>
+            <p:cNvPr id="25" name="矩形 24">
+              <a:extLst>
+                <a:ext uri="{FF2B5EF4-FFF2-40B4-BE49-F238E27FC236}">
+                  <a16:creationId xmlns:a16="http://schemas.microsoft.com/office/drawing/2014/main" id="{E9BC942B-B048-40F7-8762-2EBE8049D017}"/>
+                </a:ext>
+              </a:extLst>
+            </p:cNvPr>
+            <p:cNvSpPr/>
+            <p:nvPr/>
+          </p:nvSpPr>
+          <p:spPr>
+            <a:xfrm>
+              <a:off x="4331702" y="6867309"/>
+              <a:ext cx="826911" cy="461854"/>
+            </a:xfrm>
+            <a:prstGeom prst="rect">
+              <a:avLst/>
+            </a:prstGeom>
+            <a:noFill/>
+            <a:ln>
+              <a:solidFill>
+                <a:schemeClr val="tx1"/>
+              </a:solidFill>
+            </a:ln>
+          </p:spPr>
+          <p:style>
+            <a:lnRef idx="2">
+              <a:schemeClr val="accent1">
+                <a:shade val="50000"/>
+              </a:schemeClr>
+            </a:lnRef>
+            <a:fillRef idx="1">
+              <a:schemeClr val="accent1"/>
+            </a:fillRef>
+            <a:effectRef idx="0">
+              <a:schemeClr val="accent1"/>
+            </a:effectRef>
+            <a:fontRef idx="minor">
+              <a:schemeClr val="lt1"/>
+            </a:fontRef>
+          </p:style>
+          <p:txBody>
+            <a:bodyPr rtlCol="0" anchor="ctr"/>
+            <a:lstStyle/>
+            <a:p>
+              <a:pPr algn="ctr"/>
+              <a:r>
+                <a:rPr lang="zh-CN" altLang="en-US" sz="800" dirty="0">
+                  <a:solidFill>
+                    <a:schemeClr val="tx1"/>
+                  </a:solidFill>
+                </a:rPr>
+                <a:t>上传新宠物数据到服务器端进行处理</a:t>
+              </a:r>
+            </a:p>
+          </p:txBody>
+        </p:sp>
+        <p:sp>
+          <p:nvSpPr>
+            <p:cNvPr id="26" name="矩形 25">
+              <a:extLst>
+                <a:ext uri="{FF2B5EF4-FFF2-40B4-BE49-F238E27FC236}">
+                  <a16:creationId xmlns:a16="http://schemas.microsoft.com/office/drawing/2014/main" id="{1D0E2721-E87B-3F52-CB1B-CA55C0B16C08}"/>
+                </a:ext>
+              </a:extLst>
+            </p:cNvPr>
+            <p:cNvSpPr/>
+            <p:nvPr/>
+          </p:nvSpPr>
+          <p:spPr>
+            <a:xfrm>
+              <a:off x="4346078" y="8368465"/>
+              <a:ext cx="826911" cy="461854"/>
+            </a:xfrm>
+            <a:prstGeom prst="rect">
+              <a:avLst/>
+            </a:prstGeom>
+            <a:noFill/>
+            <a:ln>
+              <a:solidFill>
+                <a:schemeClr val="tx1"/>
+              </a:solidFill>
+            </a:ln>
+          </p:spPr>
+          <p:style>
+            <a:lnRef idx="2">
+              <a:schemeClr val="accent1">
+                <a:shade val="50000"/>
+              </a:schemeClr>
+            </a:lnRef>
+            <a:fillRef idx="1">
+              <a:schemeClr val="accent1"/>
+            </a:fillRef>
+            <a:effectRef idx="0">
+              <a:schemeClr val="accent1"/>
+            </a:effectRef>
+            <a:fontRef idx="minor">
+              <a:schemeClr val="lt1"/>
+            </a:fontRef>
+          </p:style>
+          <p:txBody>
+            <a:bodyPr rtlCol="0" anchor="ctr"/>
+            <a:lstStyle/>
+            <a:p>
+              <a:pPr algn="ctr"/>
+              <a:r>
+                <a:rPr lang="zh-CN" altLang="en-US" sz="800" dirty="0">
+                  <a:solidFill>
+                    <a:schemeClr val="tx1"/>
+                  </a:solidFill>
+                </a:rPr>
+                <a:t>服务器发送成功信息到用户端</a:t>
+              </a:r>
+            </a:p>
+          </p:txBody>
+        </p:sp>
+        <p:sp>
+          <p:nvSpPr>
+            <p:cNvPr id="27" name="矩形 26">
+              <a:extLst>
+                <a:ext uri="{FF2B5EF4-FFF2-40B4-BE49-F238E27FC236}">
+                  <a16:creationId xmlns:a16="http://schemas.microsoft.com/office/drawing/2014/main" id="{F33F62DB-38A6-EB24-A882-A48BD1FD4876}"/>
+                </a:ext>
+              </a:extLst>
+            </p:cNvPr>
+            <p:cNvSpPr/>
+            <p:nvPr/>
+          </p:nvSpPr>
+          <p:spPr>
+            <a:xfrm>
+              <a:off x="4346078" y="7642130"/>
+              <a:ext cx="826911" cy="461854"/>
+            </a:xfrm>
+            <a:prstGeom prst="rect">
+              <a:avLst/>
+            </a:prstGeom>
+            <a:noFill/>
+            <a:ln>
+              <a:solidFill>
+                <a:schemeClr val="tx1"/>
+              </a:solidFill>
+            </a:ln>
+          </p:spPr>
+          <p:style>
+            <a:lnRef idx="2">
+              <a:schemeClr val="accent1">
+                <a:shade val="50000"/>
+              </a:schemeClr>
+            </a:lnRef>
+            <a:fillRef idx="1">
+              <a:schemeClr val="accent1"/>
+            </a:fillRef>
+            <a:effectRef idx="0">
+              <a:schemeClr val="accent1"/>
+            </a:effectRef>
+            <a:fontRef idx="minor">
+              <a:schemeClr val="lt1"/>
+            </a:fontRef>
+          </p:style>
+          <p:txBody>
+            <a:bodyPr rtlCol="0" anchor="ctr"/>
+            <a:lstStyle/>
+            <a:p>
+              <a:pPr algn="ctr"/>
+              <a:r>
+                <a:rPr lang="zh-CN" altLang="en-US" sz="800" dirty="0">
+                  <a:solidFill>
+                    <a:schemeClr val="tx1"/>
+                  </a:solidFill>
+                </a:rPr>
+                <a:t>将新数据存储到</a:t>
+              </a:r>
+              <a:r>
+                <a:rPr lang="en-US" altLang="zh-CN" sz="800" dirty="0" err="1">
+                  <a:solidFill>
+                    <a:schemeClr val="tx1"/>
+                  </a:solidFill>
+                </a:rPr>
+                <a:t>nas</a:t>
+              </a:r>
+              <a:r>
+                <a:rPr lang="zh-CN" altLang="en-US" sz="800" dirty="0">
+                  <a:solidFill>
+                    <a:schemeClr val="tx1"/>
+                  </a:solidFill>
+                </a:rPr>
+                <a:t>数据库</a:t>
+              </a:r>
+            </a:p>
+          </p:txBody>
+        </p:sp>
+        <p:sp>
+          <p:nvSpPr>
+            <p:cNvPr id="28" name="矩形 27">
+              <a:extLst>
+                <a:ext uri="{FF2B5EF4-FFF2-40B4-BE49-F238E27FC236}">
+                  <a16:creationId xmlns:a16="http://schemas.microsoft.com/office/drawing/2014/main" id="{8C2E5095-3FEE-8CFB-EC79-5BE00FE9F638}"/>
+                </a:ext>
+              </a:extLst>
+            </p:cNvPr>
+            <p:cNvSpPr/>
+            <p:nvPr/>
+          </p:nvSpPr>
+          <p:spPr>
+            <a:xfrm>
+              <a:off x="4346078" y="9049307"/>
+              <a:ext cx="826911" cy="461854"/>
+            </a:xfrm>
+            <a:prstGeom prst="rect">
+              <a:avLst/>
+            </a:prstGeom>
+            <a:noFill/>
+            <a:ln>
+              <a:solidFill>
+                <a:schemeClr val="tx1"/>
+              </a:solidFill>
+            </a:ln>
+          </p:spPr>
+          <p:style>
+            <a:lnRef idx="2">
+              <a:schemeClr val="accent1">
+                <a:shade val="50000"/>
+              </a:schemeClr>
+            </a:lnRef>
+            <a:fillRef idx="1">
+              <a:schemeClr val="accent1"/>
+            </a:fillRef>
+            <a:effectRef idx="0">
+              <a:schemeClr val="accent1"/>
+            </a:effectRef>
+            <a:fontRef idx="minor">
+              <a:schemeClr val="lt1"/>
+            </a:fontRef>
+          </p:style>
+          <p:txBody>
+            <a:bodyPr rtlCol="0" anchor="ctr"/>
+            <a:lstStyle/>
+            <a:p>
+              <a:pPr algn="ctr"/>
+              <a:r>
+                <a:rPr lang="zh-CN" altLang="en-US" sz="800" dirty="0">
+                  <a:solidFill>
+                    <a:schemeClr val="tx1"/>
+                  </a:solidFill>
+                </a:rPr>
+                <a:t>用户端刷新内容</a:t>
+              </a:r>
+            </a:p>
+          </p:txBody>
+        </p:sp>
+        <p:cxnSp>
+          <p:nvCxnSpPr>
+            <p:cNvPr id="29" name="直接箭头连接符 28">
+              <a:extLst>
+                <a:ext uri="{FF2B5EF4-FFF2-40B4-BE49-F238E27FC236}">
+                  <a16:creationId xmlns:a16="http://schemas.microsoft.com/office/drawing/2014/main" id="{0C28A97E-CB1F-F7B3-144A-81CA02261319}"/>
+                </a:ext>
+              </a:extLst>
+            </p:cNvPr>
+            <p:cNvCxnSpPr>
+              <a:cxnSpLocks/>
+              <a:endCxn id="25" idx="0"/>
+            </p:cNvCxnSpPr>
+            <p:nvPr/>
+          </p:nvCxnSpPr>
+          <p:spPr>
+            <a:xfrm>
+              <a:off x="4745157" y="6538023"/>
+              <a:ext cx="1" cy="329286"/>
+            </a:xfrm>
+            <a:prstGeom prst="straightConnector1">
+              <a:avLst/>
+            </a:prstGeom>
+            <a:ln>
+              <a:solidFill>
+                <a:schemeClr val="bg2">
+                  <a:lumMod val="10000"/>
+                </a:schemeClr>
+              </a:solidFill>
+              <a:tailEnd type="triangle"/>
+            </a:ln>
+          </p:spPr>
+          <p:style>
+            <a:lnRef idx="1">
+              <a:schemeClr val="accent1"/>
+            </a:lnRef>
+            <a:fillRef idx="0">
+              <a:schemeClr val="accent1"/>
+            </a:fillRef>
+            <a:effectRef idx="0">
+              <a:schemeClr val="accent1"/>
+            </a:effectRef>
+            <a:fontRef idx="minor">
+              <a:schemeClr val="tx1"/>
+            </a:fontRef>
+          </p:style>
+        </p:cxnSp>
+        <p:cxnSp>
+          <p:nvCxnSpPr>
+            <p:cNvPr id="30" name="直接箭头连接符 29">
+              <a:extLst>
+                <a:ext uri="{FF2B5EF4-FFF2-40B4-BE49-F238E27FC236}">
+                  <a16:creationId xmlns:a16="http://schemas.microsoft.com/office/drawing/2014/main" id="{C28497F4-47CD-0E36-DEC4-D39143A8F509}"/>
+                </a:ext>
+              </a:extLst>
+            </p:cNvPr>
+            <p:cNvCxnSpPr>
+              <a:cxnSpLocks/>
+            </p:cNvCxnSpPr>
+            <p:nvPr/>
+          </p:nvCxnSpPr>
+          <p:spPr>
+            <a:xfrm>
+              <a:off x="4766956" y="7332130"/>
+              <a:ext cx="1" cy="329286"/>
+            </a:xfrm>
+            <a:prstGeom prst="straightConnector1">
+              <a:avLst/>
+            </a:prstGeom>
+            <a:ln>
+              <a:solidFill>
+                <a:schemeClr val="bg2">
+                  <a:lumMod val="10000"/>
+                </a:schemeClr>
+              </a:solidFill>
+              <a:tailEnd type="triangle"/>
+            </a:ln>
+          </p:spPr>
+          <p:style>
+            <a:lnRef idx="1">
+              <a:schemeClr val="accent1"/>
+            </a:lnRef>
+            <a:fillRef idx="0">
+              <a:schemeClr val="accent1"/>
+            </a:fillRef>
+            <a:effectRef idx="0">
+              <a:schemeClr val="accent1"/>
+            </a:effectRef>
+            <a:fontRef idx="minor">
+              <a:schemeClr val="tx1"/>
+            </a:fontRef>
+          </p:style>
+        </p:cxnSp>
+        <p:cxnSp>
+          <p:nvCxnSpPr>
+            <p:cNvPr id="31" name="直接箭头连接符 30">
+              <a:extLst>
+                <a:ext uri="{FF2B5EF4-FFF2-40B4-BE49-F238E27FC236}">
+                  <a16:creationId xmlns:a16="http://schemas.microsoft.com/office/drawing/2014/main" id="{14FDFB5B-434A-DC80-2436-74850101AD4D}"/>
+                </a:ext>
+              </a:extLst>
+            </p:cNvPr>
+            <p:cNvCxnSpPr>
+              <a:cxnSpLocks/>
+              <a:endCxn id="26" idx="0"/>
+            </p:cNvCxnSpPr>
+            <p:nvPr/>
+          </p:nvCxnSpPr>
+          <p:spPr>
+            <a:xfrm>
+              <a:off x="4745156" y="8103984"/>
+              <a:ext cx="14378" cy="264481"/>
+            </a:xfrm>
+            <a:prstGeom prst="straightConnector1">
+              <a:avLst/>
+            </a:prstGeom>
+            <a:ln>
+              <a:solidFill>
+                <a:schemeClr val="bg2">
+                  <a:lumMod val="10000"/>
+                </a:schemeClr>
+              </a:solidFill>
+              <a:tailEnd type="triangle"/>
+            </a:ln>
+          </p:spPr>
+          <p:style>
+            <a:lnRef idx="1">
+              <a:schemeClr val="accent1"/>
+            </a:lnRef>
+            <a:fillRef idx="0">
+              <a:schemeClr val="accent1"/>
+            </a:fillRef>
+            <a:effectRef idx="0">
+              <a:schemeClr val="accent1"/>
+            </a:effectRef>
+            <a:fontRef idx="minor">
+              <a:schemeClr val="tx1"/>
+            </a:fontRef>
+          </p:style>
+        </p:cxnSp>
+        <p:cxnSp>
+          <p:nvCxnSpPr>
+            <p:cNvPr id="32" name="直接箭头连接符 31">
+              <a:extLst>
+                <a:ext uri="{FF2B5EF4-FFF2-40B4-BE49-F238E27FC236}">
+                  <a16:creationId xmlns:a16="http://schemas.microsoft.com/office/drawing/2014/main" id="{5E09A4DD-695B-EB97-4A08-779CFFECD342}"/>
+                </a:ext>
+              </a:extLst>
+            </p:cNvPr>
+            <p:cNvCxnSpPr>
+              <a:cxnSpLocks/>
+              <a:stCxn id="26" idx="2"/>
+              <a:endCxn id="28" idx="0"/>
+            </p:cNvCxnSpPr>
+            <p:nvPr/>
+          </p:nvCxnSpPr>
+          <p:spPr>
+            <a:xfrm>
+              <a:off x="4759534" y="8830319"/>
+              <a:ext cx="0" cy="218988"/>
+            </a:xfrm>
+            <a:prstGeom prst="straightConnector1">
+              <a:avLst/>
+            </a:prstGeom>
+            <a:ln>
+              <a:solidFill>
+                <a:schemeClr val="bg2">
+                  <a:lumMod val="10000"/>
+                </a:schemeClr>
+              </a:solidFill>
+              <a:tailEnd type="triangle"/>
+            </a:ln>
+          </p:spPr>
+          <p:style>
+            <a:lnRef idx="1">
+              <a:schemeClr val="accent1"/>
+            </a:lnRef>
+            <a:fillRef idx="0">
+              <a:schemeClr val="accent1"/>
+            </a:fillRef>
+            <a:effectRef idx="0">
+              <a:schemeClr val="accent1"/>
+            </a:effectRef>
+            <a:fontRef idx="minor">
+              <a:schemeClr val="tx1"/>
+            </a:fontRef>
+          </p:style>
+        </p:cxnSp>
+        <p:cxnSp>
+          <p:nvCxnSpPr>
+            <p:cNvPr id="33" name="连接符: 肘形 32">
+              <a:extLst>
+                <a:ext uri="{FF2B5EF4-FFF2-40B4-BE49-F238E27FC236}">
+                  <a16:creationId xmlns:a16="http://schemas.microsoft.com/office/drawing/2014/main" id="{27CB0D18-9F9D-1016-A692-53E4F78BA716}"/>
+                </a:ext>
+              </a:extLst>
+            </p:cNvPr>
+            <p:cNvCxnSpPr>
+              <a:cxnSpLocks/>
+              <a:stCxn id="28" idx="2"/>
+            </p:cNvCxnSpPr>
+            <p:nvPr/>
+          </p:nvCxnSpPr>
+          <p:spPr>
+            <a:xfrm rot="5400000" flipH="1">
+              <a:off x="3787489" y="8539117"/>
+              <a:ext cx="492085" cy="1452005"/>
+            </a:xfrm>
+            <a:prstGeom prst="bentConnector4">
+              <a:avLst>
+                <a:gd name="adj1" fmla="val -46455"/>
+                <a:gd name="adj2" fmla="val 64237"/>
+              </a:avLst>
+            </a:prstGeom>
+            <a:ln>
+              <a:solidFill>
+                <a:schemeClr val="tx1"/>
+              </a:solidFill>
+              <a:tailEnd type="triangle"/>
+            </a:ln>
+          </p:spPr>
+          <p:style>
+            <a:lnRef idx="1">
+              <a:schemeClr val="accent1"/>
+            </a:lnRef>
+            <a:fillRef idx="0">
+              <a:schemeClr val="accent1"/>
+            </a:fillRef>
+            <a:effectRef idx="0">
+              <a:schemeClr val="accent1"/>
+            </a:effectRef>
+            <a:fontRef idx="minor">
+              <a:schemeClr val="tx1"/>
+            </a:fontRef>
+          </p:style>
+        </p:cxnSp>
+        <p:sp>
+          <p:nvSpPr>
+            <p:cNvPr id="34" name="矩形: 圆角 33">
+              <a:extLst>
+                <a:ext uri="{FF2B5EF4-FFF2-40B4-BE49-F238E27FC236}">
+                  <a16:creationId xmlns:a16="http://schemas.microsoft.com/office/drawing/2014/main" id="{B4AB6B89-AB03-2A4D-C3FB-84C661C3A33C}"/>
+                </a:ext>
+              </a:extLst>
+            </p:cNvPr>
+            <p:cNvSpPr/>
+            <p:nvPr/>
+          </p:nvSpPr>
+          <p:spPr>
+            <a:xfrm>
+              <a:off x="5524332" y="7152072"/>
+              <a:ext cx="880966" cy="575381"/>
+            </a:xfrm>
+            <a:prstGeom prst="roundRect">
+              <a:avLst/>
+            </a:prstGeom>
+            <a:noFill/>
+            <a:ln>
+              <a:solidFill>
+                <a:schemeClr val="tx1"/>
+              </a:solidFill>
+            </a:ln>
+          </p:spPr>
+          <p:style>
+            <a:lnRef idx="2">
+              <a:schemeClr val="accent1">
+                <a:shade val="50000"/>
+              </a:schemeClr>
+            </a:lnRef>
+            <a:fillRef idx="1">
+              <a:schemeClr val="accent1"/>
+            </a:fillRef>
+            <a:effectRef idx="0">
+              <a:schemeClr val="accent1"/>
+            </a:effectRef>
+            <a:fontRef idx="minor">
+              <a:schemeClr val="lt1"/>
+            </a:fontRef>
+          </p:style>
+          <p:txBody>
+            <a:bodyPr rtlCol="0" anchor="ctr"/>
+            <a:lstStyle/>
+            <a:p>
+              <a:pPr algn="ctr"/>
+              <a:r>
+                <a:rPr lang="zh-CN" altLang="en-US" sz="1200" dirty="0">
+                  <a:solidFill>
+                    <a:schemeClr val="tx1"/>
+                  </a:solidFill>
+                </a:rPr>
+                <a:t>游戏功能模块</a:t>
+              </a:r>
+            </a:p>
+          </p:txBody>
+        </p:sp>
+        <p:cxnSp>
+          <p:nvCxnSpPr>
+            <p:cNvPr id="35" name="直接箭头连接符 34">
+              <a:extLst>
+                <a:ext uri="{FF2B5EF4-FFF2-40B4-BE49-F238E27FC236}">
+                  <a16:creationId xmlns:a16="http://schemas.microsoft.com/office/drawing/2014/main" id="{F0D25FCC-550D-0499-3309-FBF7F05A9D67}"/>
+                </a:ext>
+              </a:extLst>
+            </p:cNvPr>
+            <p:cNvCxnSpPr>
+              <a:cxnSpLocks/>
+              <a:endCxn id="34" idx="0"/>
+            </p:cNvCxnSpPr>
+            <p:nvPr/>
+          </p:nvCxnSpPr>
+          <p:spPr>
+            <a:xfrm>
+              <a:off x="5940597" y="6751605"/>
+              <a:ext cx="24218" cy="400467"/>
+            </a:xfrm>
+            <a:prstGeom prst="straightConnector1">
+              <a:avLst/>
+            </a:prstGeom>
+            <a:ln>
+              <a:solidFill>
+                <a:schemeClr val="bg2">
+                  <a:lumMod val="10000"/>
+                </a:schemeClr>
+              </a:solidFill>
+              <a:tailEnd type="triangle"/>
+            </a:ln>
+          </p:spPr>
+          <p:style>
+            <a:lnRef idx="1">
+              <a:schemeClr val="accent1"/>
+            </a:lnRef>
+            <a:fillRef idx="0">
+              <a:schemeClr val="accent1"/>
+            </a:fillRef>
+            <a:effectRef idx="0">
+              <a:schemeClr val="accent1"/>
+            </a:effectRef>
+            <a:fontRef idx="minor">
+              <a:schemeClr val="tx1"/>
+            </a:fontRef>
+          </p:style>
+        </p:cxnSp>
+      </p:grpSp>
+    </p:spTree>
+    <p:extLst>
+      <p:ext uri="{BB962C8B-B14F-4D97-AF65-F5344CB8AC3E}">
+        <p14:creationId xmlns:p14="http://schemas.microsoft.com/office/powerpoint/2010/main" val="4047569335"/>
+      </p:ext>
+    </p:extLst>
+  </p:cSld>
+  <p:clrMapOvr>
+    <a:masterClrMapping/>
+  </p:clrMapOvr>
+</p:sld>
+</file>
+
 <file path=ppt/theme/theme1.xml><?xml version="1.0" encoding="utf-8"?>
 <a:theme xmlns:a="http://schemas.openxmlformats.org/drawingml/2006/main" name="Office 主题​​">
   <a:themeElements>

--- a/产品文档/图片资料/图例.pptx
+++ b/产品文档/图片资料/图例.pptx
@@ -255,7 +255,7 @@
           <a:p>
             <a:fld id="{29F8E05B-68B1-4543-B747-8A7C459D783B}" type="datetimeFigureOut">
               <a:rPr lang="zh-CN" altLang="en-US" smtClean="0"/>
-              <a:t>2023/4/25</a:t>
+              <a:t>2023/4/26</a:t>
             </a:fld>
             <a:endParaRPr lang="zh-CN" altLang="en-US"/>
           </a:p>
@@ -425,7 +425,7 @@
           <a:p>
             <a:fld id="{29F8E05B-68B1-4543-B747-8A7C459D783B}" type="datetimeFigureOut">
               <a:rPr lang="zh-CN" altLang="en-US" smtClean="0"/>
-              <a:t>2023/4/25</a:t>
+              <a:t>2023/4/26</a:t>
             </a:fld>
             <a:endParaRPr lang="zh-CN" altLang="en-US"/>
           </a:p>
@@ -605,7 +605,7 @@
           <a:p>
             <a:fld id="{29F8E05B-68B1-4543-B747-8A7C459D783B}" type="datetimeFigureOut">
               <a:rPr lang="zh-CN" altLang="en-US" smtClean="0"/>
-              <a:t>2023/4/25</a:t>
+              <a:t>2023/4/26</a:t>
             </a:fld>
             <a:endParaRPr lang="zh-CN" altLang="en-US"/>
           </a:p>
@@ -775,7 +775,7 @@
           <a:p>
             <a:fld id="{29F8E05B-68B1-4543-B747-8A7C459D783B}" type="datetimeFigureOut">
               <a:rPr lang="zh-CN" altLang="en-US" smtClean="0"/>
-              <a:t>2023/4/25</a:t>
+              <a:t>2023/4/26</a:t>
             </a:fld>
             <a:endParaRPr lang="zh-CN" altLang="en-US"/>
           </a:p>
@@ -1019,7 +1019,7 @@
           <a:p>
             <a:fld id="{29F8E05B-68B1-4543-B747-8A7C459D783B}" type="datetimeFigureOut">
               <a:rPr lang="zh-CN" altLang="en-US" smtClean="0"/>
-              <a:t>2023/4/25</a:t>
+              <a:t>2023/4/26</a:t>
             </a:fld>
             <a:endParaRPr lang="zh-CN" altLang="en-US"/>
           </a:p>
@@ -1251,7 +1251,7 @@
           <a:p>
             <a:fld id="{29F8E05B-68B1-4543-B747-8A7C459D783B}" type="datetimeFigureOut">
               <a:rPr lang="zh-CN" altLang="en-US" smtClean="0"/>
-              <a:t>2023/4/25</a:t>
+              <a:t>2023/4/26</a:t>
             </a:fld>
             <a:endParaRPr lang="zh-CN" altLang="en-US"/>
           </a:p>
@@ -1618,7 +1618,7 @@
           <a:p>
             <a:fld id="{29F8E05B-68B1-4543-B747-8A7C459D783B}" type="datetimeFigureOut">
               <a:rPr lang="zh-CN" altLang="en-US" smtClean="0"/>
-              <a:t>2023/4/25</a:t>
+              <a:t>2023/4/26</a:t>
             </a:fld>
             <a:endParaRPr lang="zh-CN" altLang="en-US"/>
           </a:p>
@@ -1736,7 +1736,7 @@
           <a:p>
             <a:fld id="{29F8E05B-68B1-4543-B747-8A7C459D783B}" type="datetimeFigureOut">
               <a:rPr lang="zh-CN" altLang="en-US" smtClean="0"/>
-              <a:t>2023/4/25</a:t>
+              <a:t>2023/4/26</a:t>
             </a:fld>
             <a:endParaRPr lang="zh-CN" altLang="en-US"/>
           </a:p>
@@ -1831,7 +1831,7 @@
           <a:p>
             <a:fld id="{29F8E05B-68B1-4543-B747-8A7C459D783B}" type="datetimeFigureOut">
               <a:rPr lang="zh-CN" altLang="en-US" smtClean="0"/>
-              <a:t>2023/4/25</a:t>
+              <a:t>2023/4/26</a:t>
             </a:fld>
             <a:endParaRPr lang="zh-CN" altLang="en-US"/>
           </a:p>
@@ -2108,7 +2108,7 @@
           <a:p>
             <a:fld id="{29F8E05B-68B1-4543-B747-8A7C459D783B}" type="datetimeFigureOut">
               <a:rPr lang="zh-CN" altLang="en-US" smtClean="0"/>
-              <a:t>2023/4/25</a:t>
+              <a:t>2023/4/26</a:t>
             </a:fld>
             <a:endParaRPr lang="zh-CN" altLang="en-US"/>
           </a:p>
@@ -2365,7 +2365,7 @@
           <a:p>
             <a:fld id="{29F8E05B-68B1-4543-B747-8A7C459D783B}" type="datetimeFigureOut">
               <a:rPr lang="zh-CN" altLang="en-US" smtClean="0"/>
-              <a:t>2023/4/25</a:t>
+              <a:t>2023/4/26</a:t>
             </a:fld>
             <a:endParaRPr lang="zh-CN" altLang="en-US"/>
           </a:p>
@@ -2578,7 +2578,7 @@
           <a:p>
             <a:fld id="{29F8E05B-68B1-4543-B747-8A7C459D783B}" type="datetimeFigureOut">
               <a:rPr lang="zh-CN" altLang="en-US" smtClean="0"/>
-              <a:t>2023/4/25</a:t>
+              <a:t>2023/4/26</a:t>
             </a:fld>
             <a:endParaRPr lang="zh-CN" altLang="en-US"/>
           </a:p>
@@ -9453,10 +9453,10 @@
       </p:grpSpPr>
       <p:grpSp>
         <p:nvGrpSpPr>
-          <p:cNvPr id="208" name="组合 207">
+          <p:cNvPr id="16" name="组合 15">
             <a:extLst>
               <a:ext uri="{FF2B5EF4-FFF2-40B4-BE49-F238E27FC236}">
-                <a16:creationId xmlns:a16="http://schemas.microsoft.com/office/drawing/2014/main" id="{81617A6E-13EE-5049-47CD-CBE2E41021DB}"/>
+                <a16:creationId xmlns:a16="http://schemas.microsoft.com/office/drawing/2014/main" id="{C9E35A5F-AEFD-8A33-DF23-8395CCFC532D}"/>
               </a:ext>
             </a:extLst>
           </p:cNvPr>
@@ -9471,132 +9471,4336 @@
             <a:chExt cx="7372009" cy="7435753"/>
           </a:xfrm>
         </p:grpSpPr>
-        <p:sp>
-          <p:nvSpPr>
-            <p:cNvPr id="43" name="文本框 42">
+        <p:grpSp>
+          <p:nvGrpSpPr>
+            <p:cNvPr id="208" name="组合 207">
               <a:extLst>
                 <a:ext uri="{FF2B5EF4-FFF2-40B4-BE49-F238E27FC236}">
-                  <a16:creationId xmlns:a16="http://schemas.microsoft.com/office/drawing/2014/main" id="{A6901374-C16A-D139-65C0-1829D6553035}"/>
+                  <a16:creationId xmlns:a16="http://schemas.microsoft.com/office/drawing/2014/main" id="{81617A6E-13EE-5049-47CD-CBE2E41021DB}"/>
                 </a:ext>
               </a:extLst>
             </p:cNvPr>
-            <p:cNvSpPr txBox="1"/>
+            <p:cNvGrpSpPr/>
             <p:nvPr/>
-          </p:nvSpPr>
-          <p:spPr>
+          </p:nvGrpSpPr>
+          <p:grpSpPr>
             <a:xfrm>
-              <a:off x="2025274" y="3599977"/>
-              <a:ext cx="537451" cy="253915"/>
+              <a:off x="-514009" y="-557240"/>
+              <a:ext cx="7372009" cy="7435753"/>
+              <a:chOff x="-514009" y="-557240"/>
+              <a:chExt cx="7372009" cy="7435753"/>
             </a:xfrm>
-            <a:prstGeom prst="rect">
-              <a:avLst/>
-            </a:prstGeom>
-            <a:noFill/>
-          </p:spPr>
-          <p:txBody>
-            <a:bodyPr wrap="square" rtlCol="0">
-              <a:spAutoFit/>
-            </a:bodyPr>
-            <a:lstStyle/>
-            <a:p>
-              <a:r>
-                <a:rPr lang="en-US" altLang="zh-CN" sz="1050" dirty="0"/>
-                <a:t>HTTP</a:t>
-              </a:r>
-              <a:endParaRPr lang="zh-CN" altLang="en-US" sz="1050" dirty="0"/>
-            </a:p>
-          </p:txBody>
-        </p:sp>
-        <p:cxnSp>
-          <p:nvCxnSpPr>
-            <p:cNvPr id="54" name="连接符: 肘形 53">
+          </p:grpSpPr>
+          <p:sp>
+            <p:nvSpPr>
+              <p:cNvPr id="43" name="文本框 42">
+                <a:extLst>
+                  <a:ext uri="{FF2B5EF4-FFF2-40B4-BE49-F238E27FC236}">
+                    <a16:creationId xmlns:a16="http://schemas.microsoft.com/office/drawing/2014/main" id="{A6901374-C16A-D139-65C0-1829D6553035}"/>
+                  </a:ext>
+                </a:extLst>
+              </p:cNvPr>
+              <p:cNvSpPr txBox="1"/>
+              <p:nvPr/>
+            </p:nvSpPr>
+            <p:spPr>
+              <a:xfrm>
+                <a:off x="2025274" y="3599977"/>
+                <a:ext cx="537451" cy="253915"/>
+              </a:xfrm>
+              <a:prstGeom prst="rect">
+                <a:avLst/>
+              </a:prstGeom>
+              <a:noFill/>
+            </p:spPr>
+            <p:txBody>
+              <a:bodyPr wrap="square" rtlCol="0">
+                <a:spAutoFit/>
+              </a:bodyPr>
+              <a:lstStyle/>
+              <a:p>
+                <a:r>
+                  <a:rPr lang="en-US" altLang="zh-CN" sz="1050" dirty="0"/>
+                  <a:t>HTTP</a:t>
+                </a:r>
+                <a:endParaRPr lang="zh-CN" altLang="en-US" sz="1050" dirty="0"/>
+              </a:p>
+            </p:txBody>
+          </p:sp>
+          <p:cxnSp>
+            <p:nvCxnSpPr>
+              <p:cNvPr id="54" name="连接符: 肘形 53">
+                <a:extLst>
+                  <a:ext uri="{FF2B5EF4-FFF2-40B4-BE49-F238E27FC236}">
+                    <a16:creationId xmlns:a16="http://schemas.microsoft.com/office/drawing/2014/main" id="{B951C9AA-E118-7E66-557D-70015707867E}"/>
+                  </a:ext>
+                </a:extLst>
+              </p:cNvPr>
+              <p:cNvCxnSpPr>
+                <a:cxnSpLocks/>
+                <a:stCxn id="162" idx="1"/>
+                <a:endCxn id="133" idx="2"/>
+              </p:cNvCxnSpPr>
+              <p:nvPr/>
+            </p:nvCxnSpPr>
+            <p:spPr>
+              <a:xfrm rot="5400000" flipH="1" flipV="1">
+                <a:off x="1291079" y="5572172"/>
+                <a:ext cx="748266" cy="272663"/>
+              </a:xfrm>
+              <a:prstGeom prst="bentConnector3">
+                <a:avLst>
+                  <a:gd name="adj1" fmla="val 50000"/>
+                </a:avLst>
+              </a:prstGeom>
+              <a:ln>
+                <a:solidFill>
+                  <a:schemeClr val="tx1"/>
+                </a:solidFill>
+                <a:tailEnd type="triangle"/>
+              </a:ln>
+            </p:spPr>
+            <p:style>
+              <a:lnRef idx="1">
+                <a:schemeClr val="accent1"/>
+              </a:lnRef>
+              <a:fillRef idx="0">
+                <a:schemeClr val="accent1"/>
+              </a:fillRef>
+              <a:effectRef idx="0">
+                <a:schemeClr val="accent1"/>
+              </a:effectRef>
+              <a:fontRef idx="minor">
+                <a:schemeClr val="tx1"/>
+              </a:fontRef>
+            </p:style>
+          </p:cxnSp>
+          <p:sp>
+            <p:nvSpPr>
+              <p:cNvPr id="77" name="文本框 76">
+                <a:extLst>
+                  <a:ext uri="{FF2B5EF4-FFF2-40B4-BE49-F238E27FC236}">
+                    <a16:creationId xmlns:a16="http://schemas.microsoft.com/office/drawing/2014/main" id="{8C026FC3-425B-BF6E-1B1A-D951EDF7C564}"/>
+                  </a:ext>
+                </a:extLst>
+              </p:cNvPr>
+              <p:cNvSpPr txBox="1"/>
+              <p:nvPr/>
+            </p:nvSpPr>
+            <p:spPr>
+              <a:xfrm>
+                <a:off x="1148759" y="6624597"/>
+                <a:ext cx="914400" cy="253916"/>
+              </a:xfrm>
+              <a:prstGeom prst="rect">
+                <a:avLst/>
+              </a:prstGeom>
+              <a:noFill/>
+            </p:spPr>
+            <p:txBody>
+              <a:bodyPr wrap="square" rtlCol="0">
+                <a:spAutoFit/>
+              </a:bodyPr>
+              <a:lstStyle/>
+              <a:p>
+                <a:r>
+                  <a:rPr lang="en-US" altLang="zh-CN" sz="1050" dirty="0"/>
+                  <a:t>Client PC</a:t>
+                </a:r>
+                <a:endParaRPr lang="zh-CN" altLang="en-US" sz="1050" dirty="0"/>
+              </a:p>
+            </p:txBody>
+          </p:sp>
+          <p:sp>
+            <p:nvSpPr>
+              <p:cNvPr id="78" name="思想气泡: 云 77">
+                <a:extLst>
+                  <a:ext uri="{FF2B5EF4-FFF2-40B4-BE49-F238E27FC236}">
+                    <a16:creationId xmlns:a16="http://schemas.microsoft.com/office/drawing/2014/main" id="{5615681C-2A76-A225-38DB-AE1468A3C857}"/>
+                  </a:ext>
+                </a:extLst>
+              </p:cNvPr>
+              <p:cNvSpPr/>
+              <p:nvPr/>
+            </p:nvSpPr>
+            <p:spPr>
+              <a:xfrm>
+                <a:off x="-514009" y="-557240"/>
+                <a:ext cx="7372009" cy="4498833"/>
+              </a:xfrm>
+              <a:prstGeom prst="cloudCallout">
+                <a:avLst>
+                  <a:gd name="adj1" fmla="val 45765"/>
+                  <a:gd name="adj2" fmla="val 17380"/>
+                </a:avLst>
+              </a:prstGeom>
+              <a:noFill/>
+            </p:spPr>
+            <p:style>
+              <a:lnRef idx="2">
+                <a:schemeClr val="accent1">
+                  <a:shade val="50000"/>
+                </a:schemeClr>
+              </a:lnRef>
+              <a:fillRef idx="1">
+                <a:schemeClr val="accent1"/>
+              </a:fillRef>
+              <a:effectRef idx="0">
+                <a:schemeClr val="accent1"/>
+              </a:effectRef>
+              <a:fontRef idx="minor">
+                <a:schemeClr val="lt1"/>
+              </a:fontRef>
+            </p:style>
+            <p:txBody>
+              <a:bodyPr rtlCol="0" anchor="ctr"/>
+              <a:lstStyle/>
+              <a:p>
+                <a:pPr algn="ctr"/>
+                <a:endParaRPr lang="zh-CN" altLang="en-US"/>
+              </a:p>
+            </p:txBody>
+          </p:sp>
+          <p:cxnSp>
+            <p:nvCxnSpPr>
+              <p:cNvPr id="87" name="连接符: 肘形 86">
+                <a:extLst>
+                  <a:ext uri="{FF2B5EF4-FFF2-40B4-BE49-F238E27FC236}">
+                    <a16:creationId xmlns:a16="http://schemas.microsoft.com/office/drawing/2014/main" id="{54E14D54-921D-D54D-1930-CC94270D43A4}"/>
+                  </a:ext>
+                </a:extLst>
+              </p:cNvPr>
+              <p:cNvCxnSpPr>
+                <a:cxnSpLocks/>
+                <a:stCxn id="130" idx="0"/>
+                <a:endCxn id="111" idx="2"/>
+              </p:cNvCxnSpPr>
+              <p:nvPr/>
+            </p:nvCxnSpPr>
+            <p:spPr>
+              <a:xfrm rot="5400000" flipH="1" flipV="1">
+                <a:off x="2105873" y="2532216"/>
+                <a:ext cx="947888" cy="1985790"/>
+              </a:xfrm>
+              <a:prstGeom prst="bentConnector3">
+                <a:avLst>
+                  <a:gd name="adj1" fmla="val 20256"/>
+                </a:avLst>
+              </a:prstGeom>
+              <a:ln>
+                <a:solidFill>
+                  <a:schemeClr val="tx1"/>
+                </a:solidFill>
+                <a:tailEnd type="triangle"/>
+              </a:ln>
+            </p:spPr>
+            <p:style>
+              <a:lnRef idx="1">
+                <a:schemeClr val="accent1"/>
+              </a:lnRef>
+              <a:fillRef idx="0">
+                <a:schemeClr val="accent1"/>
+              </a:fillRef>
+              <a:effectRef idx="0">
+                <a:schemeClr val="accent1"/>
+              </a:effectRef>
+              <a:fontRef idx="minor">
+                <a:schemeClr val="tx1"/>
+              </a:fontRef>
+            </p:style>
+          </p:cxnSp>
+          <p:cxnSp>
+            <p:nvCxnSpPr>
+              <p:cNvPr id="91" name="连接符: 肘形 90">
+                <a:extLst>
+                  <a:ext uri="{FF2B5EF4-FFF2-40B4-BE49-F238E27FC236}">
+                    <a16:creationId xmlns:a16="http://schemas.microsoft.com/office/drawing/2014/main" id="{9402203D-8115-675D-BCAC-35DAA5D52C59}"/>
+                  </a:ext>
+                </a:extLst>
+              </p:cNvPr>
+              <p:cNvCxnSpPr>
+                <a:cxnSpLocks/>
+                <a:stCxn id="48" idx="0"/>
+                <a:endCxn id="12" idx="2"/>
+              </p:cNvCxnSpPr>
+              <p:nvPr/>
+            </p:nvCxnSpPr>
+            <p:spPr>
+              <a:xfrm rot="16200000" flipV="1">
+                <a:off x="2120345" y="756715"/>
+                <a:ext cx="474097" cy="1992385"/>
+              </a:xfrm>
+              <a:prstGeom prst="bentConnector3">
+                <a:avLst>
+                  <a:gd name="adj1" fmla="val 50000"/>
+                </a:avLst>
+              </a:prstGeom>
+              <a:ln>
+                <a:solidFill>
+                  <a:schemeClr val="tx1"/>
+                </a:solidFill>
+                <a:tailEnd type="triangle"/>
+              </a:ln>
+            </p:spPr>
+            <p:style>
+              <a:lnRef idx="1">
+                <a:schemeClr val="accent1"/>
+              </a:lnRef>
+              <a:fillRef idx="0">
+                <a:schemeClr val="accent1"/>
+              </a:fillRef>
+              <a:effectRef idx="0">
+                <a:schemeClr val="accent1"/>
+              </a:effectRef>
+              <a:fontRef idx="minor">
+                <a:schemeClr val="tx1"/>
+              </a:fontRef>
+            </p:style>
+          </p:cxnSp>
+          <p:sp>
+            <p:nvSpPr>
+              <p:cNvPr id="3" name="立方体 2">
+                <a:extLst>
+                  <a:ext uri="{FF2B5EF4-FFF2-40B4-BE49-F238E27FC236}">
+                    <a16:creationId xmlns:a16="http://schemas.microsoft.com/office/drawing/2014/main" id="{13021963-037D-1DF6-3413-12F4F31C192D}"/>
+                  </a:ext>
+                </a:extLst>
+              </p:cNvPr>
+              <p:cNvSpPr/>
+              <p:nvPr/>
+            </p:nvSpPr>
+            <p:spPr>
+              <a:xfrm>
+                <a:off x="976760" y="294381"/>
+                <a:ext cx="1573125" cy="1345443"/>
+              </a:xfrm>
+              <a:prstGeom prst="cube">
+                <a:avLst>
+                  <a:gd name="adj" fmla="val 14579"/>
+                </a:avLst>
+              </a:prstGeom>
+              <a:noFill/>
+              <a:ln>
+                <a:solidFill>
+                  <a:schemeClr val="tx1"/>
+                </a:solidFill>
+              </a:ln>
+              <a:scene3d>
+                <a:camera prst="orthographicFront"/>
+                <a:lightRig rig="brightRoom" dir="t"/>
+              </a:scene3d>
+              <a:sp3d prstMaterial="matte"/>
+            </p:spPr>
+            <p:style>
+              <a:lnRef idx="2">
+                <a:schemeClr val="accent1">
+                  <a:shade val="50000"/>
+                </a:schemeClr>
+              </a:lnRef>
+              <a:fillRef idx="1">
+                <a:schemeClr val="accent1"/>
+              </a:fillRef>
+              <a:effectRef idx="0">
+                <a:schemeClr val="accent1"/>
+              </a:effectRef>
+              <a:fontRef idx="minor">
+                <a:schemeClr val="lt1"/>
+              </a:fontRef>
+            </p:style>
+            <p:txBody>
+              <a:bodyPr rtlCol="0" anchor="ctr"/>
+              <a:lstStyle/>
+              <a:p>
+                <a:pPr algn="ctr"/>
+                <a:r>
+                  <a:rPr lang="en-US" altLang="zh-CN" sz="800" dirty="0">
+                    <a:solidFill>
+                      <a:schemeClr val="tx1"/>
+                    </a:solidFill>
+                  </a:rPr>
+                  <a:t>Synology DiskStation Manager </a:t>
+                </a:r>
+                <a:r>
+                  <a:rPr lang="en-US" altLang="zh-CN" sz="1600" dirty="0">
+                    <a:solidFill>
+                      <a:schemeClr val="tx1"/>
+                    </a:solidFill>
+                  </a:rPr>
+                  <a:t>(DSM)</a:t>
+                </a:r>
+              </a:p>
+              <a:p>
+                <a:pPr algn="ctr"/>
+                <a:endParaRPr lang="en-US" altLang="zh-CN" sz="1600" dirty="0">
+                  <a:solidFill>
+                    <a:schemeClr val="tx1"/>
+                  </a:solidFill>
+                </a:endParaRPr>
+              </a:p>
+              <a:p>
+                <a:pPr algn="ctr"/>
+                <a:r>
+                  <a:rPr lang="en-US" altLang="zh-CN" sz="1600" dirty="0">
+                    <a:solidFill>
+                      <a:schemeClr val="tx1"/>
+                    </a:solidFill>
+                  </a:rPr>
+                  <a:t> </a:t>
+                </a:r>
+                <a:endParaRPr lang="zh-CN" altLang="en-US" sz="1600" dirty="0">
+                  <a:solidFill>
+                    <a:schemeClr val="tx1"/>
+                  </a:solidFill>
+                </a:endParaRPr>
+              </a:p>
+            </p:txBody>
+          </p:sp>
+          <p:sp>
+            <p:nvSpPr>
+              <p:cNvPr id="8" name="文本框 7">
+                <a:extLst>
+                  <a:ext uri="{FF2B5EF4-FFF2-40B4-BE49-F238E27FC236}">
+                    <a16:creationId xmlns:a16="http://schemas.microsoft.com/office/drawing/2014/main" id="{E08F04E5-D89B-B11F-73EA-6349CABBF8AF}"/>
+                  </a:ext>
+                </a:extLst>
+              </p:cNvPr>
+              <p:cNvSpPr txBox="1"/>
+              <p:nvPr/>
+            </p:nvSpPr>
+            <p:spPr>
+              <a:xfrm>
+                <a:off x="156646" y="647924"/>
+                <a:ext cx="914400" cy="253916"/>
+              </a:xfrm>
+              <a:prstGeom prst="rect">
+                <a:avLst/>
+              </a:prstGeom>
+              <a:noFill/>
+            </p:spPr>
+            <p:txBody>
+              <a:bodyPr wrap="square" rtlCol="0">
+                <a:spAutoFit/>
+              </a:bodyPr>
+              <a:lstStyle/>
+              <a:p>
+                <a:r>
+                  <a:rPr lang="en-US" altLang="zh-CN" sz="1050" dirty="0"/>
+                  <a:t>NAS Server</a:t>
+                </a:r>
+                <a:endParaRPr lang="zh-CN" altLang="en-US" sz="1050" dirty="0"/>
+              </a:p>
+            </p:txBody>
+          </p:sp>
+          <p:pic>
+            <p:nvPicPr>
+              <p:cNvPr id="12" name="图形 11" descr="数据库 纯色填充">
+                <a:extLst>
+                  <a:ext uri="{FF2B5EF4-FFF2-40B4-BE49-F238E27FC236}">
+                    <a16:creationId xmlns:a16="http://schemas.microsoft.com/office/drawing/2014/main" id="{125E2337-DE8A-506C-B5BC-B036F135FDAD}"/>
+                  </a:ext>
+                </a:extLst>
+              </p:cNvPr>
+              <p:cNvPicPr>
+                <a:picLocks noChangeAspect="1"/>
+              </p:cNvPicPr>
+              <p:nvPr/>
+            </p:nvPicPr>
+            <p:blipFill>
+              <a:blip r:embed="rId2">
+                <a:extLst>
+                  <a:ext uri="{28A0092B-C50C-407E-A947-70E740481C1C}">
+                    <a14:useLocalDpi xmlns:a14="http://schemas.microsoft.com/office/drawing/2010/main" val="0"/>
+                  </a:ext>
+                  <a:ext uri="{96DAC541-7B7A-43D3-8B79-37D633B846F1}">
+                    <asvg:svgBlip xmlns:asvg="http://schemas.microsoft.com/office/drawing/2016/SVG/main" r:embed="rId3"/>
+                  </a:ext>
+                </a:extLst>
+              </a:blip>
+              <a:stretch>
+                <a:fillRect/>
+              </a:stretch>
+            </p:blipFill>
+            <p:spPr>
+              <a:xfrm>
+                <a:off x="1096185" y="985830"/>
+                <a:ext cx="530029" cy="530029"/>
+              </a:xfrm>
+              <a:prstGeom prst="rect">
+                <a:avLst/>
+              </a:prstGeom>
+            </p:spPr>
+          </p:pic>
+          <p:sp>
+            <p:nvSpPr>
+              <p:cNvPr id="32" name="文本框 31">
+                <a:extLst>
+                  <a:ext uri="{FF2B5EF4-FFF2-40B4-BE49-F238E27FC236}">
+                    <a16:creationId xmlns:a16="http://schemas.microsoft.com/office/drawing/2014/main" id="{EC0C9762-A08F-479C-4782-372A01C7D7C2}"/>
+                  </a:ext>
+                </a:extLst>
+              </p:cNvPr>
+              <p:cNvSpPr txBox="1"/>
+              <p:nvPr/>
+            </p:nvSpPr>
+            <p:spPr>
+              <a:xfrm>
+                <a:off x="1581040" y="1110654"/>
+                <a:ext cx="616068" cy="253916"/>
+              </a:xfrm>
+              <a:prstGeom prst="rect">
+                <a:avLst/>
+              </a:prstGeom>
+              <a:noFill/>
+            </p:spPr>
+            <p:txBody>
+              <a:bodyPr wrap="square" rtlCol="0">
+                <a:spAutoFit/>
+              </a:bodyPr>
+              <a:lstStyle/>
+              <a:p>
+                <a:r>
+                  <a:rPr lang="en-US" altLang="zh-CN" sz="1050" dirty="0"/>
+                  <a:t>MySQL</a:t>
+                </a:r>
+                <a:endParaRPr lang="zh-CN" altLang="en-US" sz="1050" dirty="0"/>
+              </a:p>
+            </p:txBody>
+          </p:sp>
+          <p:sp>
+            <p:nvSpPr>
+              <p:cNvPr id="40" name="立方体 39">
+                <a:extLst>
+                  <a:ext uri="{FF2B5EF4-FFF2-40B4-BE49-F238E27FC236}">
+                    <a16:creationId xmlns:a16="http://schemas.microsoft.com/office/drawing/2014/main" id="{478276AD-4C35-35CD-5635-895F1AB2ED57}"/>
+                  </a:ext>
+                </a:extLst>
+              </p:cNvPr>
+              <p:cNvSpPr/>
+              <p:nvPr/>
+            </p:nvSpPr>
+            <p:spPr>
+              <a:xfrm>
+                <a:off x="3911727" y="294381"/>
+                <a:ext cx="1690555" cy="1345443"/>
+              </a:xfrm>
+              <a:prstGeom prst="cube">
+                <a:avLst>
+                  <a:gd name="adj" fmla="val 14579"/>
+                </a:avLst>
+              </a:prstGeom>
+              <a:noFill/>
+              <a:ln>
+                <a:solidFill>
+                  <a:schemeClr val="tx1"/>
+                </a:solidFill>
+              </a:ln>
+              <a:scene3d>
+                <a:camera prst="orthographicFront"/>
+                <a:lightRig rig="brightRoom" dir="t"/>
+              </a:scene3d>
+              <a:sp3d prstMaterial="matte"/>
+            </p:spPr>
+            <p:style>
+              <a:lnRef idx="2">
+                <a:schemeClr val="accent1">
+                  <a:shade val="50000"/>
+                </a:schemeClr>
+              </a:lnRef>
+              <a:fillRef idx="1">
+                <a:schemeClr val="accent1"/>
+              </a:fillRef>
+              <a:effectRef idx="0">
+                <a:schemeClr val="accent1"/>
+              </a:effectRef>
+              <a:fontRef idx="minor">
+                <a:schemeClr val="lt1"/>
+              </a:fontRef>
+            </p:style>
+            <p:txBody>
+              <a:bodyPr rtlCol="0" anchor="ctr"/>
+              <a:lstStyle/>
+              <a:p>
+                <a:pPr algn="ctr"/>
+                <a:r>
+                  <a:rPr lang="en-US" altLang="zh-CN" sz="1600" dirty="0">
+                    <a:solidFill>
+                      <a:schemeClr val="tx1"/>
+                    </a:solidFill>
+                  </a:rPr>
+                  <a:t>Ubuntu(Linux)</a:t>
+                </a:r>
+              </a:p>
+              <a:p>
+                <a:pPr algn="ctr"/>
+                <a:endParaRPr lang="en-US" altLang="zh-CN" sz="1600" dirty="0">
+                  <a:solidFill>
+                    <a:schemeClr val="tx1"/>
+                  </a:solidFill>
+                </a:endParaRPr>
+              </a:p>
+              <a:p>
+                <a:pPr algn="ctr"/>
+                <a:r>
+                  <a:rPr lang="en-US" altLang="zh-CN" sz="1600" dirty="0">
+                    <a:solidFill>
+                      <a:schemeClr val="tx1"/>
+                    </a:solidFill>
+                  </a:rPr>
+                  <a:t> </a:t>
+                </a:r>
+                <a:endParaRPr lang="zh-CN" altLang="en-US" sz="1600" dirty="0">
+                  <a:solidFill>
+                    <a:schemeClr val="tx1"/>
+                  </a:solidFill>
+                </a:endParaRPr>
+              </a:p>
+            </p:txBody>
+          </p:sp>
+          <p:sp>
+            <p:nvSpPr>
+              <p:cNvPr id="42" name="文本框 41">
+                <a:extLst>
+                  <a:ext uri="{FF2B5EF4-FFF2-40B4-BE49-F238E27FC236}">
+                    <a16:creationId xmlns:a16="http://schemas.microsoft.com/office/drawing/2014/main" id="{A8172F4F-9861-C26C-3037-08C96022A2CA}"/>
+                  </a:ext>
+                </a:extLst>
+              </p:cNvPr>
+              <p:cNvSpPr txBox="1"/>
+              <p:nvPr/>
+            </p:nvSpPr>
+            <p:spPr>
+              <a:xfrm>
+                <a:off x="5626141" y="673583"/>
+                <a:ext cx="914400" cy="253916"/>
+              </a:xfrm>
+              <a:prstGeom prst="rect">
+                <a:avLst/>
+              </a:prstGeom>
+              <a:noFill/>
+            </p:spPr>
+            <p:txBody>
+              <a:bodyPr wrap="square" rtlCol="0">
+                <a:spAutoFit/>
+              </a:bodyPr>
+              <a:lstStyle/>
+              <a:p>
+                <a:r>
+                  <a:rPr lang="en-US" altLang="zh-CN" sz="1050" dirty="0"/>
+                  <a:t>GPU Server</a:t>
+                </a:r>
+                <a:endParaRPr lang="zh-CN" altLang="en-US" sz="1050" dirty="0"/>
+              </a:p>
+            </p:txBody>
+          </p:sp>
+          <p:pic>
+            <p:nvPicPr>
+              <p:cNvPr id="46" name="图形 45" descr="数据库 纯色填充">
+                <a:extLst>
+                  <a:ext uri="{FF2B5EF4-FFF2-40B4-BE49-F238E27FC236}">
+                    <a16:creationId xmlns:a16="http://schemas.microsoft.com/office/drawing/2014/main" id="{14103198-5FDF-3B74-17AE-80599991F827}"/>
+                  </a:ext>
+                </a:extLst>
+              </p:cNvPr>
+              <p:cNvPicPr>
+                <a:picLocks noChangeAspect="1"/>
+              </p:cNvPicPr>
+              <p:nvPr/>
+            </p:nvPicPr>
+            <p:blipFill>
+              <a:blip r:embed="rId2">
+                <a:extLst>
+                  <a:ext uri="{28A0092B-C50C-407E-A947-70E740481C1C}">
+                    <a14:useLocalDpi xmlns:a14="http://schemas.microsoft.com/office/drawing/2010/main" val="0"/>
+                  </a:ext>
+                  <a:ext uri="{96DAC541-7B7A-43D3-8B79-37D633B846F1}">
+                    <asvg:svgBlip xmlns:asvg="http://schemas.microsoft.com/office/drawing/2016/SVG/main" r:embed="rId3"/>
+                  </a:ext>
+                </a:extLst>
+              </a:blip>
+              <a:stretch>
+                <a:fillRect/>
+              </a:stretch>
+            </p:blipFill>
+            <p:spPr>
+              <a:xfrm>
+                <a:off x="4148582" y="985830"/>
+                <a:ext cx="530029" cy="530029"/>
+              </a:xfrm>
+              <a:prstGeom prst="rect">
+                <a:avLst/>
+              </a:prstGeom>
+            </p:spPr>
+          </p:pic>
+          <p:sp>
+            <p:nvSpPr>
+              <p:cNvPr id="47" name="文本框 46">
+                <a:extLst>
+                  <a:ext uri="{FF2B5EF4-FFF2-40B4-BE49-F238E27FC236}">
+                    <a16:creationId xmlns:a16="http://schemas.microsoft.com/office/drawing/2014/main" id="{DA0EE618-DFEE-8A4D-A3B4-83D8FC31178D}"/>
+                  </a:ext>
+                </a:extLst>
+              </p:cNvPr>
+              <p:cNvSpPr txBox="1"/>
+              <p:nvPr/>
+            </p:nvSpPr>
+            <p:spPr>
+              <a:xfrm>
+                <a:off x="4633436" y="1110654"/>
+                <a:ext cx="737139" cy="253916"/>
+              </a:xfrm>
+              <a:prstGeom prst="rect">
+                <a:avLst/>
+              </a:prstGeom>
+              <a:noFill/>
+            </p:spPr>
+            <p:txBody>
+              <a:bodyPr wrap="square" rtlCol="0">
+                <a:spAutoFit/>
+              </a:bodyPr>
+              <a:lstStyle/>
+              <a:p>
+                <a:r>
+                  <a:rPr lang="en-US" altLang="zh-CN" sz="1050" dirty="0"/>
+                  <a:t>MongoDB</a:t>
+                </a:r>
+                <a:endParaRPr lang="zh-CN" altLang="en-US" sz="1050" dirty="0"/>
+              </a:p>
+            </p:txBody>
+          </p:sp>
+          <p:sp>
+            <p:nvSpPr>
+              <p:cNvPr id="48" name="立方体 47">
+                <a:extLst>
+                  <a:ext uri="{FF2B5EF4-FFF2-40B4-BE49-F238E27FC236}">
+                    <a16:creationId xmlns:a16="http://schemas.microsoft.com/office/drawing/2014/main" id="{6BBA594D-657D-D62C-E7F3-FD9B1A7D7F41}"/>
+                  </a:ext>
+                </a:extLst>
+              </p:cNvPr>
+              <p:cNvSpPr/>
+              <p:nvPr/>
+            </p:nvSpPr>
+            <p:spPr>
+              <a:xfrm>
+                <a:off x="2288543" y="1989956"/>
+                <a:ext cx="2001517" cy="1482884"/>
+              </a:xfrm>
+              <a:prstGeom prst="cube">
+                <a:avLst>
+                  <a:gd name="adj" fmla="val 8670"/>
+                </a:avLst>
+              </a:prstGeom>
+              <a:noFill/>
+              <a:ln>
+                <a:solidFill>
+                  <a:schemeClr val="tx1"/>
+                </a:solidFill>
+              </a:ln>
+              <a:scene3d>
+                <a:camera prst="orthographicFront"/>
+                <a:lightRig rig="brightRoom" dir="t"/>
+              </a:scene3d>
+              <a:sp3d prstMaterial="matte"/>
+            </p:spPr>
+            <p:style>
+              <a:lnRef idx="2">
+                <a:schemeClr val="accent1">
+                  <a:shade val="50000"/>
+                </a:schemeClr>
+              </a:lnRef>
+              <a:fillRef idx="1">
+                <a:schemeClr val="accent1"/>
+              </a:fillRef>
+              <a:effectRef idx="0">
+                <a:schemeClr val="accent1"/>
+              </a:effectRef>
+              <a:fontRef idx="minor">
+                <a:schemeClr val="lt1"/>
+              </a:fontRef>
+            </p:style>
+            <p:txBody>
+              <a:bodyPr rtlCol="0" anchor="ctr"/>
+              <a:lstStyle/>
+              <a:p>
+                <a:pPr algn="ctr"/>
+                <a:r>
+                  <a:rPr lang="en-US" altLang="zh-CN" sz="800" dirty="0">
+                    <a:solidFill>
+                      <a:schemeClr val="tx1"/>
+                    </a:solidFill>
+                  </a:rPr>
+                  <a:t>Ubuntu(Linux)</a:t>
+                </a:r>
+              </a:p>
+              <a:p>
+                <a:pPr algn="ctr"/>
+                <a:endParaRPr lang="en-US" altLang="zh-CN" sz="800" dirty="0">
+                  <a:solidFill>
+                    <a:schemeClr val="tx1"/>
+                  </a:solidFill>
+                </a:endParaRPr>
+              </a:p>
+              <a:p>
+                <a:pPr algn="ctr"/>
+                <a:endParaRPr lang="en-US" altLang="zh-CN" sz="800" dirty="0">
+                  <a:solidFill>
+                    <a:schemeClr val="tx1"/>
+                  </a:solidFill>
+                </a:endParaRPr>
+              </a:p>
+              <a:p>
+                <a:pPr algn="ctr"/>
+                <a:endParaRPr lang="en-US" altLang="zh-CN" sz="800" dirty="0">
+                  <a:solidFill>
+                    <a:schemeClr val="tx1"/>
+                  </a:solidFill>
+                </a:endParaRPr>
+              </a:p>
+              <a:p>
+                <a:pPr algn="ctr"/>
+                <a:endParaRPr lang="en-US" altLang="zh-CN" sz="800" dirty="0">
+                  <a:solidFill>
+                    <a:schemeClr val="tx1"/>
+                  </a:solidFill>
+                </a:endParaRPr>
+              </a:p>
+              <a:p>
+                <a:pPr algn="ctr"/>
+                <a:endParaRPr lang="en-US" altLang="zh-CN" sz="1600" dirty="0">
+                  <a:solidFill>
+                    <a:schemeClr val="tx1"/>
+                  </a:solidFill>
+                </a:endParaRPr>
+              </a:p>
+              <a:p>
+                <a:pPr algn="ctr"/>
+                <a:endParaRPr lang="en-US" altLang="zh-CN" sz="1600" dirty="0">
+                  <a:solidFill>
+                    <a:schemeClr val="tx1"/>
+                  </a:solidFill>
+                </a:endParaRPr>
+              </a:p>
+              <a:p>
+                <a:pPr algn="ctr"/>
+                <a:r>
+                  <a:rPr lang="en-US" altLang="zh-CN" sz="1600" dirty="0">
+                    <a:solidFill>
+                      <a:schemeClr val="tx1"/>
+                    </a:solidFill>
+                  </a:rPr>
+                  <a:t> </a:t>
+                </a:r>
+                <a:endParaRPr lang="zh-CN" altLang="en-US" sz="1600" dirty="0">
+                  <a:solidFill>
+                    <a:schemeClr val="tx1"/>
+                  </a:solidFill>
+                </a:endParaRPr>
+              </a:p>
+            </p:txBody>
+          </p:sp>
+          <p:sp>
+            <p:nvSpPr>
+              <p:cNvPr id="49" name="文本框 48">
+                <a:extLst>
+                  <a:ext uri="{FF2B5EF4-FFF2-40B4-BE49-F238E27FC236}">
+                    <a16:creationId xmlns:a16="http://schemas.microsoft.com/office/drawing/2014/main" id="{4A566382-8727-9E05-55A8-EE0547FFB76B}"/>
+                  </a:ext>
+                </a:extLst>
+              </p:cNvPr>
+              <p:cNvSpPr txBox="1"/>
+              <p:nvPr/>
+            </p:nvSpPr>
+            <p:spPr>
+              <a:xfrm>
+                <a:off x="1484297" y="2340798"/>
+                <a:ext cx="914400" cy="577081"/>
+              </a:xfrm>
+              <a:prstGeom prst="rect">
+                <a:avLst/>
+              </a:prstGeom>
+              <a:noFill/>
+            </p:spPr>
+            <p:txBody>
+              <a:bodyPr wrap="square" rtlCol="0">
+                <a:spAutoFit/>
+              </a:bodyPr>
+              <a:lstStyle/>
+              <a:p>
+                <a:r>
+                  <a:rPr lang="en-US" altLang="zh-CN" sz="1050" dirty="0"/>
+                  <a:t>Back-end </a:t>
+                </a:r>
+              </a:p>
+              <a:p>
+                <a:r>
+                  <a:rPr lang="en-US" altLang="zh-CN" sz="1050" dirty="0"/>
+                  <a:t>Web</a:t>
+                </a:r>
+              </a:p>
+              <a:p>
+                <a:r>
+                  <a:rPr lang="en-US" altLang="zh-CN" sz="1050" dirty="0"/>
+                  <a:t>Server</a:t>
+                </a:r>
+                <a:endParaRPr lang="zh-CN" altLang="en-US" sz="1050" dirty="0"/>
+              </a:p>
+            </p:txBody>
+          </p:sp>
+          <p:sp>
+            <p:nvSpPr>
+              <p:cNvPr id="52" name="文本框 51">
+                <a:extLst>
+                  <a:ext uri="{FF2B5EF4-FFF2-40B4-BE49-F238E27FC236}">
+                    <a16:creationId xmlns:a16="http://schemas.microsoft.com/office/drawing/2014/main" id="{815C0EC5-D49F-F8F5-9823-79F3F0036575}"/>
+                  </a:ext>
+                </a:extLst>
+              </p:cNvPr>
+              <p:cNvSpPr txBox="1"/>
+              <p:nvPr/>
+            </p:nvSpPr>
+            <p:spPr>
+              <a:xfrm>
+                <a:off x="2267733" y="2513100"/>
+                <a:ext cx="589985" cy="200055"/>
+              </a:xfrm>
+              <a:prstGeom prst="rect">
+                <a:avLst/>
+              </a:prstGeom>
+              <a:noFill/>
+            </p:spPr>
+            <p:txBody>
+              <a:bodyPr wrap="square" rtlCol="0">
+                <a:spAutoFit/>
+              </a:bodyPr>
+              <a:lstStyle/>
+              <a:p>
+                <a:r>
+                  <a:rPr lang="en-US" altLang="zh-CN" sz="700" dirty="0"/>
+                  <a:t>MySQL</a:t>
+                </a:r>
+                <a:endParaRPr lang="zh-CN" altLang="en-US" sz="700" dirty="0"/>
+              </a:p>
+            </p:txBody>
+          </p:sp>
+          <p:cxnSp>
+            <p:nvCxnSpPr>
+              <p:cNvPr id="59" name="连接符: 肘形 58">
+                <a:extLst>
+                  <a:ext uri="{FF2B5EF4-FFF2-40B4-BE49-F238E27FC236}">
+                    <a16:creationId xmlns:a16="http://schemas.microsoft.com/office/drawing/2014/main" id="{9B2D8119-7382-6A63-D64E-6FE94BE5775A}"/>
+                  </a:ext>
+                </a:extLst>
+              </p:cNvPr>
+              <p:cNvCxnSpPr>
+                <a:cxnSpLocks/>
+                <a:stCxn id="48" idx="0"/>
+                <a:endCxn id="46" idx="2"/>
+              </p:cNvCxnSpPr>
+              <p:nvPr/>
+            </p:nvCxnSpPr>
+            <p:spPr>
+              <a:xfrm rot="5400000" flipH="1" flipV="1">
+                <a:off x="3646543" y="1222902"/>
+                <a:ext cx="474097" cy="1060012"/>
+              </a:xfrm>
+              <a:prstGeom prst="bentConnector3">
+                <a:avLst>
+                  <a:gd name="adj1" fmla="val 50000"/>
+                </a:avLst>
+              </a:prstGeom>
+              <a:ln>
+                <a:solidFill>
+                  <a:schemeClr val="tx1"/>
+                </a:solidFill>
+                <a:tailEnd type="triangle"/>
+              </a:ln>
+            </p:spPr>
+            <p:style>
+              <a:lnRef idx="1">
+                <a:schemeClr val="accent1"/>
+              </a:lnRef>
+              <a:fillRef idx="0">
+                <a:schemeClr val="accent1"/>
+              </a:fillRef>
+              <a:effectRef idx="0">
+                <a:schemeClr val="accent1"/>
+              </a:effectRef>
+              <a:fontRef idx="minor">
+                <a:schemeClr val="tx1"/>
+              </a:fontRef>
+            </p:style>
+          </p:cxnSp>
+          <p:sp>
+            <p:nvSpPr>
+              <p:cNvPr id="66" name="文本框 65">
+                <a:extLst>
+                  <a:ext uri="{FF2B5EF4-FFF2-40B4-BE49-F238E27FC236}">
+                    <a16:creationId xmlns:a16="http://schemas.microsoft.com/office/drawing/2014/main" id="{C78EDF8F-F98F-A863-4BD9-2AE45ED1AF14}"/>
+                  </a:ext>
+                </a:extLst>
+              </p:cNvPr>
+              <p:cNvSpPr txBox="1"/>
+              <p:nvPr/>
+            </p:nvSpPr>
+            <p:spPr>
+              <a:xfrm>
+                <a:off x="1614167" y="1705914"/>
+                <a:ext cx="1137316" cy="215444"/>
+              </a:xfrm>
+              <a:prstGeom prst="rect">
+                <a:avLst/>
+              </a:prstGeom>
+              <a:noFill/>
+            </p:spPr>
+            <p:txBody>
+              <a:bodyPr wrap="square">
+                <a:spAutoFit/>
+              </a:bodyPr>
+              <a:lstStyle/>
+              <a:p>
+                <a:r>
+                  <a:rPr lang="en-US" altLang="zh-CN" sz="800" dirty="0">
+                    <a:solidFill>
+                      <a:srgbClr val="FF0000"/>
+                    </a:solidFill>
+                    <a:latin typeface="Times New Roman" panose="02020603050405020304" pitchFamily="18" charset="0"/>
+                    <a:cs typeface="Times New Roman" panose="02020603050405020304" pitchFamily="18" charset="0"/>
+                  </a:rPr>
+                  <a:t>TCP/</a:t>
+                </a:r>
+                <a:r>
+                  <a:rPr lang="en-US" altLang="zh-CN" sz="800" dirty="0" err="1">
+                    <a:solidFill>
+                      <a:srgbClr val="FF0000"/>
+                    </a:solidFill>
+                    <a:latin typeface="Times New Roman" panose="02020603050405020304" pitchFamily="18" charset="0"/>
+                    <a:cs typeface="Times New Roman" panose="02020603050405020304" pitchFamily="18" charset="0"/>
+                  </a:rPr>
+                  <a:t>IP:Socket</a:t>
+                </a:r>
+                <a:r>
+                  <a:rPr lang="en-US" altLang="zh-CN" sz="800" dirty="0">
+                    <a:solidFill>
+                      <a:srgbClr val="FF0000"/>
+                    </a:solidFill>
+                    <a:latin typeface="Times New Roman" panose="02020603050405020304" pitchFamily="18" charset="0"/>
+                    <a:cs typeface="Times New Roman" panose="02020603050405020304" pitchFamily="18" charset="0"/>
+                  </a:rPr>
+                  <a:t>, NFS</a:t>
+                </a:r>
+                <a:endParaRPr lang="zh-CN" altLang="en-US" sz="800" dirty="0">
+                  <a:solidFill>
+                    <a:srgbClr val="FF0000"/>
+                  </a:solidFill>
+                  <a:latin typeface="Times New Roman" panose="02020603050405020304" pitchFamily="18" charset="0"/>
+                  <a:cs typeface="Times New Roman" panose="02020603050405020304" pitchFamily="18" charset="0"/>
+                </a:endParaRPr>
+              </a:p>
+            </p:txBody>
+          </p:sp>
+          <p:cxnSp>
+            <p:nvCxnSpPr>
+              <p:cNvPr id="71" name="连接符: 肘形 70">
+                <a:extLst>
+                  <a:ext uri="{FF2B5EF4-FFF2-40B4-BE49-F238E27FC236}">
+                    <a16:creationId xmlns:a16="http://schemas.microsoft.com/office/drawing/2014/main" id="{BED823F9-B142-ACA7-FB0C-919C4AAA6825}"/>
+                  </a:ext>
+                </a:extLst>
+              </p:cNvPr>
+              <p:cNvCxnSpPr>
+                <a:cxnSpLocks/>
+                <a:stCxn id="48" idx="1"/>
+                <a:endCxn id="3" idx="3"/>
+              </p:cNvCxnSpPr>
+              <p:nvPr/>
+            </p:nvCxnSpPr>
+            <p:spPr>
+              <a:xfrm rot="16200000" flipV="1">
+                <a:off x="2205783" y="1099287"/>
+                <a:ext cx="478698" cy="1559772"/>
+              </a:xfrm>
+              <a:prstGeom prst="bentConnector3">
+                <a:avLst>
+                  <a:gd name="adj1" fmla="val 50000"/>
+                </a:avLst>
+              </a:prstGeom>
+              <a:ln>
+                <a:solidFill>
+                  <a:schemeClr val="tx1"/>
+                </a:solidFill>
+                <a:tailEnd type="triangle"/>
+              </a:ln>
+            </p:spPr>
+            <p:style>
+              <a:lnRef idx="1">
+                <a:schemeClr val="accent1"/>
+              </a:lnRef>
+              <a:fillRef idx="0">
+                <a:schemeClr val="accent1"/>
+              </a:fillRef>
+              <a:effectRef idx="0">
+                <a:schemeClr val="accent1"/>
+              </a:effectRef>
+              <a:fontRef idx="minor">
+                <a:schemeClr val="tx1"/>
+              </a:fontRef>
+            </p:style>
+          </p:cxnSp>
+          <p:cxnSp>
+            <p:nvCxnSpPr>
+              <p:cNvPr id="75" name="连接符: 肘形 74">
+                <a:extLst>
+                  <a:ext uri="{FF2B5EF4-FFF2-40B4-BE49-F238E27FC236}">
+                    <a16:creationId xmlns:a16="http://schemas.microsoft.com/office/drawing/2014/main" id="{DF45E220-21AF-87BA-4C71-541B7CEAD16C}"/>
+                  </a:ext>
+                </a:extLst>
+              </p:cNvPr>
+              <p:cNvCxnSpPr>
+                <a:cxnSpLocks/>
+                <a:stCxn id="48" idx="1"/>
+                <a:endCxn id="40" idx="3"/>
+              </p:cNvCxnSpPr>
+              <p:nvPr/>
+            </p:nvCxnSpPr>
+            <p:spPr>
+              <a:xfrm rot="5400000" flipH="1" flipV="1">
+                <a:off x="3702624" y="1162218"/>
+                <a:ext cx="478698" cy="1433910"/>
+              </a:xfrm>
+              <a:prstGeom prst="bentConnector3">
+                <a:avLst>
+                  <a:gd name="adj1" fmla="val 50000"/>
+                </a:avLst>
+              </a:prstGeom>
+              <a:ln>
+                <a:solidFill>
+                  <a:schemeClr val="tx1"/>
+                </a:solidFill>
+                <a:tailEnd type="triangle"/>
+              </a:ln>
+            </p:spPr>
+            <p:style>
+              <a:lnRef idx="1">
+                <a:schemeClr val="accent1"/>
+              </a:lnRef>
+              <a:fillRef idx="0">
+                <a:schemeClr val="accent1"/>
+              </a:fillRef>
+              <a:effectRef idx="0">
+                <a:schemeClr val="accent1"/>
+              </a:effectRef>
+              <a:fontRef idx="minor">
+                <a:schemeClr val="tx1"/>
+              </a:fontRef>
+            </p:style>
+          </p:cxnSp>
+          <p:pic>
+            <p:nvPicPr>
+              <p:cNvPr id="81" name="图形 80" descr="数据库 轮廓">
+                <a:extLst>
+                  <a:ext uri="{FF2B5EF4-FFF2-40B4-BE49-F238E27FC236}">
+                    <a16:creationId xmlns:a16="http://schemas.microsoft.com/office/drawing/2014/main" id="{9C421C2D-AB02-9801-5925-CCAB5F9F2C9C}"/>
+                  </a:ext>
+                </a:extLst>
+              </p:cNvPr>
+              <p:cNvPicPr>
+                <a:picLocks noChangeAspect="1"/>
+              </p:cNvPicPr>
+              <p:nvPr/>
+            </p:nvPicPr>
+            <p:blipFill>
+              <a:blip r:embed="rId4">
+                <a:extLst>
+                  <a:ext uri="{28A0092B-C50C-407E-A947-70E740481C1C}">
+                    <a14:useLocalDpi xmlns:a14="http://schemas.microsoft.com/office/drawing/2010/main" val="0"/>
+                  </a:ext>
+                  <a:ext uri="{96DAC541-7B7A-43D3-8B79-37D633B846F1}">
+                    <asvg:svgBlip xmlns:asvg="http://schemas.microsoft.com/office/drawing/2016/SVG/main" r:embed="rId5"/>
+                  </a:ext>
+                </a:extLst>
+              </a:blip>
+              <a:stretch>
+                <a:fillRect/>
+              </a:stretch>
+            </p:blipFill>
+            <p:spPr>
+              <a:xfrm>
+                <a:off x="2242331" y="2125320"/>
+                <a:ext cx="430953" cy="430953"/>
+              </a:xfrm>
+              <a:prstGeom prst="rect">
+                <a:avLst/>
+              </a:prstGeom>
+            </p:spPr>
+          </p:pic>
+          <p:sp>
+            <p:nvSpPr>
+              <p:cNvPr id="82" name="矩形 81">
+                <a:extLst>
+                  <a:ext uri="{FF2B5EF4-FFF2-40B4-BE49-F238E27FC236}">
+                    <a16:creationId xmlns:a16="http://schemas.microsoft.com/office/drawing/2014/main" id="{E774E61F-BD87-C672-8CD1-A97F26556A94}"/>
+                  </a:ext>
+                </a:extLst>
+              </p:cNvPr>
+              <p:cNvSpPr/>
+              <p:nvPr/>
+            </p:nvSpPr>
+            <p:spPr>
+              <a:xfrm>
+                <a:off x="3252429" y="2407914"/>
+                <a:ext cx="640566" cy="210372"/>
+              </a:xfrm>
+              <a:prstGeom prst="rect">
+                <a:avLst/>
+              </a:prstGeom>
+              <a:noFill/>
+              <a:ln>
+                <a:solidFill>
+                  <a:schemeClr val="tx1"/>
+                </a:solidFill>
+              </a:ln>
+            </p:spPr>
+            <p:style>
+              <a:lnRef idx="2">
+                <a:schemeClr val="accent1">
+                  <a:shade val="50000"/>
+                </a:schemeClr>
+              </a:lnRef>
+              <a:fillRef idx="1">
+                <a:schemeClr val="accent1"/>
+              </a:fillRef>
+              <a:effectRef idx="0">
+                <a:schemeClr val="accent1"/>
+              </a:effectRef>
+              <a:fontRef idx="minor">
+                <a:schemeClr val="lt1"/>
+              </a:fontRef>
+            </p:style>
+            <p:txBody>
+              <a:bodyPr rtlCol="0" anchor="ctr"/>
+              <a:lstStyle/>
+              <a:p>
+                <a:pPr algn="ctr"/>
+                <a:r>
+                  <a:rPr lang="en-US" altLang="zh-CN" sz="800" dirty="0">
+                    <a:solidFill>
+                      <a:schemeClr val="tx1"/>
+                    </a:solidFill>
+                  </a:rPr>
+                  <a:t>Django</a:t>
+                </a:r>
+                <a:endParaRPr lang="zh-CN" altLang="en-US" sz="800" dirty="0">
+                  <a:solidFill>
+                    <a:schemeClr val="tx1"/>
+                  </a:solidFill>
+                </a:endParaRPr>
+              </a:p>
+            </p:txBody>
+          </p:sp>
+          <p:sp>
+            <p:nvSpPr>
+              <p:cNvPr id="103" name="流程图: 过程 102">
+                <a:extLst>
+                  <a:ext uri="{FF2B5EF4-FFF2-40B4-BE49-F238E27FC236}">
+                    <a16:creationId xmlns:a16="http://schemas.microsoft.com/office/drawing/2014/main" id="{E6948266-011A-A424-251B-57968D06668E}"/>
+                  </a:ext>
+                </a:extLst>
+              </p:cNvPr>
+              <p:cNvSpPr/>
+              <p:nvPr/>
+            </p:nvSpPr>
+            <p:spPr>
+              <a:xfrm>
+                <a:off x="3169116" y="2430780"/>
+                <a:ext cx="157945" cy="59055"/>
+              </a:xfrm>
+              <a:prstGeom prst="flowChartProcess">
+                <a:avLst/>
+              </a:prstGeom>
+            </p:spPr>
+            <p:style>
+              <a:lnRef idx="2">
+                <a:schemeClr val="accent1">
+                  <a:shade val="50000"/>
+                </a:schemeClr>
+              </a:lnRef>
+              <a:fillRef idx="1">
+                <a:schemeClr val="accent1"/>
+              </a:fillRef>
+              <a:effectRef idx="0">
+                <a:schemeClr val="accent1"/>
+              </a:effectRef>
+              <a:fontRef idx="minor">
+                <a:schemeClr val="lt1"/>
+              </a:fontRef>
+            </p:style>
+            <p:txBody>
+              <a:bodyPr rtlCol="0" anchor="ctr"/>
+              <a:lstStyle/>
+              <a:p>
+                <a:pPr algn="ctr"/>
+                <a:endParaRPr lang="zh-CN" altLang="en-US"/>
+              </a:p>
+            </p:txBody>
+          </p:sp>
+          <p:sp>
+            <p:nvSpPr>
+              <p:cNvPr id="104" name="流程图: 过程 103">
+                <a:extLst>
+                  <a:ext uri="{FF2B5EF4-FFF2-40B4-BE49-F238E27FC236}">
+                    <a16:creationId xmlns:a16="http://schemas.microsoft.com/office/drawing/2014/main" id="{B6E4FB5A-3E84-2626-8539-C0724FF5BDBB}"/>
+                  </a:ext>
+                </a:extLst>
+              </p:cNvPr>
+              <p:cNvSpPr/>
+              <p:nvPr/>
+            </p:nvSpPr>
+            <p:spPr>
+              <a:xfrm>
+                <a:off x="3169116" y="2528214"/>
+                <a:ext cx="157945" cy="59055"/>
+              </a:xfrm>
+              <a:prstGeom prst="flowChartProcess">
+                <a:avLst/>
+              </a:prstGeom>
+            </p:spPr>
+            <p:style>
+              <a:lnRef idx="2">
+                <a:schemeClr val="accent1">
+                  <a:shade val="50000"/>
+                </a:schemeClr>
+              </a:lnRef>
+              <a:fillRef idx="1">
+                <a:schemeClr val="accent1"/>
+              </a:fillRef>
+              <a:effectRef idx="0">
+                <a:schemeClr val="accent1"/>
+              </a:effectRef>
+              <a:fontRef idx="minor">
+                <a:schemeClr val="lt1"/>
+              </a:fontRef>
+            </p:style>
+            <p:txBody>
+              <a:bodyPr rtlCol="0" anchor="ctr"/>
+              <a:lstStyle/>
+              <a:p>
+                <a:pPr algn="ctr"/>
+                <a:endParaRPr lang="zh-CN" altLang="en-US" dirty="0"/>
+              </a:p>
+            </p:txBody>
+          </p:sp>
+          <p:cxnSp>
+            <p:nvCxnSpPr>
+              <p:cNvPr id="105" name="连接符: 肘形 104">
+                <a:extLst>
+                  <a:ext uri="{FF2B5EF4-FFF2-40B4-BE49-F238E27FC236}">
+                    <a16:creationId xmlns:a16="http://schemas.microsoft.com/office/drawing/2014/main" id="{5010A699-7EF4-EF45-11F0-12AD888F7AE4}"/>
+                  </a:ext>
+                </a:extLst>
+              </p:cNvPr>
+              <p:cNvCxnSpPr>
+                <a:cxnSpLocks/>
+                <a:stCxn id="103" idx="1"/>
+                <a:endCxn id="81" idx="3"/>
+              </p:cNvCxnSpPr>
+              <p:nvPr/>
+            </p:nvCxnSpPr>
+            <p:spPr>
+              <a:xfrm rot="10800000">
+                <a:off x="2673284" y="2340798"/>
+                <a:ext cx="495832" cy="119511"/>
+              </a:xfrm>
+              <a:prstGeom prst="bentConnector3">
+                <a:avLst>
+                  <a:gd name="adj1" fmla="val 50000"/>
+                </a:avLst>
+              </a:prstGeom>
+              <a:ln>
+                <a:solidFill>
+                  <a:schemeClr val="tx1"/>
+                </a:solidFill>
+                <a:tailEnd type="triangle"/>
+              </a:ln>
+            </p:spPr>
+            <p:style>
+              <a:lnRef idx="1">
+                <a:schemeClr val="accent1"/>
+              </a:lnRef>
+              <a:fillRef idx="0">
+                <a:schemeClr val="accent1"/>
+              </a:fillRef>
+              <a:effectRef idx="0">
+                <a:schemeClr val="accent1"/>
+              </a:effectRef>
+              <a:fontRef idx="minor">
+                <a:schemeClr val="tx1"/>
+              </a:fontRef>
+            </p:style>
+          </p:cxnSp>
+          <p:sp>
+            <p:nvSpPr>
+              <p:cNvPr id="108" name="文本框 107">
+                <a:extLst>
+                  <a:ext uri="{FF2B5EF4-FFF2-40B4-BE49-F238E27FC236}">
+                    <a16:creationId xmlns:a16="http://schemas.microsoft.com/office/drawing/2014/main" id="{1D7DE782-4BE1-63A9-DC9D-6A388844A143}"/>
+                  </a:ext>
+                </a:extLst>
+              </p:cNvPr>
+              <p:cNvSpPr txBox="1"/>
+              <p:nvPr/>
+            </p:nvSpPr>
+            <p:spPr>
+              <a:xfrm>
+                <a:off x="2893735" y="2287187"/>
+                <a:ext cx="500586" cy="200055"/>
+              </a:xfrm>
+              <a:prstGeom prst="rect">
+                <a:avLst/>
+              </a:prstGeom>
+              <a:noFill/>
+            </p:spPr>
+            <p:txBody>
+              <a:bodyPr wrap="square" rtlCol="0">
+                <a:spAutoFit/>
+              </a:bodyPr>
+              <a:lstStyle/>
+              <a:p>
+                <a:r>
+                  <a:rPr lang="en-US" altLang="zh-CN" sz="700" dirty="0"/>
+                  <a:t>ORM</a:t>
+                </a:r>
+                <a:endParaRPr lang="zh-CN" altLang="en-US" sz="700" dirty="0"/>
+              </a:p>
+            </p:txBody>
+          </p:sp>
+          <p:sp>
+            <p:nvSpPr>
+              <p:cNvPr id="110" name="文本框 109">
+                <a:extLst>
+                  <a:ext uri="{FF2B5EF4-FFF2-40B4-BE49-F238E27FC236}">
+                    <a16:creationId xmlns:a16="http://schemas.microsoft.com/office/drawing/2014/main" id="{383F4015-9769-3774-6B3B-5C6242BB7512}"/>
+                  </a:ext>
+                </a:extLst>
+              </p:cNvPr>
+              <p:cNvSpPr txBox="1"/>
+              <p:nvPr/>
+            </p:nvSpPr>
+            <p:spPr>
+              <a:xfrm>
+                <a:off x="3740778" y="1694945"/>
+                <a:ext cx="1209674" cy="230832"/>
+              </a:xfrm>
+              <a:prstGeom prst="rect">
+                <a:avLst/>
+              </a:prstGeom>
+              <a:noFill/>
+            </p:spPr>
+            <p:txBody>
+              <a:bodyPr wrap="square">
+                <a:spAutoFit/>
+              </a:bodyPr>
+              <a:lstStyle/>
+              <a:p>
+                <a:r>
+                  <a:rPr lang="en-US" altLang="zh-CN" sz="900" dirty="0">
+                    <a:solidFill>
+                      <a:srgbClr val="FF0000"/>
+                    </a:solidFill>
+                    <a:latin typeface="Times New Roman" panose="02020603050405020304" pitchFamily="18" charset="0"/>
+                    <a:cs typeface="Times New Roman" panose="02020603050405020304" pitchFamily="18" charset="0"/>
+                  </a:rPr>
+                  <a:t>PRC(</a:t>
+                </a:r>
+                <a:r>
+                  <a:rPr lang="en-US" altLang="zh-CN" sz="900" dirty="0" err="1">
+                    <a:solidFill>
+                      <a:srgbClr val="FF0000"/>
+                    </a:solidFill>
+                  </a:rPr>
+                  <a:t>xmlrpclib</a:t>
+                </a:r>
+                <a:r>
+                  <a:rPr lang="en-US" altLang="zh-CN" sz="900" dirty="0">
+                    <a:solidFill>
+                      <a:srgbClr val="FF0000"/>
+                    </a:solidFill>
+                  </a:rPr>
+                  <a:t>)</a:t>
+                </a:r>
+                <a:endParaRPr lang="zh-CN" altLang="en-US" sz="900" dirty="0">
+                  <a:solidFill>
+                    <a:srgbClr val="FF0000"/>
+                  </a:solidFill>
+                  <a:latin typeface="Times New Roman" panose="02020603050405020304" pitchFamily="18" charset="0"/>
+                  <a:cs typeface="Times New Roman" panose="02020603050405020304" pitchFamily="18" charset="0"/>
+                </a:endParaRPr>
+              </a:p>
+            </p:txBody>
+          </p:sp>
+          <p:sp>
+            <p:nvSpPr>
+              <p:cNvPr id="111" name="矩形 110">
+                <a:extLst>
+                  <a:ext uri="{FF2B5EF4-FFF2-40B4-BE49-F238E27FC236}">
+                    <a16:creationId xmlns:a16="http://schemas.microsoft.com/office/drawing/2014/main" id="{91C46F91-C16D-C6A5-8F6E-FF0E9F78F698}"/>
+                  </a:ext>
+                </a:extLst>
+              </p:cNvPr>
+              <p:cNvSpPr/>
+              <p:nvPr/>
+            </p:nvSpPr>
+            <p:spPr>
+              <a:xfrm>
+                <a:off x="3252429" y="2840795"/>
+                <a:ext cx="640566" cy="210372"/>
+              </a:xfrm>
+              <a:prstGeom prst="rect">
+                <a:avLst/>
+              </a:prstGeom>
+              <a:noFill/>
+              <a:ln>
+                <a:solidFill>
+                  <a:schemeClr val="tx1"/>
+                </a:solidFill>
+              </a:ln>
+            </p:spPr>
+            <p:style>
+              <a:lnRef idx="2">
+                <a:schemeClr val="accent1">
+                  <a:shade val="50000"/>
+                </a:schemeClr>
+              </a:lnRef>
+              <a:fillRef idx="1">
+                <a:schemeClr val="accent1"/>
+              </a:fillRef>
+              <a:effectRef idx="0">
+                <a:schemeClr val="accent1"/>
+              </a:effectRef>
+              <a:fontRef idx="minor">
+                <a:schemeClr val="lt1"/>
+              </a:fontRef>
+            </p:style>
+            <p:txBody>
+              <a:bodyPr rtlCol="0" anchor="ctr"/>
+              <a:lstStyle/>
+              <a:p>
+                <a:pPr algn="ctr"/>
+                <a:r>
+                  <a:rPr lang="en-US" altLang="zh-CN" sz="800" dirty="0" err="1">
+                    <a:solidFill>
+                      <a:schemeClr val="tx1"/>
+                    </a:solidFill>
+                  </a:rPr>
+                  <a:t>uwsgi</a:t>
+                </a:r>
+                <a:endParaRPr lang="zh-CN" altLang="en-US" sz="800" dirty="0">
+                  <a:solidFill>
+                    <a:schemeClr val="tx1"/>
+                  </a:solidFill>
+                </a:endParaRPr>
+              </a:p>
+            </p:txBody>
+          </p:sp>
+          <p:sp>
+            <p:nvSpPr>
+              <p:cNvPr id="112" name="流程图: 过程 111">
+                <a:extLst>
+                  <a:ext uri="{FF2B5EF4-FFF2-40B4-BE49-F238E27FC236}">
+                    <a16:creationId xmlns:a16="http://schemas.microsoft.com/office/drawing/2014/main" id="{874FBF7B-6A82-1654-17A4-8AD5CD0974D6}"/>
+                  </a:ext>
+                </a:extLst>
+              </p:cNvPr>
+              <p:cNvSpPr/>
+              <p:nvPr/>
+            </p:nvSpPr>
+            <p:spPr>
+              <a:xfrm>
+                <a:off x="3169116" y="2863661"/>
+                <a:ext cx="157945" cy="59055"/>
+              </a:xfrm>
+              <a:prstGeom prst="flowChartProcess">
+                <a:avLst/>
+              </a:prstGeom>
+            </p:spPr>
+            <p:style>
+              <a:lnRef idx="2">
+                <a:schemeClr val="accent1">
+                  <a:shade val="50000"/>
+                </a:schemeClr>
+              </a:lnRef>
+              <a:fillRef idx="1">
+                <a:schemeClr val="accent1"/>
+              </a:fillRef>
+              <a:effectRef idx="0">
+                <a:schemeClr val="accent1"/>
+              </a:effectRef>
+              <a:fontRef idx="minor">
+                <a:schemeClr val="lt1"/>
+              </a:fontRef>
+            </p:style>
+            <p:txBody>
+              <a:bodyPr rtlCol="0" anchor="ctr"/>
+              <a:lstStyle/>
+              <a:p>
+                <a:pPr algn="ctr"/>
+                <a:endParaRPr lang="zh-CN" altLang="en-US"/>
+              </a:p>
+            </p:txBody>
+          </p:sp>
+          <p:sp>
+            <p:nvSpPr>
+              <p:cNvPr id="113" name="流程图: 过程 112">
+                <a:extLst>
+                  <a:ext uri="{FF2B5EF4-FFF2-40B4-BE49-F238E27FC236}">
+                    <a16:creationId xmlns:a16="http://schemas.microsoft.com/office/drawing/2014/main" id="{A1618507-3C58-15D2-2A5B-6FB0C7177282}"/>
+                  </a:ext>
+                </a:extLst>
+              </p:cNvPr>
+              <p:cNvSpPr/>
+              <p:nvPr/>
+            </p:nvSpPr>
+            <p:spPr>
+              <a:xfrm>
+                <a:off x="3169116" y="2961095"/>
+                <a:ext cx="157945" cy="59055"/>
+              </a:xfrm>
+              <a:prstGeom prst="flowChartProcess">
+                <a:avLst/>
+              </a:prstGeom>
+            </p:spPr>
+            <p:style>
+              <a:lnRef idx="2">
+                <a:schemeClr val="accent1">
+                  <a:shade val="50000"/>
+                </a:schemeClr>
+              </a:lnRef>
+              <a:fillRef idx="1">
+                <a:schemeClr val="accent1"/>
+              </a:fillRef>
+              <a:effectRef idx="0">
+                <a:schemeClr val="accent1"/>
+              </a:effectRef>
+              <a:fontRef idx="minor">
+                <a:schemeClr val="lt1"/>
+              </a:fontRef>
+            </p:style>
+            <p:txBody>
+              <a:bodyPr rtlCol="0" anchor="ctr"/>
+              <a:lstStyle/>
+              <a:p>
+                <a:pPr algn="ctr"/>
+                <a:endParaRPr lang="zh-CN" altLang="en-US"/>
+              </a:p>
+            </p:txBody>
+          </p:sp>
+          <p:cxnSp>
+            <p:nvCxnSpPr>
+              <p:cNvPr id="114" name="连接符: 肘形 113">
+                <a:extLst>
+                  <a:ext uri="{FF2B5EF4-FFF2-40B4-BE49-F238E27FC236}">
+                    <a16:creationId xmlns:a16="http://schemas.microsoft.com/office/drawing/2014/main" id="{F14F6904-74DD-BE7A-8A66-81980F494D6E}"/>
+                  </a:ext>
+                </a:extLst>
+              </p:cNvPr>
+              <p:cNvCxnSpPr>
+                <a:cxnSpLocks/>
+                <a:stCxn id="111" idx="0"/>
+                <a:endCxn id="82" idx="2"/>
+              </p:cNvCxnSpPr>
+              <p:nvPr/>
+            </p:nvCxnSpPr>
+            <p:spPr>
+              <a:xfrm rot="5400000" flipH="1" flipV="1">
+                <a:off x="3461458" y="2729541"/>
+                <a:ext cx="222509" cy="12700"/>
+              </a:xfrm>
+              <a:prstGeom prst="bentConnector3">
+                <a:avLst>
+                  <a:gd name="adj1" fmla="val 50000"/>
+                </a:avLst>
+              </a:prstGeom>
+              <a:ln>
+                <a:solidFill>
+                  <a:schemeClr val="tx1"/>
+                </a:solidFill>
+                <a:tailEnd type="triangle"/>
+              </a:ln>
+            </p:spPr>
+            <p:style>
+              <a:lnRef idx="1">
+                <a:schemeClr val="accent1"/>
+              </a:lnRef>
+              <a:fillRef idx="0">
+                <a:schemeClr val="accent1"/>
+              </a:fillRef>
+              <a:effectRef idx="0">
+                <a:schemeClr val="accent1"/>
+              </a:effectRef>
+              <a:fontRef idx="minor">
+                <a:schemeClr val="tx1"/>
+              </a:fontRef>
+            </p:style>
+          </p:cxnSp>
+          <p:sp>
+            <p:nvSpPr>
+              <p:cNvPr id="130" name="立方体 129">
+                <a:extLst>
+                  <a:ext uri="{FF2B5EF4-FFF2-40B4-BE49-F238E27FC236}">
+                    <a16:creationId xmlns:a16="http://schemas.microsoft.com/office/drawing/2014/main" id="{0B9F05F3-3854-ADB3-C71C-0B92CF02C72B}"/>
+                  </a:ext>
+                </a:extLst>
+              </p:cNvPr>
+              <p:cNvSpPr/>
+              <p:nvPr/>
+            </p:nvSpPr>
+            <p:spPr>
+              <a:xfrm>
+                <a:off x="521880" y="3999055"/>
+                <a:ext cx="2001517" cy="1482884"/>
+              </a:xfrm>
+              <a:prstGeom prst="cube">
+                <a:avLst>
+                  <a:gd name="adj" fmla="val 8670"/>
+                </a:avLst>
+              </a:prstGeom>
+              <a:noFill/>
+              <a:ln>
+                <a:solidFill>
+                  <a:schemeClr val="tx1"/>
+                </a:solidFill>
+              </a:ln>
+              <a:scene3d>
+                <a:camera prst="orthographicFront"/>
+                <a:lightRig rig="brightRoom" dir="t"/>
+              </a:scene3d>
+              <a:sp3d prstMaterial="matte"/>
+            </p:spPr>
+            <p:style>
+              <a:lnRef idx="2">
+                <a:schemeClr val="accent1">
+                  <a:shade val="50000"/>
+                </a:schemeClr>
+              </a:lnRef>
+              <a:fillRef idx="1">
+                <a:schemeClr val="accent1"/>
+              </a:fillRef>
+              <a:effectRef idx="0">
+                <a:schemeClr val="accent1"/>
+              </a:effectRef>
+              <a:fontRef idx="minor">
+                <a:schemeClr val="lt1"/>
+              </a:fontRef>
+            </p:style>
+            <p:txBody>
+              <a:bodyPr rtlCol="0" anchor="ctr"/>
+              <a:lstStyle/>
+              <a:p>
+                <a:pPr algn="ctr"/>
+                <a:endParaRPr lang="en-US" altLang="zh-CN" sz="800" dirty="0">
+                  <a:solidFill>
+                    <a:schemeClr val="tx1"/>
+                  </a:solidFill>
+                </a:endParaRPr>
+              </a:p>
+              <a:p>
+                <a:pPr algn="ctr"/>
+                <a:endParaRPr lang="en-US" altLang="zh-CN" sz="800" dirty="0">
+                  <a:solidFill>
+                    <a:schemeClr val="tx1"/>
+                  </a:solidFill>
+                </a:endParaRPr>
+              </a:p>
+              <a:p>
+                <a:pPr algn="ctr"/>
+                <a:endParaRPr lang="en-US" altLang="zh-CN" sz="800" dirty="0">
+                  <a:solidFill>
+                    <a:schemeClr val="tx1"/>
+                  </a:solidFill>
+                </a:endParaRPr>
+              </a:p>
+              <a:p>
+                <a:pPr algn="ctr"/>
+                <a:endParaRPr lang="en-US" altLang="zh-CN" sz="800" dirty="0">
+                  <a:solidFill>
+                    <a:schemeClr val="tx1"/>
+                  </a:solidFill>
+                </a:endParaRPr>
+              </a:p>
+              <a:p>
+                <a:pPr algn="ctr"/>
+                <a:endParaRPr lang="en-US" altLang="zh-CN" sz="1600" dirty="0">
+                  <a:solidFill>
+                    <a:schemeClr val="tx1"/>
+                  </a:solidFill>
+                </a:endParaRPr>
+              </a:p>
+              <a:p>
+                <a:pPr algn="ctr"/>
+                <a:endParaRPr lang="en-US" altLang="zh-CN" sz="1600" dirty="0">
+                  <a:solidFill>
+                    <a:schemeClr val="tx1"/>
+                  </a:solidFill>
+                </a:endParaRPr>
+              </a:p>
+              <a:p>
+                <a:pPr algn="ctr"/>
+                <a:r>
+                  <a:rPr lang="en-US" altLang="zh-CN" sz="1600" dirty="0">
+                    <a:solidFill>
+                      <a:schemeClr val="tx1"/>
+                    </a:solidFill>
+                  </a:rPr>
+                  <a:t> </a:t>
+                </a:r>
+                <a:endParaRPr lang="zh-CN" altLang="en-US" sz="1600" dirty="0">
+                  <a:solidFill>
+                    <a:schemeClr val="tx1"/>
+                  </a:solidFill>
+                </a:endParaRPr>
+              </a:p>
+            </p:txBody>
+          </p:sp>
+          <p:sp>
+            <p:nvSpPr>
+              <p:cNvPr id="133" name="矩形 132">
+                <a:extLst>
+                  <a:ext uri="{FF2B5EF4-FFF2-40B4-BE49-F238E27FC236}">
+                    <a16:creationId xmlns:a16="http://schemas.microsoft.com/office/drawing/2014/main" id="{6F4A5997-3973-7EBD-953E-79719634186F}"/>
+                  </a:ext>
+                </a:extLst>
+              </p:cNvPr>
+              <p:cNvSpPr/>
+              <p:nvPr/>
+            </p:nvSpPr>
+            <p:spPr>
+              <a:xfrm>
+                <a:off x="1481261" y="5123998"/>
+                <a:ext cx="640566" cy="210372"/>
+              </a:xfrm>
+              <a:prstGeom prst="rect">
+                <a:avLst/>
+              </a:prstGeom>
+              <a:noFill/>
+              <a:ln>
+                <a:solidFill>
+                  <a:schemeClr val="tx1"/>
+                </a:solidFill>
+              </a:ln>
+            </p:spPr>
+            <p:style>
+              <a:lnRef idx="2">
+                <a:schemeClr val="accent1">
+                  <a:shade val="50000"/>
+                </a:schemeClr>
+              </a:lnRef>
+              <a:fillRef idx="1">
+                <a:schemeClr val="accent1"/>
+              </a:fillRef>
+              <a:effectRef idx="0">
+                <a:schemeClr val="accent1"/>
+              </a:effectRef>
+              <a:fontRef idx="minor">
+                <a:schemeClr val="lt1"/>
+              </a:fontRef>
+            </p:style>
+            <p:txBody>
+              <a:bodyPr rtlCol="0" anchor="ctr"/>
+              <a:lstStyle/>
+              <a:p>
+                <a:pPr algn="ctr"/>
+                <a:r>
+                  <a:rPr lang="en-US" altLang="zh-CN" sz="800" dirty="0">
+                    <a:solidFill>
+                      <a:schemeClr val="tx1"/>
+                    </a:solidFill>
+                  </a:rPr>
+                  <a:t>nginx</a:t>
+                </a:r>
+                <a:endParaRPr lang="zh-CN" altLang="en-US" sz="800" dirty="0">
+                  <a:solidFill>
+                    <a:schemeClr val="tx1"/>
+                  </a:solidFill>
+                </a:endParaRPr>
+              </a:p>
+            </p:txBody>
+          </p:sp>
+          <p:sp>
+            <p:nvSpPr>
+              <p:cNvPr id="134" name="流程图: 过程 133">
+                <a:extLst>
+                  <a:ext uri="{FF2B5EF4-FFF2-40B4-BE49-F238E27FC236}">
+                    <a16:creationId xmlns:a16="http://schemas.microsoft.com/office/drawing/2014/main" id="{66BC655D-D534-0CD5-3ED4-DDE7FF39D3F8}"/>
+                  </a:ext>
+                </a:extLst>
+              </p:cNvPr>
+              <p:cNvSpPr/>
+              <p:nvPr/>
+            </p:nvSpPr>
+            <p:spPr>
+              <a:xfrm>
+                <a:off x="1397948" y="5146864"/>
+                <a:ext cx="157945" cy="59055"/>
+              </a:xfrm>
+              <a:prstGeom prst="flowChartProcess">
+                <a:avLst/>
+              </a:prstGeom>
+            </p:spPr>
+            <p:style>
+              <a:lnRef idx="2">
+                <a:schemeClr val="accent1">
+                  <a:shade val="50000"/>
+                </a:schemeClr>
+              </a:lnRef>
+              <a:fillRef idx="1">
+                <a:schemeClr val="accent1"/>
+              </a:fillRef>
+              <a:effectRef idx="0">
+                <a:schemeClr val="accent1"/>
+              </a:effectRef>
+              <a:fontRef idx="minor">
+                <a:schemeClr val="lt1"/>
+              </a:fontRef>
+            </p:style>
+            <p:txBody>
+              <a:bodyPr rtlCol="0" anchor="ctr"/>
+              <a:lstStyle/>
+              <a:p>
+                <a:pPr algn="ctr"/>
+                <a:endParaRPr lang="zh-CN" altLang="en-US"/>
+              </a:p>
+            </p:txBody>
+          </p:sp>
+          <p:sp>
+            <p:nvSpPr>
+              <p:cNvPr id="135" name="流程图: 过程 134">
+                <a:extLst>
+                  <a:ext uri="{FF2B5EF4-FFF2-40B4-BE49-F238E27FC236}">
+                    <a16:creationId xmlns:a16="http://schemas.microsoft.com/office/drawing/2014/main" id="{D4A03720-477D-2A2C-451B-0EE91544861A}"/>
+                  </a:ext>
+                </a:extLst>
+              </p:cNvPr>
+              <p:cNvSpPr/>
+              <p:nvPr/>
+            </p:nvSpPr>
+            <p:spPr>
+              <a:xfrm>
+                <a:off x="1397948" y="5244298"/>
+                <a:ext cx="157945" cy="59055"/>
+              </a:xfrm>
+              <a:prstGeom prst="flowChartProcess">
+                <a:avLst/>
+              </a:prstGeom>
+            </p:spPr>
+            <p:style>
+              <a:lnRef idx="2">
+                <a:schemeClr val="accent1">
+                  <a:shade val="50000"/>
+                </a:schemeClr>
+              </a:lnRef>
+              <a:fillRef idx="1">
+                <a:schemeClr val="accent1"/>
+              </a:fillRef>
+              <a:effectRef idx="0">
+                <a:schemeClr val="accent1"/>
+              </a:effectRef>
+              <a:fontRef idx="minor">
+                <a:schemeClr val="lt1"/>
+              </a:fontRef>
+            </p:style>
+            <p:txBody>
+              <a:bodyPr rtlCol="0" anchor="ctr"/>
+              <a:lstStyle/>
+              <a:p>
+                <a:pPr algn="ctr"/>
+                <a:endParaRPr lang="zh-CN" altLang="en-US"/>
+              </a:p>
+            </p:txBody>
+          </p:sp>
+          <p:sp>
+            <p:nvSpPr>
+              <p:cNvPr id="138" name="矩形 137">
+                <a:extLst>
+                  <a:ext uri="{FF2B5EF4-FFF2-40B4-BE49-F238E27FC236}">
+                    <a16:creationId xmlns:a16="http://schemas.microsoft.com/office/drawing/2014/main" id="{2FBF5893-69AD-7CE2-E963-4C407AF88600}"/>
+                  </a:ext>
+                </a:extLst>
+              </p:cNvPr>
+              <p:cNvSpPr/>
+              <p:nvPr/>
+            </p:nvSpPr>
+            <p:spPr>
+              <a:xfrm>
+                <a:off x="1481261" y="4689198"/>
+                <a:ext cx="640566" cy="210372"/>
+              </a:xfrm>
+              <a:prstGeom prst="rect">
+                <a:avLst/>
+              </a:prstGeom>
+              <a:noFill/>
+              <a:ln>
+                <a:solidFill>
+                  <a:schemeClr val="tx1"/>
+                </a:solidFill>
+              </a:ln>
+            </p:spPr>
+            <p:style>
+              <a:lnRef idx="2">
+                <a:schemeClr val="accent1">
+                  <a:shade val="50000"/>
+                </a:schemeClr>
+              </a:lnRef>
+              <a:fillRef idx="1">
+                <a:schemeClr val="accent1"/>
+              </a:fillRef>
+              <a:effectRef idx="0">
+                <a:schemeClr val="accent1"/>
+              </a:effectRef>
+              <a:fontRef idx="minor">
+                <a:schemeClr val="lt1"/>
+              </a:fontRef>
+            </p:style>
+            <p:txBody>
+              <a:bodyPr rtlCol="0" anchor="ctr"/>
+              <a:lstStyle/>
+              <a:p>
+                <a:pPr algn="ctr"/>
+                <a:r>
+                  <a:rPr lang="en-US" altLang="zh-CN" sz="800" dirty="0">
+                    <a:solidFill>
+                      <a:schemeClr val="tx1"/>
+                    </a:solidFill>
+                  </a:rPr>
+                  <a:t>React</a:t>
+                </a:r>
+                <a:endParaRPr lang="zh-CN" altLang="en-US" sz="800" dirty="0">
+                  <a:solidFill>
+                    <a:schemeClr val="tx1"/>
+                  </a:solidFill>
+                </a:endParaRPr>
+              </a:p>
+            </p:txBody>
+          </p:sp>
+          <p:sp>
+            <p:nvSpPr>
+              <p:cNvPr id="139" name="流程图: 过程 138">
+                <a:extLst>
+                  <a:ext uri="{FF2B5EF4-FFF2-40B4-BE49-F238E27FC236}">
+                    <a16:creationId xmlns:a16="http://schemas.microsoft.com/office/drawing/2014/main" id="{67A538BB-95CE-A20A-0F20-FE49BFE222F2}"/>
+                  </a:ext>
+                </a:extLst>
+              </p:cNvPr>
+              <p:cNvSpPr/>
+              <p:nvPr/>
+            </p:nvSpPr>
+            <p:spPr>
+              <a:xfrm>
+                <a:off x="1397948" y="4712064"/>
+                <a:ext cx="157945" cy="59055"/>
+              </a:xfrm>
+              <a:prstGeom prst="flowChartProcess">
+                <a:avLst/>
+              </a:prstGeom>
+            </p:spPr>
+            <p:style>
+              <a:lnRef idx="2">
+                <a:schemeClr val="accent1">
+                  <a:shade val="50000"/>
+                </a:schemeClr>
+              </a:lnRef>
+              <a:fillRef idx="1">
+                <a:schemeClr val="accent1"/>
+              </a:fillRef>
+              <a:effectRef idx="0">
+                <a:schemeClr val="accent1"/>
+              </a:effectRef>
+              <a:fontRef idx="minor">
+                <a:schemeClr val="lt1"/>
+              </a:fontRef>
+            </p:style>
+            <p:txBody>
+              <a:bodyPr rtlCol="0" anchor="ctr"/>
+              <a:lstStyle/>
+              <a:p>
+                <a:pPr algn="ctr"/>
+                <a:endParaRPr lang="zh-CN" altLang="en-US"/>
+              </a:p>
+            </p:txBody>
+          </p:sp>
+          <p:sp>
+            <p:nvSpPr>
+              <p:cNvPr id="140" name="流程图: 过程 139">
+                <a:extLst>
+                  <a:ext uri="{FF2B5EF4-FFF2-40B4-BE49-F238E27FC236}">
+                    <a16:creationId xmlns:a16="http://schemas.microsoft.com/office/drawing/2014/main" id="{851F9A57-8F4F-5663-6979-71D20FFCEE91}"/>
+                  </a:ext>
+                </a:extLst>
+              </p:cNvPr>
+              <p:cNvSpPr/>
+              <p:nvPr/>
+            </p:nvSpPr>
+            <p:spPr>
+              <a:xfrm>
+                <a:off x="1397948" y="4809498"/>
+                <a:ext cx="157945" cy="59055"/>
+              </a:xfrm>
+              <a:prstGeom prst="flowChartProcess">
+                <a:avLst/>
+              </a:prstGeom>
+            </p:spPr>
+            <p:style>
+              <a:lnRef idx="2">
+                <a:schemeClr val="accent1">
+                  <a:shade val="50000"/>
+                </a:schemeClr>
+              </a:lnRef>
+              <a:fillRef idx="1">
+                <a:schemeClr val="accent1"/>
+              </a:fillRef>
+              <a:effectRef idx="0">
+                <a:schemeClr val="accent1"/>
+              </a:effectRef>
+              <a:fontRef idx="minor">
+                <a:schemeClr val="lt1"/>
+              </a:fontRef>
+            </p:style>
+            <p:txBody>
+              <a:bodyPr rtlCol="0" anchor="ctr"/>
+              <a:lstStyle/>
+              <a:p>
+                <a:pPr algn="ctr"/>
+                <a:endParaRPr lang="zh-CN" altLang="en-US"/>
+              </a:p>
+            </p:txBody>
+          </p:sp>
+          <p:sp>
+            <p:nvSpPr>
+              <p:cNvPr id="146" name="文本框 145">
+                <a:extLst>
+                  <a:ext uri="{FF2B5EF4-FFF2-40B4-BE49-F238E27FC236}">
+                    <a16:creationId xmlns:a16="http://schemas.microsoft.com/office/drawing/2014/main" id="{C2AF6BDE-EBEB-A6CC-6191-183BB74BB307}"/>
+                  </a:ext>
+                </a:extLst>
+              </p:cNvPr>
+              <p:cNvSpPr txBox="1"/>
+              <p:nvPr/>
+            </p:nvSpPr>
+            <p:spPr>
+              <a:xfrm>
+                <a:off x="30108" y="4407006"/>
+                <a:ext cx="541392" cy="415498"/>
+              </a:xfrm>
+              <a:prstGeom prst="rect">
+                <a:avLst/>
+              </a:prstGeom>
+              <a:noFill/>
+            </p:spPr>
+            <p:txBody>
+              <a:bodyPr wrap="square" rtlCol="0">
+                <a:spAutoFit/>
+              </a:bodyPr>
+              <a:lstStyle/>
+              <a:p>
+                <a:r>
+                  <a:rPr lang="en-US" altLang="zh-CN" sz="700" dirty="0"/>
+                  <a:t>Front-end </a:t>
+                </a:r>
+              </a:p>
+              <a:p>
+                <a:r>
+                  <a:rPr lang="en-US" altLang="zh-CN" sz="700" dirty="0"/>
+                  <a:t>Server</a:t>
+                </a:r>
+                <a:endParaRPr lang="zh-CN" altLang="en-US" sz="700" dirty="0"/>
+              </a:p>
+            </p:txBody>
+          </p:sp>
+          <p:sp>
+            <p:nvSpPr>
+              <p:cNvPr id="147" name="矩形 146">
+                <a:extLst>
+                  <a:ext uri="{FF2B5EF4-FFF2-40B4-BE49-F238E27FC236}">
+                    <a16:creationId xmlns:a16="http://schemas.microsoft.com/office/drawing/2014/main" id="{5E69D830-EF29-856C-C143-D5F8046526B4}"/>
+                  </a:ext>
+                </a:extLst>
+              </p:cNvPr>
+              <p:cNvSpPr/>
+              <p:nvPr/>
+            </p:nvSpPr>
+            <p:spPr>
+              <a:xfrm>
+                <a:off x="1473386" y="4327683"/>
+                <a:ext cx="640566" cy="210372"/>
+              </a:xfrm>
+              <a:prstGeom prst="rect">
+                <a:avLst/>
+              </a:prstGeom>
+              <a:noFill/>
+              <a:ln>
+                <a:solidFill>
+                  <a:schemeClr val="tx1"/>
+                </a:solidFill>
+              </a:ln>
+            </p:spPr>
+            <p:style>
+              <a:lnRef idx="2">
+                <a:schemeClr val="accent1">
+                  <a:shade val="50000"/>
+                </a:schemeClr>
+              </a:lnRef>
+              <a:fillRef idx="1">
+                <a:schemeClr val="accent1"/>
+              </a:fillRef>
+              <a:effectRef idx="0">
+                <a:schemeClr val="accent1"/>
+              </a:effectRef>
+              <a:fontRef idx="minor">
+                <a:schemeClr val="lt1"/>
+              </a:fontRef>
+            </p:style>
+            <p:txBody>
+              <a:bodyPr rtlCol="0" anchor="ctr"/>
+              <a:lstStyle/>
+              <a:p>
+                <a:pPr algn="ctr"/>
+                <a:r>
+                  <a:rPr lang="en-US" altLang="zh-CN" sz="800" dirty="0" err="1">
+                    <a:solidFill>
+                      <a:schemeClr val="tx1"/>
+                    </a:solidFill>
+                  </a:rPr>
+                  <a:t>Axios</a:t>
+                </a:r>
+                <a:endParaRPr lang="zh-CN" altLang="en-US" sz="800" dirty="0">
+                  <a:solidFill>
+                    <a:schemeClr val="tx1"/>
+                  </a:solidFill>
+                </a:endParaRPr>
+              </a:p>
+            </p:txBody>
+          </p:sp>
+          <p:sp>
+            <p:nvSpPr>
+              <p:cNvPr id="148" name="流程图: 过程 147">
+                <a:extLst>
+                  <a:ext uri="{FF2B5EF4-FFF2-40B4-BE49-F238E27FC236}">
+                    <a16:creationId xmlns:a16="http://schemas.microsoft.com/office/drawing/2014/main" id="{6D11F297-9D2A-C5B0-9F58-E0F99E83AA0C}"/>
+                  </a:ext>
+                </a:extLst>
+              </p:cNvPr>
+              <p:cNvSpPr/>
+              <p:nvPr/>
+            </p:nvSpPr>
+            <p:spPr>
+              <a:xfrm>
+                <a:off x="1390073" y="4350549"/>
+                <a:ext cx="157945" cy="59055"/>
+              </a:xfrm>
+              <a:prstGeom prst="flowChartProcess">
+                <a:avLst/>
+              </a:prstGeom>
+            </p:spPr>
+            <p:style>
+              <a:lnRef idx="2">
+                <a:schemeClr val="accent1">
+                  <a:shade val="50000"/>
+                </a:schemeClr>
+              </a:lnRef>
+              <a:fillRef idx="1">
+                <a:schemeClr val="accent1"/>
+              </a:fillRef>
+              <a:effectRef idx="0">
+                <a:schemeClr val="accent1"/>
+              </a:effectRef>
+              <a:fontRef idx="minor">
+                <a:schemeClr val="lt1"/>
+              </a:fontRef>
+            </p:style>
+            <p:txBody>
+              <a:bodyPr rtlCol="0" anchor="ctr"/>
+              <a:lstStyle/>
+              <a:p>
+                <a:pPr algn="ctr"/>
+                <a:endParaRPr lang="zh-CN" altLang="en-US"/>
+              </a:p>
+            </p:txBody>
+          </p:sp>
+          <p:sp>
+            <p:nvSpPr>
+              <p:cNvPr id="149" name="流程图: 过程 148">
+                <a:extLst>
+                  <a:ext uri="{FF2B5EF4-FFF2-40B4-BE49-F238E27FC236}">
+                    <a16:creationId xmlns:a16="http://schemas.microsoft.com/office/drawing/2014/main" id="{FF9DA771-1C1E-5712-FFA1-FC25A63D0F67}"/>
+                  </a:ext>
+                </a:extLst>
+              </p:cNvPr>
+              <p:cNvSpPr/>
+              <p:nvPr/>
+            </p:nvSpPr>
+            <p:spPr>
+              <a:xfrm>
+                <a:off x="1390073" y="4447983"/>
+                <a:ext cx="157945" cy="59055"/>
+              </a:xfrm>
+              <a:prstGeom prst="flowChartProcess">
+                <a:avLst/>
+              </a:prstGeom>
+            </p:spPr>
+            <p:style>
+              <a:lnRef idx="2">
+                <a:schemeClr val="accent1">
+                  <a:shade val="50000"/>
+                </a:schemeClr>
+              </a:lnRef>
+              <a:fillRef idx="1">
+                <a:schemeClr val="accent1"/>
+              </a:fillRef>
+              <a:effectRef idx="0">
+                <a:schemeClr val="accent1"/>
+              </a:effectRef>
+              <a:fontRef idx="minor">
+                <a:schemeClr val="lt1"/>
+              </a:fontRef>
+            </p:style>
+            <p:txBody>
+              <a:bodyPr rtlCol="0" anchor="ctr"/>
+              <a:lstStyle/>
+              <a:p>
+                <a:pPr algn="ctr"/>
+                <a:endParaRPr lang="zh-CN" altLang="en-US"/>
+              </a:p>
+            </p:txBody>
+          </p:sp>
+          <p:sp>
+            <p:nvSpPr>
+              <p:cNvPr id="150" name="标注: 左箭头 149">
+                <a:extLst>
+                  <a:ext uri="{FF2B5EF4-FFF2-40B4-BE49-F238E27FC236}">
+                    <a16:creationId xmlns:a16="http://schemas.microsoft.com/office/drawing/2014/main" id="{86D42317-4AFA-D4B2-88A9-35412D382105}"/>
+                  </a:ext>
+                </a:extLst>
+              </p:cNvPr>
+              <p:cNvSpPr/>
+              <p:nvPr/>
+            </p:nvSpPr>
+            <p:spPr>
+              <a:xfrm>
+                <a:off x="2195581" y="4160580"/>
+                <a:ext cx="1255186" cy="1260459"/>
+              </a:xfrm>
+              <a:prstGeom prst="leftArrowCallout">
+                <a:avLst>
+                  <a:gd name="adj1" fmla="val 8439"/>
+                  <a:gd name="adj2" fmla="val 8690"/>
+                  <a:gd name="adj3" fmla="val 17715"/>
+                  <a:gd name="adj4" fmla="val 64977"/>
+                </a:avLst>
+              </a:prstGeom>
+              <a:noFill/>
+            </p:spPr>
+            <p:style>
+              <a:lnRef idx="2">
+                <a:schemeClr val="accent1">
+                  <a:shade val="50000"/>
+                </a:schemeClr>
+              </a:lnRef>
+              <a:fillRef idx="1">
+                <a:schemeClr val="accent1"/>
+              </a:fillRef>
+              <a:effectRef idx="0">
+                <a:schemeClr val="accent1"/>
+              </a:effectRef>
+              <a:fontRef idx="minor">
+                <a:schemeClr val="lt1"/>
+              </a:fontRef>
+            </p:style>
+            <p:txBody>
+              <a:bodyPr rtlCol="0" anchor="ctr"/>
+              <a:lstStyle/>
+              <a:p>
+                <a:pPr algn="ctr"/>
+                <a:endParaRPr lang="zh-CN" altLang="en-US"/>
+              </a:p>
+            </p:txBody>
+          </p:sp>
+          <p:sp>
+            <p:nvSpPr>
+              <p:cNvPr id="151" name="文本框 150">
+                <a:extLst>
+                  <a:ext uri="{FF2B5EF4-FFF2-40B4-BE49-F238E27FC236}">
+                    <a16:creationId xmlns:a16="http://schemas.microsoft.com/office/drawing/2014/main" id="{60F94891-723D-E3AC-1AD3-A2054CBDF574}"/>
+                  </a:ext>
+                </a:extLst>
+              </p:cNvPr>
+              <p:cNvSpPr txBox="1"/>
+              <p:nvPr/>
+            </p:nvSpPr>
+            <p:spPr>
+              <a:xfrm>
+                <a:off x="3032373" y="4663397"/>
+                <a:ext cx="452553" cy="215444"/>
+              </a:xfrm>
+              <a:prstGeom prst="rect">
+                <a:avLst/>
+              </a:prstGeom>
+              <a:noFill/>
+            </p:spPr>
+            <p:txBody>
+              <a:bodyPr wrap="square" rtlCol="0">
+                <a:spAutoFit/>
+              </a:bodyPr>
+              <a:lstStyle/>
+              <a:p>
+                <a:r>
+                  <a:rPr lang="zh-CN" altLang="en-US" sz="800" dirty="0"/>
+                  <a:t>框架</a:t>
+                </a:r>
+              </a:p>
+            </p:txBody>
+          </p:sp>
+          <p:sp>
+            <p:nvSpPr>
+              <p:cNvPr id="153" name="矩形 152">
+                <a:extLst>
+                  <a:ext uri="{FF2B5EF4-FFF2-40B4-BE49-F238E27FC236}">
+                    <a16:creationId xmlns:a16="http://schemas.microsoft.com/office/drawing/2014/main" id="{097970B1-E824-B26C-1CD0-2FB3F5881398}"/>
+                  </a:ext>
+                </a:extLst>
+              </p:cNvPr>
+              <p:cNvSpPr/>
+              <p:nvPr/>
+            </p:nvSpPr>
+            <p:spPr>
+              <a:xfrm>
+                <a:off x="2715944" y="4691249"/>
+                <a:ext cx="640566" cy="654854"/>
+              </a:xfrm>
+              <a:prstGeom prst="rect">
+                <a:avLst/>
+              </a:prstGeom>
+              <a:noFill/>
+              <a:ln>
+                <a:solidFill>
+                  <a:schemeClr val="tx1"/>
+                </a:solidFill>
+              </a:ln>
+            </p:spPr>
+            <p:style>
+              <a:lnRef idx="2">
+                <a:schemeClr val="accent1">
+                  <a:shade val="50000"/>
+                </a:schemeClr>
+              </a:lnRef>
+              <a:fillRef idx="1">
+                <a:schemeClr val="accent1"/>
+              </a:fillRef>
+              <a:effectRef idx="0">
+                <a:schemeClr val="accent1"/>
+              </a:effectRef>
+              <a:fontRef idx="minor">
+                <a:schemeClr val="lt1"/>
+              </a:fontRef>
+            </p:style>
+            <p:txBody>
+              <a:bodyPr rtlCol="0" anchor="ctr"/>
+              <a:lstStyle/>
+              <a:p>
+                <a:pPr algn="ctr"/>
+                <a:endParaRPr lang="en-US" altLang="zh-CN" sz="800" dirty="0">
+                  <a:solidFill>
+                    <a:schemeClr val="tx1"/>
+                  </a:solidFill>
+                </a:endParaRPr>
+              </a:p>
+            </p:txBody>
+          </p:sp>
+          <p:sp>
+            <p:nvSpPr>
+              <p:cNvPr id="154" name="矩形 153">
+                <a:extLst>
+                  <a:ext uri="{FF2B5EF4-FFF2-40B4-BE49-F238E27FC236}">
+                    <a16:creationId xmlns:a16="http://schemas.microsoft.com/office/drawing/2014/main" id="{0364EA29-D441-A752-4855-A6AE49FFA14E}"/>
+                  </a:ext>
+                </a:extLst>
+              </p:cNvPr>
+              <p:cNvSpPr/>
+              <p:nvPr/>
+            </p:nvSpPr>
+            <p:spPr>
+              <a:xfrm>
+                <a:off x="2850273" y="4871056"/>
+                <a:ext cx="353139" cy="129315"/>
+              </a:xfrm>
+              <a:prstGeom prst="rect">
+                <a:avLst/>
+              </a:prstGeom>
+              <a:noFill/>
+              <a:ln>
+                <a:solidFill>
+                  <a:schemeClr val="tx1"/>
+                </a:solidFill>
+              </a:ln>
+            </p:spPr>
+            <p:style>
+              <a:lnRef idx="2">
+                <a:schemeClr val="accent1">
+                  <a:shade val="50000"/>
+                </a:schemeClr>
+              </a:lnRef>
+              <a:fillRef idx="1">
+                <a:schemeClr val="accent1"/>
+              </a:fillRef>
+              <a:effectRef idx="0">
+                <a:schemeClr val="accent1"/>
+              </a:effectRef>
+              <a:fontRef idx="minor">
+                <a:schemeClr val="lt1"/>
+              </a:fontRef>
+            </p:style>
+            <p:txBody>
+              <a:bodyPr rtlCol="0" anchor="ctr"/>
+              <a:lstStyle/>
+              <a:p>
+                <a:pPr algn="ctr"/>
+                <a:r>
+                  <a:rPr lang="en-US" altLang="zh-CN" sz="500" dirty="0" err="1">
+                    <a:solidFill>
+                      <a:schemeClr val="tx1"/>
+                    </a:solidFill>
+                  </a:rPr>
+                  <a:t>umi</a:t>
+                </a:r>
+                <a:endParaRPr lang="zh-CN" altLang="en-US" sz="500" dirty="0">
+                  <a:solidFill>
+                    <a:schemeClr val="tx1"/>
+                  </a:solidFill>
+                </a:endParaRPr>
+              </a:p>
+            </p:txBody>
+          </p:sp>
+          <p:sp>
+            <p:nvSpPr>
+              <p:cNvPr id="155" name="矩形 154">
+                <a:extLst>
+                  <a:ext uri="{FF2B5EF4-FFF2-40B4-BE49-F238E27FC236}">
+                    <a16:creationId xmlns:a16="http://schemas.microsoft.com/office/drawing/2014/main" id="{7A02415E-0B1A-18F6-A7AB-73849E0EDAC4}"/>
+                  </a:ext>
+                </a:extLst>
+              </p:cNvPr>
+              <p:cNvSpPr/>
+              <p:nvPr/>
+            </p:nvSpPr>
+            <p:spPr>
+              <a:xfrm>
+                <a:off x="2852467" y="5040365"/>
+                <a:ext cx="353139" cy="129315"/>
+              </a:xfrm>
+              <a:prstGeom prst="rect">
+                <a:avLst/>
+              </a:prstGeom>
+              <a:noFill/>
+              <a:ln>
+                <a:solidFill>
+                  <a:schemeClr val="tx1"/>
+                </a:solidFill>
+              </a:ln>
+            </p:spPr>
+            <p:style>
+              <a:lnRef idx="2">
+                <a:schemeClr val="accent1">
+                  <a:shade val="50000"/>
+                </a:schemeClr>
+              </a:lnRef>
+              <a:fillRef idx="1">
+                <a:schemeClr val="accent1"/>
+              </a:fillRef>
+              <a:effectRef idx="0">
+                <a:schemeClr val="accent1"/>
+              </a:effectRef>
+              <a:fontRef idx="minor">
+                <a:schemeClr val="lt1"/>
+              </a:fontRef>
+            </p:style>
+            <p:txBody>
+              <a:bodyPr rtlCol="0" anchor="ctr"/>
+              <a:lstStyle/>
+              <a:p>
+                <a:pPr algn="ctr"/>
+                <a:r>
+                  <a:rPr lang="en-US" altLang="zh-CN" sz="500" dirty="0" err="1">
+                    <a:solidFill>
+                      <a:schemeClr val="tx1"/>
+                    </a:solidFill>
+                  </a:rPr>
+                  <a:t>dva</a:t>
+                </a:r>
+                <a:endParaRPr lang="zh-CN" altLang="en-US" sz="500" dirty="0">
+                  <a:solidFill>
+                    <a:schemeClr val="tx1"/>
+                  </a:solidFill>
+                </a:endParaRPr>
+              </a:p>
+            </p:txBody>
+          </p:sp>
+          <p:sp>
+            <p:nvSpPr>
+              <p:cNvPr id="156" name="矩形 155">
+                <a:extLst>
+                  <a:ext uri="{FF2B5EF4-FFF2-40B4-BE49-F238E27FC236}">
+                    <a16:creationId xmlns:a16="http://schemas.microsoft.com/office/drawing/2014/main" id="{71A1CB7B-9FAC-EE93-0C95-5FBDF0502BBD}"/>
+                  </a:ext>
+                </a:extLst>
+              </p:cNvPr>
+              <p:cNvSpPr/>
+              <p:nvPr/>
+            </p:nvSpPr>
+            <p:spPr>
+              <a:xfrm>
+                <a:off x="2845000" y="5194321"/>
+                <a:ext cx="374746" cy="129315"/>
+              </a:xfrm>
+              <a:prstGeom prst="rect">
+                <a:avLst/>
+              </a:prstGeom>
+              <a:noFill/>
+              <a:ln>
+                <a:solidFill>
+                  <a:schemeClr val="tx1"/>
+                </a:solidFill>
+              </a:ln>
+            </p:spPr>
+            <p:style>
+              <a:lnRef idx="2">
+                <a:schemeClr val="accent1">
+                  <a:shade val="50000"/>
+                </a:schemeClr>
+              </a:lnRef>
+              <a:fillRef idx="1">
+                <a:schemeClr val="accent1"/>
+              </a:fillRef>
+              <a:effectRef idx="0">
+                <a:schemeClr val="accent1"/>
+              </a:effectRef>
+              <a:fontRef idx="minor">
+                <a:schemeClr val="lt1"/>
+              </a:fontRef>
+            </p:style>
+            <p:txBody>
+              <a:bodyPr rtlCol="0" anchor="ctr"/>
+              <a:lstStyle/>
+              <a:p>
+                <a:pPr algn="ctr"/>
+                <a:r>
+                  <a:rPr lang="en-US" altLang="zh-CN" sz="400" dirty="0" err="1">
+                    <a:solidFill>
+                      <a:schemeClr val="tx1"/>
+                    </a:solidFill>
+                  </a:rPr>
+                  <a:t>Antd</a:t>
+                </a:r>
+                <a:r>
+                  <a:rPr lang="en-US" altLang="zh-CN" sz="400" dirty="0">
+                    <a:solidFill>
+                      <a:schemeClr val="tx1"/>
+                    </a:solidFill>
+                  </a:rPr>
+                  <a:t>-mobile</a:t>
+                </a:r>
+                <a:endParaRPr lang="zh-CN" altLang="en-US" sz="400" dirty="0">
+                  <a:solidFill>
+                    <a:schemeClr val="tx1"/>
+                  </a:solidFill>
+                </a:endParaRPr>
+              </a:p>
+            </p:txBody>
+          </p:sp>
+          <p:sp>
+            <p:nvSpPr>
+              <p:cNvPr id="157" name="矩形 156">
+                <a:extLst>
+                  <a:ext uri="{FF2B5EF4-FFF2-40B4-BE49-F238E27FC236}">
+                    <a16:creationId xmlns:a16="http://schemas.microsoft.com/office/drawing/2014/main" id="{2D46497F-D924-89BA-4674-D169138D989A}"/>
+                  </a:ext>
+                </a:extLst>
+              </p:cNvPr>
+              <p:cNvSpPr/>
+              <p:nvPr/>
+            </p:nvSpPr>
+            <p:spPr>
+              <a:xfrm>
+                <a:off x="2757318" y="4210677"/>
+                <a:ext cx="515702" cy="431428"/>
+              </a:xfrm>
+              <a:prstGeom prst="rect">
+                <a:avLst/>
+              </a:prstGeom>
+              <a:noFill/>
+              <a:ln>
+                <a:solidFill>
+                  <a:schemeClr val="tx1"/>
+                </a:solidFill>
+              </a:ln>
+            </p:spPr>
+            <p:style>
+              <a:lnRef idx="2">
+                <a:schemeClr val="accent1">
+                  <a:shade val="50000"/>
+                </a:schemeClr>
+              </a:lnRef>
+              <a:fillRef idx="1">
+                <a:schemeClr val="accent1"/>
+              </a:fillRef>
+              <a:effectRef idx="0">
+                <a:schemeClr val="accent1"/>
+              </a:effectRef>
+              <a:fontRef idx="minor">
+                <a:schemeClr val="lt1"/>
+              </a:fontRef>
+            </p:style>
+            <p:txBody>
+              <a:bodyPr rtlCol="0" anchor="ctr"/>
+              <a:lstStyle/>
+              <a:p>
+                <a:pPr algn="ctr"/>
+                <a:endParaRPr lang="en-US" altLang="zh-CN" sz="800" dirty="0">
+                  <a:solidFill>
+                    <a:schemeClr val="tx1"/>
+                  </a:solidFill>
+                </a:endParaRPr>
+              </a:p>
+            </p:txBody>
+          </p:sp>
+          <p:sp>
+            <p:nvSpPr>
+              <p:cNvPr id="158" name="文本框 157">
+                <a:extLst>
+                  <a:ext uri="{FF2B5EF4-FFF2-40B4-BE49-F238E27FC236}">
+                    <a16:creationId xmlns:a16="http://schemas.microsoft.com/office/drawing/2014/main" id="{03C38158-FA81-7141-9FD0-FAA32BE8BCB8}"/>
+                  </a:ext>
+                </a:extLst>
+              </p:cNvPr>
+              <p:cNvSpPr txBox="1"/>
+              <p:nvPr/>
+            </p:nvSpPr>
+            <p:spPr>
+              <a:xfrm>
+                <a:off x="3079504" y="4193006"/>
+                <a:ext cx="452553" cy="169277"/>
+              </a:xfrm>
+              <a:prstGeom prst="rect">
+                <a:avLst/>
+              </a:prstGeom>
+              <a:noFill/>
+            </p:spPr>
+            <p:txBody>
+              <a:bodyPr wrap="square" rtlCol="0">
+                <a:spAutoFit/>
+              </a:bodyPr>
+              <a:lstStyle/>
+              <a:p>
+                <a:r>
+                  <a:rPr lang="zh-CN" altLang="en-US" sz="500" dirty="0"/>
+                  <a:t>库</a:t>
+                </a:r>
+              </a:p>
+            </p:txBody>
+          </p:sp>
+          <p:sp>
+            <p:nvSpPr>
+              <p:cNvPr id="160" name="矩形 159">
+                <a:extLst>
+                  <a:ext uri="{FF2B5EF4-FFF2-40B4-BE49-F238E27FC236}">
+                    <a16:creationId xmlns:a16="http://schemas.microsoft.com/office/drawing/2014/main" id="{2662D43A-BA5E-8EAD-50CC-FD7D6AEBD9C9}"/>
+                  </a:ext>
+                </a:extLst>
+              </p:cNvPr>
+              <p:cNvSpPr/>
+              <p:nvPr/>
+            </p:nvSpPr>
+            <p:spPr>
+              <a:xfrm>
+                <a:off x="2799502" y="4390135"/>
+                <a:ext cx="420244" cy="129315"/>
+              </a:xfrm>
+              <a:prstGeom prst="rect">
+                <a:avLst/>
+              </a:prstGeom>
+              <a:noFill/>
+              <a:ln>
+                <a:solidFill>
+                  <a:schemeClr val="tx1"/>
+                </a:solidFill>
+              </a:ln>
+            </p:spPr>
+            <p:style>
+              <a:lnRef idx="2">
+                <a:schemeClr val="accent1">
+                  <a:shade val="50000"/>
+                </a:schemeClr>
+              </a:lnRef>
+              <a:fillRef idx="1">
+                <a:schemeClr val="accent1"/>
+              </a:fillRef>
+              <a:effectRef idx="0">
+                <a:schemeClr val="accent1"/>
+              </a:effectRef>
+              <a:fontRef idx="minor">
+                <a:schemeClr val="lt1"/>
+              </a:fontRef>
+            </p:style>
+            <p:txBody>
+              <a:bodyPr rtlCol="0" anchor="ctr"/>
+              <a:lstStyle/>
+              <a:p>
+                <a:pPr algn="ctr"/>
+                <a:r>
+                  <a:rPr lang="en-US" altLang="zh-CN" sz="500" dirty="0" err="1">
+                    <a:solidFill>
+                      <a:schemeClr val="tx1"/>
+                    </a:solidFill>
+                  </a:rPr>
+                  <a:t>TDesign</a:t>
+                </a:r>
+                <a:endParaRPr lang="zh-CN" altLang="en-US" sz="500" dirty="0">
+                  <a:solidFill>
+                    <a:schemeClr val="tx1"/>
+                  </a:solidFill>
+                </a:endParaRPr>
+              </a:p>
+            </p:txBody>
+          </p:sp>
+          <p:sp>
+            <p:nvSpPr>
+              <p:cNvPr id="162" name="立方体 161">
+                <a:extLst>
+                  <a:ext uri="{FF2B5EF4-FFF2-40B4-BE49-F238E27FC236}">
+                    <a16:creationId xmlns:a16="http://schemas.microsoft.com/office/drawing/2014/main" id="{09B7FDC2-5801-8193-924F-E9D87E76EE09}"/>
+                  </a:ext>
+                </a:extLst>
+              </p:cNvPr>
+              <p:cNvSpPr/>
+              <p:nvPr/>
+            </p:nvSpPr>
+            <p:spPr>
+              <a:xfrm>
+                <a:off x="1026871" y="5917947"/>
+                <a:ext cx="1168709" cy="684891"/>
+              </a:xfrm>
+              <a:prstGeom prst="cube">
+                <a:avLst>
+                  <a:gd name="adj" fmla="val 24046"/>
+                </a:avLst>
+              </a:prstGeom>
+              <a:noFill/>
+              <a:ln>
+                <a:solidFill>
+                  <a:schemeClr val="tx1"/>
+                </a:solidFill>
+              </a:ln>
+              <a:scene3d>
+                <a:camera prst="orthographicFront"/>
+                <a:lightRig rig="brightRoom" dir="t"/>
+              </a:scene3d>
+              <a:sp3d prstMaterial="matte"/>
+            </p:spPr>
+            <p:style>
+              <a:lnRef idx="2">
+                <a:schemeClr val="accent1">
+                  <a:shade val="50000"/>
+                </a:schemeClr>
+              </a:lnRef>
+              <a:fillRef idx="1">
+                <a:schemeClr val="accent1"/>
+              </a:fillRef>
+              <a:effectRef idx="0">
+                <a:schemeClr val="accent1"/>
+              </a:effectRef>
+              <a:fontRef idx="minor">
+                <a:schemeClr val="lt1"/>
+              </a:fontRef>
+            </p:style>
+            <p:txBody>
+              <a:bodyPr rtlCol="0" anchor="ctr"/>
+              <a:lstStyle/>
+              <a:p>
+                <a:pPr algn="ctr"/>
+                <a:endParaRPr lang="en-US" altLang="zh-CN" sz="800" dirty="0">
+                  <a:solidFill>
+                    <a:schemeClr val="tx1"/>
+                  </a:solidFill>
+                </a:endParaRPr>
+              </a:p>
+              <a:p>
+                <a:pPr algn="ctr"/>
+                <a:endParaRPr lang="en-US" altLang="zh-CN" sz="800" dirty="0">
+                  <a:solidFill>
+                    <a:schemeClr val="tx1"/>
+                  </a:solidFill>
+                </a:endParaRPr>
+              </a:p>
+              <a:p>
+                <a:pPr algn="ctr"/>
+                <a:endParaRPr lang="en-US" altLang="zh-CN" sz="800" dirty="0">
+                  <a:solidFill>
+                    <a:schemeClr val="tx1"/>
+                  </a:solidFill>
+                </a:endParaRPr>
+              </a:p>
+              <a:p>
+                <a:pPr algn="ctr"/>
+                <a:endParaRPr lang="en-US" altLang="zh-CN" sz="800" dirty="0">
+                  <a:solidFill>
+                    <a:schemeClr val="tx1"/>
+                  </a:solidFill>
+                </a:endParaRPr>
+              </a:p>
+              <a:p>
+                <a:pPr algn="ctr"/>
+                <a:endParaRPr lang="en-US" altLang="zh-CN" sz="1600" dirty="0">
+                  <a:solidFill>
+                    <a:schemeClr val="tx1"/>
+                  </a:solidFill>
+                </a:endParaRPr>
+              </a:p>
+              <a:p>
+                <a:pPr algn="ctr"/>
+                <a:endParaRPr lang="en-US" altLang="zh-CN" sz="1600" dirty="0">
+                  <a:solidFill>
+                    <a:schemeClr val="tx1"/>
+                  </a:solidFill>
+                </a:endParaRPr>
+              </a:p>
+              <a:p>
+                <a:pPr algn="ctr"/>
+                <a:r>
+                  <a:rPr lang="en-US" altLang="zh-CN" sz="1600" dirty="0">
+                    <a:solidFill>
+                      <a:schemeClr val="tx1"/>
+                    </a:solidFill>
+                  </a:rPr>
+                  <a:t> </a:t>
+                </a:r>
+                <a:endParaRPr lang="zh-CN" altLang="en-US" sz="1600" dirty="0">
+                  <a:solidFill>
+                    <a:schemeClr val="tx1"/>
+                  </a:solidFill>
+                </a:endParaRPr>
+              </a:p>
+            </p:txBody>
+          </p:sp>
+          <p:sp>
+            <p:nvSpPr>
+              <p:cNvPr id="163" name="矩形 162">
+                <a:extLst>
+                  <a:ext uri="{FF2B5EF4-FFF2-40B4-BE49-F238E27FC236}">
+                    <a16:creationId xmlns:a16="http://schemas.microsoft.com/office/drawing/2014/main" id="{D8241821-7AF2-8F9F-C448-29AD2E5B0D16}"/>
+                  </a:ext>
+                </a:extLst>
+              </p:cNvPr>
+              <p:cNvSpPr/>
+              <p:nvPr/>
+            </p:nvSpPr>
+            <p:spPr>
+              <a:xfrm>
+                <a:off x="1226573" y="6190735"/>
+                <a:ext cx="640566" cy="256900"/>
+              </a:xfrm>
+              <a:prstGeom prst="rect">
+                <a:avLst/>
+              </a:prstGeom>
+              <a:noFill/>
+              <a:ln>
+                <a:solidFill>
+                  <a:schemeClr val="tx1"/>
+                </a:solidFill>
+              </a:ln>
+            </p:spPr>
+            <p:style>
+              <a:lnRef idx="2">
+                <a:schemeClr val="accent1">
+                  <a:shade val="50000"/>
+                </a:schemeClr>
+              </a:lnRef>
+              <a:fillRef idx="1">
+                <a:schemeClr val="accent1"/>
+              </a:fillRef>
+              <a:effectRef idx="0">
+                <a:schemeClr val="accent1"/>
+              </a:effectRef>
+              <a:fontRef idx="minor">
+                <a:schemeClr val="lt1"/>
+              </a:fontRef>
+            </p:style>
+            <p:txBody>
+              <a:bodyPr rtlCol="0" anchor="ctr"/>
+              <a:lstStyle/>
+              <a:p>
+                <a:pPr algn="ctr"/>
+                <a:r>
+                  <a:rPr lang="en-US" altLang="zh-CN" sz="800" dirty="0">
+                    <a:solidFill>
+                      <a:schemeClr val="tx1"/>
+                    </a:solidFill>
+                  </a:rPr>
+                  <a:t>Web Browser</a:t>
+                </a:r>
+                <a:endParaRPr lang="zh-CN" altLang="en-US" sz="800" dirty="0">
+                  <a:solidFill>
+                    <a:schemeClr val="tx1"/>
+                  </a:solidFill>
+                </a:endParaRPr>
+              </a:p>
+            </p:txBody>
+          </p:sp>
+          <p:sp>
+            <p:nvSpPr>
+              <p:cNvPr id="164" name="流程图: 过程 163">
+                <a:extLst>
+                  <a:ext uri="{FF2B5EF4-FFF2-40B4-BE49-F238E27FC236}">
+                    <a16:creationId xmlns:a16="http://schemas.microsoft.com/office/drawing/2014/main" id="{9AC37FE7-5DF3-0493-996D-88849F6987EC}"/>
+                  </a:ext>
+                </a:extLst>
+              </p:cNvPr>
+              <p:cNvSpPr/>
+              <p:nvPr/>
+            </p:nvSpPr>
+            <p:spPr>
+              <a:xfrm>
+                <a:off x="1143260" y="6260129"/>
+                <a:ext cx="157945" cy="59055"/>
+              </a:xfrm>
+              <a:prstGeom prst="flowChartProcess">
+                <a:avLst/>
+              </a:prstGeom>
+            </p:spPr>
+            <p:style>
+              <a:lnRef idx="2">
+                <a:schemeClr val="accent1">
+                  <a:shade val="50000"/>
+                </a:schemeClr>
+              </a:lnRef>
+              <a:fillRef idx="1">
+                <a:schemeClr val="accent1"/>
+              </a:fillRef>
+              <a:effectRef idx="0">
+                <a:schemeClr val="accent1"/>
+              </a:effectRef>
+              <a:fontRef idx="minor">
+                <a:schemeClr val="lt1"/>
+              </a:fontRef>
+            </p:style>
+            <p:txBody>
+              <a:bodyPr rtlCol="0" anchor="ctr"/>
+              <a:lstStyle/>
+              <a:p>
+                <a:pPr algn="ctr"/>
+                <a:endParaRPr lang="zh-CN" altLang="en-US"/>
+              </a:p>
+            </p:txBody>
+          </p:sp>
+          <p:sp>
+            <p:nvSpPr>
+              <p:cNvPr id="165" name="流程图: 过程 164">
+                <a:extLst>
+                  <a:ext uri="{FF2B5EF4-FFF2-40B4-BE49-F238E27FC236}">
+                    <a16:creationId xmlns:a16="http://schemas.microsoft.com/office/drawing/2014/main" id="{F4E167F1-3C33-1B6C-A870-C479CB2A191E}"/>
+                  </a:ext>
+                </a:extLst>
+              </p:cNvPr>
+              <p:cNvSpPr/>
+              <p:nvPr/>
+            </p:nvSpPr>
+            <p:spPr>
+              <a:xfrm>
+                <a:off x="1143260" y="6357563"/>
+                <a:ext cx="157945" cy="59055"/>
+              </a:xfrm>
+              <a:prstGeom prst="flowChartProcess">
+                <a:avLst/>
+              </a:prstGeom>
+            </p:spPr>
+            <p:style>
+              <a:lnRef idx="2">
+                <a:schemeClr val="accent1">
+                  <a:shade val="50000"/>
+                </a:schemeClr>
+              </a:lnRef>
+              <a:fillRef idx="1">
+                <a:schemeClr val="accent1"/>
+              </a:fillRef>
+              <a:effectRef idx="0">
+                <a:schemeClr val="accent1"/>
+              </a:effectRef>
+              <a:fontRef idx="minor">
+                <a:schemeClr val="lt1"/>
+              </a:fontRef>
+            </p:style>
+            <p:txBody>
+              <a:bodyPr rtlCol="0" anchor="ctr"/>
+              <a:lstStyle/>
+              <a:p>
+                <a:pPr algn="ctr"/>
+                <a:endParaRPr lang="zh-CN" altLang="en-US"/>
+              </a:p>
+            </p:txBody>
+          </p:sp>
+          <p:sp>
+            <p:nvSpPr>
+              <p:cNvPr id="172" name="文本框 171">
+                <a:extLst>
+                  <a:ext uri="{FF2B5EF4-FFF2-40B4-BE49-F238E27FC236}">
+                    <a16:creationId xmlns:a16="http://schemas.microsoft.com/office/drawing/2014/main" id="{E5B6622C-1996-682F-FC2E-5BB2F623C9B2}"/>
+                  </a:ext>
+                </a:extLst>
+              </p:cNvPr>
+              <p:cNvSpPr txBox="1"/>
+              <p:nvPr/>
+            </p:nvSpPr>
+            <p:spPr>
+              <a:xfrm>
+                <a:off x="4997585" y="4574881"/>
+                <a:ext cx="914400" cy="253916"/>
+              </a:xfrm>
+              <a:prstGeom prst="rect">
+                <a:avLst/>
+              </a:prstGeom>
+              <a:noFill/>
+            </p:spPr>
+            <p:txBody>
+              <a:bodyPr wrap="square" rtlCol="0">
+                <a:spAutoFit/>
+              </a:bodyPr>
+              <a:lstStyle/>
+              <a:p>
+                <a:r>
+                  <a:rPr lang="en-US" altLang="zh-CN" sz="1050" dirty="0"/>
+                  <a:t>Manager PC</a:t>
+                </a:r>
+                <a:endParaRPr lang="zh-CN" altLang="en-US" sz="1050" dirty="0"/>
+              </a:p>
+            </p:txBody>
+          </p:sp>
+          <p:sp>
+            <p:nvSpPr>
+              <p:cNvPr id="173" name="立方体 172">
+                <a:extLst>
+                  <a:ext uri="{FF2B5EF4-FFF2-40B4-BE49-F238E27FC236}">
+                    <a16:creationId xmlns:a16="http://schemas.microsoft.com/office/drawing/2014/main" id="{FC0C3918-C97A-E1E2-C2E3-8639A222E050}"/>
+                  </a:ext>
+                </a:extLst>
+              </p:cNvPr>
+              <p:cNvSpPr/>
+              <p:nvPr/>
+            </p:nvSpPr>
+            <p:spPr>
+              <a:xfrm>
+                <a:off x="4875697" y="3868231"/>
+                <a:ext cx="1168709" cy="684891"/>
+              </a:xfrm>
+              <a:prstGeom prst="cube">
+                <a:avLst>
+                  <a:gd name="adj" fmla="val 24046"/>
+                </a:avLst>
+              </a:prstGeom>
+              <a:noFill/>
+              <a:ln>
+                <a:solidFill>
+                  <a:schemeClr val="tx1"/>
+                </a:solidFill>
+              </a:ln>
+              <a:scene3d>
+                <a:camera prst="orthographicFront"/>
+                <a:lightRig rig="brightRoom" dir="t"/>
+              </a:scene3d>
+              <a:sp3d prstMaterial="matte"/>
+            </p:spPr>
+            <p:style>
+              <a:lnRef idx="2">
+                <a:schemeClr val="accent1">
+                  <a:shade val="50000"/>
+                </a:schemeClr>
+              </a:lnRef>
+              <a:fillRef idx="1">
+                <a:schemeClr val="accent1"/>
+              </a:fillRef>
+              <a:effectRef idx="0">
+                <a:schemeClr val="accent1"/>
+              </a:effectRef>
+              <a:fontRef idx="minor">
+                <a:schemeClr val="lt1"/>
+              </a:fontRef>
+            </p:style>
+            <p:txBody>
+              <a:bodyPr rtlCol="0" anchor="ctr"/>
+              <a:lstStyle/>
+              <a:p>
+                <a:pPr algn="ctr"/>
+                <a:endParaRPr lang="en-US" altLang="zh-CN" sz="800" dirty="0">
+                  <a:solidFill>
+                    <a:schemeClr val="tx1"/>
+                  </a:solidFill>
+                </a:endParaRPr>
+              </a:p>
+              <a:p>
+                <a:pPr algn="ctr"/>
+                <a:endParaRPr lang="en-US" altLang="zh-CN" sz="800" dirty="0">
+                  <a:solidFill>
+                    <a:schemeClr val="tx1"/>
+                  </a:solidFill>
+                </a:endParaRPr>
+              </a:p>
+              <a:p>
+                <a:pPr algn="ctr"/>
+                <a:endParaRPr lang="en-US" altLang="zh-CN" sz="800" dirty="0">
+                  <a:solidFill>
+                    <a:schemeClr val="tx1"/>
+                  </a:solidFill>
+                </a:endParaRPr>
+              </a:p>
+              <a:p>
+                <a:pPr algn="ctr"/>
+                <a:endParaRPr lang="en-US" altLang="zh-CN" sz="800" dirty="0">
+                  <a:solidFill>
+                    <a:schemeClr val="tx1"/>
+                  </a:solidFill>
+                </a:endParaRPr>
+              </a:p>
+              <a:p>
+                <a:pPr algn="ctr"/>
+                <a:endParaRPr lang="en-US" altLang="zh-CN" sz="1600" dirty="0">
+                  <a:solidFill>
+                    <a:schemeClr val="tx1"/>
+                  </a:solidFill>
+                </a:endParaRPr>
+              </a:p>
+              <a:p>
+                <a:pPr algn="ctr"/>
+                <a:endParaRPr lang="en-US" altLang="zh-CN" sz="1600" dirty="0">
+                  <a:solidFill>
+                    <a:schemeClr val="tx1"/>
+                  </a:solidFill>
+                </a:endParaRPr>
+              </a:p>
+              <a:p>
+                <a:pPr algn="ctr"/>
+                <a:r>
+                  <a:rPr lang="en-US" altLang="zh-CN" sz="1600" dirty="0">
+                    <a:solidFill>
+                      <a:schemeClr val="tx1"/>
+                    </a:solidFill>
+                  </a:rPr>
+                  <a:t> </a:t>
+                </a:r>
+                <a:endParaRPr lang="zh-CN" altLang="en-US" sz="1600" dirty="0">
+                  <a:solidFill>
+                    <a:schemeClr val="tx1"/>
+                  </a:solidFill>
+                </a:endParaRPr>
+              </a:p>
+            </p:txBody>
+          </p:sp>
+          <p:sp>
+            <p:nvSpPr>
+              <p:cNvPr id="174" name="矩形 173">
+                <a:extLst>
+                  <a:ext uri="{FF2B5EF4-FFF2-40B4-BE49-F238E27FC236}">
+                    <a16:creationId xmlns:a16="http://schemas.microsoft.com/office/drawing/2014/main" id="{FD92A5D2-78AD-CFC8-024F-5BD30D654BB6}"/>
+                  </a:ext>
+                </a:extLst>
+              </p:cNvPr>
+              <p:cNvSpPr/>
+              <p:nvPr/>
+            </p:nvSpPr>
+            <p:spPr>
+              <a:xfrm>
+                <a:off x="5075399" y="4141019"/>
+                <a:ext cx="640566" cy="256900"/>
+              </a:xfrm>
+              <a:prstGeom prst="rect">
+                <a:avLst/>
+              </a:prstGeom>
+              <a:noFill/>
+              <a:ln>
+                <a:solidFill>
+                  <a:schemeClr val="tx1"/>
+                </a:solidFill>
+              </a:ln>
+            </p:spPr>
+            <p:style>
+              <a:lnRef idx="2">
+                <a:schemeClr val="accent1">
+                  <a:shade val="50000"/>
+                </a:schemeClr>
+              </a:lnRef>
+              <a:fillRef idx="1">
+                <a:schemeClr val="accent1"/>
+              </a:fillRef>
+              <a:effectRef idx="0">
+                <a:schemeClr val="accent1"/>
+              </a:effectRef>
+              <a:fontRef idx="minor">
+                <a:schemeClr val="lt1"/>
+              </a:fontRef>
+            </p:style>
+            <p:txBody>
+              <a:bodyPr rtlCol="0" anchor="ctr"/>
+              <a:lstStyle/>
+              <a:p>
+                <a:pPr algn="ctr"/>
+                <a:r>
+                  <a:rPr lang="en-US" altLang="zh-CN" sz="800" dirty="0">
+                    <a:solidFill>
+                      <a:schemeClr val="tx1"/>
+                    </a:solidFill>
+                  </a:rPr>
+                  <a:t>Web Browser</a:t>
+                </a:r>
+                <a:endParaRPr lang="zh-CN" altLang="en-US" sz="800" dirty="0">
+                  <a:solidFill>
+                    <a:schemeClr val="tx1"/>
+                  </a:solidFill>
+                </a:endParaRPr>
+              </a:p>
+            </p:txBody>
+          </p:sp>
+          <p:sp>
+            <p:nvSpPr>
+              <p:cNvPr id="175" name="流程图: 过程 174">
+                <a:extLst>
+                  <a:ext uri="{FF2B5EF4-FFF2-40B4-BE49-F238E27FC236}">
+                    <a16:creationId xmlns:a16="http://schemas.microsoft.com/office/drawing/2014/main" id="{3CC3D0CA-9EFA-1871-64B3-AA4ECF947C0E}"/>
+                  </a:ext>
+                </a:extLst>
+              </p:cNvPr>
+              <p:cNvSpPr/>
+              <p:nvPr/>
+            </p:nvSpPr>
+            <p:spPr>
+              <a:xfrm>
+                <a:off x="4992086" y="4210413"/>
+                <a:ext cx="157945" cy="59055"/>
+              </a:xfrm>
+              <a:prstGeom prst="flowChartProcess">
+                <a:avLst/>
+              </a:prstGeom>
+            </p:spPr>
+            <p:style>
+              <a:lnRef idx="2">
+                <a:schemeClr val="accent1">
+                  <a:shade val="50000"/>
+                </a:schemeClr>
+              </a:lnRef>
+              <a:fillRef idx="1">
+                <a:schemeClr val="accent1"/>
+              </a:fillRef>
+              <a:effectRef idx="0">
+                <a:schemeClr val="accent1"/>
+              </a:effectRef>
+              <a:fontRef idx="minor">
+                <a:schemeClr val="lt1"/>
+              </a:fontRef>
+            </p:style>
+            <p:txBody>
+              <a:bodyPr rtlCol="0" anchor="ctr"/>
+              <a:lstStyle/>
+              <a:p>
+                <a:pPr algn="ctr"/>
+                <a:endParaRPr lang="zh-CN" altLang="en-US"/>
+              </a:p>
+            </p:txBody>
+          </p:sp>
+          <p:sp>
+            <p:nvSpPr>
+              <p:cNvPr id="176" name="流程图: 过程 175">
+                <a:extLst>
+                  <a:ext uri="{FF2B5EF4-FFF2-40B4-BE49-F238E27FC236}">
+                    <a16:creationId xmlns:a16="http://schemas.microsoft.com/office/drawing/2014/main" id="{482372C9-2872-A753-A616-56DEF94BA472}"/>
+                  </a:ext>
+                </a:extLst>
+              </p:cNvPr>
+              <p:cNvSpPr/>
+              <p:nvPr/>
+            </p:nvSpPr>
+            <p:spPr>
+              <a:xfrm>
+                <a:off x="4992086" y="4307847"/>
+                <a:ext cx="157945" cy="59055"/>
+              </a:xfrm>
+              <a:prstGeom prst="flowChartProcess">
+                <a:avLst/>
+              </a:prstGeom>
+            </p:spPr>
+            <p:style>
+              <a:lnRef idx="2">
+                <a:schemeClr val="accent1">
+                  <a:shade val="50000"/>
+                </a:schemeClr>
+              </a:lnRef>
+              <a:fillRef idx="1">
+                <a:schemeClr val="accent1"/>
+              </a:fillRef>
+              <a:effectRef idx="0">
+                <a:schemeClr val="accent1"/>
+              </a:effectRef>
+              <a:fontRef idx="minor">
+                <a:schemeClr val="lt1"/>
+              </a:fontRef>
+            </p:style>
+            <p:txBody>
+              <a:bodyPr rtlCol="0" anchor="ctr"/>
+              <a:lstStyle/>
+              <a:p>
+                <a:pPr algn="ctr"/>
+                <a:endParaRPr lang="zh-CN" altLang="en-US"/>
+              </a:p>
+            </p:txBody>
+          </p:sp>
+          <p:cxnSp>
+            <p:nvCxnSpPr>
+              <p:cNvPr id="177" name="连接符: 肘形 176">
+                <a:extLst>
+                  <a:ext uri="{FF2B5EF4-FFF2-40B4-BE49-F238E27FC236}">
+                    <a16:creationId xmlns:a16="http://schemas.microsoft.com/office/drawing/2014/main" id="{1745B9F8-8EBD-5D3A-6C1F-BB292C18EEF6}"/>
+                  </a:ext>
+                </a:extLst>
+              </p:cNvPr>
+              <p:cNvCxnSpPr>
+                <a:cxnSpLocks/>
+                <a:stCxn id="173" idx="0"/>
+              </p:cNvCxnSpPr>
+              <p:nvPr/>
+            </p:nvCxnSpPr>
+            <p:spPr>
+              <a:xfrm rot="16200000" flipV="1">
+                <a:off x="3723502" y="2049337"/>
+                <a:ext cx="1688914" cy="1948874"/>
+              </a:xfrm>
+              <a:prstGeom prst="bentConnector2">
+                <a:avLst/>
+              </a:prstGeom>
+              <a:ln>
+                <a:solidFill>
+                  <a:schemeClr val="tx1"/>
+                </a:solidFill>
+                <a:tailEnd type="triangle"/>
+              </a:ln>
+            </p:spPr>
+            <p:style>
+              <a:lnRef idx="1">
+                <a:schemeClr val="accent1"/>
+              </a:lnRef>
+              <a:fillRef idx="0">
+                <a:schemeClr val="accent1"/>
+              </a:fillRef>
+              <a:effectRef idx="0">
+                <a:schemeClr val="accent1"/>
+              </a:effectRef>
+              <a:fontRef idx="minor">
+                <a:schemeClr val="tx1"/>
+              </a:fontRef>
+            </p:style>
+          </p:cxnSp>
+          <p:sp>
+            <p:nvSpPr>
+              <p:cNvPr id="182" name="文本框 181">
+                <a:extLst>
+                  <a:ext uri="{FF2B5EF4-FFF2-40B4-BE49-F238E27FC236}">
+                    <a16:creationId xmlns:a16="http://schemas.microsoft.com/office/drawing/2014/main" id="{CB949A24-9804-8641-C611-A28B7522F41C}"/>
+                  </a:ext>
+                </a:extLst>
+              </p:cNvPr>
+              <p:cNvSpPr txBox="1"/>
+              <p:nvPr/>
+            </p:nvSpPr>
+            <p:spPr>
+              <a:xfrm>
+                <a:off x="4551685" y="3504548"/>
+                <a:ext cx="1969297" cy="261610"/>
+              </a:xfrm>
+              <a:prstGeom prst="rect">
+                <a:avLst/>
+              </a:prstGeom>
+              <a:noFill/>
+            </p:spPr>
+            <p:txBody>
+              <a:bodyPr wrap="square">
+                <a:spAutoFit/>
+              </a:bodyPr>
+              <a:lstStyle/>
+              <a:p>
+                <a:r>
+                  <a:rPr lang="en-US" altLang="zh-CN" sz="1100" dirty="0">
+                    <a:solidFill>
+                      <a:srgbClr val="FF0000"/>
+                    </a:solidFill>
+                    <a:latin typeface="Times New Roman" panose="02020603050405020304" pitchFamily="18" charset="0"/>
+                    <a:cs typeface="Times New Roman" panose="02020603050405020304" pitchFamily="18" charset="0"/>
+                  </a:rPr>
+                  <a:t>Shell(</a:t>
+                </a:r>
+                <a:r>
+                  <a:rPr lang="en-US" altLang="zh-CN" sz="1100" dirty="0" err="1">
+                    <a:solidFill>
+                      <a:srgbClr val="FF0000"/>
+                    </a:solidFill>
+                    <a:latin typeface="Times New Roman" panose="02020603050405020304" pitchFamily="18" charset="0"/>
+                    <a:cs typeface="Times New Roman" panose="02020603050405020304" pitchFamily="18" charset="0"/>
+                  </a:rPr>
+                  <a:t>ssh</a:t>
+                </a:r>
+                <a:r>
+                  <a:rPr lang="en-US" altLang="zh-CN" sz="1100" dirty="0">
+                    <a:solidFill>
+                      <a:srgbClr val="FF0000"/>
+                    </a:solidFill>
+                    <a:latin typeface="Times New Roman" panose="02020603050405020304" pitchFamily="18" charset="0"/>
+                    <a:cs typeface="Times New Roman" panose="02020603050405020304" pitchFamily="18" charset="0"/>
+                  </a:rPr>
+                  <a:t>\</a:t>
+                </a:r>
+                <a:r>
+                  <a:rPr lang="en-US" altLang="zh-CN" sz="1100" dirty="0" err="1">
+                    <a:solidFill>
+                      <a:srgbClr val="FF0000"/>
+                    </a:solidFill>
+                    <a:latin typeface="Times New Roman" panose="02020603050405020304" pitchFamily="18" charset="0"/>
+                    <a:cs typeface="Times New Roman" panose="02020603050405020304" pitchFamily="18" charset="0"/>
+                  </a:rPr>
+                  <a:t>rsh</a:t>
+                </a:r>
+                <a:r>
+                  <a:rPr lang="en-US" altLang="zh-CN" sz="1100" dirty="0">
+                    <a:solidFill>
+                      <a:srgbClr val="FF0000"/>
+                    </a:solidFill>
+                    <a:latin typeface="Times New Roman" panose="02020603050405020304" pitchFamily="18" charset="0"/>
+                    <a:cs typeface="Times New Roman" panose="02020603050405020304" pitchFamily="18" charset="0"/>
+                  </a:rPr>
+                  <a:t>),ftp</a:t>
+                </a:r>
+                <a:endParaRPr lang="zh-CN" altLang="en-US" sz="1100" dirty="0"/>
+              </a:p>
+            </p:txBody>
+          </p:sp>
+          <p:cxnSp>
+            <p:nvCxnSpPr>
+              <p:cNvPr id="183" name="连接符: 肘形 182">
+                <a:extLst>
+                  <a:ext uri="{FF2B5EF4-FFF2-40B4-BE49-F238E27FC236}">
+                    <a16:creationId xmlns:a16="http://schemas.microsoft.com/office/drawing/2014/main" id="{A0DBDD76-AA2A-4F77-0C06-D4D7807C1AB3}"/>
+                  </a:ext>
+                </a:extLst>
+              </p:cNvPr>
+              <p:cNvCxnSpPr>
+                <a:cxnSpLocks/>
+                <a:stCxn id="173" idx="5"/>
+                <a:endCxn id="3" idx="5"/>
+              </p:cNvCxnSpPr>
+              <p:nvPr/>
+            </p:nvCxnSpPr>
+            <p:spPr>
+              <a:xfrm flipH="1" flipV="1">
+                <a:off x="2549885" y="869026"/>
+                <a:ext cx="3494521" cy="3259306"/>
+              </a:xfrm>
+              <a:prstGeom prst="bentConnector3">
+                <a:avLst>
+                  <a:gd name="adj1" fmla="val -6542"/>
+                </a:avLst>
+              </a:prstGeom>
+              <a:ln>
+                <a:solidFill>
+                  <a:schemeClr val="tx1"/>
+                </a:solidFill>
+                <a:tailEnd type="triangle"/>
+              </a:ln>
+            </p:spPr>
+            <p:style>
+              <a:lnRef idx="1">
+                <a:schemeClr val="accent1"/>
+              </a:lnRef>
+              <a:fillRef idx="0">
+                <a:schemeClr val="accent1"/>
+              </a:fillRef>
+              <a:effectRef idx="0">
+                <a:schemeClr val="accent1"/>
+              </a:effectRef>
+              <a:fontRef idx="minor">
+                <a:schemeClr val="tx1"/>
+              </a:fontRef>
+            </p:style>
+          </p:cxnSp>
+          <p:cxnSp>
+            <p:nvCxnSpPr>
+              <p:cNvPr id="186" name="连接符: 肘形 185">
+                <a:extLst>
+                  <a:ext uri="{FF2B5EF4-FFF2-40B4-BE49-F238E27FC236}">
+                    <a16:creationId xmlns:a16="http://schemas.microsoft.com/office/drawing/2014/main" id="{ABCF11FA-26BA-FBF0-3B51-E6BB3A3A131A}"/>
+                  </a:ext>
+                </a:extLst>
+              </p:cNvPr>
+              <p:cNvCxnSpPr>
+                <a:cxnSpLocks/>
+                <a:stCxn id="173" idx="1"/>
+                <a:endCxn id="40" idx="4"/>
+              </p:cNvCxnSpPr>
+              <p:nvPr/>
+            </p:nvCxnSpPr>
+            <p:spPr>
+              <a:xfrm rot="5400000" flipH="1" flipV="1">
+                <a:off x="3908048" y="2534839"/>
+                <a:ext cx="2967741" cy="28423"/>
+              </a:xfrm>
+              <a:prstGeom prst="bentConnector4">
+                <a:avLst>
+                  <a:gd name="adj1" fmla="val 37544"/>
+                  <a:gd name="adj2" fmla="val 904278"/>
+                </a:avLst>
+              </a:prstGeom>
+              <a:ln>
+                <a:solidFill>
+                  <a:schemeClr val="tx1"/>
+                </a:solidFill>
+                <a:tailEnd type="triangle"/>
+              </a:ln>
+            </p:spPr>
+            <p:style>
+              <a:lnRef idx="1">
+                <a:schemeClr val="accent1"/>
+              </a:lnRef>
+              <a:fillRef idx="0">
+                <a:schemeClr val="accent1"/>
+              </a:fillRef>
+              <a:effectRef idx="0">
+                <a:schemeClr val="accent1"/>
+              </a:effectRef>
+              <a:fontRef idx="minor">
+                <a:schemeClr val="tx1"/>
+              </a:fontRef>
+            </p:style>
+          </p:cxnSp>
+          <p:sp>
+            <p:nvSpPr>
+              <p:cNvPr id="189" name="文本框 188">
+                <a:extLst>
+                  <a:ext uri="{FF2B5EF4-FFF2-40B4-BE49-F238E27FC236}">
+                    <a16:creationId xmlns:a16="http://schemas.microsoft.com/office/drawing/2014/main" id="{39D6B51E-EFFD-6AA4-1C2A-83C9BE80FEF7}"/>
+                  </a:ext>
+                </a:extLst>
+              </p:cNvPr>
+              <p:cNvSpPr txBox="1"/>
+              <p:nvPr/>
+            </p:nvSpPr>
+            <p:spPr>
+              <a:xfrm>
+                <a:off x="6251693" y="3779154"/>
+                <a:ext cx="532677" cy="261610"/>
+              </a:xfrm>
+              <a:prstGeom prst="rect">
+                <a:avLst/>
+              </a:prstGeom>
+              <a:noFill/>
+            </p:spPr>
+            <p:txBody>
+              <a:bodyPr wrap="square">
+                <a:spAutoFit/>
+              </a:bodyPr>
+              <a:lstStyle/>
+              <a:p>
+                <a:r>
+                  <a:rPr lang="en-US" altLang="zh-CN" sz="1100" dirty="0">
+                    <a:solidFill>
+                      <a:srgbClr val="FF0000"/>
+                    </a:solidFill>
+                    <a:latin typeface="Times New Roman" panose="02020603050405020304" pitchFamily="18" charset="0"/>
+                    <a:cs typeface="Times New Roman" panose="02020603050405020304" pitchFamily="18" charset="0"/>
+                  </a:rPr>
+                  <a:t>NFS</a:t>
+                </a:r>
+                <a:endParaRPr lang="zh-CN" altLang="en-US" sz="1100" dirty="0"/>
+              </a:p>
+            </p:txBody>
+          </p:sp>
+          <p:sp>
+            <p:nvSpPr>
+              <p:cNvPr id="190" name="立方体 189">
+                <a:extLst>
+                  <a:ext uri="{FF2B5EF4-FFF2-40B4-BE49-F238E27FC236}">
+                    <a16:creationId xmlns:a16="http://schemas.microsoft.com/office/drawing/2014/main" id="{0716151F-92B8-4480-79EE-CDC98568CDBE}"/>
+                  </a:ext>
+                </a:extLst>
+              </p:cNvPr>
+              <p:cNvSpPr/>
+              <p:nvPr/>
+            </p:nvSpPr>
+            <p:spPr>
+              <a:xfrm>
+                <a:off x="3920321" y="5238306"/>
+                <a:ext cx="2001517" cy="1482884"/>
+              </a:xfrm>
+              <a:prstGeom prst="cube">
+                <a:avLst>
+                  <a:gd name="adj" fmla="val 8670"/>
+                </a:avLst>
+              </a:prstGeom>
+              <a:noFill/>
+              <a:ln>
+                <a:solidFill>
+                  <a:schemeClr val="tx1"/>
+                </a:solidFill>
+              </a:ln>
+              <a:scene3d>
+                <a:camera prst="orthographicFront"/>
+                <a:lightRig rig="brightRoom" dir="t"/>
+              </a:scene3d>
+              <a:sp3d prstMaterial="matte"/>
+            </p:spPr>
+            <p:style>
+              <a:lnRef idx="2">
+                <a:schemeClr val="accent1">
+                  <a:shade val="50000"/>
+                </a:schemeClr>
+              </a:lnRef>
+              <a:fillRef idx="1">
+                <a:schemeClr val="accent1"/>
+              </a:fillRef>
+              <a:effectRef idx="0">
+                <a:schemeClr val="accent1"/>
+              </a:effectRef>
+              <a:fontRef idx="minor">
+                <a:schemeClr val="lt1"/>
+              </a:fontRef>
+            </p:style>
+            <p:txBody>
+              <a:bodyPr rtlCol="0" anchor="ctr"/>
+              <a:lstStyle/>
+              <a:p>
+                <a:pPr algn="ctr"/>
+                <a:endParaRPr lang="en-US" altLang="zh-CN" sz="800" dirty="0">
+                  <a:solidFill>
+                    <a:schemeClr val="tx1"/>
+                  </a:solidFill>
+                </a:endParaRPr>
+              </a:p>
+              <a:p>
+                <a:pPr algn="ctr"/>
+                <a:endParaRPr lang="en-US" altLang="zh-CN" sz="800" dirty="0">
+                  <a:solidFill>
+                    <a:schemeClr val="tx1"/>
+                  </a:solidFill>
+                </a:endParaRPr>
+              </a:p>
+              <a:p>
+                <a:pPr algn="ctr"/>
+                <a:endParaRPr lang="en-US" altLang="zh-CN" sz="800" dirty="0">
+                  <a:solidFill>
+                    <a:schemeClr val="tx1"/>
+                  </a:solidFill>
+                </a:endParaRPr>
+              </a:p>
+              <a:p>
+                <a:pPr algn="ctr"/>
+                <a:endParaRPr lang="en-US" altLang="zh-CN" sz="800" dirty="0">
+                  <a:solidFill>
+                    <a:schemeClr val="tx1"/>
+                  </a:solidFill>
+                </a:endParaRPr>
+              </a:p>
+              <a:p>
+                <a:pPr algn="ctr"/>
+                <a:endParaRPr lang="en-US" altLang="zh-CN" sz="1600" dirty="0">
+                  <a:solidFill>
+                    <a:schemeClr val="tx1"/>
+                  </a:solidFill>
+                </a:endParaRPr>
+              </a:p>
+              <a:p>
+                <a:pPr algn="ctr"/>
+                <a:endParaRPr lang="en-US" altLang="zh-CN" sz="1600" dirty="0">
+                  <a:solidFill>
+                    <a:schemeClr val="tx1"/>
+                  </a:solidFill>
+                </a:endParaRPr>
+              </a:p>
+              <a:p>
+                <a:pPr algn="ctr"/>
+                <a:r>
+                  <a:rPr lang="en-US" altLang="zh-CN" sz="1600" dirty="0">
+                    <a:solidFill>
+                      <a:schemeClr val="tx1"/>
+                    </a:solidFill>
+                  </a:rPr>
+                  <a:t> </a:t>
+                </a:r>
+                <a:endParaRPr lang="zh-CN" altLang="en-US" sz="1600" dirty="0">
+                  <a:solidFill>
+                    <a:schemeClr val="tx1"/>
+                  </a:solidFill>
+                </a:endParaRPr>
+              </a:p>
+            </p:txBody>
+          </p:sp>
+          <p:cxnSp>
+            <p:nvCxnSpPr>
+              <p:cNvPr id="191" name="连接符: 肘形 190">
+                <a:extLst>
+                  <a:ext uri="{FF2B5EF4-FFF2-40B4-BE49-F238E27FC236}">
+                    <a16:creationId xmlns:a16="http://schemas.microsoft.com/office/drawing/2014/main" id="{FA9F4BF1-9C3B-B9F9-F11B-DB073EA0A153}"/>
+                  </a:ext>
+                </a:extLst>
+              </p:cNvPr>
+              <p:cNvCxnSpPr>
+                <a:cxnSpLocks/>
+                <a:endCxn id="111" idx="3"/>
+              </p:cNvCxnSpPr>
+              <p:nvPr/>
+            </p:nvCxnSpPr>
+            <p:spPr>
+              <a:xfrm rot="16200000" flipV="1">
+                <a:off x="2977899" y="3861077"/>
+                <a:ext cx="2398902" cy="568709"/>
+              </a:xfrm>
+              <a:prstGeom prst="bentConnector2">
+                <a:avLst/>
+              </a:prstGeom>
+              <a:ln>
+                <a:solidFill>
+                  <a:schemeClr val="tx1"/>
+                </a:solidFill>
+                <a:tailEnd type="triangle"/>
+              </a:ln>
+            </p:spPr>
+            <p:style>
+              <a:lnRef idx="1">
+                <a:schemeClr val="accent1"/>
+              </a:lnRef>
+              <a:fillRef idx="0">
+                <a:schemeClr val="accent1"/>
+              </a:fillRef>
+              <a:effectRef idx="0">
+                <a:schemeClr val="accent1"/>
+              </a:effectRef>
+              <a:fontRef idx="minor">
+                <a:schemeClr val="tx1"/>
+              </a:fontRef>
+            </p:style>
+          </p:cxnSp>
+          <p:sp>
+            <p:nvSpPr>
+              <p:cNvPr id="198" name="矩形 197">
+                <a:extLst>
+                  <a:ext uri="{FF2B5EF4-FFF2-40B4-BE49-F238E27FC236}">
+                    <a16:creationId xmlns:a16="http://schemas.microsoft.com/office/drawing/2014/main" id="{0906A9C3-2A2E-E75F-D30B-1D9745C22EDE}"/>
+                  </a:ext>
+                </a:extLst>
+              </p:cNvPr>
+              <p:cNvSpPr/>
+              <p:nvPr/>
+            </p:nvSpPr>
+            <p:spPr>
+              <a:xfrm>
+                <a:off x="4413598" y="5567385"/>
+                <a:ext cx="764192" cy="210372"/>
+              </a:xfrm>
+              <a:prstGeom prst="rect">
+                <a:avLst/>
+              </a:prstGeom>
+              <a:noFill/>
+              <a:ln>
+                <a:solidFill>
+                  <a:schemeClr val="tx1"/>
+                </a:solidFill>
+              </a:ln>
+            </p:spPr>
+            <p:style>
+              <a:lnRef idx="2">
+                <a:schemeClr val="accent1">
+                  <a:shade val="50000"/>
+                </a:schemeClr>
+              </a:lnRef>
+              <a:fillRef idx="1">
+                <a:schemeClr val="accent1"/>
+              </a:fillRef>
+              <a:effectRef idx="0">
+                <a:schemeClr val="accent1"/>
+              </a:effectRef>
+              <a:fontRef idx="minor">
+                <a:schemeClr val="lt1"/>
+              </a:fontRef>
+            </p:style>
+            <p:txBody>
+              <a:bodyPr rtlCol="0" anchor="ctr"/>
+              <a:lstStyle/>
+              <a:p>
+                <a:pPr algn="ctr"/>
+                <a:r>
+                  <a:rPr lang="en-US" altLang="zh-CN" sz="800" dirty="0" err="1">
+                    <a:solidFill>
+                      <a:schemeClr val="tx1"/>
+                    </a:solidFill>
+                  </a:rPr>
+                  <a:t>wx.request</a:t>
+                </a:r>
+                <a:endParaRPr lang="zh-CN" altLang="en-US" sz="800" dirty="0">
+                  <a:solidFill>
+                    <a:schemeClr val="tx1"/>
+                  </a:solidFill>
+                </a:endParaRPr>
+              </a:p>
+            </p:txBody>
+          </p:sp>
+          <p:sp>
+            <p:nvSpPr>
+              <p:cNvPr id="199" name="流程图: 过程 198">
+                <a:extLst>
+                  <a:ext uri="{FF2B5EF4-FFF2-40B4-BE49-F238E27FC236}">
+                    <a16:creationId xmlns:a16="http://schemas.microsoft.com/office/drawing/2014/main" id="{AAD7F148-0CCD-2BE8-EB6F-B821E06CCF8E}"/>
+                  </a:ext>
+                </a:extLst>
+              </p:cNvPr>
+              <p:cNvSpPr/>
+              <p:nvPr/>
+            </p:nvSpPr>
+            <p:spPr>
+              <a:xfrm>
+                <a:off x="4330285" y="5590251"/>
+                <a:ext cx="157945" cy="59055"/>
+              </a:xfrm>
+              <a:prstGeom prst="flowChartProcess">
+                <a:avLst/>
+              </a:prstGeom>
+            </p:spPr>
+            <p:style>
+              <a:lnRef idx="2">
+                <a:schemeClr val="accent1">
+                  <a:shade val="50000"/>
+                </a:schemeClr>
+              </a:lnRef>
+              <a:fillRef idx="1">
+                <a:schemeClr val="accent1"/>
+              </a:fillRef>
+              <a:effectRef idx="0">
+                <a:schemeClr val="accent1"/>
+              </a:effectRef>
+              <a:fontRef idx="minor">
+                <a:schemeClr val="lt1"/>
+              </a:fontRef>
+            </p:style>
+            <p:txBody>
+              <a:bodyPr rtlCol="0" anchor="ctr"/>
+              <a:lstStyle/>
+              <a:p>
+                <a:pPr algn="ctr"/>
+                <a:endParaRPr lang="zh-CN" altLang="en-US"/>
+              </a:p>
+            </p:txBody>
+          </p:sp>
+          <p:sp>
+            <p:nvSpPr>
+              <p:cNvPr id="200" name="流程图: 过程 199">
+                <a:extLst>
+                  <a:ext uri="{FF2B5EF4-FFF2-40B4-BE49-F238E27FC236}">
+                    <a16:creationId xmlns:a16="http://schemas.microsoft.com/office/drawing/2014/main" id="{F36A287C-17D0-9D7B-F5DA-8DB3F5D3ADD9}"/>
+                  </a:ext>
+                </a:extLst>
+              </p:cNvPr>
+              <p:cNvSpPr/>
+              <p:nvPr/>
+            </p:nvSpPr>
+            <p:spPr>
+              <a:xfrm>
+                <a:off x="4330285" y="5687685"/>
+                <a:ext cx="157945" cy="59055"/>
+              </a:xfrm>
+              <a:prstGeom prst="flowChartProcess">
+                <a:avLst/>
+              </a:prstGeom>
+            </p:spPr>
+            <p:style>
+              <a:lnRef idx="2">
+                <a:schemeClr val="accent1">
+                  <a:shade val="50000"/>
+                </a:schemeClr>
+              </a:lnRef>
+              <a:fillRef idx="1">
+                <a:schemeClr val="accent1"/>
+              </a:fillRef>
+              <a:effectRef idx="0">
+                <a:schemeClr val="accent1"/>
+              </a:effectRef>
+              <a:fontRef idx="minor">
+                <a:schemeClr val="lt1"/>
+              </a:fontRef>
+            </p:style>
+            <p:txBody>
+              <a:bodyPr rtlCol="0" anchor="ctr"/>
+              <a:lstStyle/>
+              <a:p>
+                <a:pPr algn="ctr"/>
+                <a:endParaRPr lang="zh-CN" altLang="en-US"/>
+              </a:p>
+            </p:txBody>
+          </p:sp>
+          <p:sp>
+            <p:nvSpPr>
+              <p:cNvPr id="201" name="矩形 200">
+                <a:extLst>
+                  <a:ext uri="{FF2B5EF4-FFF2-40B4-BE49-F238E27FC236}">
+                    <a16:creationId xmlns:a16="http://schemas.microsoft.com/office/drawing/2014/main" id="{60A694BA-C2CD-DA13-9819-6F1F34CE211A}"/>
+                  </a:ext>
+                </a:extLst>
+              </p:cNvPr>
+              <p:cNvSpPr/>
+              <p:nvPr/>
+            </p:nvSpPr>
+            <p:spPr>
+              <a:xfrm>
+                <a:off x="4436937" y="5974881"/>
+                <a:ext cx="764192" cy="210372"/>
+              </a:xfrm>
+              <a:prstGeom prst="rect">
+                <a:avLst/>
+              </a:prstGeom>
+              <a:noFill/>
+              <a:ln>
+                <a:solidFill>
+                  <a:schemeClr val="tx1"/>
+                </a:solidFill>
+              </a:ln>
+            </p:spPr>
+            <p:style>
+              <a:lnRef idx="2">
+                <a:schemeClr val="accent1">
+                  <a:shade val="50000"/>
+                </a:schemeClr>
+              </a:lnRef>
+              <a:fillRef idx="1">
+                <a:schemeClr val="accent1"/>
+              </a:fillRef>
+              <a:effectRef idx="0">
+                <a:schemeClr val="accent1"/>
+              </a:effectRef>
+              <a:fontRef idx="minor">
+                <a:schemeClr val="lt1"/>
+              </a:fontRef>
+            </p:style>
+            <p:txBody>
+              <a:bodyPr rtlCol="0" anchor="ctr"/>
+              <a:lstStyle/>
+              <a:p>
+                <a:pPr algn="ctr"/>
+                <a:r>
+                  <a:rPr lang="en-US" altLang="zh-CN" sz="800" dirty="0" err="1">
+                    <a:solidFill>
+                      <a:schemeClr val="tx1"/>
+                    </a:solidFill>
+                  </a:rPr>
+                  <a:t>wxml</a:t>
+                </a:r>
+                <a:endParaRPr lang="zh-CN" altLang="en-US" sz="800" dirty="0">
+                  <a:solidFill>
+                    <a:schemeClr val="tx1"/>
+                  </a:solidFill>
+                </a:endParaRPr>
+              </a:p>
+            </p:txBody>
+          </p:sp>
+          <p:sp>
+            <p:nvSpPr>
+              <p:cNvPr id="202" name="流程图: 过程 201">
+                <a:extLst>
+                  <a:ext uri="{FF2B5EF4-FFF2-40B4-BE49-F238E27FC236}">
+                    <a16:creationId xmlns:a16="http://schemas.microsoft.com/office/drawing/2014/main" id="{E9499FA1-BB6C-3954-CFAB-4328237A0974}"/>
+                  </a:ext>
+                </a:extLst>
+              </p:cNvPr>
+              <p:cNvSpPr/>
+              <p:nvPr/>
+            </p:nvSpPr>
+            <p:spPr>
+              <a:xfrm>
+                <a:off x="4353624" y="5997747"/>
+                <a:ext cx="157945" cy="59055"/>
+              </a:xfrm>
+              <a:prstGeom prst="flowChartProcess">
+                <a:avLst/>
+              </a:prstGeom>
+            </p:spPr>
+            <p:style>
+              <a:lnRef idx="2">
+                <a:schemeClr val="accent1">
+                  <a:shade val="50000"/>
+                </a:schemeClr>
+              </a:lnRef>
+              <a:fillRef idx="1">
+                <a:schemeClr val="accent1"/>
+              </a:fillRef>
+              <a:effectRef idx="0">
+                <a:schemeClr val="accent1"/>
+              </a:effectRef>
+              <a:fontRef idx="minor">
+                <a:schemeClr val="lt1"/>
+              </a:fontRef>
+            </p:style>
+            <p:txBody>
+              <a:bodyPr rtlCol="0" anchor="ctr"/>
+              <a:lstStyle/>
+              <a:p>
+                <a:pPr algn="ctr"/>
+                <a:endParaRPr lang="zh-CN" altLang="en-US"/>
+              </a:p>
+            </p:txBody>
+          </p:sp>
+          <p:sp>
+            <p:nvSpPr>
+              <p:cNvPr id="203" name="流程图: 过程 202">
+                <a:extLst>
+                  <a:ext uri="{FF2B5EF4-FFF2-40B4-BE49-F238E27FC236}">
+                    <a16:creationId xmlns:a16="http://schemas.microsoft.com/office/drawing/2014/main" id="{9CBD60D2-E8C3-2A97-03B7-262A552BB3D1}"/>
+                  </a:ext>
+                </a:extLst>
+              </p:cNvPr>
+              <p:cNvSpPr/>
+              <p:nvPr/>
+            </p:nvSpPr>
+            <p:spPr>
+              <a:xfrm>
+                <a:off x="4353624" y="6095181"/>
+                <a:ext cx="157945" cy="59055"/>
+              </a:xfrm>
+              <a:prstGeom prst="flowChartProcess">
+                <a:avLst/>
+              </a:prstGeom>
+            </p:spPr>
+            <p:style>
+              <a:lnRef idx="2">
+                <a:schemeClr val="accent1">
+                  <a:shade val="50000"/>
+                </a:schemeClr>
+              </a:lnRef>
+              <a:fillRef idx="1">
+                <a:schemeClr val="accent1"/>
+              </a:fillRef>
+              <a:effectRef idx="0">
+                <a:schemeClr val="accent1"/>
+              </a:effectRef>
+              <a:fontRef idx="minor">
+                <a:schemeClr val="lt1"/>
+              </a:fontRef>
+            </p:style>
+            <p:txBody>
+              <a:bodyPr rtlCol="0" anchor="ctr"/>
+              <a:lstStyle/>
+              <a:p>
+                <a:pPr algn="ctr"/>
+                <a:endParaRPr lang="zh-CN" altLang="en-US"/>
+              </a:p>
+            </p:txBody>
+          </p:sp>
+          <p:sp>
+            <p:nvSpPr>
+              <p:cNvPr id="204" name="矩形 203">
+                <a:extLst>
+                  <a:ext uri="{FF2B5EF4-FFF2-40B4-BE49-F238E27FC236}">
+                    <a16:creationId xmlns:a16="http://schemas.microsoft.com/office/drawing/2014/main" id="{A0E182C2-F6D1-FE13-BD42-7135E9F86457}"/>
+                  </a:ext>
+                </a:extLst>
+              </p:cNvPr>
+              <p:cNvSpPr/>
+              <p:nvPr/>
+            </p:nvSpPr>
+            <p:spPr>
+              <a:xfrm>
+                <a:off x="4419365" y="6336859"/>
+                <a:ext cx="764192" cy="210372"/>
+              </a:xfrm>
+              <a:prstGeom prst="rect">
+                <a:avLst/>
+              </a:prstGeom>
+              <a:noFill/>
+              <a:ln>
+                <a:solidFill>
+                  <a:schemeClr val="tx1"/>
+                </a:solidFill>
+              </a:ln>
+            </p:spPr>
+            <p:style>
+              <a:lnRef idx="2">
+                <a:schemeClr val="accent1">
+                  <a:shade val="50000"/>
+                </a:schemeClr>
+              </a:lnRef>
+              <a:fillRef idx="1">
+                <a:schemeClr val="accent1"/>
+              </a:fillRef>
+              <a:effectRef idx="0">
+                <a:schemeClr val="accent1"/>
+              </a:effectRef>
+              <a:fontRef idx="minor">
+                <a:schemeClr val="lt1"/>
+              </a:fontRef>
+            </p:style>
+            <p:txBody>
+              <a:bodyPr rtlCol="0" anchor="ctr"/>
+              <a:lstStyle/>
+              <a:p>
+                <a:pPr algn="ctr"/>
+                <a:r>
+                  <a:rPr lang="en-US" altLang="zh-CN" sz="800" dirty="0" err="1">
+                    <a:solidFill>
+                      <a:schemeClr val="tx1"/>
+                    </a:solidFill>
+                  </a:rPr>
+                  <a:t>wxss</a:t>
+                </a:r>
+                <a:endParaRPr lang="zh-CN" altLang="en-US" sz="800" dirty="0">
+                  <a:solidFill>
+                    <a:schemeClr val="tx1"/>
+                  </a:solidFill>
+                </a:endParaRPr>
+              </a:p>
+            </p:txBody>
+          </p:sp>
+          <p:sp>
+            <p:nvSpPr>
+              <p:cNvPr id="205" name="流程图: 过程 204">
+                <a:extLst>
+                  <a:ext uri="{FF2B5EF4-FFF2-40B4-BE49-F238E27FC236}">
+                    <a16:creationId xmlns:a16="http://schemas.microsoft.com/office/drawing/2014/main" id="{CD8F6CC8-7039-C02F-A1A0-8FA377179DBD}"/>
+                  </a:ext>
+                </a:extLst>
+              </p:cNvPr>
+              <p:cNvSpPr/>
+              <p:nvPr/>
+            </p:nvSpPr>
+            <p:spPr>
+              <a:xfrm>
+                <a:off x="4336052" y="6359725"/>
+                <a:ext cx="157945" cy="59055"/>
+              </a:xfrm>
+              <a:prstGeom prst="flowChartProcess">
+                <a:avLst/>
+              </a:prstGeom>
+            </p:spPr>
+            <p:style>
+              <a:lnRef idx="2">
+                <a:schemeClr val="accent1">
+                  <a:shade val="50000"/>
+                </a:schemeClr>
+              </a:lnRef>
+              <a:fillRef idx="1">
+                <a:schemeClr val="accent1"/>
+              </a:fillRef>
+              <a:effectRef idx="0">
+                <a:schemeClr val="accent1"/>
+              </a:effectRef>
+              <a:fontRef idx="minor">
+                <a:schemeClr val="lt1"/>
+              </a:fontRef>
+            </p:style>
+            <p:txBody>
+              <a:bodyPr rtlCol="0" anchor="ctr"/>
+              <a:lstStyle/>
+              <a:p>
+                <a:pPr algn="ctr"/>
+                <a:endParaRPr lang="zh-CN" altLang="en-US"/>
+              </a:p>
+            </p:txBody>
+          </p:sp>
+          <p:sp>
+            <p:nvSpPr>
+              <p:cNvPr id="206" name="流程图: 过程 205">
+                <a:extLst>
+                  <a:ext uri="{FF2B5EF4-FFF2-40B4-BE49-F238E27FC236}">
+                    <a16:creationId xmlns:a16="http://schemas.microsoft.com/office/drawing/2014/main" id="{D6ED0FC4-2037-E288-1DE0-0DA1F4A6FD68}"/>
+                  </a:ext>
+                </a:extLst>
+              </p:cNvPr>
+              <p:cNvSpPr/>
+              <p:nvPr/>
+            </p:nvSpPr>
+            <p:spPr>
+              <a:xfrm>
+                <a:off x="4336052" y="6457159"/>
+                <a:ext cx="157945" cy="59055"/>
+              </a:xfrm>
+              <a:prstGeom prst="flowChartProcess">
+                <a:avLst/>
+              </a:prstGeom>
+            </p:spPr>
+            <p:style>
+              <a:lnRef idx="2">
+                <a:schemeClr val="accent1">
+                  <a:shade val="50000"/>
+                </a:schemeClr>
+              </a:lnRef>
+              <a:fillRef idx="1">
+                <a:schemeClr val="accent1"/>
+              </a:fillRef>
+              <a:effectRef idx="0">
+                <a:schemeClr val="accent1"/>
+              </a:effectRef>
+              <a:fontRef idx="minor">
+                <a:schemeClr val="lt1"/>
+              </a:fontRef>
+            </p:style>
+            <p:txBody>
+              <a:bodyPr rtlCol="0" anchor="ctr"/>
+              <a:lstStyle/>
+              <a:p>
+                <a:pPr algn="ctr"/>
+                <a:endParaRPr lang="zh-CN" altLang="en-US"/>
+              </a:p>
+            </p:txBody>
+          </p:sp>
+          <p:sp>
+            <p:nvSpPr>
+              <p:cNvPr id="207" name="文本框 206">
+                <a:extLst>
+                  <a:ext uri="{FF2B5EF4-FFF2-40B4-BE49-F238E27FC236}">
+                    <a16:creationId xmlns:a16="http://schemas.microsoft.com/office/drawing/2014/main" id="{601A846A-3D9E-6A8C-5FC9-D7B6896D023F}"/>
+                  </a:ext>
+                </a:extLst>
+              </p:cNvPr>
+              <p:cNvSpPr txBox="1"/>
+              <p:nvPr/>
+            </p:nvSpPr>
+            <p:spPr>
+              <a:xfrm>
+                <a:off x="5869970" y="5649216"/>
+                <a:ext cx="914400" cy="415498"/>
+              </a:xfrm>
+              <a:prstGeom prst="rect">
+                <a:avLst/>
+              </a:prstGeom>
+              <a:noFill/>
+            </p:spPr>
+            <p:txBody>
+              <a:bodyPr wrap="square" rtlCol="0">
+                <a:spAutoFit/>
+              </a:bodyPr>
+              <a:lstStyle/>
+              <a:p>
+                <a:r>
+                  <a:rPr lang="en-US" altLang="zh-CN" sz="1050" dirty="0" err="1"/>
+                  <a:t>Wechat</a:t>
+                </a:r>
+                <a:endParaRPr lang="en-US" altLang="zh-CN" sz="1050" dirty="0"/>
+              </a:p>
+              <a:p>
+                <a:r>
+                  <a:rPr lang="en-US" altLang="zh-CN" sz="1050" dirty="0"/>
+                  <a:t>Applet</a:t>
+                </a:r>
+                <a:endParaRPr lang="zh-CN" altLang="en-US" sz="1050" dirty="0"/>
+              </a:p>
+            </p:txBody>
+          </p:sp>
+        </p:grpSp>
+        <p:sp>
+          <p:nvSpPr>
+            <p:cNvPr id="2" name="矩形 1">
               <a:extLst>
                 <a:ext uri="{FF2B5EF4-FFF2-40B4-BE49-F238E27FC236}">
-                  <a16:creationId xmlns:a16="http://schemas.microsoft.com/office/drawing/2014/main" id="{B951C9AA-E118-7E66-557D-70015707867E}"/>
-                </a:ext>
-              </a:extLst>
-            </p:cNvPr>
-            <p:cNvCxnSpPr>
-              <a:cxnSpLocks/>
-              <a:stCxn id="162" idx="1"/>
-              <a:endCxn id="133" idx="2"/>
-            </p:cNvCxnSpPr>
-            <p:nvPr/>
-          </p:nvCxnSpPr>
-          <p:spPr>
-            <a:xfrm rot="5400000" flipH="1" flipV="1">
-              <a:off x="1291079" y="5572172"/>
-              <a:ext cx="748266" cy="272663"/>
-            </a:xfrm>
-            <a:prstGeom prst="bentConnector3">
-              <a:avLst>
-                <a:gd name="adj1" fmla="val 50000"/>
-              </a:avLst>
-            </a:prstGeom>
-            <a:ln>
-              <a:solidFill>
-                <a:schemeClr val="tx1"/>
-              </a:solidFill>
-              <a:tailEnd type="triangle"/>
-            </a:ln>
-          </p:spPr>
-          <p:style>
-            <a:lnRef idx="1">
-              <a:schemeClr val="accent1"/>
-            </a:lnRef>
-            <a:fillRef idx="0">
-              <a:schemeClr val="accent1"/>
-            </a:fillRef>
-            <a:effectRef idx="0">
-              <a:schemeClr val="accent1"/>
-            </a:effectRef>
-            <a:fontRef idx="minor">
-              <a:schemeClr val="tx1"/>
-            </a:fontRef>
-          </p:style>
-        </p:cxnSp>
-        <p:sp>
-          <p:nvSpPr>
-            <p:cNvPr id="77" name="文本框 76">
-              <a:extLst>
-                <a:ext uri="{FF2B5EF4-FFF2-40B4-BE49-F238E27FC236}">
-                  <a16:creationId xmlns:a16="http://schemas.microsoft.com/office/drawing/2014/main" id="{8C026FC3-425B-BF6E-1B1A-D951EDF7C564}"/>
-                </a:ext>
-              </a:extLst>
-            </p:cNvPr>
-            <p:cNvSpPr txBox="1"/>
-            <p:nvPr/>
-          </p:nvSpPr>
-          <p:spPr>
-            <a:xfrm>
-              <a:off x="1148759" y="6624597"/>
-              <a:ext cx="914400" cy="253916"/>
-            </a:xfrm>
-            <a:prstGeom prst="rect">
-              <a:avLst/>
-            </a:prstGeom>
-            <a:noFill/>
-          </p:spPr>
-          <p:txBody>
-            <a:bodyPr wrap="square" rtlCol="0">
-              <a:spAutoFit/>
-            </a:bodyPr>
-            <a:lstStyle/>
-            <a:p>
-              <a:r>
-                <a:rPr lang="en-US" altLang="zh-CN" sz="1050" dirty="0"/>
-                <a:t>Client PC</a:t>
-              </a:r>
-              <a:endParaRPr lang="zh-CN" altLang="en-US" sz="1050" dirty="0"/>
-            </a:p>
-          </p:txBody>
-        </p:sp>
-        <p:sp>
-          <p:nvSpPr>
-            <p:cNvPr id="78" name="思想气泡: 云 77">
-              <a:extLst>
-                <a:ext uri="{FF2B5EF4-FFF2-40B4-BE49-F238E27FC236}">
-                  <a16:creationId xmlns:a16="http://schemas.microsoft.com/office/drawing/2014/main" id="{5615681C-2A76-A225-38DB-AE1468A3C857}"/>
+                  <a16:creationId xmlns:a16="http://schemas.microsoft.com/office/drawing/2014/main" id="{7816B9C6-1721-3A95-229D-CBE6F80A042A}"/>
                 </a:ext>
               </a:extLst>
             </p:cNvPr>
@@ -9605,1029 +13809,8 @@
           </p:nvSpPr>
           <p:spPr>
             <a:xfrm>
-              <a:off x="-514009" y="-557240"/>
-              <a:ext cx="7372009" cy="4498833"/>
-            </a:xfrm>
-            <a:prstGeom prst="cloudCallout">
-              <a:avLst>
-                <a:gd name="adj1" fmla="val 45765"/>
-                <a:gd name="adj2" fmla="val 17380"/>
-              </a:avLst>
-            </a:prstGeom>
-            <a:noFill/>
-          </p:spPr>
-          <p:style>
-            <a:lnRef idx="2">
-              <a:schemeClr val="accent1">
-                <a:shade val="50000"/>
-              </a:schemeClr>
-            </a:lnRef>
-            <a:fillRef idx="1">
-              <a:schemeClr val="accent1"/>
-            </a:fillRef>
-            <a:effectRef idx="0">
-              <a:schemeClr val="accent1"/>
-            </a:effectRef>
-            <a:fontRef idx="minor">
-              <a:schemeClr val="lt1"/>
-            </a:fontRef>
-          </p:style>
-          <p:txBody>
-            <a:bodyPr rtlCol="0" anchor="ctr"/>
-            <a:lstStyle/>
-            <a:p>
-              <a:pPr algn="ctr"/>
-              <a:endParaRPr lang="zh-CN" altLang="en-US"/>
-            </a:p>
-          </p:txBody>
-        </p:sp>
-        <p:cxnSp>
-          <p:nvCxnSpPr>
-            <p:cNvPr id="87" name="连接符: 肘形 86">
-              <a:extLst>
-                <a:ext uri="{FF2B5EF4-FFF2-40B4-BE49-F238E27FC236}">
-                  <a16:creationId xmlns:a16="http://schemas.microsoft.com/office/drawing/2014/main" id="{54E14D54-921D-D54D-1930-CC94270D43A4}"/>
-                </a:ext>
-              </a:extLst>
-            </p:cNvPr>
-            <p:cNvCxnSpPr>
-              <a:cxnSpLocks/>
-              <a:stCxn id="130" idx="0"/>
-              <a:endCxn id="111" idx="2"/>
-            </p:cNvCxnSpPr>
-            <p:nvPr/>
-          </p:nvCxnSpPr>
-          <p:spPr>
-            <a:xfrm rot="5400000" flipH="1" flipV="1">
-              <a:off x="2105873" y="2532216"/>
-              <a:ext cx="947888" cy="1985790"/>
-            </a:xfrm>
-            <a:prstGeom prst="bentConnector3">
-              <a:avLst>
-                <a:gd name="adj1" fmla="val 20256"/>
-              </a:avLst>
-            </a:prstGeom>
-            <a:ln>
-              <a:solidFill>
-                <a:schemeClr val="tx1"/>
-              </a:solidFill>
-              <a:tailEnd type="triangle"/>
-            </a:ln>
-          </p:spPr>
-          <p:style>
-            <a:lnRef idx="1">
-              <a:schemeClr val="accent1"/>
-            </a:lnRef>
-            <a:fillRef idx="0">
-              <a:schemeClr val="accent1"/>
-            </a:fillRef>
-            <a:effectRef idx="0">
-              <a:schemeClr val="accent1"/>
-            </a:effectRef>
-            <a:fontRef idx="minor">
-              <a:schemeClr val="tx1"/>
-            </a:fontRef>
-          </p:style>
-        </p:cxnSp>
-        <p:cxnSp>
-          <p:nvCxnSpPr>
-            <p:cNvPr id="91" name="连接符: 肘形 90">
-              <a:extLst>
-                <a:ext uri="{FF2B5EF4-FFF2-40B4-BE49-F238E27FC236}">
-                  <a16:creationId xmlns:a16="http://schemas.microsoft.com/office/drawing/2014/main" id="{9402203D-8115-675D-BCAC-35DAA5D52C59}"/>
-                </a:ext>
-              </a:extLst>
-            </p:cNvPr>
-            <p:cNvCxnSpPr>
-              <a:cxnSpLocks/>
-              <a:stCxn id="48" idx="0"/>
-              <a:endCxn id="12" idx="2"/>
-            </p:cNvCxnSpPr>
-            <p:nvPr/>
-          </p:nvCxnSpPr>
-          <p:spPr>
-            <a:xfrm rot="16200000" flipV="1">
-              <a:off x="2120345" y="756715"/>
-              <a:ext cx="474097" cy="1992385"/>
-            </a:xfrm>
-            <a:prstGeom prst="bentConnector3">
-              <a:avLst>
-                <a:gd name="adj1" fmla="val 50000"/>
-              </a:avLst>
-            </a:prstGeom>
-            <a:ln>
-              <a:solidFill>
-                <a:schemeClr val="tx1"/>
-              </a:solidFill>
-              <a:tailEnd type="triangle"/>
-            </a:ln>
-          </p:spPr>
-          <p:style>
-            <a:lnRef idx="1">
-              <a:schemeClr val="accent1"/>
-            </a:lnRef>
-            <a:fillRef idx="0">
-              <a:schemeClr val="accent1"/>
-            </a:fillRef>
-            <a:effectRef idx="0">
-              <a:schemeClr val="accent1"/>
-            </a:effectRef>
-            <a:fontRef idx="minor">
-              <a:schemeClr val="tx1"/>
-            </a:fontRef>
-          </p:style>
-        </p:cxnSp>
-        <p:sp>
-          <p:nvSpPr>
-            <p:cNvPr id="3" name="立方体 2">
-              <a:extLst>
-                <a:ext uri="{FF2B5EF4-FFF2-40B4-BE49-F238E27FC236}">
-                  <a16:creationId xmlns:a16="http://schemas.microsoft.com/office/drawing/2014/main" id="{13021963-037D-1DF6-3413-12F4F31C192D}"/>
-                </a:ext>
-              </a:extLst>
-            </p:cNvPr>
-            <p:cNvSpPr/>
-            <p:nvPr/>
-          </p:nvSpPr>
-          <p:spPr>
-            <a:xfrm>
-              <a:off x="976760" y="294381"/>
-              <a:ext cx="1573125" cy="1345443"/>
-            </a:xfrm>
-            <a:prstGeom prst="cube">
-              <a:avLst>
-                <a:gd name="adj" fmla="val 14579"/>
-              </a:avLst>
-            </a:prstGeom>
-            <a:noFill/>
-            <a:ln>
-              <a:solidFill>
-                <a:schemeClr val="tx1"/>
-              </a:solidFill>
-            </a:ln>
-            <a:scene3d>
-              <a:camera prst="orthographicFront"/>
-              <a:lightRig rig="brightRoom" dir="t"/>
-            </a:scene3d>
-            <a:sp3d prstMaterial="matte"/>
-          </p:spPr>
-          <p:style>
-            <a:lnRef idx="2">
-              <a:schemeClr val="accent1">
-                <a:shade val="50000"/>
-              </a:schemeClr>
-            </a:lnRef>
-            <a:fillRef idx="1">
-              <a:schemeClr val="accent1"/>
-            </a:fillRef>
-            <a:effectRef idx="0">
-              <a:schemeClr val="accent1"/>
-            </a:effectRef>
-            <a:fontRef idx="minor">
-              <a:schemeClr val="lt1"/>
-            </a:fontRef>
-          </p:style>
-          <p:txBody>
-            <a:bodyPr rtlCol="0" anchor="ctr"/>
-            <a:lstStyle/>
-            <a:p>
-              <a:pPr algn="ctr"/>
-              <a:r>
-                <a:rPr lang="en-US" altLang="zh-CN" sz="800" dirty="0">
-                  <a:solidFill>
-                    <a:schemeClr val="tx1"/>
-                  </a:solidFill>
-                </a:rPr>
-                <a:t>Synology DiskStation Manager </a:t>
-              </a:r>
-              <a:r>
-                <a:rPr lang="en-US" altLang="zh-CN" sz="1600" dirty="0">
-                  <a:solidFill>
-                    <a:schemeClr val="tx1"/>
-                  </a:solidFill>
-                </a:rPr>
-                <a:t>(DSM)</a:t>
-              </a:r>
-            </a:p>
-            <a:p>
-              <a:pPr algn="ctr"/>
-              <a:endParaRPr lang="en-US" altLang="zh-CN" sz="1600" dirty="0">
-                <a:solidFill>
-                  <a:schemeClr val="tx1"/>
-                </a:solidFill>
-              </a:endParaRPr>
-            </a:p>
-            <a:p>
-              <a:pPr algn="ctr"/>
-              <a:r>
-                <a:rPr lang="en-US" altLang="zh-CN" sz="1600" dirty="0">
-                  <a:solidFill>
-                    <a:schemeClr val="tx1"/>
-                  </a:solidFill>
-                </a:rPr>
-                <a:t> </a:t>
-              </a:r>
-              <a:endParaRPr lang="zh-CN" altLang="en-US" sz="1600" dirty="0">
-                <a:solidFill>
-                  <a:schemeClr val="tx1"/>
-                </a:solidFill>
-              </a:endParaRPr>
-            </a:p>
-          </p:txBody>
-        </p:sp>
-        <p:sp>
-          <p:nvSpPr>
-            <p:cNvPr id="8" name="文本框 7">
-              <a:extLst>
-                <a:ext uri="{FF2B5EF4-FFF2-40B4-BE49-F238E27FC236}">
-                  <a16:creationId xmlns:a16="http://schemas.microsoft.com/office/drawing/2014/main" id="{E08F04E5-D89B-B11F-73EA-6349CABBF8AF}"/>
-                </a:ext>
-              </a:extLst>
-            </p:cNvPr>
-            <p:cNvSpPr txBox="1"/>
-            <p:nvPr/>
-          </p:nvSpPr>
-          <p:spPr>
-            <a:xfrm>
-              <a:off x="156646" y="647924"/>
-              <a:ext cx="914400" cy="253916"/>
-            </a:xfrm>
-            <a:prstGeom prst="rect">
-              <a:avLst/>
-            </a:prstGeom>
-            <a:noFill/>
-          </p:spPr>
-          <p:txBody>
-            <a:bodyPr wrap="square" rtlCol="0">
-              <a:spAutoFit/>
-            </a:bodyPr>
-            <a:lstStyle/>
-            <a:p>
-              <a:r>
-                <a:rPr lang="en-US" altLang="zh-CN" sz="1050" dirty="0"/>
-                <a:t>NAS Server</a:t>
-              </a:r>
-              <a:endParaRPr lang="zh-CN" altLang="en-US" sz="1050" dirty="0"/>
-            </a:p>
-          </p:txBody>
-        </p:sp>
-        <p:pic>
-          <p:nvPicPr>
-            <p:cNvPr id="12" name="图形 11" descr="数据库 纯色填充">
-              <a:extLst>
-                <a:ext uri="{FF2B5EF4-FFF2-40B4-BE49-F238E27FC236}">
-                  <a16:creationId xmlns:a16="http://schemas.microsoft.com/office/drawing/2014/main" id="{125E2337-DE8A-506C-B5BC-B036F135FDAD}"/>
-                </a:ext>
-              </a:extLst>
-            </p:cNvPr>
-            <p:cNvPicPr>
-              <a:picLocks noChangeAspect="1"/>
-            </p:cNvPicPr>
-            <p:nvPr/>
-          </p:nvPicPr>
-          <p:blipFill>
-            <a:blip r:embed="rId2">
-              <a:extLst>
-                <a:ext uri="{28A0092B-C50C-407E-A947-70E740481C1C}">
-                  <a14:useLocalDpi xmlns:a14="http://schemas.microsoft.com/office/drawing/2010/main" val="0"/>
-                </a:ext>
-                <a:ext uri="{96DAC541-7B7A-43D3-8B79-37D633B846F1}">
-                  <asvg:svgBlip xmlns:asvg="http://schemas.microsoft.com/office/drawing/2016/SVG/main" r:embed="rId3"/>
-                </a:ext>
-              </a:extLst>
-            </a:blip>
-            <a:stretch>
-              <a:fillRect/>
-            </a:stretch>
-          </p:blipFill>
-          <p:spPr>
-            <a:xfrm>
-              <a:off x="1096185" y="985830"/>
-              <a:ext cx="530029" cy="530029"/>
-            </a:xfrm>
-            <a:prstGeom prst="rect">
-              <a:avLst/>
-            </a:prstGeom>
-          </p:spPr>
-        </p:pic>
-        <p:sp>
-          <p:nvSpPr>
-            <p:cNvPr id="32" name="文本框 31">
-              <a:extLst>
-                <a:ext uri="{FF2B5EF4-FFF2-40B4-BE49-F238E27FC236}">
-                  <a16:creationId xmlns:a16="http://schemas.microsoft.com/office/drawing/2014/main" id="{EC0C9762-A08F-479C-4782-372A01C7D7C2}"/>
-                </a:ext>
-              </a:extLst>
-            </p:cNvPr>
-            <p:cNvSpPr txBox="1"/>
-            <p:nvPr/>
-          </p:nvSpPr>
-          <p:spPr>
-            <a:xfrm>
-              <a:off x="1581040" y="1110654"/>
-              <a:ext cx="616068" cy="253916"/>
-            </a:xfrm>
-            <a:prstGeom prst="rect">
-              <a:avLst/>
-            </a:prstGeom>
-            <a:noFill/>
-          </p:spPr>
-          <p:txBody>
-            <a:bodyPr wrap="square" rtlCol="0">
-              <a:spAutoFit/>
-            </a:bodyPr>
-            <a:lstStyle/>
-            <a:p>
-              <a:r>
-                <a:rPr lang="en-US" altLang="zh-CN" sz="1050" dirty="0"/>
-                <a:t>MySQL</a:t>
-              </a:r>
-              <a:endParaRPr lang="zh-CN" altLang="en-US" sz="1050" dirty="0"/>
-            </a:p>
-          </p:txBody>
-        </p:sp>
-        <p:sp>
-          <p:nvSpPr>
-            <p:cNvPr id="40" name="立方体 39">
-              <a:extLst>
-                <a:ext uri="{FF2B5EF4-FFF2-40B4-BE49-F238E27FC236}">
-                  <a16:creationId xmlns:a16="http://schemas.microsoft.com/office/drawing/2014/main" id="{478276AD-4C35-35CD-5635-895F1AB2ED57}"/>
-                </a:ext>
-              </a:extLst>
-            </p:cNvPr>
-            <p:cNvSpPr/>
-            <p:nvPr/>
-          </p:nvSpPr>
-          <p:spPr>
-            <a:xfrm>
-              <a:off x="3911727" y="294381"/>
-              <a:ext cx="1690555" cy="1345443"/>
-            </a:xfrm>
-            <a:prstGeom prst="cube">
-              <a:avLst>
-                <a:gd name="adj" fmla="val 14579"/>
-              </a:avLst>
-            </a:prstGeom>
-            <a:noFill/>
-            <a:ln>
-              <a:solidFill>
-                <a:schemeClr val="tx1"/>
-              </a:solidFill>
-            </a:ln>
-            <a:scene3d>
-              <a:camera prst="orthographicFront"/>
-              <a:lightRig rig="brightRoom" dir="t"/>
-            </a:scene3d>
-            <a:sp3d prstMaterial="matte"/>
-          </p:spPr>
-          <p:style>
-            <a:lnRef idx="2">
-              <a:schemeClr val="accent1">
-                <a:shade val="50000"/>
-              </a:schemeClr>
-            </a:lnRef>
-            <a:fillRef idx="1">
-              <a:schemeClr val="accent1"/>
-            </a:fillRef>
-            <a:effectRef idx="0">
-              <a:schemeClr val="accent1"/>
-            </a:effectRef>
-            <a:fontRef idx="minor">
-              <a:schemeClr val="lt1"/>
-            </a:fontRef>
-          </p:style>
-          <p:txBody>
-            <a:bodyPr rtlCol="0" anchor="ctr"/>
-            <a:lstStyle/>
-            <a:p>
-              <a:pPr algn="ctr"/>
-              <a:r>
-                <a:rPr lang="en-US" altLang="zh-CN" sz="1600" dirty="0">
-                  <a:solidFill>
-                    <a:schemeClr val="tx1"/>
-                  </a:solidFill>
-                </a:rPr>
-                <a:t>Ubuntu(Linux)</a:t>
-              </a:r>
-            </a:p>
-            <a:p>
-              <a:pPr algn="ctr"/>
-              <a:endParaRPr lang="en-US" altLang="zh-CN" sz="1600" dirty="0">
-                <a:solidFill>
-                  <a:schemeClr val="tx1"/>
-                </a:solidFill>
-              </a:endParaRPr>
-            </a:p>
-            <a:p>
-              <a:pPr algn="ctr"/>
-              <a:r>
-                <a:rPr lang="en-US" altLang="zh-CN" sz="1600" dirty="0">
-                  <a:solidFill>
-                    <a:schemeClr val="tx1"/>
-                  </a:solidFill>
-                </a:rPr>
-                <a:t> </a:t>
-              </a:r>
-              <a:endParaRPr lang="zh-CN" altLang="en-US" sz="1600" dirty="0">
-                <a:solidFill>
-                  <a:schemeClr val="tx1"/>
-                </a:solidFill>
-              </a:endParaRPr>
-            </a:p>
-          </p:txBody>
-        </p:sp>
-        <p:sp>
-          <p:nvSpPr>
-            <p:cNvPr id="42" name="文本框 41">
-              <a:extLst>
-                <a:ext uri="{FF2B5EF4-FFF2-40B4-BE49-F238E27FC236}">
-                  <a16:creationId xmlns:a16="http://schemas.microsoft.com/office/drawing/2014/main" id="{A8172F4F-9861-C26C-3037-08C96022A2CA}"/>
-                </a:ext>
-              </a:extLst>
-            </p:cNvPr>
-            <p:cNvSpPr txBox="1"/>
-            <p:nvPr/>
-          </p:nvSpPr>
-          <p:spPr>
-            <a:xfrm>
-              <a:off x="5626141" y="673583"/>
-              <a:ext cx="914400" cy="253916"/>
-            </a:xfrm>
-            <a:prstGeom prst="rect">
-              <a:avLst/>
-            </a:prstGeom>
-            <a:noFill/>
-          </p:spPr>
-          <p:txBody>
-            <a:bodyPr wrap="square" rtlCol="0">
-              <a:spAutoFit/>
-            </a:bodyPr>
-            <a:lstStyle/>
-            <a:p>
-              <a:r>
-                <a:rPr lang="en-US" altLang="zh-CN" sz="1050" dirty="0"/>
-                <a:t>GPU Server</a:t>
-              </a:r>
-              <a:endParaRPr lang="zh-CN" altLang="en-US" sz="1050" dirty="0"/>
-            </a:p>
-          </p:txBody>
-        </p:sp>
-        <p:pic>
-          <p:nvPicPr>
-            <p:cNvPr id="46" name="图形 45" descr="数据库 纯色填充">
-              <a:extLst>
-                <a:ext uri="{FF2B5EF4-FFF2-40B4-BE49-F238E27FC236}">
-                  <a16:creationId xmlns:a16="http://schemas.microsoft.com/office/drawing/2014/main" id="{14103198-5FDF-3B74-17AE-80599991F827}"/>
-                </a:ext>
-              </a:extLst>
-            </p:cNvPr>
-            <p:cNvPicPr>
-              <a:picLocks noChangeAspect="1"/>
-            </p:cNvPicPr>
-            <p:nvPr/>
-          </p:nvPicPr>
-          <p:blipFill>
-            <a:blip r:embed="rId2">
-              <a:extLst>
-                <a:ext uri="{28A0092B-C50C-407E-A947-70E740481C1C}">
-                  <a14:useLocalDpi xmlns:a14="http://schemas.microsoft.com/office/drawing/2010/main" val="0"/>
-                </a:ext>
-                <a:ext uri="{96DAC541-7B7A-43D3-8B79-37D633B846F1}">
-                  <asvg:svgBlip xmlns:asvg="http://schemas.microsoft.com/office/drawing/2016/SVG/main" r:embed="rId3"/>
-                </a:ext>
-              </a:extLst>
-            </a:blip>
-            <a:stretch>
-              <a:fillRect/>
-            </a:stretch>
-          </p:blipFill>
-          <p:spPr>
-            <a:xfrm>
-              <a:off x="4148582" y="985830"/>
-              <a:ext cx="530029" cy="530029"/>
-            </a:xfrm>
-            <a:prstGeom prst="rect">
-              <a:avLst/>
-            </a:prstGeom>
-          </p:spPr>
-        </p:pic>
-        <p:sp>
-          <p:nvSpPr>
-            <p:cNvPr id="47" name="文本框 46">
-              <a:extLst>
-                <a:ext uri="{FF2B5EF4-FFF2-40B4-BE49-F238E27FC236}">
-                  <a16:creationId xmlns:a16="http://schemas.microsoft.com/office/drawing/2014/main" id="{DA0EE618-DFEE-8A4D-A3B4-83D8FC31178D}"/>
-                </a:ext>
-              </a:extLst>
-            </p:cNvPr>
-            <p:cNvSpPr txBox="1"/>
-            <p:nvPr/>
-          </p:nvSpPr>
-          <p:spPr>
-            <a:xfrm>
-              <a:off x="4633436" y="1110654"/>
-              <a:ext cx="737139" cy="253916"/>
-            </a:xfrm>
-            <a:prstGeom prst="rect">
-              <a:avLst/>
-            </a:prstGeom>
-            <a:noFill/>
-          </p:spPr>
-          <p:txBody>
-            <a:bodyPr wrap="square" rtlCol="0">
-              <a:spAutoFit/>
-            </a:bodyPr>
-            <a:lstStyle/>
-            <a:p>
-              <a:r>
-                <a:rPr lang="en-US" altLang="zh-CN" sz="1050" dirty="0"/>
-                <a:t>MongoDB</a:t>
-              </a:r>
-              <a:endParaRPr lang="zh-CN" altLang="en-US" sz="1050" dirty="0"/>
-            </a:p>
-          </p:txBody>
-        </p:sp>
-        <p:sp>
-          <p:nvSpPr>
-            <p:cNvPr id="48" name="立方体 47">
-              <a:extLst>
-                <a:ext uri="{FF2B5EF4-FFF2-40B4-BE49-F238E27FC236}">
-                  <a16:creationId xmlns:a16="http://schemas.microsoft.com/office/drawing/2014/main" id="{6BBA594D-657D-D62C-E7F3-FD9B1A7D7F41}"/>
-                </a:ext>
-              </a:extLst>
-            </p:cNvPr>
-            <p:cNvSpPr/>
-            <p:nvPr/>
-          </p:nvSpPr>
-          <p:spPr>
-            <a:xfrm>
-              <a:off x="2288543" y="1989956"/>
-              <a:ext cx="2001517" cy="1482884"/>
-            </a:xfrm>
-            <a:prstGeom prst="cube">
-              <a:avLst>
-                <a:gd name="adj" fmla="val 8670"/>
-              </a:avLst>
-            </a:prstGeom>
-            <a:noFill/>
-            <a:ln>
-              <a:solidFill>
-                <a:schemeClr val="tx1"/>
-              </a:solidFill>
-            </a:ln>
-            <a:scene3d>
-              <a:camera prst="orthographicFront"/>
-              <a:lightRig rig="brightRoom" dir="t"/>
-            </a:scene3d>
-            <a:sp3d prstMaterial="matte"/>
-          </p:spPr>
-          <p:style>
-            <a:lnRef idx="2">
-              <a:schemeClr val="accent1">
-                <a:shade val="50000"/>
-              </a:schemeClr>
-            </a:lnRef>
-            <a:fillRef idx="1">
-              <a:schemeClr val="accent1"/>
-            </a:fillRef>
-            <a:effectRef idx="0">
-              <a:schemeClr val="accent1"/>
-            </a:effectRef>
-            <a:fontRef idx="minor">
-              <a:schemeClr val="lt1"/>
-            </a:fontRef>
-          </p:style>
-          <p:txBody>
-            <a:bodyPr rtlCol="0" anchor="ctr"/>
-            <a:lstStyle/>
-            <a:p>
-              <a:pPr algn="ctr"/>
-              <a:r>
-                <a:rPr lang="en-US" altLang="zh-CN" sz="800" dirty="0">
-                  <a:solidFill>
-                    <a:schemeClr val="tx1"/>
-                  </a:solidFill>
-                </a:rPr>
-                <a:t>Ubuntu(Linux)</a:t>
-              </a:r>
-            </a:p>
-            <a:p>
-              <a:pPr algn="ctr"/>
-              <a:endParaRPr lang="en-US" altLang="zh-CN" sz="800" dirty="0">
-                <a:solidFill>
-                  <a:schemeClr val="tx1"/>
-                </a:solidFill>
-              </a:endParaRPr>
-            </a:p>
-            <a:p>
-              <a:pPr algn="ctr"/>
-              <a:endParaRPr lang="en-US" altLang="zh-CN" sz="800" dirty="0">
-                <a:solidFill>
-                  <a:schemeClr val="tx1"/>
-                </a:solidFill>
-              </a:endParaRPr>
-            </a:p>
-            <a:p>
-              <a:pPr algn="ctr"/>
-              <a:endParaRPr lang="en-US" altLang="zh-CN" sz="800" dirty="0">
-                <a:solidFill>
-                  <a:schemeClr val="tx1"/>
-                </a:solidFill>
-              </a:endParaRPr>
-            </a:p>
-            <a:p>
-              <a:pPr algn="ctr"/>
-              <a:endParaRPr lang="en-US" altLang="zh-CN" sz="800" dirty="0">
-                <a:solidFill>
-                  <a:schemeClr val="tx1"/>
-                </a:solidFill>
-              </a:endParaRPr>
-            </a:p>
-            <a:p>
-              <a:pPr algn="ctr"/>
-              <a:endParaRPr lang="en-US" altLang="zh-CN" sz="1600" dirty="0">
-                <a:solidFill>
-                  <a:schemeClr val="tx1"/>
-                </a:solidFill>
-              </a:endParaRPr>
-            </a:p>
-            <a:p>
-              <a:pPr algn="ctr"/>
-              <a:endParaRPr lang="en-US" altLang="zh-CN" sz="1600" dirty="0">
-                <a:solidFill>
-                  <a:schemeClr val="tx1"/>
-                </a:solidFill>
-              </a:endParaRPr>
-            </a:p>
-            <a:p>
-              <a:pPr algn="ctr"/>
-              <a:r>
-                <a:rPr lang="en-US" altLang="zh-CN" sz="1600" dirty="0">
-                  <a:solidFill>
-                    <a:schemeClr val="tx1"/>
-                  </a:solidFill>
-                </a:rPr>
-                <a:t> </a:t>
-              </a:r>
-              <a:endParaRPr lang="zh-CN" altLang="en-US" sz="1600" dirty="0">
-                <a:solidFill>
-                  <a:schemeClr val="tx1"/>
-                </a:solidFill>
-              </a:endParaRPr>
-            </a:p>
-          </p:txBody>
-        </p:sp>
-        <p:sp>
-          <p:nvSpPr>
-            <p:cNvPr id="49" name="文本框 48">
-              <a:extLst>
-                <a:ext uri="{FF2B5EF4-FFF2-40B4-BE49-F238E27FC236}">
-                  <a16:creationId xmlns:a16="http://schemas.microsoft.com/office/drawing/2014/main" id="{4A566382-8727-9E05-55A8-EE0547FFB76B}"/>
-                </a:ext>
-              </a:extLst>
-            </p:cNvPr>
-            <p:cNvSpPr txBox="1"/>
-            <p:nvPr/>
-          </p:nvSpPr>
-          <p:spPr>
-            <a:xfrm>
-              <a:off x="1484297" y="2340798"/>
-              <a:ext cx="914400" cy="577081"/>
-            </a:xfrm>
-            <a:prstGeom prst="rect">
-              <a:avLst/>
-            </a:prstGeom>
-            <a:noFill/>
-          </p:spPr>
-          <p:txBody>
-            <a:bodyPr wrap="square" rtlCol="0">
-              <a:spAutoFit/>
-            </a:bodyPr>
-            <a:lstStyle/>
-            <a:p>
-              <a:r>
-                <a:rPr lang="en-US" altLang="zh-CN" sz="1050" dirty="0"/>
-                <a:t>Back-end </a:t>
-              </a:r>
-            </a:p>
-            <a:p>
-              <a:r>
-                <a:rPr lang="en-US" altLang="zh-CN" sz="1050" dirty="0"/>
-                <a:t>Web</a:t>
-              </a:r>
-            </a:p>
-            <a:p>
-              <a:r>
-                <a:rPr lang="en-US" altLang="zh-CN" sz="1050" dirty="0"/>
-                <a:t>Server</a:t>
-              </a:r>
-              <a:endParaRPr lang="zh-CN" altLang="en-US" sz="1050" dirty="0"/>
-            </a:p>
-          </p:txBody>
-        </p:sp>
-        <p:sp>
-          <p:nvSpPr>
-            <p:cNvPr id="52" name="文本框 51">
-              <a:extLst>
-                <a:ext uri="{FF2B5EF4-FFF2-40B4-BE49-F238E27FC236}">
-                  <a16:creationId xmlns:a16="http://schemas.microsoft.com/office/drawing/2014/main" id="{815C0EC5-D49F-F8F5-9823-79F3F0036575}"/>
-                </a:ext>
-              </a:extLst>
-            </p:cNvPr>
-            <p:cNvSpPr txBox="1"/>
-            <p:nvPr/>
-          </p:nvSpPr>
-          <p:spPr>
-            <a:xfrm>
-              <a:off x="2267733" y="2513100"/>
-              <a:ext cx="589985" cy="200055"/>
-            </a:xfrm>
-            <a:prstGeom prst="rect">
-              <a:avLst/>
-            </a:prstGeom>
-            <a:noFill/>
-          </p:spPr>
-          <p:txBody>
-            <a:bodyPr wrap="square" rtlCol="0">
-              <a:spAutoFit/>
-            </a:bodyPr>
-            <a:lstStyle/>
-            <a:p>
-              <a:r>
-                <a:rPr lang="en-US" altLang="zh-CN" sz="700" dirty="0"/>
-                <a:t>MySQL</a:t>
-              </a:r>
-              <a:endParaRPr lang="zh-CN" altLang="en-US" sz="700" dirty="0"/>
-            </a:p>
-          </p:txBody>
-        </p:sp>
-        <p:cxnSp>
-          <p:nvCxnSpPr>
-            <p:cNvPr id="59" name="连接符: 肘形 58">
-              <a:extLst>
-                <a:ext uri="{FF2B5EF4-FFF2-40B4-BE49-F238E27FC236}">
-                  <a16:creationId xmlns:a16="http://schemas.microsoft.com/office/drawing/2014/main" id="{9B2D8119-7382-6A63-D64E-6FE94BE5775A}"/>
-                </a:ext>
-              </a:extLst>
-            </p:cNvPr>
-            <p:cNvCxnSpPr>
-              <a:cxnSpLocks/>
-              <a:stCxn id="48" idx="0"/>
-              <a:endCxn id="46" idx="2"/>
-            </p:cNvCxnSpPr>
-            <p:nvPr/>
-          </p:nvCxnSpPr>
-          <p:spPr>
-            <a:xfrm rot="5400000" flipH="1" flipV="1">
-              <a:off x="3646543" y="1222902"/>
-              <a:ext cx="474097" cy="1060012"/>
-            </a:xfrm>
-            <a:prstGeom prst="bentConnector3">
-              <a:avLst>
-                <a:gd name="adj1" fmla="val 50000"/>
-              </a:avLst>
-            </a:prstGeom>
-            <a:ln>
-              <a:solidFill>
-                <a:schemeClr val="tx1"/>
-              </a:solidFill>
-              <a:tailEnd type="triangle"/>
-            </a:ln>
-          </p:spPr>
-          <p:style>
-            <a:lnRef idx="1">
-              <a:schemeClr val="accent1"/>
-            </a:lnRef>
-            <a:fillRef idx="0">
-              <a:schemeClr val="accent1"/>
-            </a:fillRef>
-            <a:effectRef idx="0">
-              <a:schemeClr val="accent1"/>
-            </a:effectRef>
-            <a:fontRef idx="minor">
-              <a:schemeClr val="tx1"/>
-            </a:fontRef>
-          </p:style>
-        </p:cxnSp>
-        <p:sp>
-          <p:nvSpPr>
-            <p:cNvPr id="66" name="文本框 65">
-              <a:extLst>
-                <a:ext uri="{FF2B5EF4-FFF2-40B4-BE49-F238E27FC236}">
-                  <a16:creationId xmlns:a16="http://schemas.microsoft.com/office/drawing/2014/main" id="{C78EDF8F-F98F-A863-4BD9-2AE45ED1AF14}"/>
-                </a:ext>
-              </a:extLst>
-            </p:cNvPr>
-            <p:cNvSpPr txBox="1"/>
-            <p:nvPr/>
-          </p:nvSpPr>
-          <p:spPr>
-            <a:xfrm>
-              <a:off x="1614167" y="1705914"/>
-              <a:ext cx="1137316" cy="215444"/>
-            </a:xfrm>
-            <a:prstGeom prst="rect">
-              <a:avLst/>
-            </a:prstGeom>
-            <a:noFill/>
-          </p:spPr>
-          <p:txBody>
-            <a:bodyPr wrap="square">
-              <a:spAutoFit/>
-            </a:bodyPr>
-            <a:lstStyle/>
-            <a:p>
-              <a:r>
-                <a:rPr lang="en-US" altLang="zh-CN" sz="800" dirty="0">
-                  <a:solidFill>
-                    <a:srgbClr val="FF0000"/>
-                  </a:solidFill>
-                  <a:latin typeface="Times New Roman" panose="02020603050405020304" pitchFamily="18" charset="0"/>
-                  <a:cs typeface="Times New Roman" panose="02020603050405020304" pitchFamily="18" charset="0"/>
-                </a:rPr>
-                <a:t>TCP/</a:t>
-              </a:r>
-              <a:r>
-                <a:rPr lang="en-US" altLang="zh-CN" sz="800" dirty="0" err="1">
-                  <a:solidFill>
-                    <a:srgbClr val="FF0000"/>
-                  </a:solidFill>
-                  <a:latin typeface="Times New Roman" panose="02020603050405020304" pitchFamily="18" charset="0"/>
-                  <a:cs typeface="Times New Roman" panose="02020603050405020304" pitchFamily="18" charset="0"/>
-                </a:rPr>
-                <a:t>IP:Socket</a:t>
-              </a:r>
-              <a:r>
-                <a:rPr lang="en-US" altLang="zh-CN" sz="800" dirty="0">
-                  <a:solidFill>
-                    <a:srgbClr val="FF0000"/>
-                  </a:solidFill>
-                  <a:latin typeface="Times New Roman" panose="02020603050405020304" pitchFamily="18" charset="0"/>
-                  <a:cs typeface="Times New Roman" panose="02020603050405020304" pitchFamily="18" charset="0"/>
-                </a:rPr>
-                <a:t>, NFS</a:t>
-              </a:r>
-              <a:endParaRPr lang="zh-CN" altLang="en-US" sz="800" dirty="0">
-                <a:solidFill>
-                  <a:srgbClr val="FF0000"/>
-                </a:solidFill>
-                <a:latin typeface="Times New Roman" panose="02020603050405020304" pitchFamily="18" charset="0"/>
-                <a:cs typeface="Times New Roman" panose="02020603050405020304" pitchFamily="18" charset="0"/>
-              </a:endParaRPr>
-            </a:p>
-          </p:txBody>
-        </p:sp>
-        <p:cxnSp>
-          <p:nvCxnSpPr>
-            <p:cNvPr id="71" name="连接符: 肘形 70">
-              <a:extLst>
-                <a:ext uri="{FF2B5EF4-FFF2-40B4-BE49-F238E27FC236}">
-                  <a16:creationId xmlns:a16="http://schemas.microsoft.com/office/drawing/2014/main" id="{BED823F9-B142-ACA7-FB0C-919C4AAA6825}"/>
-                </a:ext>
-              </a:extLst>
-            </p:cNvPr>
-            <p:cNvCxnSpPr>
-              <a:cxnSpLocks/>
-              <a:stCxn id="48" idx="1"/>
-              <a:endCxn id="3" idx="3"/>
-            </p:cNvCxnSpPr>
-            <p:nvPr/>
-          </p:nvCxnSpPr>
-          <p:spPr>
-            <a:xfrm rot="16200000" flipV="1">
-              <a:off x="2205783" y="1099287"/>
-              <a:ext cx="478698" cy="1559772"/>
-            </a:xfrm>
-            <a:prstGeom prst="bentConnector3">
-              <a:avLst>
-                <a:gd name="adj1" fmla="val 50000"/>
-              </a:avLst>
-            </a:prstGeom>
-            <a:ln>
-              <a:solidFill>
-                <a:schemeClr val="tx1"/>
-              </a:solidFill>
-              <a:tailEnd type="triangle"/>
-            </a:ln>
-          </p:spPr>
-          <p:style>
-            <a:lnRef idx="1">
-              <a:schemeClr val="accent1"/>
-            </a:lnRef>
-            <a:fillRef idx="0">
-              <a:schemeClr val="accent1"/>
-            </a:fillRef>
-            <a:effectRef idx="0">
-              <a:schemeClr val="accent1"/>
-            </a:effectRef>
-            <a:fontRef idx="minor">
-              <a:schemeClr val="tx1"/>
-            </a:fontRef>
-          </p:style>
-        </p:cxnSp>
-        <p:cxnSp>
-          <p:nvCxnSpPr>
-            <p:cNvPr id="75" name="连接符: 肘形 74">
-              <a:extLst>
-                <a:ext uri="{FF2B5EF4-FFF2-40B4-BE49-F238E27FC236}">
-                  <a16:creationId xmlns:a16="http://schemas.microsoft.com/office/drawing/2014/main" id="{DF45E220-21AF-87BA-4C71-541B7CEAD16C}"/>
-                </a:ext>
-              </a:extLst>
-            </p:cNvPr>
-            <p:cNvCxnSpPr>
-              <a:cxnSpLocks/>
-              <a:stCxn id="48" idx="1"/>
-              <a:endCxn id="40" idx="3"/>
-            </p:cNvCxnSpPr>
-            <p:nvPr/>
-          </p:nvCxnSpPr>
-          <p:spPr>
-            <a:xfrm rot="5400000" flipH="1" flipV="1">
-              <a:off x="3702624" y="1162218"/>
-              <a:ext cx="478698" cy="1433910"/>
-            </a:xfrm>
-            <a:prstGeom prst="bentConnector3">
-              <a:avLst>
-                <a:gd name="adj1" fmla="val 50000"/>
-              </a:avLst>
-            </a:prstGeom>
-            <a:ln>
-              <a:solidFill>
-                <a:schemeClr val="tx1"/>
-              </a:solidFill>
-              <a:tailEnd type="triangle"/>
-            </a:ln>
-          </p:spPr>
-          <p:style>
-            <a:lnRef idx="1">
-              <a:schemeClr val="accent1"/>
-            </a:lnRef>
-            <a:fillRef idx="0">
-              <a:schemeClr val="accent1"/>
-            </a:fillRef>
-            <a:effectRef idx="0">
-              <a:schemeClr val="accent1"/>
-            </a:effectRef>
-            <a:fontRef idx="minor">
-              <a:schemeClr val="tx1"/>
-            </a:fontRef>
-          </p:style>
-        </p:cxnSp>
-        <p:pic>
-          <p:nvPicPr>
-            <p:cNvPr id="81" name="图形 80" descr="数据库 轮廓">
-              <a:extLst>
-                <a:ext uri="{FF2B5EF4-FFF2-40B4-BE49-F238E27FC236}">
-                  <a16:creationId xmlns:a16="http://schemas.microsoft.com/office/drawing/2014/main" id="{9C421C2D-AB02-9801-5925-CCAB5F9F2C9C}"/>
-                </a:ext>
-              </a:extLst>
-            </p:cNvPr>
-            <p:cNvPicPr>
-              <a:picLocks noChangeAspect="1"/>
-            </p:cNvPicPr>
-            <p:nvPr/>
-          </p:nvPicPr>
-          <p:blipFill>
-            <a:blip r:embed="rId4">
-              <a:extLst>
-                <a:ext uri="{28A0092B-C50C-407E-A947-70E740481C1C}">
-                  <a14:useLocalDpi xmlns:a14="http://schemas.microsoft.com/office/drawing/2010/main" val="0"/>
-                </a:ext>
-                <a:ext uri="{96DAC541-7B7A-43D3-8B79-37D633B846F1}">
-                  <asvg:svgBlip xmlns:asvg="http://schemas.microsoft.com/office/drawing/2016/SVG/main" r:embed="rId5"/>
-                </a:ext>
-              </a:extLst>
-            </a:blip>
-            <a:stretch>
-              <a:fillRect/>
-            </a:stretch>
-          </p:blipFill>
-          <p:spPr>
-            <a:xfrm>
-              <a:off x="2242331" y="2125320"/>
-              <a:ext cx="430953" cy="430953"/>
-            </a:xfrm>
-            <a:prstGeom prst="rect">
-              <a:avLst/>
-            </a:prstGeom>
-          </p:spPr>
-        </p:pic>
-        <p:sp>
-          <p:nvSpPr>
-            <p:cNvPr id="82" name="矩形 81">
-              <a:extLst>
-                <a:ext uri="{FF2B5EF4-FFF2-40B4-BE49-F238E27FC236}">
-                  <a16:creationId xmlns:a16="http://schemas.microsoft.com/office/drawing/2014/main" id="{E774E61F-BD87-C672-8CD1-A97F26556A94}"/>
-                </a:ext>
-              </a:extLst>
-            </p:cNvPr>
-            <p:cNvSpPr/>
-            <p:nvPr/>
-          </p:nvSpPr>
-          <p:spPr>
-            <a:xfrm>
-              <a:off x="3252429" y="2407914"/>
-              <a:ext cx="640566" cy="210372"/>
+              <a:off x="3969777" y="534279"/>
+              <a:ext cx="625083" cy="162159"/>
             </a:xfrm>
             <a:prstGeom prst="rect">
               <a:avLst/>
@@ -10666,7 +13849,7 @@
                     <a:schemeClr val="tx1"/>
                   </a:solidFill>
                 </a:rPr>
-                <a:t>Django</a:t>
+                <a:t>Unity</a:t>
               </a:r>
               <a:endParaRPr lang="zh-CN" altLang="en-US" sz="800" dirty="0">
                 <a:solidFill>
@@ -10678,10 +13861,10 @@
         </p:sp>
         <p:sp>
           <p:nvSpPr>
-            <p:cNvPr id="103" name="流程图: 过程 102">
+            <p:cNvPr id="4" name="流程图: 过程 3">
               <a:extLst>
                 <a:ext uri="{FF2B5EF4-FFF2-40B4-BE49-F238E27FC236}">
-                  <a16:creationId xmlns:a16="http://schemas.microsoft.com/office/drawing/2014/main" id="{E6948266-011A-A424-251B-57968D06668E}"/>
+                  <a16:creationId xmlns:a16="http://schemas.microsoft.com/office/drawing/2014/main" id="{88CCD45B-959E-6DF4-B159-44E33613E8F8}"/>
                 </a:ext>
               </a:extLst>
             </p:cNvPr>
@@ -10690,8 +13873,8 @@
           </p:nvSpPr>
           <p:spPr>
             <a:xfrm>
-              <a:off x="3169116" y="2430780"/>
-              <a:ext cx="157945" cy="59055"/>
+              <a:off x="3911728" y="554594"/>
+              <a:ext cx="157944" cy="45719"/>
             </a:xfrm>
             <a:prstGeom prst="flowChartProcess">
               <a:avLst/>
@@ -10718,16 +13901,16 @@
             <a:lstStyle/>
             <a:p>
               <a:pPr algn="ctr"/>
-              <a:endParaRPr lang="zh-CN" altLang="en-US"/>
+              <a:endParaRPr lang="zh-CN" altLang="en-US" dirty="0"/>
             </a:p>
           </p:txBody>
         </p:sp>
         <p:sp>
           <p:nvSpPr>
-            <p:cNvPr id="104" name="流程图: 过程 103">
+            <p:cNvPr id="5" name="流程图: 过程 4">
               <a:extLst>
                 <a:ext uri="{FF2B5EF4-FFF2-40B4-BE49-F238E27FC236}">
-                  <a16:creationId xmlns:a16="http://schemas.microsoft.com/office/drawing/2014/main" id="{B6E4FB5A-3E84-2626-8539-C0724FF5BDBB}"/>
+                  <a16:creationId xmlns:a16="http://schemas.microsoft.com/office/drawing/2014/main" id="{FDCCB592-1551-2826-6CED-0EA0609BD3F8}"/>
                 </a:ext>
               </a:extLst>
             </p:cNvPr>
@@ -10736,8 +13919,8 @@
           </p:nvSpPr>
           <p:spPr>
             <a:xfrm>
-              <a:off x="3169116" y="2528214"/>
-              <a:ext cx="157945" cy="59055"/>
+              <a:off x="3911726" y="633468"/>
+              <a:ext cx="157945" cy="45719"/>
             </a:xfrm>
             <a:prstGeom prst="flowChartProcess">
               <a:avLst/>
@@ -10764,164 +13947,16 @@
             <a:lstStyle/>
             <a:p>
               <a:pPr algn="ctr"/>
-              <a:endParaRPr lang="zh-CN" altLang="en-US"/>
-            </a:p>
-          </p:txBody>
-        </p:sp>
-        <p:cxnSp>
-          <p:nvCxnSpPr>
-            <p:cNvPr id="105" name="连接符: 肘形 104">
-              <a:extLst>
-                <a:ext uri="{FF2B5EF4-FFF2-40B4-BE49-F238E27FC236}">
-                  <a16:creationId xmlns:a16="http://schemas.microsoft.com/office/drawing/2014/main" id="{5010A699-7EF4-EF45-11F0-12AD888F7AE4}"/>
-                </a:ext>
-              </a:extLst>
-            </p:cNvPr>
-            <p:cNvCxnSpPr>
-              <a:cxnSpLocks/>
-              <a:stCxn id="103" idx="1"/>
-              <a:endCxn id="81" idx="3"/>
-            </p:cNvCxnSpPr>
-            <p:nvPr/>
-          </p:nvCxnSpPr>
-          <p:spPr>
-            <a:xfrm rot="10800000">
-              <a:off x="2673284" y="2340798"/>
-              <a:ext cx="495832" cy="119511"/>
-            </a:xfrm>
-            <a:prstGeom prst="bentConnector3">
-              <a:avLst>
-                <a:gd name="adj1" fmla="val 50000"/>
-              </a:avLst>
-            </a:prstGeom>
-            <a:ln>
-              <a:solidFill>
-                <a:schemeClr val="tx1"/>
-              </a:solidFill>
-              <a:tailEnd type="triangle"/>
-            </a:ln>
-          </p:spPr>
-          <p:style>
-            <a:lnRef idx="1">
-              <a:schemeClr val="accent1"/>
-            </a:lnRef>
-            <a:fillRef idx="0">
-              <a:schemeClr val="accent1"/>
-            </a:fillRef>
-            <a:effectRef idx="0">
-              <a:schemeClr val="accent1"/>
-            </a:effectRef>
-            <a:fontRef idx="minor">
-              <a:schemeClr val="tx1"/>
-            </a:fontRef>
-          </p:style>
-        </p:cxnSp>
-        <p:sp>
-          <p:nvSpPr>
-            <p:cNvPr id="108" name="文本框 107">
-              <a:extLst>
-                <a:ext uri="{FF2B5EF4-FFF2-40B4-BE49-F238E27FC236}">
-                  <a16:creationId xmlns:a16="http://schemas.microsoft.com/office/drawing/2014/main" id="{1D7DE782-4BE1-63A9-DC9D-6A388844A143}"/>
-                </a:ext>
-              </a:extLst>
-            </p:cNvPr>
-            <p:cNvSpPr txBox="1"/>
-            <p:nvPr/>
-          </p:nvSpPr>
-          <p:spPr>
-            <a:xfrm>
-              <a:off x="2893735" y="2287187"/>
-              <a:ext cx="500586" cy="200055"/>
-            </a:xfrm>
-            <a:prstGeom prst="rect">
-              <a:avLst/>
-            </a:prstGeom>
-            <a:noFill/>
-          </p:spPr>
-          <p:txBody>
-            <a:bodyPr wrap="square" rtlCol="0">
-              <a:spAutoFit/>
-            </a:bodyPr>
-            <a:lstStyle/>
-            <a:p>
-              <a:r>
-                <a:rPr lang="en-US" altLang="zh-CN" sz="700" dirty="0"/>
-                <a:t>ORM</a:t>
-              </a:r>
-              <a:endParaRPr lang="zh-CN" altLang="en-US" sz="700" dirty="0"/>
+              <a:endParaRPr lang="zh-CN" altLang="en-US" dirty="0"/>
             </a:p>
           </p:txBody>
         </p:sp>
         <p:sp>
           <p:nvSpPr>
-            <p:cNvPr id="110" name="文本框 109">
+            <p:cNvPr id="6" name="矩形 5">
               <a:extLst>
                 <a:ext uri="{FF2B5EF4-FFF2-40B4-BE49-F238E27FC236}">
-                  <a16:creationId xmlns:a16="http://schemas.microsoft.com/office/drawing/2014/main" id="{383F4015-9769-3774-6B3B-5C6242BB7512}"/>
-                </a:ext>
-              </a:extLst>
-            </p:cNvPr>
-            <p:cNvSpPr txBox="1"/>
-            <p:nvPr/>
-          </p:nvSpPr>
-          <p:spPr>
-            <a:xfrm>
-              <a:off x="3740778" y="1694945"/>
-              <a:ext cx="1209674" cy="230832"/>
-            </a:xfrm>
-            <a:prstGeom prst="rect">
-              <a:avLst/>
-            </a:prstGeom>
-            <a:noFill/>
-          </p:spPr>
-          <p:txBody>
-            <a:bodyPr wrap="square">
-              <a:spAutoFit/>
-            </a:bodyPr>
-            <a:lstStyle/>
-            <a:p>
-              <a:r>
-                <a:rPr lang="en-US" altLang="zh-CN" sz="900" dirty="0">
-                  <a:solidFill>
-                    <a:srgbClr val="FF0000"/>
-                  </a:solidFill>
-                  <a:latin typeface="Times New Roman" panose="02020603050405020304" pitchFamily="18" charset="0"/>
-                  <a:cs typeface="Times New Roman" panose="02020603050405020304" pitchFamily="18" charset="0"/>
-                </a:rPr>
-                <a:t>PRC(</a:t>
-              </a:r>
-              <a:r>
-                <a:rPr lang="en-US" altLang="zh-CN" sz="900" dirty="0" err="1">
-                  <a:solidFill>
-                    <a:srgbClr val="FF0000"/>
-                  </a:solidFill>
-                </a:rPr>
-                <a:t>xmlrpclib</a:t>
-              </a:r>
-              <a:r>
-                <a:rPr lang="en-US" altLang="zh-CN" sz="900" dirty="0">
-                  <a:solidFill>
-                    <a:srgbClr val="FF0000"/>
-                  </a:solidFill>
-                </a:rPr>
-                <a:t>)</a:t>
-              </a:r>
-              <a:endParaRPr lang="zh-CN" altLang="en-US" sz="900" dirty="0">
-                <a:solidFill>
-                  <a:srgbClr val="FF0000"/>
-                </a:solidFill>
-                <a:latin typeface="Times New Roman" panose="02020603050405020304" pitchFamily="18" charset="0"/>
-                <a:cs typeface="Times New Roman" panose="02020603050405020304" pitchFamily="18" charset="0"/>
-              </a:endParaRPr>
-            </a:p>
-          </p:txBody>
-        </p:sp>
-        <p:sp>
-          <p:nvSpPr>
-            <p:cNvPr id="111" name="矩形 110">
-              <a:extLst>
-                <a:ext uri="{FF2B5EF4-FFF2-40B4-BE49-F238E27FC236}">
-                  <a16:creationId xmlns:a16="http://schemas.microsoft.com/office/drawing/2014/main" id="{91C46F91-C16D-C6A5-8F6E-FF0E9F78F698}"/>
+                  <a16:creationId xmlns:a16="http://schemas.microsoft.com/office/drawing/2014/main" id="{B07452B0-6A83-FCF8-7C83-BEEE6193A9E3}"/>
                 </a:ext>
               </a:extLst>
             </p:cNvPr>
@@ -10930,8 +13965,8 @@
           </p:nvSpPr>
           <p:spPr>
             <a:xfrm>
-              <a:off x="3252429" y="2840795"/>
-              <a:ext cx="640566" cy="210372"/>
+              <a:off x="4733328" y="528225"/>
+              <a:ext cx="625083" cy="162159"/>
             </a:xfrm>
             <a:prstGeom prst="rect">
               <a:avLst/>
@@ -10965,12 +14000,12 @@
             <a:p>
               <a:pPr algn="ctr"/>
               <a:r>
-                <a:rPr lang="en-US" altLang="zh-CN" sz="800" dirty="0" err="1">
+                <a:rPr lang="en-US" altLang="zh-CN" sz="800" dirty="0">
                   <a:solidFill>
                     <a:schemeClr val="tx1"/>
                   </a:solidFill>
                 </a:rPr>
-                <a:t>uwsgi</a:t>
+                <a:t>WebGL</a:t>
               </a:r>
               <a:endParaRPr lang="zh-CN" altLang="en-US" sz="800" dirty="0">
                 <a:solidFill>
@@ -10982,10 +14017,10 @@
         </p:sp>
         <p:sp>
           <p:nvSpPr>
-            <p:cNvPr id="112" name="流程图: 过程 111">
+            <p:cNvPr id="7" name="流程图: 过程 6">
               <a:extLst>
                 <a:ext uri="{FF2B5EF4-FFF2-40B4-BE49-F238E27FC236}">
-                  <a16:creationId xmlns:a16="http://schemas.microsoft.com/office/drawing/2014/main" id="{874FBF7B-6A82-1654-17A4-8AD5CD0974D6}"/>
+                  <a16:creationId xmlns:a16="http://schemas.microsoft.com/office/drawing/2014/main" id="{22E2C246-3F7F-2088-1AC0-F9CED1CEEBDD}"/>
                 </a:ext>
               </a:extLst>
             </p:cNvPr>
@@ -10994,8 +14029,8 @@
           </p:nvSpPr>
           <p:spPr>
             <a:xfrm>
-              <a:off x="3169116" y="2863661"/>
-              <a:ext cx="157945" cy="59055"/>
+              <a:off x="4675279" y="548540"/>
+              <a:ext cx="157944" cy="45719"/>
             </a:xfrm>
             <a:prstGeom prst="flowChartProcess">
               <a:avLst/>
@@ -11022,16 +14057,16 @@
             <a:lstStyle/>
             <a:p>
               <a:pPr algn="ctr"/>
-              <a:endParaRPr lang="zh-CN" altLang="en-US"/>
+              <a:endParaRPr lang="zh-CN" altLang="en-US" dirty="0"/>
             </a:p>
           </p:txBody>
         </p:sp>
         <p:sp>
           <p:nvSpPr>
-            <p:cNvPr id="113" name="流程图: 过程 112">
+            <p:cNvPr id="9" name="流程图: 过程 8">
               <a:extLst>
                 <a:ext uri="{FF2B5EF4-FFF2-40B4-BE49-F238E27FC236}">
-                  <a16:creationId xmlns:a16="http://schemas.microsoft.com/office/drawing/2014/main" id="{A1618507-3C58-15D2-2A5B-6FB0C7177282}"/>
+                  <a16:creationId xmlns:a16="http://schemas.microsoft.com/office/drawing/2014/main" id="{CCDD3E14-4457-5CC9-2EBB-9B9A43C2D78E}"/>
                 </a:ext>
               </a:extLst>
             </p:cNvPr>
@@ -11040,8 +14075,8 @@
           </p:nvSpPr>
           <p:spPr>
             <a:xfrm>
-              <a:off x="3169116" y="2961095"/>
-              <a:ext cx="157945" cy="59055"/>
+              <a:off x="4675277" y="627414"/>
+              <a:ext cx="157945" cy="45719"/>
             </a:xfrm>
             <a:prstGeom prst="flowChartProcess">
               <a:avLst/>
@@ -11068,2709 +14103,7 @@
             <a:lstStyle/>
             <a:p>
               <a:pPr algn="ctr"/>
-              <a:endParaRPr lang="zh-CN" altLang="en-US"/>
-            </a:p>
-          </p:txBody>
-        </p:sp>
-        <p:cxnSp>
-          <p:nvCxnSpPr>
-            <p:cNvPr id="114" name="连接符: 肘形 113">
-              <a:extLst>
-                <a:ext uri="{FF2B5EF4-FFF2-40B4-BE49-F238E27FC236}">
-                  <a16:creationId xmlns:a16="http://schemas.microsoft.com/office/drawing/2014/main" id="{F14F6904-74DD-BE7A-8A66-81980F494D6E}"/>
-                </a:ext>
-              </a:extLst>
-            </p:cNvPr>
-            <p:cNvCxnSpPr>
-              <a:cxnSpLocks/>
-              <a:stCxn id="111" idx="0"/>
-              <a:endCxn id="82" idx="2"/>
-            </p:cNvCxnSpPr>
-            <p:nvPr/>
-          </p:nvCxnSpPr>
-          <p:spPr>
-            <a:xfrm rot="5400000" flipH="1" flipV="1">
-              <a:off x="3461458" y="2729541"/>
-              <a:ext cx="222509" cy="12700"/>
-            </a:xfrm>
-            <a:prstGeom prst="bentConnector3">
-              <a:avLst>
-                <a:gd name="adj1" fmla="val 50000"/>
-              </a:avLst>
-            </a:prstGeom>
-            <a:ln>
-              <a:solidFill>
-                <a:schemeClr val="tx1"/>
-              </a:solidFill>
-              <a:tailEnd type="triangle"/>
-            </a:ln>
-          </p:spPr>
-          <p:style>
-            <a:lnRef idx="1">
-              <a:schemeClr val="accent1"/>
-            </a:lnRef>
-            <a:fillRef idx="0">
-              <a:schemeClr val="accent1"/>
-            </a:fillRef>
-            <a:effectRef idx="0">
-              <a:schemeClr val="accent1"/>
-            </a:effectRef>
-            <a:fontRef idx="minor">
-              <a:schemeClr val="tx1"/>
-            </a:fontRef>
-          </p:style>
-        </p:cxnSp>
-        <p:sp>
-          <p:nvSpPr>
-            <p:cNvPr id="130" name="立方体 129">
-              <a:extLst>
-                <a:ext uri="{FF2B5EF4-FFF2-40B4-BE49-F238E27FC236}">
-                  <a16:creationId xmlns:a16="http://schemas.microsoft.com/office/drawing/2014/main" id="{0B9F05F3-3854-ADB3-C71C-0B92CF02C72B}"/>
-                </a:ext>
-              </a:extLst>
-            </p:cNvPr>
-            <p:cNvSpPr/>
-            <p:nvPr/>
-          </p:nvSpPr>
-          <p:spPr>
-            <a:xfrm>
-              <a:off x="521880" y="3999055"/>
-              <a:ext cx="2001517" cy="1482884"/>
-            </a:xfrm>
-            <a:prstGeom prst="cube">
-              <a:avLst>
-                <a:gd name="adj" fmla="val 8670"/>
-              </a:avLst>
-            </a:prstGeom>
-            <a:noFill/>
-            <a:ln>
-              <a:solidFill>
-                <a:schemeClr val="tx1"/>
-              </a:solidFill>
-            </a:ln>
-            <a:scene3d>
-              <a:camera prst="orthographicFront"/>
-              <a:lightRig rig="brightRoom" dir="t"/>
-            </a:scene3d>
-            <a:sp3d prstMaterial="matte"/>
-          </p:spPr>
-          <p:style>
-            <a:lnRef idx="2">
-              <a:schemeClr val="accent1">
-                <a:shade val="50000"/>
-              </a:schemeClr>
-            </a:lnRef>
-            <a:fillRef idx="1">
-              <a:schemeClr val="accent1"/>
-            </a:fillRef>
-            <a:effectRef idx="0">
-              <a:schemeClr val="accent1"/>
-            </a:effectRef>
-            <a:fontRef idx="minor">
-              <a:schemeClr val="lt1"/>
-            </a:fontRef>
-          </p:style>
-          <p:txBody>
-            <a:bodyPr rtlCol="0" anchor="ctr"/>
-            <a:lstStyle/>
-            <a:p>
-              <a:pPr algn="ctr"/>
-              <a:endParaRPr lang="en-US" altLang="zh-CN" sz="800" dirty="0">
-                <a:solidFill>
-                  <a:schemeClr val="tx1"/>
-                </a:solidFill>
-              </a:endParaRPr>
-            </a:p>
-            <a:p>
-              <a:pPr algn="ctr"/>
-              <a:endParaRPr lang="en-US" altLang="zh-CN" sz="800" dirty="0">
-                <a:solidFill>
-                  <a:schemeClr val="tx1"/>
-                </a:solidFill>
-              </a:endParaRPr>
-            </a:p>
-            <a:p>
-              <a:pPr algn="ctr"/>
-              <a:endParaRPr lang="en-US" altLang="zh-CN" sz="800" dirty="0">
-                <a:solidFill>
-                  <a:schemeClr val="tx1"/>
-                </a:solidFill>
-              </a:endParaRPr>
-            </a:p>
-            <a:p>
-              <a:pPr algn="ctr"/>
-              <a:endParaRPr lang="en-US" altLang="zh-CN" sz="800" dirty="0">
-                <a:solidFill>
-                  <a:schemeClr val="tx1"/>
-                </a:solidFill>
-              </a:endParaRPr>
-            </a:p>
-            <a:p>
-              <a:pPr algn="ctr"/>
-              <a:endParaRPr lang="en-US" altLang="zh-CN" sz="1600" dirty="0">
-                <a:solidFill>
-                  <a:schemeClr val="tx1"/>
-                </a:solidFill>
-              </a:endParaRPr>
-            </a:p>
-            <a:p>
-              <a:pPr algn="ctr"/>
-              <a:endParaRPr lang="en-US" altLang="zh-CN" sz="1600" dirty="0">
-                <a:solidFill>
-                  <a:schemeClr val="tx1"/>
-                </a:solidFill>
-              </a:endParaRPr>
-            </a:p>
-            <a:p>
-              <a:pPr algn="ctr"/>
-              <a:r>
-                <a:rPr lang="en-US" altLang="zh-CN" sz="1600" dirty="0">
-                  <a:solidFill>
-                    <a:schemeClr val="tx1"/>
-                  </a:solidFill>
-                </a:rPr>
-                <a:t> </a:t>
-              </a:r>
-              <a:endParaRPr lang="zh-CN" altLang="en-US" sz="1600" dirty="0">
-                <a:solidFill>
-                  <a:schemeClr val="tx1"/>
-                </a:solidFill>
-              </a:endParaRPr>
-            </a:p>
-          </p:txBody>
-        </p:sp>
-        <p:sp>
-          <p:nvSpPr>
-            <p:cNvPr id="133" name="矩形 132">
-              <a:extLst>
-                <a:ext uri="{FF2B5EF4-FFF2-40B4-BE49-F238E27FC236}">
-                  <a16:creationId xmlns:a16="http://schemas.microsoft.com/office/drawing/2014/main" id="{6F4A5997-3973-7EBD-953E-79719634186F}"/>
-                </a:ext>
-              </a:extLst>
-            </p:cNvPr>
-            <p:cNvSpPr/>
-            <p:nvPr/>
-          </p:nvSpPr>
-          <p:spPr>
-            <a:xfrm>
-              <a:off x="1481261" y="5123998"/>
-              <a:ext cx="640566" cy="210372"/>
-            </a:xfrm>
-            <a:prstGeom prst="rect">
-              <a:avLst/>
-            </a:prstGeom>
-            <a:noFill/>
-            <a:ln>
-              <a:solidFill>
-                <a:schemeClr val="tx1"/>
-              </a:solidFill>
-            </a:ln>
-          </p:spPr>
-          <p:style>
-            <a:lnRef idx="2">
-              <a:schemeClr val="accent1">
-                <a:shade val="50000"/>
-              </a:schemeClr>
-            </a:lnRef>
-            <a:fillRef idx="1">
-              <a:schemeClr val="accent1"/>
-            </a:fillRef>
-            <a:effectRef idx="0">
-              <a:schemeClr val="accent1"/>
-            </a:effectRef>
-            <a:fontRef idx="minor">
-              <a:schemeClr val="lt1"/>
-            </a:fontRef>
-          </p:style>
-          <p:txBody>
-            <a:bodyPr rtlCol="0" anchor="ctr"/>
-            <a:lstStyle/>
-            <a:p>
-              <a:pPr algn="ctr"/>
-              <a:r>
-                <a:rPr lang="en-US" altLang="zh-CN" sz="800" dirty="0">
-                  <a:solidFill>
-                    <a:schemeClr val="tx1"/>
-                  </a:solidFill>
-                </a:rPr>
-                <a:t>nginx</a:t>
-              </a:r>
-              <a:endParaRPr lang="zh-CN" altLang="en-US" sz="800" dirty="0">
-                <a:solidFill>
-                  <a:schemeClr val="tx1"/>
-                </a:solidFill>
-              </a:endParaRPr>
-            </a:p>
-          </p:txBody>
-        </p:sp>
-        <p:sp>
-          <p:nvSpPr>
-            <p:cNvPr id="134" name="流程图: 过程 133">
-              <a:extLst>
-                <a:ext uri="{FF2B5EF4-FFF2-40B4-BE49-F238E27FC236}">
-                  <a16:creationId xmlns:a16="http://schemas.microsoft.com/office/drawing/2014/main" id="{66BC655D-D534-0CD5-3ED4-DDE7FF39D3F8}"/>
-                </a:ext>
-              </a:extLst>
-            </p:cNvPr>
-            <p:cNvSpPr/>
-            <p:nvPr/>
-          </p:nvSpPr>
-          <p:spPr>
-            <a:xfrm>
-              <a:off x="1397948" y="5146864"/>
-              <a:ext cx="157945" cy="59055"/>
-            </a:xfrm>
-            <a:prstGeom prst="flowChartProcess">
-              <a:avLst/>
-            </a:prstGeom>
-          </p:spPr>
-          <p:style>
-            <a:lnRef idx="2">
-              <a:schemeClr val="accent1">
-                <a:shade val="50000"/>
-              </a:schemeClr>
-            </a:lnRef>
-            <a:fillRef idx="1">
-              <a:schemeClr val="accent1"/>
-            </a:fillRef>
-            <a:effectRef idx="0">
-              <a:schemeClr val="accent1"/>
-            </a:effectRef>
-            <a:fontRef idx="minor">
-              <a:schemeClr val="lt1"/>
-            </a:fontRef>
-          </p:style>
-          <p:txBody>
-            <a:bodyPr rtlCol="0" anchor="ctr"/>
-            <a:lstStyle/>
-            <a:p>
-              <a:pPr algn="ctr"/>
-              <a:endParaRPr lang="zh-CN" altLang="en-US"/>
-            </a:p>
-          </p:txBody>
-        </p:sp>
-        <p:sp>
-          <p:nvSpPr>
-            <p:cNvPr id="135" name="流程图: 过程 134">
-              <a:extLst>
-                <a:ext uri="{FF2B5EF4-FFF2-40B4-BE49-F238E27FC236}">
-                  <a16:creationId xmlns:a16="http://schemas.microsoft.com/office/drawing/2014/main" id="{D4A03720-477D-2A2C-451B-0EE91544861A}"/>
-                </a:ext>
-              </a:extLst>
-            </p:cNvPr>
-            <p:cNvSpPr/>
-            <p:nvPr/>
-          </p:nvSpPr>
-          <p:spPr>
-            <a:xfrm>
-              <a:off x="1397948" y="5244298"/>
-              <a:ext cx="157945" cy="59055"/>
-            </a:xfrm>
-            <a:prstGeom prst="flowChartProcess">
-              <a:avLst/>
-            </a:prstGeom>
-          </p:spPr>
-          <p:style>
-            <a:lnRef idx="2">
-              <a:schemeClr val="accent1">
-                <a:shade val="50000"/>
-              </a:schemeClr>
-            </a:lnRef>
-            <a:fillRef idx="1">
-              <a:schemeClr val="accent1"/>
-            </a:fillRef>
-            <a:effectRef idx="0">
-              <a:schemeClr val="accent1"/>
-            </a:effectRef>
-            <a:fontRef idx="minor">
-              <a:schemeClr val="lt1"/>
-            </a:fontRef>
-          </p:style>
-          <p:txBody>
-            <a:bodyPr rtlCol="0" anchor="ctr"/>
-            <a:lstStyle/>
-            <a:p>
-              <a:pPr algn="ctr"/>
-              <a:endParaRPr lang="zh-CN" altLang="en-US"/>
-            </a:p>
-          </p:txBody>
-        </p:sp>
-        <p:sp>
-          <p:nvSpPr>
-            <p:cNvPr id="138" name="矩形 137">
-              <a:extLst>
-                <a:ext uri="{FF2B5EF4-FFF2-40B4-BE49-F238E27FC236}">
-                  <a16:creationId xmlns:a16="http://schemas.microsoft.com/office/drawing/2014/main" id="{2FBF5893-69AD-7CE2-E963-4C407AF88600}"/>
-                </a:ext>
-              </a:extLst>
-            </p:cNvPr>
-            <p:cNvSpPr/>
-            <p:nvPr/>
-          </p:nvSpPr>
-          <p:spPr>
-            <a:xfrm>
-              <a:off x="1481261" y="4689198"/>
-              <a:ext cx="640566" cy="210372"/>
-            </a:xfrm>
-            <a:prstGeom prst="rect">
-              <a:avLst/>
-            </a:prstGeom>
-            <a:noFill/>
-            <a:ln>
-              <a:solidFill>
-                <a:schemeClr val="tx1"/>
-              </a:solidFill>
-            </a:ln>
-          </p:spPr>
-          <p:style>
-            <a:lnRef idx="2">
-              <a:schemeClr val="accent1">
-                <a:shade val="50000"/>
-              </a:schemeClr>
-            </a:lnRef>
-            <a:fillRef idx="1">
-              <a:schemeClr val="accent1"/>
-            </a:fillRef>
-            <a:effectRef idx="0">
-              <a:schemeClr val="accent1"/>
-            </a:effectRef>
-            <a:fontRef idx="minor">
-              <a:schemeClr val="lt1"/>
-            </a:fontRef>
-          </p:style>
-          <p:txBody>
-            <a:bodyPr rtlCol="0" anchor="ctr"/>
-            <a:lstStyle/>
-            <a:p>
-              <a:pPr algn="ctr"/>
-              <a:r>
-                <a:rPr lang="en-US" altLang="zh-CN" sz="800" dirty="0">
-                  <a:solidFill>
-                    <a:schemeClr val="tx1"/>
-                  </a:solidFill>
-                </a:rPr>
-                <a:t>React</a:t>
-              </a:r>
-              <a:endParaRPr lang="zh-CN" altLang="en-US" sz="800" dirty="0">
-                <a:solidFill>
-                  <a:schemeClr val="tx1"/>
-                </a:solidFill>
-              </a:endParaRPr>
-            </a:p>
-          </p:txBody>
-        </p:sp>
-        <p:sp>
-          <p:nvSpPr>
-            <p:cNvPr id="139" name="流程图: 过程 138">
-              <a:extLst>
-                <a:ext uri="{FF2B5EF4-FFF2-40B4-BE49-F238E27FC236}">
-                  <a16:creationId xmlns:a16="http://schemas.microsoft.com/office/drawing/2014/main" id="{67A538BB-95CE-A20A-0F20-FE49BFE222F2}"/>
-                </a:ext>
-              </a:extLst>
-            </p:cNvPr>
-            <p:cNvSpPr/>
-            <p:nvPr/>
-          </p:nvSpPr>
-          <p:spPr>
-            <a:xfrm>
-              <a:off x="1397948" y="4712064"/>
-              <a:ext cx="157945" cy="59055"/>
-            </a:xfrm>
-            <a:prstGeom prst="flowChartProcess">
-              <a:avLst/>
-            </a:prstGeom>
-          </p:spPr>
-          <p:style>
-            <a:lnRef idx="2">
-              <a:schemeClr val="accent1">
-                <a:shade val="50000"/>
-              </a:schemeClr>
-            </a:lnRef>
-            <a:fillRef idx="1">
-              <a:schemeClr val="accent1"/>
-            </a:fillRef>
-            <a:effectRef idx="0">
-              <a:schemeClr val="accent1"/>
-            </a:effectRef>
-            <a:fontRef idx="minor">
-              <a:schemeClr val="lt1"/>
-            </a:fontRef>
-          </p:style>
-          <p:txBody>
-            <a:bodyPr rtlCol="0" anchor="ctr"/>
-            <a:lstStyle/>
-            <a:p>
-              <a:pPr algn="ctr"/>
-              <a:endParaRPr lang="zh-CN" altLang="en-US"/>
-            </a:p>
-          </p:txBody>
-        </p:sp>
-        <p:sp>
-          <p:nvSpPr>
-            <p:cNvPr id="140" name="流程图: 过程 139">
-              <a:extLst>
-                <a:ext uri="{FF2B5EF4-FFF2-40B4-BE49-F238E27FC236}">
-                  <a16:creationId xmlns:a16="http://schemas.microsoft.com/office/drawing/2014/main" id="{851F9A57-8F4F-5663-6979-71D20FFCEE91}"/>
-                </a:ext>
-              </a:extLst>
-            </p:cNvPr>
-            <p:cNvSpPr/>
-            <p:nvPr/>
-          </p:nvSpPr>
-          <p:spPr>
-            <a:xfrm>
-              <a:off x="1397948" y="4809498"/>
-              <a:ext cx="157945" cy="59055"/>
-            </a:xfrm>
-            <a:prstGeom prst="flowChartProcess">
-              <a:avLst/>
-            </a:prstGeom>
-          </p:spPr>
-          <p:style>
-            <a:lnRef idx="2">
-              <a:schemeClr val="accent1">
-                <a:shade val="50000"/>
-              </a:schemeClr>
-            </a:lnRef>
-            <a:fillRef idx="1">
-              <a:schemeClr val="accent1"/>
-            </a:fillRef>
-            <a:effectRef idx="0">
-              <a:schemeClr val="accent1"/>
-            </a:effectRef>
-            <a:fontRef idx="minor">
-              <a:schemeClr val="lt1"/>
-            </a:fontRef>
-          </p:style>
-          <p:txBody>
-            <a:bodyPr rtlCol="0" anchor="ctr"/>
-            <a:lstStyle/>
-            <a:p>
-              <a:pPr algn="ctr"/>
-              <a:endParaRPr lang="zh-CN" altLang="en-US"/>
-            </a:p>
-          </p:txBody>
-        </p:sp>
-        <p:sp>
-          <p:nvSpPr>
-            <p:cNvPr id="146" name="文本框 145">
-              <a:extLst>
-                <a:ext uri="{FF2B5EF4-FFF2-40B4-BE49-F238E27FC236}">
-                  <a16:creationId xmlns:a16="http://schemas.microsoft.com/office/drawing/2014/main" id="{C2AF6BDE-EBEB-A6CC-6191-183BB74BB307}"/>
-                </a:ext>
-              </a:extLst>
-            </p:cNvPr>
-            <p:cNvSpPr txBox="1"/>
-            <p:nvPr/>
-          </p:nvSpPr>
-          <p:spPr>
-            <a:xfrm>
-              <a:off x="30108" y="4407006"/>
-              <a:ext cx="541392" cy="415498"/>
-            </a:xfrm>
-            <a:prstGeom prst="rect">
-              <a:avLst/>
-            </a:prstGeom>
-            <a:noFill/>
-          </p:spPr>
-          <p:txBody>
-            <a:bodyPr wrap="square" rtlCol="0">
-              <a:spAutoFit/>
-            </a:bodyPr>
-            <a:lstStyle/>
-            <a:p>
-              <a:r>
-                <a:rPr lang="en-US" altLang="zh-CN" sz="700" dirty="0"/>
-                <a:t>Front-end </a:t>
-              </a:r>
-            </a:p>
-            <a:p>
-              <a:r>
-                <a:rPr lang="en-US" altLang="zh-CN" sz="700" dirty="0"/>
-                <a:t>Server</a:t>
-              </a:r>
-              <a:endParaRPr lang="zh-CN" altLang="en-US" sz="700" dirty="0"/>
-            </a:p>
-          </p:txBody>
-        </p:sp>
-        <p:sp>
-          <p:nvSpPr>
-            <p:cNvPr id="147" name="矩形 146">
-              <a:extLst>
-                <a:ext uri="{FF2B5EF4-FFF2-40B4-BE49-F238E27FC236}">
-                  <a16:creationId xmlns:a16="http://schemas.microsoft.com/office/drawing/2014/main" id="{5E69D830-EF29-856C-C143-D5F8046526B4}"/>
-                </a:ext>
-              </a:extLst>
-            </p:cNvPr>
-            <p:cNvSpPr/>
-            <p:nvPr/>
-          </p:nvSpPr>
-          <p:spPr>
-            <a:xfrm>
-              <a:off x="1473386" y="4327683"/>
-              <a:ext cx="640566" cy="210372"/>
-            </a:xfrm>
-            <a:prstGeom prst="rect">
-              <a:avLst/>
-            </a:prstGeom>
-            <a:noFill/>
-            <a:ln>
-              <a:solidFill>
-                <a:schemeClr val="tx1"/>
-              </a:solidFill>
-            </a:ln>
-          </p:spPr>
-          <p:style>
-            <a:lnRef idx="2">
-              <a:schemeClr val="accent1">
-                <a:shade val="50000"/>
-              </a:schemeClr>
-            </a:lnRef>
-            <a:fillRef idx="1">
-              <a:schemeClr val="accent1"/>
-            </a:fillRef>
-            <a:effectRef idx="0">
-              <a:schemeClr val="accent1"/>
-            </a:effectRef>
-            <a:fontRef idx="minor">
-              <a:schemeClr val="lt1"/>
-            </a:fontRef>
-          </p:style>
-          <p:txBody>
-            <a:bodyPr rtlCol="0" anchor="ctr"/>
-            <a:lstStyle/>
-            <a:p>
-              <a:pPr algn="ctr"/>
-              <a:r>
-                <a:rPr lang="en-US" altLang="zh-CN" sz="800" dirty="0" err="1">
-                  <a:solidFill>
-                    <a:schemeClr val="tx1"/>
-                  </a:solidFill>
-                </a:rPr>
-                <a:t>Axios</a:t>
-              </a:r>
-              <a:endParaRPr lang="zh-CN" altLang="en-US" sz="800" dirty="0">
-                <a:solidFill>
-                  <a:schemeClr val="tx1"/>
-                </a:solidFill>
-              </a:endParaRPr>
-            </a:p>
-          </p:txBody>
-        </p:sp>
-        <p:sp>
-          <p:nvSpPr>
-            <p:cNvPr id="148" name="流程图: 过程 147">
-              <a:extLst>
-                <a:ext uri="{FF2B5EF4-FFF2-40B4-BE49-F238E27FC236}">
-                  <a16:creationId xmlns:a16="http://schemas.microsoft.com/office/drawing/2014/main" id="{6D11F297-9D2A-C5B0-9F58-E0F99E83AA0C}"/>
-                </a:ext>
-              </a:extLst>
-            </p:cNvPr>
-            <p:cNvSpPr/>
-            <p:nvPr/>
-          </p:nvSpPr>
-          <p:spPr>
-            <a:xfrm>
-              <a:off x="1390073" y="4350549"/>
-              <a:ext cx="157945" cy="59055"/>
-            </a:xfrm>
-            <a:prstGeom prst="flowChartProcess">
-              <a:avLst/>
-            </a:prstGeom>
-          </p:spPr>
-          <p:style>
-            <a:lnRef idx="2">
-              <a:schemeClr val="accent1">
-                <a:shade val="50000"/>
-              </a:schemeClr>
-            </a:lnRef>
-            <a:fillRef idx="1">
-              <a:schemeClr val="accent1"/>
-            </a:fillRef>
-            <a:effectRef idx="0">
-              <a:schemeClr val="accent1"/>
-            </a:effectRef>
-            <a:fontRef idx="minor">
-              <a:schemeClr val="lt1"/>
-            </a:fontRef>
-          </p:style>
-          <p:txBody>
-            <a:bodyPr rtlCol="0" anchor="ctr"/>
-            <a:lstStyle/>
-            <a:p>
-              <a:pPr algn="ctr"/>
-              <a:endParaRPr lang="zh-CN" altLang="en-US"/>
-            </a:p>
-          </p:txBody>
-        </p:sp>
-        <p:sp>
-          <p:nvSpPr>
-            <p:cNvPr id="149" name="流程图: 过程 148">
-              <a:extLst>
-                <a:ext uri="{FF2B5EF4-FFF2-40B4-BE49-F238E27FC236}">
-                  <a16:creationId xmlns:a16="http://schemas.microsoft.com/office/drawing/2014/main" id="{FF9DA771-1C1E-5712-FFA1-FC25A63D0F67}"/>
-                </a:ext>
-              </a:extLst>
-            </p:cNvPr>
-            <p:cNvSpPr/>
-            <p:nvPr/>
-          </p:nvSpPr>
-          <p:spPr>
-            <a:xfrm>
-              <a:off x="1390073" y="4447983"/>
-              <a:ext cx="157945" cy="59055"/>
-            </a:xfrm>
-            <a:prstGeom prst="flowChartProcess">
-              <a:avLst/>
-            </a:prstGeom>
-          </p:spPr>
-          <p:style>
-            <a:lnRef idx="2">
-              <a:schemeClr val="accent1">
-                <a:shade val="50000"/>
-              </a:schemeClr>
-            </a:lnRef>
-            <a:fillRef idx="1">
-              <a:schemeClr val="accent1"/>
-            </a:fillRef>
-            <a:effectRef idx="0">
-              <a:schemeClr val="accent1"/>
-            </a:effectRef>
-            <a:fontRef idx="minor">
-              <a:schemeClr val="lt1"/>
-            </a:fontRef>
-          </p:style>
-          <p:txBody>
-            <a:bodyPr rtlCol="0" anchor="ctr"/>
-            <a:lstStyle/>
-            <a:p>
-              <a:pPr algn="ctr"/>
-              <a:endParaRPr lang="zh-CN" altLang="en-US"/>
-            </a:p>
-          </p:txBody>
-        </p:sp>
-        <p:sp>
-          <p:nvSpPr>
-            <p:cNvPr id="150" name="标注: 左箭头 149">
-              <a:extLst>
-                <a:ext uri="{FF2B5EF4-FFF2-40B4-BE49-F238E27FC236}">
-                  <a16:creationId xmlns:a16="http://schemas.microsoft.com/office/drawing/2014/main" id="{86D42317-4AFA-D4B2-88A9-35412D382105}"/>
-                </a:ext>
-              </a:extLst>
-            </p:cNvPr>
-            <p:cNvSpPr/>
-            <p:nvPr/>
-          </p:nvSpPr>
-          <p:spPr>
-            <a:xfrm>
-              <a:off x="2195581" y="4160580"/>
-              <a:ext cx="1255186" cy="1260459"/>
-            </a:xfrm>
-            <a:prstGeom prst="leftArrowCallout">
-              <a:avLst>
-                <a:gd name="adj1" fmla="val 8439"/>
-                <a:gd name="adj2" fmla="val 8690"/>
-                <a:gd name="adj3" fmla="val 17715"/>
-                <a:gd name="adj4" fmla="val 64977"/>
-              </a:avLst>
-            </a:prstGeom>
-            <a:noFill/>
-          </p:spPr>
-          <p:style>
-            <a:lnRef idx="2">
-              <a:schemeClr val="accent1">
-                <a:shade val="50000"/>
-              </a:schemeClr>
-            </a:lnRef>
-            <a:fillRef idx="1">
-              <a:schemeClr val="accent1"/>
-            </a:fillRef>
-            <a:effectRef idx="0">
-              <a:schemeClr val="accent1"/>
-            </a:effectRef>
-            <a:fontRef idx="minor">
-              <a:schemeClr val="lt1"/>
-            </a:fontRef>
-          </p:style>
-          <p:txBody>
-            <a:bodyPr rtlCol="0" anchor="ctr"/>
-            <a:lstStyle/>
-            <a:p>
-              <a:pPr algn="ctr"/>
-              <a:endParaRPr lang="zh-CN" altLang="en-US"/>
-            </a:p>
-          </p:txBody>
-        </p:sp>
-        <p:sp>
-          <p:nvSpPr>
-            <p:cNvPr id="151" name="文本框 150">
-              <a:extLst>
-                <a:ext uri="{FF2B5EF4-FFF2-40B4-BE49-F238E27FC236}">
-                  <a16:creationId xmlns:a16="http://schemas.microsoft.com/office/drawing/2014/main" id="{60F94891-723D-E3AC-1AD3-A2054CBDF574}"/>
-                </a:ext>
-              </a:extLst>
-            </p:cNvPr>
-            <p:cNvSpPr txBox="1"/>
-            <p:nvPr/>
-          </p:nvSpPr>
-          <p:spPr>
-            <a:xfrm>
-              <a:off x="3032373" y="4663397"/>
-              <a:ext cx="452553" cy="215444"/>
-            </a:xfrm>
-            <a:prstGeom prst="rect">
-              <a:avLst/>
-            </a:prstGeom>
-            <a:noFill/>
-          </p:spPr>
-          <p:txBody>
-            <a:bodyPr wrap="square" rtlCol="0">
-              <a:spAutoFit/>
-            </a:bodyPr>
-            <a:lstStyle/>
-            <a:p>
-              <a:r>
-                <a:rPr lang="zh-CN" altLang="en-US" sz="800" dirty="0"/>
-                <a:t>框架</a:t>
-              </a:r>
-            </a:p>
-          </p:txBody>
-        </p:sp>
-        <p:sp>
-          <p:nvSpPr>
-            <p:cNvPr id="153" name="矩形 152">
-              <a:extLst>
-                <a:ext uri="{FF2B5EF4-FFF2-40B4-BE49-F238E27FC236}">
-                  <a16:creationId xmlns:a16="http://schemas.microsoft.com/office/drawing/2014/main" id="{097970B1-E824-B26C-1CD0-2FB3F5881398}"/>
-                </a:ext>
-              </a:extLst>
-            </p:cNvPr>
-            <p:cNvSpPr/>
-            <p:nvPr/>
-          </p:nvSpPr>
-          <p:spPr>
-            <a:xfrm>
-              <a:off x="2715944" y="4691249"/>
-              <a:ext cx="640566" cy="654854"/>
-            </a:xfrm>
-            <a:prstGeom prst="rect">
-              <a:avLst/>
-            </a:prstGeom>
-            <a:noFill/>
-            <a:ln>
-              <a:solidFill>
-                <a:schemeClr val="tx1"/>
-              </a:solidFill>
-            </a:ln>
-          </p:spPr>
-          <p:style>
-            <a:lnRef idx="2">
-              <a:schemeClr val="accent1">
-                <a:shade val="50000"/>
-              </a:schemeClr>
-            </a:lnRef>
-            <a:fillRef idx="1">
-              <a:schemeClr val="accent1"/>
-            </a:fillRef>
-            <a:effectRef idx="0">
-              <a:schemeClr val="accent1"/>
-            </a:effectRef>
-            <a:fontRef idx="minor">
-              <a:schemeClr val="lt1"/>
-            </a:fontRef>
-          </p:style>
-          <p:txBody>
-            <a:bodyPr rtlCol="0" anchor="ctr"/>
-            <a:lstStyle/>
-            <a:p>
-              <a:pPr algn="ctr"/>
-              <a:endParaRPr lang="en-US" altLang="zh-CN" sz="800" dirty="0">
-                <a:solidFill>
-                  <a:schemeClr val="tx1"/>
-                </a:solidFill>
-              </a:endParaRPr>
-            </a:p>
-          </p:txBody>
-        </p:sp>
-        <p:sp>
-          <p:nvSpPr>
-            <p:cNvPr id="154" name="矩形 153">
-              <a:extLst>
-                <a:ext uri="{FF2B5EF4-FFF2-40B4-BE49-F238E27FC236}">
-                  <a16:creationId xmlns:a16="http://schemas.microsoft.com/office/drawing/2014/main" id="{0364EA29-D441-A752-4855-A6AE49FFA14E}"/>
-                </a:ext>
-              </a:extLst>
-            </p:cNvPr>
-            <p:cNvSpPr/>
-            <p:nvPr/>
-          </p:nvSpPr>
-          <p:spPr>
-            <a:xfrm>
-              <a:off x="2850273" y="4871056"/>
-              <a:ext cx="353139" cy="129315"/>
-            </a:xfrm>
-            <a:prstGeom prst="rect">
-              <a:avLst/>
-            </a:prstGeom>
-            <a:noFill/>
-            <a:ln>
-              <a:solidFill>
-                <a:schemeClr val="tx1"/>
-              </a:solidFill>
-            </a:ln>
-          </p:spPr>
-          <p:style>
-            <a:lnRef idx="2">
-              <a:schemeClr val="accent1">
-                <a:shade val="50000"/>
-              </a:schemeClr>
-            </a:lnRef>
-            <a:fillRef idx="1">
-              <a:schemeClr val="accent1"/>
-            </a:fillRef>
-            <a:effectRef idx="0">
-              <a:schemeClr val="accent1"/>
-            </a:effectRef>
-            <a:fontRef idx="minor">
-              <a:schemeClr val="lt1"/>
-            </a:fontRef>
-          </p:style>
-          <p:txBody>
-            <a:bodyPr rtlCol="0" anchor="ctr"/>
-            <a:lstStyle/>
-            <a:p>
-              <a:pPr algn="ctr"/>
-              <a:r>
-                <a:rPr lang="en-US" altLang="zh-CN" sz="500" dirty="0" err="1">
-                  <a:solidFill>
-                    <a:schemeClr val="tx1"/>
-                  </a:solidFill>
-                </a:rPr>
-                <a:t>umi</a:t>
-              </a:r>
-              <a:endParaRPr lang="zh-CN" altLang="en-US" sz="500" dirty="0">
-                <a:solidFill>
-                  <a:schemeClr val="tx1"/>
-                </a:solidFill>
-              </a:endParaRPr>
-            </a:p>
-          </p:txBody>
-        </p:sp>
-        <p:sp>
-          <p:nvSpPr>
-            <p:cNvPr id="155" name="矩形 154">
-              <a:extLst>
-                <a:ext uri="{FF2B5EF4-FFF2-40B4-BE49-F238E27FC236}">
-                  <a16:creationId xmlns:a16="http://schemas.microsoft.com/office/drawing/2014/main" id="{7A02415E-0B1A-18F6-A7AB-73849E0EDAC4}"/>
-                </a:ext>
-              </a:extLst>
-            </p:cNvPr>
-            <p:cNvSpPr/>
-            <p:nvPr/>
-          </p:nvSpPr>
-          <p:spPr>
-            <a:xfrm>
-              <a:off x="2852467" y="5040365"/>
-              <a:ext cx="353139" cy="129315"/>
-            </a:xfrm>
-            <a:prstGeom prst="rect">
-              <a:avLst/>
-            </a:prstGeom>
-            <a:noFill/>
-            <a:ln>
-              <a:solidFill>
-                <a:schemeClr val="tx1"/>
-              </a:solidFill>
-            </a:ln>
-          </p:spPr>
-          <p:style>
-            <a:lnRef idx="2">
-              <a:schemeClr val="accent1">
-                <a:shade val="50000"/>
-              </a:schemeClr>
-            </a:lnRef>
-            <a:fillRef idx="1">
-              <a:schemeClr val="accent1"/>
-            </a:fillRef>
-            <a:effectRef idx="0">
-              <a:schemeClr val="accent1"/>
-            </a:effectRef>
-            <a:fontRef idx="minor">
-              <a:schemeClr val="lt1"/>
-            </a:fontRef>
-          </p:style>
-          <p:txBody>
-            <a:bodyPr rtlCol="0" anchor="ctr"/>
-            <a:lstStyle/>
-            <a:p>
-              <a:pPr algn="ctr"/>
-              <a:r>
-                <a:rPr lang="en-US" altLang="zh-CN" sz="500" dirty="0" err="1">
-                  <a:solidFill>
-                    <a:schemeClr val="tx1"/>
-                  </a:solidFill>
-                </a:rPr>
-                <a:t>dva</a:t>
-              </a:r>
-              <a:endParaRPr lang="zh-CN" altLang="en-US" sz="500" dirty="0">
-                <a:solidFill>
-                  <a:schemeClr val="tx1"/>
-                </a:solidFill>
-              </a:endParaRPr>
-            </a:p>
-          </p:txBody>
-        </p:sp>
-        <p:sp>
-          <p:nvSpPr>
-            <p:cNvPr id="156" name="矩形 155">
-              <a:extLst>
-                <a:ext uri="{FF2B5EF4-FFF2-40B4-BE49-F238E27FC236}">
-                  <a16:creationId xmlns:a16="http://schemas.microsoft.com/office/drawing/2014/main" id="{71A1CB7B-9FAC-EE93-0C95-5FBDF0502BBD}"/>
-                </a:ext>
-              </a:extLst>
-            </p:cNvPr>
-            <p:cNvSpPr/>
-            <p:nvPr/>
-          </p:nvSpPr>
-          <p:spPr>
-            <a:xfrm>
-              <a:off x="2845000" y="5194321"/>
-              <a:ext cx="374746" cy="129315"/>
-            </a:xfrm>
-            <a:prstGeom prst="rect">
-              <a:avLst/>
-            </a:prstGeom>
-            <a:noFill/>
-            <a:ln>
-              <a:solidFill>
-                <a:schemeClr val="tx1"/>
-              </a:solidFill>
-            </a:ln>
-          </p:spPr>
-          <p:style>
-            <a:lnRef idx="2">
-              <a:schemeClr val="accent1">
-                <a:shade val="50000"/>
-              </a:schemeClr>
-            </a:lnRef>
-            <a:fillRef idx="1">
-              <a:schemeClr val="accent1"/>
-            </a:fillRef>
-            <a:effectRef idx="0">
-              <a:schemeClr val="accent1"/>
-            </a:effectRef>
-            <a:fontRef idx="minor">
-              <a:schemeClr val="lt1"/>
-            </a:fontRef>
-          </p:style>
-          <p:txBody>
-            <a:bodyPr rtlCol="0" anchor="ctr"/>
-            <a:lstStyle/>
-            <a:p>
-              <a:pPr algn="ctr"/>
-              <a:r>
-                <a:rPr lang="en-US" altLang="zh-CN" sz="400" dirty="0" err="1">
-                  <a:solidFill>
-                    <a:schemeClr val="tx1"/>
-                  </a:solidFill>
-                </a:rPr>
-                <a:t>Antd</a:t>
-              </a:r>
-              <a:r>
-                <a:rPr lang="en-US" altLang="zh-CN" sz="400" dirty="0">
-                  <a:solidFill>
-                    <a:schemeClr val="tx1"/>
-                  </a:solidFill>
-                </a:rPr>
-                <a:t>-mobile</a:t>
-              </a:r>
-              <a:endParaRPr lang="zh-CN" altLang="en-US" sz="400" dirty="0">
-                <a:solidFill>
-                  <a:schemeClr val="tx1"/>
-                </a:solidFill>
-              </a:endParaRPr>
-            </a:p>
-          </p:txBody>
-        </p:sp>
-        <p:sp>
-          <p:nvSpPr>
-            <p:cNvPr id="157" name="矩形 156">
-              <a:extLst>
-                <a:ext uri="{FF2B5EF4-FFF2-40B4-BE49-F238E27FC236}">
-                  <a16:creationId xmlns:a16="http://schemas.microsoft.com/office/drawing/2014/main" id="{2D46497F-D924-89BA-4674-D169138D989A}"/>
-                </a:ext>
-              </a:extLst>
-            </p:cNvPr>
-            <p:cNvSpPr/>
-            <p:nvPr/>
-          </p:nvSpPr>
-          <p:spPr>
-            <a:xfrm>
-              <a:off x="2757318" y="4210677"/>
-              <a:ext cx="515702" cy="431428"/>
-            </a:xfrm>
-            <a:prstGeom prst="rect">
-              <a:avLst/>
-            </a:prstGeom>
-            <a:noFill/>
-            <a:ln>
-              <a:solidFill>
-                <a:schemeClr val="tx1"/>
-              </a:solidFill>
-            </a:ln>
-          </p:spPr>
-          <p:style>
-            <a:lnRef idx="2">
-              <a:schemeClr val="accent1">
-                <a:shade val="50000"/>
-              </a:schemeClr>
-            </a:lnRef>
-            <a:fillRef idx="1">
-              <a:schemeClr val="accent1"/>
-            </a:fillRef>
-            <a:effectRef idx="0">
-              <a:schemeClr val="accent1"/>
-            </a:effectRef>
-            <a:fontRef idx="minor">
-              <a:schemeClr val="lt1"/>
-            </a:fontRef>
-          </p:style>
-          <p:txBody>
-            <a:bodyPr rtlCol="0" anchor="ctr"/>
-            <a:lstStyle/>
-            <a:p>
-              <a:pPr algn="ctr"/>
-              <a:endParaRPr lang="en-US" altLang="zh-CN" sz="800" dirty="0">
-                <a:solidFill>
-                  <a:schemeClr val="tx1"/>
-                </a:solidFill>
-              </a:endParaRPr>
-            </a:p>
-          </p:txBody>
-        </p:sp>
-        <p:sp>
-          <p:nvSpPr>
-            <p:cNvPr id="158" name="文本框 157">
-              <a:extLst>
-                <a:ext uri="{FF2B5EF4-FFF2-40B4-BE49-F238E27FC236}">
-                  <a16:creationId xmlns:a16="http://schemas.microsoft.com/office/drawing/2014/main" id="{03C38158-FA81-7141-9FD0-FAA32BE8BCB8}"/>
-                </a:ext>
-              </a:extLst>
-            </p:cNvPr>
-            <p:cNvSpPr txBox="1"/>
-            <p:nvPr/>
-          </p:nvSpPr>
-          <p:spPr>
-            <a:xfrm>
-              <a:off x="3079504" y="4193006"/>
-              <a:ext cx="452553" cy="169277"/>
-            </a:xfrm>
-            <a:prstGeom prst="rect">
-              <a:avLst/>
-            </a:prstGeom>
-            <a:noFill/>
-          </p:spPr>
-          <p:txBody>
-            <a:bodyPr wrap="square" rtlCol="0">
-              <a:spAutoFit/>
-            </a:bodyPr>
-            <a:lstStyle/>
-            <a:p>
-              <a:r>
-                <a:rPr lang="zh-CN" altLang="en-US" sz="500" dirty="0"/>
-                <a:t>库</a:t>
-              </a:r>
-            </a:p>
-          </p:txBody>
-        </p:sp>
-        <p:sp>
-          <p:nvSpPr>
-            <p:cNvPr id="160" name="矩形 159">
-              <a:extLst>
-                <a:ext uri="{FF2B5EF4-FFF2-40B4-BE49-F238E27FC236}">
-                  <a16:creationId xmlns:a16="http://schemas.microsoft.com/office/drawing/2014/main" id="{2662D43A-BA5E-8EAD-50CC-FD7D6AEBD9C9}"/>
-                </a:ext>
-              </a:extLst>
-            </p:cNvPr>
-            <p:cNvSpPr/>
-            <p:nvPr/>
-          </p:nvSpPr>
-          <p:spPr>
-            <a:xfrm>
-              <a:off x="2799502" y="4390135"/>
-              <a:ext cx="420244" cy="129315"/>
-            </a:xfrm>
-            <a:prstGeom prst="rect">
-              <a:avLst/>
-            </a:prstGeom>
-            <a:noFill/>
-            <a:ln>
-              <a:solidFill>
-                <a:schemeClr val="tx1"/>
-              </a:solidFill>
-            </a:ln>
-          </p:spPr>
-          <p:style>
-            <a:lnRef idx="2">
-              <a:schemeClr val="accent1">
-                <a:shade val="50000"/>
-              </a:schemeClr>
-            </a:lnRef>
-            <a:fillRef idx="1">
-              <a:schemeClr val="accent1"/>
-            </a:fillRef>
-            <a:effectRef idx="0">
-              <a:schemeClr val="accent1"/>
-            </a:effectRef>
-            <a:fontRef idx="minor">
-              <a:schemeClr val="lt1"/>
-            </a:fontRef>
-          </p:style>
-          <p:txBody>
-            <a:bodyPr rtlCol="0" anchor="ctr"/>
-            <a:lstStyle/>
-            <a:p>
-              <a:pPr algn="ctr"/>
-              <a:r>
-                <a:rPr lang="en-US" altLang="zh-CN" sz="500" dirty="0" err="1">
-                  <a:solidFill>
-                    <a:schemeClr val="tx1"/>
-                  </a:solidFill>
-                </a:rPr>
-                <a:t>TDesign</a:t>
-              </a:r>
-              <a:endParaRPr lang="zh-CN" altLang="en-US" sz="500" dirty="0">
-                <a:solidFill>
-                  <a:schemeClr val="tx1"/>
-                </a:solidFill>
-              </a:endParaRPr>
-            </a:p>
-          </p:txBody>
-        </p:sp>
-        <p:sp>
-          <p:nvSpPr>
-            <p:cNvPr id="162" name="立方体 161">
-              <a:extLst>
-                <a:ext uri="{FF2B5EF4-FFF2-40B4-BE49-F238E27FC236}">
-                  <a16:creationId xmlns:a16="http://schemas.microsoft.com/office/drawing/2014/main" id="{09B7FDC2-5801-8193-924F-E9D87E76EE09}"/>
-                </a:ext>
-              </a:extLst>
-            </p:cNvPr>
-            <p:cNvSpPr/>
-            <p:nvPr/>
-          </p:nvSpPr>
-          <p:spPr>
-            <a:xfrm>
-              <a:off x="1026871" y="5917947"/>
-              <a:ext cx="1168709" cy="684891"/>
-            </a:xfrm>
-            <a:prstGeom prst="cube">
-              <a:avLst>
-                <a:gd name="adj" fmla="val 24046"/>
-              </a:avLst>
-            </a:prstGeom>
-            <a:noFill/>
-            <a:ln>
-              <a:solidFill>
-                <a:schemeClr val="tx1"/>
-              </a:solidFill>
-            </a:ln>
-            <a:scene3d>
-              <a:camera prst="orthographicFront"/>
-              <a:lightRig rig="brightRoom" dir="t"/>
-            </a:scene3d>
-            <a:sp3d prstMaterial="matte"/>
-          </p:spPr>
-          <p:style>
-            <a:lnRef idx="2">
-              <a:schemeClr val="accent1">
-                <a:shade val="50000"/>
-              </a:schemeClr>
-            </a:lnRef>
-            <a:fillRef idx="1">
-              <a:schemeClr val="accent1"/>
-            </a:fillRef>
-            <a:effectRef idx="0">
-              <a:schemeClr val="accent1"/>
-            </a:effectRef>
-            <a:fontRef idx="minor">
-              <a:schemeClr val="lt1"/>
-            </a:fontRef>
-          </p:style>
-          <p:txBody>
-            <a:bodyPr rtlCol="0" anchor="ctr"/>
-            <a:lstStyle/>
-            <a:p>
-              <a:pPr algn="ctr"/>
-              <a:endParaRPr lang="en-US" altLang="zh-CN" sz="800" dirty="0">
-                <a:solidFill>
-                  <a:schemeClr val="tx1"/>
-                </a:solidFill>
-              </a:endParaRPr>
-            </a:p>
-            <a:p>
-              <a:pPr algn="ctr"/>
-              <a:endParaRPr lang="en-US" altLang="zh-CN" sz="800" dirty="0">
-                <a:solidFill>
-                  <a:schemeClr val="tx1"/>
-                </a:solidFill>
-              </a:endParaRPr>
-            </a:p>
-            <a:p>
-              <a:pPr algn="ctr"/>
-              <a:endParaRPr lang="en-US" altLang="zh-CN" sz="800" dirty="0">
-                <a:solidFill>
-                  <a:schemeClr val="tx1"/>
-                </a:solidFill>
-              </a:endParaRPr>
-            </a:p>
-            <a:p>
-              <a:pPr algn="ctr"/>
-              <a:endParaRPr lang="en-US" altLang="zh-CN" sz="800" dirty="0">
-                <a:solidFill>
-                  <a:schemeClr val="tx1"/>
-                </a:solidFill>
-              </a:endParaRPr>
-            </a:p>
-            <a:p>
-              <a:pPr algn="ctr"/>
-              <a:endParaRPr lang="en-US" altLang="zh-CN" sz="1600" dirty="0">
-                <a:solidFill>
-                  <a:schemeClr val="tx1"/>
-                </a:solidFill>
-              </a:endParaRPr>
-            </a:p>
-            <a:p>
-              <a:pPr algn="ctr"/>
-              <a:endParaRPr lang="en-US" altLang="zh-CN" sz="1600" dirty="0">
-                <a:solidFill>
-                  <a:schemeClr val="tx1"/>
-                </a:solidFill>
-              </a:endParaRPr>
-            </a:p>
-            <a:p>
-              <a:pPr algn="ctr"/>
-              <a:r>
-                <a:rPr lang="en-US" altLang="zh-CN" sz="1600" dirty="0">
-                  <a:solidFill>
-                    <a:schemeClr val="tx1"/>
-                  </a:solidFill>
-                </a:rPr>
-                <a:t> </a:t>
-              </a:r>
-              <a:endParaRPr lang="zh-CN" altLang="en-US" sz="1600" dirty="0">
-                <a:solidFill>
-                  <a:schemeClr val="tx1"/>
-                </a:solidFill>
-              </a:endParaRPr>
-            </a:p>
-          </p:txBody>
-        </p:sp>
-        <p:sp>
-          <p:nvSpPr>
-            <p:cNvPr id="163" name="矩形 162">
-              <a:extLst>
-                <a:ext uri="{FF2B5EF4-FFF2-40B4-BE49-F238E27FC236}">
-                  <a16:creationId xmlns:a16="http://schemas.microsoft.com/office/drawing/2014/main" id="{D8241821-7AF2-8F9F-C448-29AD2E5B0D16}"/>
-                </a:ext>
-              </a:extLst>
-            </p:cNvPr>
-            <p:cNvSpPr/>
-            <p:nvPr/>
-          </p:nvSpPr>
-          <p:spPr>
-            <a:xfrm>
-              <a:off x="1226573" y="6190735"/>
-              <a:ext cx="640566" cy="256900"/>
-            </a:xfrm>
-            <a:prstGeom prst="rect">
-              <a:avLst/>
-            </a:prstGeom>
-            <a:noFill/>
-            <a:ln>
-              <a:solidFill>
-                <a:schemeClr val="tx1"/>
-              </a:solidFill>
-            </a:ln>
-          </p:spPr>
-          <p:style>
-            <a:lnRef idx="2">
-              <a:schemeClr val="accent1">
-                <a:shade val="50000"/>
-              </a:schemeClr>
-            </a:lnRef>
-            <a:fillRef idx="1">
-              <a:schemeClr val="accent1"/>
-            </a:fillRef>
-            <a:effectRef idx="0">
-              <a:schemeClr val="accent1"/>
-            </a:effectRef>
-            <a:fontRef idx="minor">
-              <a:schemeClr val="lt1"/>
-            </a:fontRef>
-          </p:style>
-          <p:txBody>
-            <a:bodyPr rtlCol="0" anchor="ctr"/>
-            <a:lstStyle/>
-            <a:p>
-              <a:pPr algn="ctr"/>
-              <a:r>
-                <a:rPr lang="en-US" altLang="zh-CN" sz="800" dirty="0">
-                  <a:solidFill>
-                    <a:schemeClr val="tx1"/>
-                  </a:solidFill>
-                </a:rPr>
-                <a:t>Web Browser</a:t>
-              </a:r>
-              <a:endParaRPr lang="zh-CN" altLang="en-US" sz="800" dirty="0">
-                <a:solidFill>
-                  <a:schemeClr val="tx1"/>
-                </a:solidFill>
-              </a:endParaRPr>
-            </a:p>
-          </p:txBody>
-        </p:sp>
-        <p:sp>
-          <p:nvSpPr>
-            <p:cNvPr id="164" name="流程图: 过程 163">
-              <a:extLst>
-                <a:ext uri="{FF2B5EF4-FFF2-40B4-BE49-F238E27FC236}">
-                  <a16:creationId xmlns:a16="http://schemas.microsoft.com/office/drawing/2014/main" id="{9AC37FE7-5DF3-0493-996D-88849F6987EC}"/>
-                </a:ext>
-              </a:extLst>
-            </p:cNvPr>
-            <p:cNvSpPr/>
-            <p:nvPr/>
-          </p:nvSpPr>
-          <p:spPr>
-            <a:xfrm>
-              <a:off x="1143260" y="6260129"/>
-              <a:ext cx="157945" cy="59055"/>
-            </a:xfrm>
-            <a:prstGeom prst="flowChartProcess">
-              <a:avLst/>
-            </a:prstGeom>
-          </p:spPr>
-          <p:style>
-            <a:lnRef idx="2">
-              <a:schemeClr val="accent1">
-                <a:shade val="50000"/>
-              </a:schemeClr>
-            </a:lnRef>
-            <a:fillRef idx="1">
-              <a:schemeClr val="accent1"/>
-            </a:fillRef>
-            <a:effectRef idx="0">
-              <a:schemeClr val="accent1"/>
-            </a:effectRef>
-            <a:fontRef idx="minor">
-              <a:schemeClr val="lt1"/>
-            </a:fontRef>
-          </p:style>
-          <p:txBody>
-            <a:bodyPr rtlCol="0" anchor="ctr"/>
-            <a:lstStyle/>
-            <a:p>
-              <a:pPr algn="ctr"/>
-              <a:endParaRPr lang="zh-CN" altLang="en-US"/>
-            </a:p>
-          </p:txBody>
-        </p:sp>
-        <p:sp>
-          <p:nvSpPr>
-            <p:cNvPr id="165" name="流程图: 过程 164">
-              <a:extLst>
-                <a:ext uri="{FF2B5EF4-FFF2-40B4-BE49-F238E27FC236}">
-                  <a16:creationId xmlns:a16="http://schemas.microsoft.com/office/drawing/2014/main" id="{F4E167F1-3C33-1B6C-A870-C479CB2A191E}"/>
-                </a:ext>
-              </a:extLst>
-            </p:cNvPr>
-            <p:cNvSpPr/>
-            <p:nvPr/>
-          </p:nvSpPr>
-          <p:spPr>
-            <a:xfrm>
-              <a:off x="1143260" y="6357563"/>
-              <a:ext cx="157945" cy="59055"/>
-            </a:xfrm>
-            <a:prstGeom prst="flowChartProcess">
-              <a:avLst/>
-            </a:prstGeom>
-          </p:spPr>
-          <p:style>
-            <a:lnRef idx="2">
-              <a:schemeClr val="accent1">
-                <a:shade val="50000"/>
-              </a:schemeClr>
-            </a:lnRef>
-            <a:fillRef idx="1">
-              <a:schemeClr val="accent1"/>
-            </a:fillRef>
-            <a:effectRef idx="0">
-              <a:schemeClr val="accent1"/>
-            </a:effectRef>
-            <a:fontRef idx="minor">
-              <a:schemeClr val="lt1"/>
-            </a:fontRef>
-          </p:style>
-          <p:txBody>
-            <a:bodyPr rtlCol="0" anchor="ctr"/>
-            <a:lstStyle/>
-            <a:p>
-              <a:pPr algn="ctr"/>
-              <a:endParaRPr lang="zh-CN" altLang="en-US"/>
-            </a:p>
-          </p:txBody>
-        </p:sp>
-        <p:sp>
-          <p:nvSpPr>
-            <p:cNvPr id="172" name="文本框 171">
-              <a:extLst>
-                <a:ext uri="{FF2B5EF4-FFF2-40B4-BE49-F238E27FC236}">
-                  <a16:creationId xmlns:a16="http://schemas.microsoft.com/office/drawing/2014/main" id="{E5B6622C-1996-682F-FC2E-5BB2F623C9B2}"/>
-                </a:ext>
-              </a:extLst>
-            </p:cNvPr>
-            <p:cNvSpPr txBox="1"/>
-            <p:nvPr/>
-          </p:nvSpPr>
-          <p:spPr>
-            <a:xfrm>
-              <a:off x="4997585" y="4574881"/>
-              <a:ext cx="914400" cy="253916"/>
-            </a:xfrm>
-            <a:prstGeom prst="rect">
-              <a:avLst/>
-            </a:prstGeom>
-            <a:noFill/>
-          </p:spPr>
-          <p:txBody>
-            <a:bodyPr wrap="square" rtlCol="0">
-              <a:spAutoFit/>
-            </a:bodyPr>
-            <a:lstStyle/>
-            <a:p>
-              <a:r>
-                <a:rPr lang="en-US" altLang="zh-CN" sz="1050" dirty="0"/>
-                <a:t>Manager PC</a:t>
-              </a:r>
-              <a:endParaRPr lang="zh-CN" altLang="en-US" sz="1050" dirty="0"/>
-            </a:p>
-          </p:txBody>
-        </p:sp>
-        <p:sp>
-          <p:nvSpPr>
-            <p:cNvPr id="173" name="立方体 172">
-              <a:extLst>
-                <a:ext uri="{FF2B5EF4-FFF2-40B4-BE49-F238E27FC236}">
-                  <a16:creationId xmlns:a16="http://schemas.microsoft.com/office/drawing/2014/main" id="{FC0C3918-C97A-E1E2-C2E3-8639A222E050}"/>
-                </a:ext>
-              </a:extLst>
-            </p:cNvPr>
-            <p:cNvSpPr/>
-            <p:nvPr/>
-          </p:nvSpPr>
-          <p:spPr>
-            <a:xfrm>
-              <a:off x="4875697" y="3868231"/>
-              <a:ext cx="1168709" cy="684891"/>
-            </a:xfrm>
-            <a:prstGeom prst="cube">
-              <a:avLst>
-                <a:gd name="adj" fmla="val 24046"/>
-              </a:avLst>
-            </a:prstGeom>
-            <a:noFill/>
-            <a:ln>
-              <a:solidFill>
-                <a:schemeClr val="tx1"/>
-              </a:solidFill>
-            </a:ln>
-            <a:scene3d>
-              <a:camera prst="orthographicFront"/>
-              <a:lightRig rig="brightRoom" dir="t"/>
-            </a:scene3d>
-            <a:sp3d prstMaterial="matte"/>
-          </p:spPr>
-          <p:style>
-            <a:lnRef idx="2">
-              <a:schemeClr val="accent1">
-                <a:shade val="50000"/>
-              </a:schemeClr>
-            </a:lnRef>
-            <a:fillRef idx="1">
-              <a:schemeClr val="accent1"/>
-            </a:fillRef>
-            <a:effectRef idx="0">
-              <a:schemeClr val="accent1"/>
-            </a:effectRef>
-            <a:fontRef idx="minor">
-              <a:schemeClr val="lt1"/>
-            </a:fontRef>
-          </p:style>
-          <p:txBody>
-            <a:bodyPr rtlCol="0" anchor="ctr"/>
-            <a:lstStyle/>
-            <a:p>
-              <a:pPr algn="ctr"/>
-              <a:endParaRPr lang="en-US" altLang="zh-CN" sz="800" dirty="0">
-                <a:solidFill>
-                  <a:schemeClr val="tx1"/>
-                </a:solidFill>
-              </a:endParaRPr>
-            </a:p>
-            <a:p>
-              <a:pPr algn="ctr"/>
-              <a:endParaRPr lang="en-US" altLang="zh-CN" sz="800" dirty="0">
-                <a:solidFill>
-                  <a:schemeClr val="tx1"/>
-                </a:solidFill>
-              </a:endParaRPr>
-            </a:p>
-            <a:p>
-              <a:pPr algn="ctr"/>
-              <a:endParaRPr lang="en-US" altLang="zh-CN" sz="800" dirty="0">
-                <a:solidFill>
-                  <a:schemeClr val="tx1"/>
-                </a:solidFill>
-              </a:endParaRPr>
-            </a:p>
-            <a:p>
-              <a:pPr algn="ctr"/>
-              <a:endParaRPr lang="en-US" altLang="zh-CN" sz="800" dirty="0">
-                <a:solidFill>
-                  <a:schemeClr val="tx1"/>
-                </a:solidFill>
-              </a:endParaRPr>
-            </a:p>
-            <a:p>
-              <a:pPr algn="ctr"/>
-              <a:endParaRPr lang="en-US" altLang="zh-CN" sz="1600" dirty="0">
-                <a:solidFill>
-                  <a:schemeClr val="tx1"/>
-                </a:solidFill>
-              </a:endParaRPr>
-            </a:p>
-            <a:p>
-              <a:pPr algn="ctr"/>
-              <a:endParaRPr lang="en-US" altLang="zh-CN" sz="1600" dirty="0">
-                <a:solidFill>
-                  <a:schemeClr val="tx1"/>
-                </a:solidFill>
-              </a:endParaRPr>
-            </a:p>
-            <a:p>
-              <a:pPr algn="ctr"/>
-              <a:r>
-                <a:rPr lang="en-US" altLang="zh-CN" sz="1600" dirty="0">
-                  <a:solidFill>
-                    <a:schemeClr val="tx1"/>
-                  </a:solidFill>
-                </a:rPr>
-                <a:t> </a:t>
-              </a:r>
-              <a:endParaRPr lang="zh-CN" altLang="en-US" sz="1600" dirty="0">
-                <a:solidFill>
-                  <a:schemeClr val="tx1"/>
-                </a:solidFill>
-              </a:endParaRPr>
-            </a:p>
-          </p:txBody>
-        </p:sp>
-        <p:sp>
-          <p:nvSpPr>
-            <p:cNvPr id="174" name="矩形 173">
-              <a:extLst>
-                <a:ext uri="{FF2B5EF4-FFF2-40B4-BE49-F238E27FC236}">
-                  <a16:creationId xmlns:a16="http://schemas.microsoft.com/office/drawing/2014/main" id="{FD92A5D2-78AD-CFC8-024F-5BD30D654BB6}"/>
-                </a:ext>
-              </a:extLst>
-            </p:cNvPr>
-            <p:cNvSpPr/>
-            <p:nvPr/>
-          </p:nvSpPr>
-          <p:spPr>
-            <a:xfrm>
-              <a:off x="5075399" y="4141019"/>
-              <a:ext cx="640566" cy="256900"/>
-            </a:xfrm>
-            <a:prstGeom prst="rect">
-              <a:avLst/>
-            </a:prstGeom>
-            <a:noFill/>
-            <a:ln>
-              <a:solidFill>
-                <a:schemeClr val="tx1"/>
-              </a:solidFill>
-            </a:ln>
-          </p:spPr>
-          <p:style>
-            <a:lnRef idx="2">
-              <a:schemeClr val="accent1">
-                <a:shade val="50000"/>
-              </a:schemeClr>
-            </a:lnRef>
-            <a:fillRef idx="1">
-              <a:schemeClr val="accent1"/>
-            </a:fillRef>
-            <a:effectRef idx="0">
-              <a:schemeClr val="accent1"/>
-            </a:effectRef>
-            <a:fontRef idx="minor">
-              <a:schemeClr val="lt1"/>
-            </a:fontRef>
-          </p:style>
-          <p:txBody>
-            <a:bodyPr rtlCol="0" anchor="ctr"/>
-            <a:lstStyle/>
-            <a:p>
-              <a:pPr algn="ctr"/>
-              <a:r>
-                <a:rPr lang="en-US" altLang="zh-CN" sz="800" dirty="0">
-                  <a:solidFill>
-                    <a:schemeClr val="tx1"/>
-                  </a:solidFill>
-                </a:rPr>
-                <a:t>Web Browser</a:t>
-              </a:r>
-              <a:endParaRPr lang="zh-CN" altLang="en-US" sz="800" dirty="0">
-                <a:solidFill>
-                  <a:schemeClr val="tx1"/>
-                </a:solidFill>
-              </a:endParaRPr>
-            </a:p>
-          </p:txBody>
-        </p:sp>
-        <p:sp>
-          <p:nvSpPr>
-            <p:cNvPr id="175" name="流程图: 过程 174">
-              <a:extLst>
-                <a:ext uri="{FF2B5EF4-FFF2-40B4-BE49-F238E27FC236}">
-                  <a16:creationId xmlns:a16="http://schemas.microsoft.com/office/drawing/2014/main" id="{3CC3D0CA-9EFA-1871-64B3-AA4ECF947C0E}"/>
-                </a:ext>
-              </a:extLst>
-            </p:cNvPr>
-            <p:cNvSpPr/>
-            <p:nvPr/>
-          </p:nvSpPr>
-          <p:spPr>
-            <a:xfrm>
-              <a:off x="4992086" y="4210413"/>
-              <a:ext cx="157945" cy="59055"/>
-            </a:xfrm>
-            <a:prstGeom prst="flowChartProcess">
-              <a:avLst/>
-            </a:prstGeom>
-          </p:spPr>
-          <p:style>
-            <a:lnRef idx="2">
-              <a:schemeClr val="accent1">
-                <a:shade val="50000"/>
-              </a:schemeClr>
-            </a:lnRef>
-            <a:fillRef idx="1">
-              <a:schemeClr val="accent1"/>
-            </a:fillRef>
-            <a:effectRef idx="0">
-              <a:schemeClr val="accent1"/>
-            </a:effectRef>
-            <a:fontRef idx="minor">
-              <a:schemeClr val="lt1"/>
-            </a:fontRef>
-          </p:style>
-          <p:txBody>
-            <a:bodyPr rtlCol="0" anchor="ctr"/>
-            <a:lstStyle/>
-            <a:p>
-              <a:pPr algn="ctr"/>
-              <a:endParaRPr lang="zh-CN" altLang="en-US"/>
-            </a:p>
-          </p:txBody>
-        </p:sp>
-        <p:sp>
-          <p:nvSpPr>
-            <p:cNvPr id="176" name="流程图: 过程 175">
-              <a:extLst>
-                <a:ext uri="{FF2B5EF4-FFF2-40B4-BE49-F238E27FC236}">
-                  <a16:creationId xmlns:a16="http://schemas.microsoft.com/office/drawing/2014/main" id="{482372C9-2872-A753-A616-56DEF94BA472}"/>
-                </a:ext>
-              </a:extLst>
-            </p:cNvPr>
-            <p:cNvSpPr/>
-            <p:nvPr/>
-          </p:nvSpPr>
-          <p:spPr>
-            <a:xfrm>
-              <a:off x="4992086" y="4307847"/>
-              <a:ext cx="157945" cy="59055"/>
-            </a:xfrm>
-            <a:prstGeom prst="flowChartProcess">
-              <a:avLst/>
-            </a:prstGeom>
-          </p:spPr>
-          <p:style>
-            <a:lnRef idx="2">
-              <a:schemeClr val="accent1">
-                <a:shade val="50000"/>
-              </a:schemeClr>
-            </a:lnRef>
-            <a:fillRef idx="1">
-              <a:schemeClr val="accent1"/>
-            </a:fillRef>
-            <a:effectRef idx="0">
-              <a:schemeClr val="accent1"/>
-            </a:effectRef>
-            <a:fontRef idx="minor">
-              <a:schemeClr val="lt1"/>
-            </a:fontRef>
-          </p:style>
-          <p:txBody>
-            <a:bodyPr rtlCol="0" anchor="ctr"/>
-            <a:lstStyle/>
-            <a:p>
-              <a:pPr algn="ctr"/>
-              <a:endParaRPr lang="zh-CN" altLang="en-US"/>
-            </a:p>
-          </p:txBody>
-        </p:sp>
-        <p:cxnSp>
-          <p:nvCxnSpPr>
-            <p:cNvPr id="177" name="连接符: 肘形 176">
-              <a:extLst>
-                <a:ext uri="{FF2B5EF4-FFF2-40B4-BE49-F238E27FC236}">
-                  <a16:creationId xmlns:a16="http://schemas.microsoft.com/office/drawing/2014/main" id="{1745B9F8-8EBD-5D3A-6C1F-BB292C18EEF6}"/>
-                </a:ext>
-              </a:extLst>
-            </p:cNvPr>
-            <p:cNvCxnSpPr>
-              <a:cxnSpLocks/>
-              <a:stCxn id="173" idx="0"/>
-            </p:cNvCxnSpPr>
-            <p:nvPr/>
-          </p:nvCxnSpPr>
-          <p:spPr>
-            <a:xfrm rot="16200000" flipV="1">
-              <a:off x="3723502" y="2049337"/>
-              <a:ext cx="1688914" cy="1948874"/>
-            </a:xfrm>
-            <a:prstGeom prst="bentConnector2">
-              <a:avLst/>
-            </a:prstGeom>
-            <a:ln>
-              <a:solidFill>
-                <a:schemeClr val="tx1"/>
-              </a:solidFill>
-              <a:tailEnd type="triangle"/>
-            </a:ln>
-          </p:spPr>
-          <p:style>
-            <a:lnRef idx="1">
-              <a:schemeClr val="accent1"/>
-            </a:lnRef>
-            <a:fillRef idx="0">
-              <a:schemeClr val="accent1"/>
-            </a:fillRef>
-            <a:effectRef idx="0">
-              <a:schemeClr val="accent1"/>
-            </a:effectRef>
-            <a:fontRef idx="minor">
-              <a:schemeClr val="tx1"/>
-            </a:fontRef>
-          </p:style>
-        </p:cxnSp>
-        <p:sp>
-          <p:nvSpPr>
-            <p:cNvPr id="182" name="文本框 181">
-              <a:extLst>
-                <a:ext uri="{FF2B5EF4-FFF2-40B4-BE49-F238E27FC236}">
-                  <a16:creationId xmlns:a16="http://schemas.microsoft.com/office/drawing/2014/main" id="{CB949A24-9804-8641-C611-A28B7522F41C}"/>
-                </a:ext>
-              </a:extLst>
-            </p:cNvPr>
-            <p:cNvSpPr txBox="1"/>
-            <p:nvPr/>
-          </p:nvSpPr>
-          <p:spPr>
-            <a:xfrm>
-              <a:off x="4551685" y="3504548"/>
-              <a:ext cx="1969297" cy="261610"/>
-            </a:xfrm>
-            <a:prstGeom prst="rect">
-              <a:avLst/>
-            </a:prstGeom>
-            <a:noFill/>
-          </p:spPr>
-          <p:txBody>
-            <a:bodyPr wrap="square">
-              <a:spAutoFit/>
-            </a:bodyPr>
-            <a:lstStyle/>
-            <a:p>
-              <a:r>
-                <a:rPr lang="en-US" altLang="zh-CN" sz="1100" dirty="0">
-                  <a:solidFill>
-                    <a:srgbClr val="FF0000"/>
-                  </a:solidFill>
-                  <a:latin typeface="Times New Roman" panose="02020603050405020304" pitchFamily="18" charset="0"/>
-                  <a:cs typeface="Times New Roman" panose="02020603050405020304" pitchFamily="18" charset="0"/>
-                </a:rPr>
-                <a:t>Shell(</a:t>
-              </a:r>
-              <a:r>
-                <a:rPr lang="en-US" altLang="zh-CN" sz="1100" dirty="0" err="1">
-                  <a:solidFill>
-                    <a:srgbClr val="FF0000"/>
-                  </a:solidFill>
-                  <a:latin typeface="Times New Roman" panose="02020603050405020304" pitchFamily="18" charset="0"/>
-                  <a:cs typeface="Times New Roman" panose="02020603050405020304" pitchFamily="18" charset="0"/>
-                </a:rPr>
-                <a:t>ssh</a:t>
-              </a:r>
-              <a:r>
-                <a:rPr lang="en-US" altLang="zh-CN" sz="1100" dirty="0">
-                  <a:solidFill>
-                    <a:srgbClr val="FF0000"/>
-                  </a:solidFill>
-                  <a:latin typeface="Times New Roman" panose="02020603050405020304" pitchFamily="18" charset="0"/>
-                  <a:cs typeface="Times New Roman" panose="02020603050405020304" pitchFamily="18" charset="0"/>
-                </a:rPr>
-                <a:t>\</a:t>
-              </a:r>
-              <a:r>
-                <a:rPr lang="en-US" altLang="zh-CN" sz="1100" dirty="0" err="1">
-                  <a:solidFill>
-                    <a:srgbClr val="FF0000"/>
-                  </a:solidFill>
-                  <a:latin typeface="Times New Roman" panose="02020603050405020304" pitchFamily="18" charset="0"/>
-                  <a:cs typeface="Times New Roman" panose="02020603050405020304" pitchFamily="18" charset="0"/>
-                </a:rPr>
-                <a:t>rsh</a:t>
-              </a:r>
-              <a:r>
-                <a:rPr lang="en-US" altLang="zh-CN" sz="1100" dirty="0">
-                  <a:solidFill>
-                    <a:srgbClr val="FF0000"/>
-                  </a:solidFill>
-                  <a:latin typeface="Times New Roman" panose="02020603050405020304" pitchFamily="18" charset="0"/>
-                  <a:cs typeface="Times New Roman" panose="02020603050405020304" pitchFamily="18" charset="0"/>
-                </a:rPr>
-                <a:t>),ftp</a:t>
-              </a:r>
-              <a:endParaRPr lang="zh-CN" altLang="en-US" sz="1100" dirty="0"/>
-            </a:p>
-          </p:txBody>
-        </p:sp>
-        <p:cxnSp>
-          <p:nvCxnSpPr>
-            <p:cNvPr id="183" name="连接符: 肘形 182">
-              <a:extLst>
-                <a:ext uri="{FF2B5EF4-FFF2-40B4-BE49-F238E27FC236}">
-                  <a16:creationId xmlns:a16="http://schemas.microsoft.com/office/drawing/2014/main" id="{A0DBDD76-AA2A-4F77-0C06-D4D7807C1AB3}"/>
-                </a:ext>
-              </a:extLst>
-            </p:cNvPr>
-            <p:cNvCxnSpPr>
-              <a:cxnSpLocks/>
-              <a:stCxn id="173" idx="5"/>
-              <a:endCxn id="3" idx="5"/>
-            </p:cNvCxnSpPr>
-            <p:nvPr/>
-          </p:nvCxnSpPr>
-          <p:spPr>
-            <a:xfrm flipH="1" flipV="1">
-              <a:off x="2549885" y="869026"/>
-              <a:ext cx="3494521" cy="3259306"/>
-            </a:xfrm>
-            <a:prstGeom prst="bentConnector3">
-              <a:avLst>
-                <a:gd name="adj1" fmla="val -6542"/>
-              </a:avLst>
-            </a:prstGeom>
-            <a:ln>
-              <a:solidFill>
-                <a:schemeClr val="tx1"/>
-              </a:solidFill>
-              <a:tailEnd type="triangle"/>
-            </a:ln>
-          </p:spPr>
-          <p:style>
-            <a:lnRef idx="1">
-              <a:schemeClr val="accent1"/>
-            </a:lnRef>
-            <a:fillRef idx="0">
-              <a:schemeClr val="accent1"/>
-            </a:fillRef>
-            <a:effectRef idx="0">
-              <a:schemeClr val="accent1"/>
-            </a:effectRef>
-            <a:fontRef idx="minor">
-              <a:schemeClr val="tx1"/>
-            </a:fontRef>
-          </p:style>
-        </p:cxnSp>
-        <p:cxnSp>
-          <p:nvCxnSpPr>
-            <p:cNvPr id="186" name="连接符: 肘形 185">
-              <a:extLst>
-                <a:ext uri="{FF2B5EF4-FFF2-40B4-BE49-F238E27FC236}">
-                  <a16:creationId xmlns:a16="http://schemas.microsoft.com/office/drawing/2014/main" id="{ABCF11FA-26BA-FBF0-3B51-E6BB3A3A131A}"/>
-                </a:ext>
-              </a:extLst>
-            </p:cNvPr>
-            <p:cNvCxnSpPr>
-              <a:cxnSpLocks/>
-              <a:stCxn id="173" idx="1"/>
-              <a:endCxn id="40" idx="4"/>
-            </p:cNvCxnSpPr>
-            <p:nvPr/>
-          </p:nvCxnSpPr>
-          <p:spPr>
-            <a:xfrm rot="5400000" flipH="1" flipV="1">
-              <a:off x="3908048" y="2534839"/>
-              <a:ext cx="2967741" cy="28423"/>
-            </a:xfrm>
-            <a:prstGeom prst="bentConnector4">
-              <a:avLst>
-                <a:gd name="adj1" fmla="val 37544"/>
-                <a:gd name="adj2" fmla="val 904278"/>
-              </a:avLst>
-            </a:prstGeom>
-            <a:ln>
-              <a:solidFill>
-                <a:schemeClr val="tx1"/>
-              </a:solidFill>
-              <a:tailEnd type="triangle"/>
-            </a:ln>
-          </p:spPr>
-          <p:style>
-            <a:lnRef idx="1">
-              <a:schemeClr val="accent1"/>
-            </a:lnRef>
-            <a:fillRef idx="0">
-              <a:schemeClr val="accent1"/>
-            </a:fillRef>
-            <a:effectRef idx="0">
-              <a:schemeClr val="accent1"/>
-            </a:effectRef>
-            <a:fontRef idx="minor">
-              <a:schemeClr val="tx1"/>
-            </a:fontRef>
-          </p:style>
-        </p:cxnSp>
-        <p:sp>
-          <p:nvSpPr>
-            <p:cNvPr id="189" name="文本框 188">
-              <a:extLst>
-                <a:ext uri="{FF2B5EF4-FFF2-40B4-BE49-F238E27FC236}">
-                  <a16:creationId xmlns:a16="http://schemas.microsoft.com/office/drawing/2014/main" id="{39D6B51E-EFFD-6AA4-1C2A-83C9BE80FEF7}"/>
-                </a:ext>
-              </a:extLst>
-            </p:cNvPr>
-            <p:cNvSpPr txBox="1"/>
-            <p:nvPr/>
-          </p:nvSpPr>
-          <p:spPr>
-            <a:xfrm>
-              <a:off x="6251693" y="3779154"/>
-              <a:ext cx="532677" cy="261610"/>
-            </a:xfrm>
-            <a:prstGeom prst="rect">
-              <a:avLst/>
-            </a:prstGeom>
-            <a:noFill/>
-          </p:spPr>
-          <p:txBody>
-            <a:bodyPr wrap="square">
-              <a:spAutoFit/>
-            </a:bodyPr>
-            <a:lstStyle/>
-            <a:p>
-              <a:r>
-                <a:rPr lang="en-US" altLang="zh-CN" sz="1100" dirty="0">
-                  <a:solidFill>
-                    <a:srgbClr val="FF0000"/>
-                  </a:solidFill>
-                  <a:latin typeface="Times New Roman" panose="02020603050405020304" pitchFamily="18" charset="0"/>
-                  <a:cs typeface="Times New Roman" panose="02020603050405020304" pitchFamily="18" charset="0"/>
-                </a:rPr>
-                <a:t>NFS</a:t>
-              </a:r>
-              <a:endParaRPr lang="zh-CN" altLang="en-US" sz="1100" dirty="0"/>
-            </a:p>
-          </p:txBody>
-        </p:sp>
-        <p:sp>
-          <p:nvSpPr>
-            <p:cNvPr id="190" name="立方体 189">
-              <a:extLst>
-                <a:ext uri="{FF2B5EF4-FFF2-40B4-BE49-F238E27FC236}">
-                  <a16:creationId xmlns:a16="http://schemas.microsoft.com/office/drawing/2014/main" id="{0716151F-92B8-4480-79EE-CDC98568CDBE}"/>
-                </a:ext>
-              </a:extLst>
-            </p:cNvPr>
-            <p:cNvSpPr/>
-            <p:nvPr/>
-          </p:nvSpPr>
-          <p:spPr>
-            <a:xfrm>
-              <a:off x="3920321" y="5238306"/>
-              <a:ext cx="2001517" cy="1482884"/>
-            </a:xfrm>
-            <a:prstGeom prst="cube">
-              <a:avLst>
-                <a:gd name="adj" fmla="val 8670"/>
-              </a:avLst>
-            </a:prstGeom>
-            <a:noFill/>
-            <a:ln>
-              <a:solidFill>
-                <a:schemeClr val="tx1"/>
-              </a:solidFill>
-            </a:ln>
-            <a:scene3d>
-              <a:camera prst="orthographicFront"/>
-              <a:lightRig rig="brightRoom" dir="t"/>
-            </a:scene3d>
-            <a:sp3d prstMaterial="matte"/>
-          </p:spPr>
-          <p:style>
-            <a:lnRef idx="2">
-              <a:schemeClr val="accent1">
-                <a:shade val="50000"/>
-              </a:schemeClr>
-            </a:lnRef>
-            <a:fillRef idx="1">
-              <a:schemeClr val="accent1"/>
-            </a:fillRef>
-            <a:effectRef idx="0">
-              <a:schemeClr val="accent1"/>
-            </a:effectRef>
-            <a:fontRef idx="minor">
-              <a:schemeClr val="lt1"/>
-            </a:fontRef>
-          </p:style>
-          <p:txBody>
-            <a:bodyPr rtlCol="0" anchor="ctr"/>
-            <a:lstStyle/>
-            <a:p>
-              <a:pPr algn="ctr"/>
-              <a:endParaRPr lang="en-US" altLang="zh-CN" sz="800" dirty="0">
-                <a:solidFill>
-                  <a:schemeClr val="tx1"/>
-                </a:solidFill>
-              </a:endParaRPr>
-            </a:p>
-            <a:p>
-              <a:pPr algn="ctr"/>
-              <a:endParaRPr lang="en-US" altLang="zh-CN" sz="800" dirty="0">
-                <a:solidFill>
-                  <a:schemeClr val="tx1"/>
-                </a:solidFill>
-              </a:endParaRPr>
-            </a:p>
-            <a:p>
-              <a:pPr algn="ctr"/>
-              <a:endParaRPr lang="en-US" altLang="zh-CN" sz="800" dirty="0">
-                <a:solidFill>
-                  <a:schemeClr val="tx1"/>
-                </a:solidFill>
-              </a:endParaRPr>
-            </a:p>
-            <a:p>
-              <a:pPr algn="ctr"/>
-              <a:endParaRPr lang="en-US" altLang="zh-CN" sz="800" dirty="0">
-                <a:solidFill>
-                  <a:schemeClr val="tx1"/>
-                </a:solidFill>
-              </a:endParaRPr>
-            </a:p>
-            <a:p>
-              <a:pPr algn="ctr"/>
-              <a:endParaRPr lang="en-US" altLang="zh-CN" sz="1600" dirty="0">
-                <a:solidFill>
-                  <a:schemeClr val="tx1"/>
-                </a:solidFill>
-              </a:endParaRPr>
-            </a:p>
-            <a:p>
-              <a:pPr algn="ctr"/>
-              <a:endParaRPr lang="en-US" altLang="zh-CN" sz="1600" dirty="0">
-                <a:solidFill>
-                  <a:schemeClr val="tx1"/>
-                </a:solidFill>
-              </a:endParaRPr>
-            </a:p>
-            <a:p>
-              <a:pPr algn="ctr"/>
-              <a:r>
-                <a:rPr lang="en-US" altLang="zh-CN" sz="1600" dirty="0">
-                  <a:solidFill>
-                    <a:schemeClr val="tx1"/>
-                  </a:solidFill>
-                </a:rPr>
-                <a:t> </a:t>
-              </a:r>
-              <a:endParaRPr lang="zh-CN" altLang="en-US" sz="1600" dirty="0">
-                <a:solidFill>
-                  <a:schemeClr val="tx1"/>
-                </a:solidFill>
-              </a:endParaRPr>
-            </a:p>
-          </p:txBody>
-        </p:sp>
-        <p:cxnSp>
-          <p:nvCxnSpPr>
-            <p:cNvPr id="191" name="连接符: 肘形 190">
-              <a:extLst>
-                <a:ext uri="{FF2B5EF4-FFF2-40B4-BE49-F238E27FC236}">
-                  <a16:creationId xmlns:a16="http://schemas.microsoft.com/office/drawing/2014/main" id="{FA9F4BF1-9C3B-B9F9-F11B-DB073EA0A153}"/>
-                </a:ext>
-              </a:extLst>
-            </p:cNvPr>
-            <p:cNvCxnSpPr>
-              <a:cxnSpLocks/>
-              <a:endCxn id="111" idx="3"/>
-            </p:cNvCxnSpPr>
-            <p:nvPr/>
-          </p:nvCxnSpPr>
-          <p:spPr>
-            <a:xfrm rot="16200000" flipV="1">
-              <a:off x="2977899" y="3861077"/>
-              <a:ext cx="2398902" cy="568709"/>
-            </a:xfrm>
-            <a:prstGeom prst="bentConnector2">
-              <a:avLst/>
-            </a:prstGeom>
-            <a:ln>
-              <a:solidFill>
-                <a:schemeClr val="tx1"/>
-              </a:solidFill>
-              <a:tailEnd type="triangle"/>
-            </a:ln>
-          </p:spPr>
-          <p:style>
-            <a:lnRef idx="1">
-              <a:schemeClr val="accent1"/>
-            </a:lnRef>
-            <a:fillRef idx="0">
-              <a:schemeClr val="accent1"/>
-            </a:fillRef>
-            <a:effectRef idx="0">
-              <a:schemeClr val="accent1"/>
-            </a:effectRef>
-            <a:fontRef idx="minor">
-              <a:schemeClr val="tx1"/>
-            </a:fontRef>
-          </p:style>
-        </p:cxnSp>
-        <p:sp>
-          <p:nvSpPr>
-            <p:cNvPr id="198" name="矩形 197">
-              <a:extLst>
-                <a:ext uri="{FF2B5EF4-FFF2-40B4-BE49-F238E27FC236}">
-                  <a16:creationId xmlns:a16="http://schemas.microsoft.com/office/drawing/2014/main" id="{0906A9C3-2A2E-E75F-D30B-1D9745C22EDE}"/>
-                </a:ext>
-              </a:extLst>
-            </p:cNvPr>
-            <p:cNvSpPr/>
-            <p:nvPr/>
-          </p:nvSpPr>
-          <p:spPr>
-            <a:xfrm>
-              <a:off x="4413598" y="5567385"/>
-              <a:ext cx="764192" cy="210372"/>
-            </a:xfrm>
-            <a:prstGeom prst="rect">
-              <a:avLst/>
-            </a:prstGeom>
-            <a:noFill/>
-            <a:ln>
-              <a:solidFill>
-                <a:schemeClr val="tx1"/>
-              </a:solidFill>
-            </a:ln>
-          </p:spPr>
-          <p:style>
-            <a:lnRef idx="2">
-              <a:schemeClr val="accent1">
-                <a:shade val="50000"/>
-              </a:schemeClr>
-            </a:lnRef>
-            <a:fillRef idx="1">
-              <a:schemeClr val="accent1"/>
-            </a:fillRef>
-            <a:effectRef idx="0">
-              <a:schemeClr val="accent1"/>
-            </a:effectRef>
-            <a:fontRef idx="minor">
-              <a:schemeClr val="lt1"/>
-            </a:fontRef>
-          </p:style>
-          <p:txBody>
-            <a:bodyPr rtlCol="0" anchor="ctr"/>
-            <a:lstStyle/>
-            <a:p>
-              <a:pPr algn="ctr"/>
-              <a:r>
-                <a:rPr lang="en-US" altLang="zh-CN" sz="800" dirty="0" err="1">
-                  <a:solidFill>
-                    <a:schemeClr val="tx1"/>
-                  </a:solidFill>
-                </a:rPr>
-                <a:t>wx.request</a:t>
-              </a:r>
-              <a:endParaRPr lang="zh-CN" altLang="en-US" sz="800" dirty="0">
-                <a:solidFill>
-                  <a:schemeClr val="tx1"/>
-                </a:solidFill>
-              </a:endParaRPr>
-            </a:p>
-          </p:txBody>
-        </p:sp>
-        <p:sp>
-          <p:nvSpPr>
-            <p:cNvPr id="199" name="流程图: 过程 198">
-              <a:extLst>
-                <a:ext uri="{FF2B5EF4-FFF2-40B4-BE49-F238E27FC236}">
-                  <a16:creationId xmlns:a16="http://schemas.microsoft.com/office/drawing/2014/main" id="{AAD7F148-0CCD-2BE8-EB6F-B821E06CCF8E}"/>
-                </a:ext>
-              </a:extLst>
-            </p:cNvPr>
-            <p:cNvSpPr/>
-            <p:nvPr/>
-          </p:nvSpPr>
-          <p:spPr>
-            <a:xfrm>
-              <a:off x="4330285" y="5590251"/>
-              <a:ext cx="157945" cy="59055"/>
-            </a:xfrm>
-            <a:prstGeom prst="flowChartProcess">
-              <a:avLst/>
-            </a:prstGeom>
-          </p:spPr>
-          <p:style>
-            <a:lnRef idx="2">
-              <a:schemeClr val="accent1">
-                <a:shade val="50000"/>
-              </a:schemeClr>
-            </a:lnRef>
-            <a:fillRef idx="1">
-              <a:schemeClr val="accent1"/>
-            </a:fillRef>
-            <a:effectRef idx="0">
-              <a:schemeClr val="accent1"/>
-            </a:effectRef>
-            <a:fontRef idx="minor">
-              <a:schemeClr val="lt1"/>
-            </a:fontRef>
-          </p:style>
-          <p:txBody>
-            <a:bodyPr rtlCol="0" anchor="ctr"/>
-            <a:lstStyle/>
-            <a:p>
-              <a:pPr algn="ctr"/>
-              <a:endParaRPr lang="zh-CN" altLang="en-US"/>
-            </a:p>
-          </p:txBody>
-        </p:sp>
-        <p:sp>
-          <p:nvSpPr>
-            <p:cNvPr id="200" name="流程图: 过程 199">
-              <a:extLst>
-                <a:ext uri="{FF2B5EF4-FFF2-40B4-BE49-F238E27FC236}">
-                  <a16:creationId xmlns:a16="http://schemas.microsoft.com/office/drawing/2014/main" id="{F36A287C-17D0-9D7B-F5DA-8DB3F5D3ADD9}"/>
-                </a:ext>
-              </a:extLst>
-            </p:cNvPr>
-            <p:cNvSpPr/>
-            <p:nvPr/>
-          </p:nvSpPr>
-          <p:spPr>
-            <a:xfrm>
-              <a:off x="4330285" y="5687685"/>
-              <a:ext cx="157945" cy="59055"/>
-            </a:xfrm>
-            <a:prstGeom prst="flowChartProcess">
-              <a:avLst/>
-            </a:prstGeom>
-          </p:spPr>
-          <p:style>
-            <a:lnRef idx="2">
-              <a:schemeClr val="accent1">
-                <a:shade val="50000"/>
-              </a:schemeClr>
-            </a:lnRef>
-            <a:fillRef idx="1">
-              <a:schemeClr val="accent1"/>
-            </a:fillRef>
-            <a:effectRef idx="0">
-              <a:schemeClr val="accent1"/>
-            </a:effectRef>
-            <a:fontRef idx="minor">
-              <a:schemeClr val="lt1"/>
-            </a:fontRef>
-          </p:style>
-          <p:txBody>
-            <a:bodyPr rtlCol="0" anchor="ctr"/>
-            <a:lstStyle/>
-            <a:p>
-              <a:pPr algn="ctr"/>
-              <a:endParaRPr lang="zh-CN" altLang="en-US"/>
-            </a:p>
-          </p:txBody>
-        </p:sp>
-        <p:sp>
-          <p:nvSpPr>
-            <p:cNvPr id="201" name="矩形 200">
-              <a:extLst>
-                <a:ext uri="{FF2B5EF4-FFF2-40B4-BE49-F238E27FC236}">
-                  <a16:creationId xmlns:a16="http://schemas.microsoft.com/office/drawing/2014/main" id="{60A694BA-C2CD-DA13-9819-6F1F34CE211A}"/>
-                </a:ext>
-              </a:extLst>
-            </p:cNvPr>
-            <p:cNvSpPr/>
-            <p:nvPr/>
-          </p:nvSpPr>
-          <p:spPr>
-            <a:xfrm>
-              <a:off x="4436937" y="5974881"/>
-              <a:ext cx="764192" cy="210372"/>
-            </a:xfrm>
-            <a:prstGeom prst="rect">
-              <a:avLst/>
-            </a:prstGeom>
-            <a:noFill/>
-            <a:ln>
-              <a:solidFill>
-                <a:schemeClr val="tx1"/>
-              </a:solidFill>
-            </a:ln>
-          </p:spPr>
-          <p:style>
-            <a:lnRef idx="2">
-              <a:schemeClr val="accent1">
-                <a:shade val="50000"/>
-              </a:schemeClr>
-            </a:lnRef>
-            <a:fillRef idx="1">
-              <a:schemeClr val="accent1"/>
-            </a:fillRef>
-            <a:effectRef idx="0">
-              <a:schemeClr val="accent1"/>
-            </a:effectRef>
-            <a:fontRef idx="minor">
-              <a:schemeClr val="lt1"/>
-            </a:fontRef>
-          </p:style>
-          <p:txBody>
-            <a:bodyPr rtlCol="0" anchor="ctr"/>
-            <a:lstStyle/>
-            <a:p>
-              <a:pPr algn="ctr"/>
-              <a:r>
-                <a:rPr lang="en-US" altLang="zh-CN" sz="800" dirty="0" err="1">
-                  <a:solidFill>
-                    <a:schemeClr val="tx1"/>
-                  </a:solidFill>
-                </a:rPr>
-                <a:t>wxml</a:t>
-              </a:r>
-              <a:endParaRPr lang="zh-CN" altLang="en-US" sz="800" dirty="0">
-                <a:solidFill>
-                  <a:schemeClr val="tx1"/>
-                </a:solidFill>
-              </a:endParaRPr>
-            </a:p>
-          </p:txBody>
-        </p:sp>
-        <p:sp>
-          <p:nvSpPr>
-            <p:cNvPr id="202" name="流程图: 过程 201">
-              <a:extLst>
-                <a:ext uri="{FF2B5EF4-FFF2-40B4-BE49-F238E27FC236}">
-                  <a16:creationId xmlns:a16="http://schemas.microsoft.com/office/drawing/2014/main" id="{E9499FA1-BB6C-3954-CFAB-4328237A0974}"/>
-                </a:ext>
-              </a:extLst>
-            </p:cNvPr>
-            <p:cNvSpPr/>
-            <p:nvPr/>
-          </p:nvSpPr>
-          <p:spPr>
-            <a:xfrm>
-              <a:off x="4353624" y="5997747"/>
-              <a:ext cx="157945" cy="59055"/>
-            </a:xfrm>
-            <a:prstGeom prst="flowChartProcess">
-              <a:avLst/>
-            </a:prstGeom>
-          </p:spPr>
-          <p:style>
-            <a:lnRef idx="2">
-              <a:schemeClr val="accent1">
-                <a:shade val="50000"/>
-              </a:schemeClr>
-            </a:lnRef>
-            <a:fillRef idx="1">
-              <a:schemeClr val="accent1"/>
-            </a:fillRef>
-            <a:effectRef idx="0">
-              <a:schemeClr val="accent1"/>
-            </a:effectRef>
-            <a:fontRef idx="minor">
-              <a:schemeClr val="lt1"/>
-            </a:fontRef>
-          </p:style>
-          <p:txBody>
-            <a:bodyPr rtlCol="0" anchor="ctr"/>
-            <a:lstStyle/>
-            <a:p>
-              <a:pPr algn="ctr"/>
-              <a:endParaRPr lang="zh-CN" altLang="en-US"/>
-            </a:p>
-          </p:txBody>
-        </p:sp>
-        <p:sp>
-          <p:nvSpPr>
-            <p:cNvPr id="203" name="流程图: 过程 202">
-              <a:extLst>
-                <a:ext uri="{FF2B5EF4-FFF2-40B4-BE49-F238E27FC236}">
-                  <a16:creationId xmlns:a16="http://schemas.microsoft.com/office/drawing/2014/main" id="{9CBD60D2-E8C3-2A97-03B7-262A552BB3D1}"/>
-                </a:ext>
-              </a:extLst>
-            </p:cNvPr>
-            <p:cNvSpPr/>
-            <p:nvPr/>
-          </p:nvSpPr>
-          <p:spPr>
-            <a:xfrm>
-              <a:off x="4353624" y="6095181"/>
-              <a:ext cx="157945" cy="59055"/>
-            </a:xfrm>
-            <a:prstGeom prst="flowChartProcess">
-              <a:avLst/>
-            </a:prstGeom>
-          </p:spPr>
-          <p:style>
-            <a:lnRef idx="2">
-              <a:schemeClr val="accent1">
-                <a:shade val="50000"/>
-              </a:schemeClr>
-            </a:lnRef>
-            <a:fillRef idx="1">
-              <a:schemeClr val="accent1"/>
-            </a:fillRef>
-            <a:effectRef idx="0">
-              <a:schemeClr val="accent1"/>
-            </a:effectRef>
-            <a:fontRef idx="minor">
-              <a:schemeClr val="lt1"/>
-            </a:fontRef>
-          </p:style>
-          <p:txBody>
-            <a:bodyPr rtlCol="0" anchor="ctr"/>
-            <a:lstStyle/>
-            <a:p>
-              <a:pPr algn="ctr"/>
-              <a:endParaRPr lang="zh-CN" altLang="en-US"/>
-            </a:p>
-          </p:txBody>
-        </p:sp>
-        <p:sp>
-          <p:nvSpPr>
-            <p:cNvPr id="204" name="矩形 203">
-              <a:extLst>
-                <a:ext uri="{FF2B5EF4-FFF2-40B4-BE49-F238E27FC236}">
-                  <a16:creationId xmlns:a16="http://schemas.microsoft.com/office/drawing/2014/main" id="{A0E182C2-F6D1-FE13-BD42-7135E9F86457}"/>
-                </a:ext>
-              </a:extLst>
-            </p:cNvPr>
-            <p:cNvSpPr/>
-            <p:nvPr/>
-          </p:nvSpPr>
-          <p:spPr>
-            <a:xfrm>
-              <a:off x="4419365" y="6336859"/>
-              <a:ext cx="764192" cy="210372"/>
-            </a:xfrm>
-            <a:prstGeom prst="rect">
-              <a:avLst/>
-            </a:prstGeom>
-            <a:noFill/>
-            <a:ln>
-              <a:solidFill>
-                <a:schemeClr val="tx1"/>
-              </a:solidFill>
-            </a:ln>
-          </p:spPr>
-          <p:style>
-            <a:lnRef idx="2">
-              <a:schemeClr val="accent1">
-                <a:shade val="50000"/>
-              </a:schemeClr>
-            </a:lnRef>
-            <a:fillRef idx="1">
-              <a:schemeClr val="accent1"/>
-            </a:fillRef>
-            <a:effectRef idx="0">
-              <a:schemeClr val="accent1"/>
-            </a:effectRef>
-            <a:fontRef idx="minor">
-              <a:schemeClr val="lt1"/>
-            </a:fontRef>
-          </p:style>
-          <p:txBody>
-            <a:bodyPr rtlCol="0" anchor="ctr"/>
-            <a:lstStyle/>
-            <a:p>
-              <a:pPr algn="ctr"/>
-              <a:r>
-                <a:rPr lang="en-US" altLang="zh-CN" sz="800" dirty="0" err="1">
-                  <a:solidFill>
-                    <a:schemeClr val="tx1"/>
-                  </a:solidFill>
-                </a:rPr>
-                <a:t>wxss</a:t>
-              </a:r>
-              <a:endParaRPr lang="zh-CN" altLang="en-US" sz="800" dirty="0">
-                <a:solidFill>
-                  <a:schemeClr val="tx1"/>
-                </a:solidFill>
-              </a:endParaRPr>
-            </a:p>
-          </p:txBody>
-        </p:sp>
-        <p:sp>
-          <p:nvSpPr>
-            <p:cNvPr id="205" name="流程图: 过程 204">
-              <a:extLst>
-                <a:ext uri="{FF2B5EF4-FFF2-40B4-BE49-F238E27FC236}">
-                  <a16:creationId xmlns:a16="http://schemas.microsoft.com/office/drawing/2014/main" id="{CD8F6CC8-7039-C02F-A1A0-8FA377179DBD}"/>
-                </a:ext>
-              </a:extLst>
-            </p:cNvPr>
-            <p:cNvSpPr/>
-            <p:nvPr/>
-          </p:nvSpPr>
-          <p:spPr>
-            <a:xfrm>
-              <a:off x="4336052" y="6359725"/>
-              <a:ext cx="157945" cy="59055"/>
-            </a:xfrm>
-            <a:prstGeom prst="flowChartProcess">
-              <a:avLst/>
-            </a:prstGeom>
-          </p:spPr>
-          <p:style>
-            <a:lnRef idx="2">
-              <a:schemeClr val="accent1">
-                <a:shade val="50000"/>
-              </a:schemeClr>
-            </a:lnRef>
-            <a:fillRef idx="1">
-              <a:schemeClr val="accent1"/>
-            </a:fillRef>
-            <a:effectRef idx="0">
-              <a:schemeClr val="accent1"/>
-            </a:effectRef>
-            <a:fontRef idx="minor">
-              <a:schemeClr val="lt1"/>
-            </a:fontRef>
-          </p:style>
-          <p:txBody>
-            <a:bodyPr rtlCol="0" anchor="ctr"/>
-            <a:lstStyle/>
-            <a:p>
-              <a:pPr algn="ctr"/>
-              <a:endParaRPr lang="zh-CN" altLang="en-US"/>
-            </a:p>
-          </p:txBody>
-        </p:sp>
-        <p:sp>
-          <p:nvSpPr>
-            <p:cNvPr id="206" name="流程图: 过程 205">
-              <a:extLst>
-                <a:ext uri="{FF2B5EF4-FFF2-40B4-BE49-F238E27FC236}">
-                  <a16:creationId xmlns:a16="http://schemas.microsoft.com/office/drawing/2014/main" id="{D6ED0FC4-2037-E288-1DE0-0DA1F4A6FD68}"/>
-                </a:ext>
-              </a:extLst>
-            </p:cNvPr>
-            <p:cNvSpPr/>
-            <p:nvPr/>
-          </p:nvSpPr>
-          <p:spPr>
-            <a:xfrm>
-              <a:off x="4336052" y="6457159"/>
-              <a:ext cx="157945" cy="59055"/>
-            </a:xfrm>
-            <a:prstGeom prst="flowChartProcess">
-              <a:avLst/>
-            </a:prstGeom>
-          </p:spPr>
-          <p:style>
-            <a:lnRef idx="2">
-              <a:schemeClr val="accent1">
-                <a:shade val="50000"/>
-              </a:schemeClr>
-            </a:lnRef>
-            <a:fillRef idx="1">
-              <a:schemeClr val="accent1"/>
-            </a:fillRef>
-            <a:effectRef idx="0">
-              <a:schemeClr val="accent1"/>
-            </a:effectRef>
-            <a:fontRef idx="minor">
-              <a:schemeClr val="lt1"/>
-            </a:fontRef>
-          </p:style>
-          <p:txBody>
-            <a:bodyPr rtlCol="0" anchor="ctr"/>
-            <a:lstStyle/>
-            <a:p>
-              <a:pPr algn="ctr"/>
-              <a:endParaRPr lang="zh-CN" altLang="en-US"/>
-            </a:p>
-          </p:txBody>
-        </p:sp>
-        <p:sp>
-          <p:nvSpPr>
-            <p:cNvPr id="207" name="文本框 206">
-              <a:extLst>
-                <a:ext uri="{FF2B5EF4-FFF2-40B4-BE49-F238E27FC236}">
-                  <a16:creationId xmlns:a16="http://schemas.microsoft.com/office/drawing/2014/main" id="{601A846A-3D9E-6A8C-5FC9-D7B6896D023F}"/>
-                </a:ext>
-              </a:extLst>
-            </p:cNvPr>
-            <p:cNvSpPr txBox="1"/>
-            <p:nvPr/>
-          </p:nvSpPr>
-          <p:spPr>
-            <a:xfrm>
-              <a:off x="5869970" y="5649216"/>
-              <a:ext cx="914400" cy="415498"/>
-            </a:xfrm>
-            <a:prstGeom prst="rect">
-              <a:avLst/>
-            </a:prstGeom>
-            <a:noFill/>
-          </p:spPr>
-          <p:txBody>
-            <a:bodyPr wrap="square" rtlCol="0">
-              <a:spAutoFit/>
-            </a:bodyPr>
-            <a:lstStyle/>
-            <a:p>
-              <a:r>
-                <a:rPr lang="en-US" altLang="zh-CN" sz="1050" dirty="0" err="1"/>
-                <a:t>Wechat</a:t>
-              </a:r>
-              <a:endParaRPr lang="en-US" altLang="zh-CN" sz="1050" dirty="0"/>
-            </a:p>
-            <a:p>
-              <a:r>
-                <a:rPr lang="en-US" altLang="zh-CN" sz="1050" dirty="0"/>
-                <a:t>Applet</a:t>
-              </a:r>
-              <a:endParaRPr lang="zh-CN" altLang="en-US" sz="1050" dirty="0"/>
+              <a:endParaRPr lang="zh-CN" altLang="en-US" dirty="0"/>
             </a:p>
           </p:txBody>
         </p:sp>
